--- a/VHDL/2주차/18.11.07 - 디시설(김동욱).pptx
+++ b/VHDL/2주차/18.11.07 - 디시설(김동욱).pptx
@@ -11,16 +11,18 @@
     <p:sldId id="306" r:id="rId5"/>
     <p:sldId id="308" r:id="rId6"/>
     <p:sldId id="309" r:id="rId7"/>
-    <p:sldId id="311" r:id="rId8"/>
+    <p:sldId id="322" r:id="rId8"/>
     <p:sldId id="310" r:id="rId9"/>
-    <p:sldId id="312" r:id="rId10"/>
-    <p:sldId id="307" r:id="rId11"/>
-    <p:sldId id="313" r:id="rId12"/>
-    <p:sldId id="314" r:id="rId13"/>
-    <p:sldId id="304" r:id="rId14"/>
-    <p:sldId id="303" r:id="rId15"/>
-    <p:sldId id="305" r:id="rId16"/>
-    <p:sldId id="300" r:id="rId17"/>
+    <p:sldId id="315" r:id="rId10"/>
+    <p:sldId id="320" r:id="rId11"/>
+    <p:sldId id="321" r:id="rId12"/>
+    <p:sldId id="317" r:id="rId13"/>
+    <p:sldId id="318" r:id="rId14"/>
+    <p:sldId id="319" r:id="rId15"/>
+    <p:sldId id="313" r:id="rId16"/>
+    <p:sldId id="307" r:id="rId17"/>
+    <p:sldId id="314" r:id="rId18"/>
+    <p:sldId id="300" r:id="rId19"/>
   </p:sldIdLst>
   <p:sldSz cx="9906000" cy="6858000" type="A4"/>
   <p:notesSz cx="6858000" cy="9144000"/>
@@ -276,7 +278,7 @@
                 </a:solidFill>
               </a:rPr>
               <a:pPr/>
-              <a:t>2018-11-07</a:t>
+              <a:t>2018-11-12</a:t>
             </a:fld>
             <a:endParaRPr lang="ko-KR" altLang="en-US" dirty="0">
               <a:solidFill>
@@ -478,7 +480,7 @@
                 </a:solidFill>
               </a:rPr>
               <a:pPr/>
-              <a:t>2018-11-07</a:t>
+              <a:t>2018-11-12</a:t>
             </a:fld>
             <a:endParaRPr lang="ko-KR" altLang="en-US" dirty="0">
               <a:solidFill>
@@ -690,7 +692,7 @@
                 </a:solidFill>
               </a:rPr>
               <a:pPr/>
-              <a:t>2018-11-07</a:t>
+              <a:t>2018-11-12</a:t>
             </a:fld>
             <a:endParaRPr lang="ko-KR" altLang="en-US" dirty="0">
               <a:solidFill>
@@ -892,7 +894,7 @@
                 </a:solidFill>
               </a:rPr>
               <a:pPr/>
-              <a:t>2018-11-07</a:t>
+              <a:t>2018-11-12</a:t>
             </a:fld>
             <a:endParaRPr lang="ko-KR" altLang="en-US" dirty="0">
               <a:solidFill>
@@ -1168,7 +1170,7 @@
                 </a:solidFill>
               </a:rPr>
               <a:pPr/>
-              <a:t>2018-11-07</a:t>
+              <a:t>2018-11-12</a:t>
             </a:fld>
             <a:endParaRPr lang="ko-KR" altLang="en-US" dirty="0">
               <a:solidFill>
@@ -1432,7 +1434,7 @@
                 </a:solidFill>
               </a:rPr>
               <a:pPr/>
-              <a:t>2018-11-07</a:t>
+              <a:t>2018-11-12</a:t>
             </a:fld>
             <a:endParaRPr lang="ko-KR" altLang="en-US" dirty="0">
               <a:solidFill>
@@ -1831,7 +1833,7 @@
                 </a:solidFill>
               </a:rPr>
               <a:pPr/>
-              <a:t>2018-11-07</a:t>
+              <a:t>2018-11-12</a:t>
             </a:fld>
             <a:endParaRPr lang="ko-KR" altLang="en-US" dirty="0">
               <a:solidFill>
@@ -1981,7 +1983,7 @@
                 </a:solidFill>
               </a:rPr>
               <a:pPr/>
-              <a:t>2018-11-07</a:t>
+              <a:t>2018-11-12</a:t>
             </a:fld>
             <a:endParaRPr lang="ko-KR" altLang="en-US" dirty="0">
               <a:solidFill>
@@ -2108,7 +2110,7 @@
                 </a:solidFill>
               </a:rPr>
               <a:pPr/>
-              <a:t>2018-11-07</a:t>
+              <a:t>2018-11-12</a:t>
             </a:fld>
             <a:endParaRPr lang="ko-KR" altLang="en-US" dirty="0">
               <a:solidFill>
@@ -2417,7 +2419,7 @@
                 </a:solidFill>
               </a:rPr>
               <a:pPr/>
-              <a:t>2018-11-07</a:t>
+              <a:t>2018-11-12</a:t>
             </a:fld>
             <a:endParaRPr lang="ko-KR" altLang="en-US" dirty="0">
               <a:solidFill>
@@ -2706,7 +2708,7 @@
                 </a:solidFill>
               </a:rPr>
               <a:pPr/>
-              <a:t>2018-11-07</a:t>
+              <a:t>2018-11-12</a:t>
             </a:fld>
             <a:endParaRPr lang="ko-KR" altLang="en-US" dirty="0">
               <a:solidFill>
@@ -2951,7 +2953,7 @@
                 </a:solidFill>
               </a:rPr>
               <a:pPr/>
-              <a:t>2018-11-07</a:t>
+              <a:t>2018-11-12</a:t>
             </a:fld>
             <a:endParaRPr lang="ko-KR" altLang="en-US" dirty="0">
               <a:solidFill>
@@ -3716,6 +3718,5050 @@
       </p:grpSpPr>
       <p:sp>
         <p:nvSpPr>
+          <p:cNvPr id="2" name="TextBox 1">
+            <a:extLst>
+              <a:ext uri="{FF2B5EF4-FFF2-40B4-BE49-F238E27FC236}">
+                <a16:creationId xmlns:a16="http://schemas.microsoft.com/office/drawing/2014/main" id="{FD300E20-E996-4FE1-8E95-DC09DAEFB5F4}"/>
+              </a:ext>
+            </a:extLst>
+          </p:cNvPr>
+          <p:cNvSpPr txBox="1"/>
+          <p:nvPr/>
+        </p:nvSpPr>
+        <p:spPr>
+          <a:xfrm>
+            <a:off x="399495" y="346230"/>
+            <a:ext cx="1953088" cy="800219"/>
+          </a:xfrm>
+          <a:prstGeom prst="rect">
+            <a:avLst/>
+          </a:prstGeom>
+          <a:noFill/>
+        </p:spPr>
+        <p:txBody>
+          <a:bodyPr wrap="square" rtlCol="0">
+            <a:spAutoFit/>
+          </a:bodyPr>
+          <a:lstStyle/>
+          <a:p>
+            <a:pPr marL="0" marR="0" lvl="0" indent="0" algn="l" defTabSz="914400" rtl="0" eaLnBrk="1" fontAlgn="auto" latinLnBrk="1" hangingPunct="1">
+              <a:lnSpc>
+                <a:spcPct val="100000"/>
+              </a:lnSpc>
+              <a:spcBef>
+                <a:spcPts val="0"/>
+              </a:spcBef>
+              <a:spcAft>
+                <a:spcPts val="0"/>
+              </a:spcAft>
+              <a:buClrTx/>
+              <a:buSzTx/>
+              <a:buFontTx/>
+              <a:buNone/>
+              <a:tabLst/>
+              <a:defRPr/>
+            </a:pPr>
+            <a:r>
+              <a:rPr kumimoji="0" lang="ko-KR" altLang="en-US" sz="2800" b="0" i="0" u="none" strike="noStrike" kern="1200" cap="none" spc="300" normalizeH="0" baseline="0" noProof="0" dirty="0">
+                <a:ln>
+                  <a:noFill/>
+                </a:ln>
+                <a:solidFill>
+                  <a:prstClr val="white"/>
+                </a:solidFill>
+                <a:effectLst/>
+                <a:uLnTx/>
+                <a:uFillTx/>
+                <a:latin typeface="Noto Serif CJK KR Black" panose="02020900000000000000" pitchFamily="18" charset="-127"/>
+                <a:ea typeface="Noto Serif CJK KR Black" panose="02020900000000000000" pitchFamily="18" charset="-127"/>
+                <a:cs typeface="+mn-cs"/>
+              </a:rPr>
+              <a:t>주제 설명</a:t>
+            </a:r>
+            <a:endParaRPr kumimoji="0" lang="en-US" altLang="ko-KR" sz="2800" b="0" i="0" u="none" strike="noStrike" kern="1200" cap="none" spc="300" normalizeH="0" baseline="0" noProof="0" dirty="0">
+              <a:ln>
+                <a:noFill/>
+              </a:ln>
+              <a:solidFill>
+                <a:prstClr val="white"/>
+              </a:solidFill>
+              <a:effectLst/>
+              <a:uLnTx/>
+              <a:uFillTx/>
+              <a:latin typeface="Noto Serif CJK KR Black" panose="02020900000000000000" pitchFamily="18" charset="-127"/>
+              <a:ea typeface="Noto Serif CJK KR Black" panose="02020900000000000000" pitchFamily="18" charset="-127"/>
+              <a:cs typeface="+mn-cs"/>
+            </a:endParaRPr>
+          </a:p>
+          <a:p>
+            <a:pPr marL="0" marR="0" lvl="0" indent="0" algn="l" defTabSz="914400" rtl="0" eaLnBrk="1" fontAlgn="auto" latinLnBrk="1" hangingPunct="1">
+              <a:lnSpc>
+                <a:spcPct val="100000"/>
+              </a:lnSpc>
+              <a:spcBef>
+                <a:spcPts val="0"/>
+              </a:spcBef>
+              <a:spcAft>
+                <a:spcPts val="0"/>
+              </a:spcAft>
+              <a:buClrTx/>
+              <a:buSzTx/>
+              <a:buFontTx/>
+              <a:buNone/>
+              <a:tabLst/>
+              <a:defRPr/>
+            </a:pPr>
+            <a:endParaRPr kumimoji="0" lang="ko-KR" altLang="en-US" sz="1800" b="0" i="0" u="none" strike="noStrike" kern="1200" cap="none" spc="0" normalizeH="0" baseline="0" noProof="0" dirty="0">
+              <a:ln>
+                <a:noFill/>
+              </a:ln>
+              <a:solidFill>
+                <a:prstClr val="black"/>
+              </a:solidFill>
+              <a:effectLst/>
+              <a:uLnTx/>
+              <a:uFillTx/>
+              <a:latin typeface="Calibri" panose="020F0502020204030204"/>
+              <a:ea typeface="맑은 고딕" panose="020B0503020000020004" pitchFamily="50" charset="-127"/>
+              <a:cs typeface="+mn-cs"/>
+            </a:endParaRPr>
+          </a:p>
+        </p:txBody>
+      </p:sp>
+      <p:pic>
+        <p:nvPicPr>
+          <p:cNvPr id="9" name="Picture 2" descr="ìëë¡ì´ëì ëí ì´ë¯¸ì§ ê²ìê²°ê³¼">
+            <a:extLst>
+              <a:ext uri="{FF2B5EF4-FFF2-40B4-BE49-F238E27FC236}">
+                <a16:creationId xmlns:a16="http://schemas.microsoft.com/office/drawing/2014/main" id="{A1C04B08-12C3-4D62-9FFB-7B7250B6CD2F}"/>
+              </a:ext>
+            </a:extLst>
+          </p:cNvPr>
+          <p:cNvPicPr>
+            <a:picLocks noChangeAspect="1" noChangeArrowheads="1"/>
+          </p:cNvPicPr>
+          <p:nvPr/>
+        </p:nvPicPr>
+        <p:blipFill>
+          <a:blip r:embed="rId3">
+            <a:extLst>
+              <a:ext uri="{28A0092B-C50C-407E-A947-70E740481C1C}">
+                <a14:useLocalDpi xmlns:a14="http://schemas.microsoft.com/office/drawing/2010/main" val="0"/>
+              </a:ext>
+            </a:extLst>
+          </a:blip>
+          <a:srcRect/>
+          <a:stretch>
+            <a:fillRect/>
+          </a:stretch>
+        </p:blipFill>
+        <p:spPr bwMode="auto">
+          <a:xfrm>
+            <a:off x="911728" y="2187081"/>
+            <a:ext cx="3333156" cy="2496650"/>
+          </a:xfrm>
+          <a:prstGeom prst="rect">
+            <a:avLst/>
+          </a:prstGeom>
+          <a:noFill/>
+          <a:extLst>
+            <a:ext uri="{909E8E84-426E-40DD-AFC4-6F175D3DCCD1}">
+              <a14:hiddenFill xmlns:a14="http://schemas.microsoft.com/office/drawing/2010/main">
+                <a:solidFill>
+                  <a:srgbClr val="FFFFFF"/>
+                </a:solidFill>
+              </a14:hiddenFill>
+            </a:ext>
+          </a:extLst>
+        </p:spPr>
+      </p:pic>
+      <p:pic>
+        <p:nvPicPr>
+          <p:cNvPr id="11" name="Picture 6" descr="HC-06ì ëí ì´ë¯¸ì§ ê²ìê²°ê³¼">
+            <a:extLst>
+              <a:ext uri="{FF2B5EF4-FFF2-40B4-BE49-F238E27FC236}">
+                <a16:creationId xmlns:a16="http://schemas.microsoft.com/office/drawing/2014/main" id="{BBF1EE6C-CE6C-4D4D-A79E-D250BCA60744}"/>
+              </a:ext>
+            </a:extLst>
+          </p:cNvPr>
+          <p:cNvPicPr>
+            <a:picLocks noChangeAspect="1" noChangeArrowheads="1"/>
+          </p:cNvPicPr>
+          <p:nvPr/>
+        </p:nvPicPr>
+        <p:blipFill>
+          <a:blip r:embed="rId4">
+            <a:extLst>
+              <a:ext uri="{28A0092B-C50C-407E-A947-70E740481C1C}">
+                <a14:useLocalDpi xmlns:a14="http://schemas.microsoft.com/office/drawing/2010/main" val="0"/>
+              </a:ext>
+            </a:extLst>
+          </a:blip>
+          <a:srcRect/>
+          <a:stretch>
+            <a:fillRect/>
+          </a:stretch>
+        </p:blipFill>
+        <p:spPr bwMode="auto">
+          <a:xfrm>
+            <a:off x="5461815" y="1524597"/>
+            <a:ext cx="3632719" cy="3632719"/>
+          </a:xfrm>
+          <a:prstGeom prst="rect">
+            <a:avLst/>
+          </a:prstGeom>
+          <a:noFill/>
+          <a:extLst>
+            <a:ext uri="{909E8E84-426E-40DD-AFC4-6F175D3DCCD1}">
+              <a14:hiddenFill xmlns:a14="http://schemas.microsoft.com/office/drawing/2010/main">
+                <a:solidFill>
+                  <a:srgbClr val="FFFFFF"/>
+                </a:solidFill>
+              </a14:hiddenFill>
+            </a:ext>
+          </a:extLst>
+        </p:spPr>
+      </p:pic>
+      <p:cxnSp>
+        <p:nvCxnSpPr>
+          <p:cNvPr id="6" name="직선 화살표 연결선 5">
+            <a:extLst>
+              <a:ext uri="{FF2B5EF4-FFF2-40B4-BE49-F238E27FC236}">
+                <a16:creationId xmlns:a16="http://schemas.microsoft.com/office/drawing/2014/main" id="{C9F00655-0AFE-4BCC-8555-1BF851050631}"/>
+              </a:ext>
+            </a:extLst>
+          </p:cNvPr>
+          <p:cNvCxnSpPr>
+            <a:cxnSpLocks/>
+            <a:stCxn id="11" idx="1"/>
+          </p:cNvCxnSpPr>
+          <p:nvPr/>
+        </p:nvCxnSpPr>
+        <p:spPr>
+          <a:xfrm flipH="1">
+            <a:off x="4244884" y="3340957"/>
+            <a:ext cx="1216931" cy="8733"/>
+          </a:xfrm>
+          <a:prstGeom prst="straightConnector1">
+            <a:avLst/>
+          </a:prstGeom>
+          <a:ln w="57150">
+            <a:solidFill>
+              <a:srgbClr val="FF0000"/>
+            </a:solidFill>
+            <a:tailEnd type="triangle"/>
+          </a:ln>
+        </p:spPr>
+        <p:style>
+          <a:lnRef idx="1">
+            <a:schemeClr val="accent1"/>
+          </a:lnRef>
+          <a:fillRef idx="0">
+            <a:schemeClr val="accent1"/>
+          </a:fillRef>
+          <a:effectRef idx="0">
+            <a:schemeClr val="accent1"/>
+          </a:effectRef>
+          <a:fontRef idx="minor">
+            <a:schemeClr val="tx1"/>
+          </a:fontRef>
+        </p:style>
+      </p:cxnSp>
+      <p:pic>
+        <p:nvPicPr>
+          <p:cNvPr id="13" name="Picture 4" descr="ë¸ë£¨í¬ì¤ì ëí ì´ë¯¸ì§ ê²ìê²°ê³¼">
+            <a:extLst>
+              <a:ext uri="{FF2B5EF4-FFF2-40B4-BE49-F238E27FC236}">
+                <a16:creationId xmlns:a16="http://schemas.microsoft.com/office/drawing/2014/main" id="{04CE11AB-3BD9-43CF-869A-A9E90507EEA0}"/>
+              </a:ext>
+            </a:extLst>
+          </p:cNvPr>
+          <p:cNvPicPr>
+            <a:picLocks noChangeAspect="1" noChangeArrowheads="1"/>
+          </p:cNvPicPr>
+          <p:nvPr/>
+        </p:nvPicPr>
+        <p:blipFill>
+          <a:blip r:embed="rId5">
+            <a:extLst>
+              <a:ext uri="{28A0092B-C50C-407E-A947-70E740481C1C}">
+                <a14:useLocalDpi xmlns:a14="http://schemas.microsoft.com/office/drawing/2010/main" val="0"/>
+              </a:ext>
+            </a:extLst>
+          </a:blip>
+          <a:srcRect/>
+          <a:stretch>
+            <a:fillRect/>
+          </a:stretch>
+        </p:blipFill>
+        <p:spPr bwMode="auto">
+          <a:xfrm>
+            <a:off x="5988793" y="1836409"/>
+            <a:ext cx="2578761" cy="2578761"/>
+          </a:xfrm>
+          <a:prstGeom prst="rect">
+            <a:avLst/>
+          </a:prstGeom>
+          <a:noFill/>
+          <a:extLst>
+            <a:ext uri="{909E8E84-426E-40DD-AFC4-6F175D3DCCD1}">
+              <a14:hiddenFill xmlns:a14="http://schemas.microsoft.com/office/drawing/2010/main">
+                <a:solidFill>
+                  <a:srgbClr val="FFFFFF"/>
+                </a:solidFill>
+              </a14:hiddenFill>
+            </a:ext>
+          </a:extLst>
+        </p:spPr>
+      </p:pic>
+    </p:spTree>
+    <p:extLst>
+      <p:ext uri="{BB962C8B-B14F-4D97-AF65-F5344CB8AC3E}">
+        <p14:creationId xmlns:p14="http://schemas.microsoft.com/office/powerpoint/2010/main" val="1999590539"/>
+      </p:ext>
+    </p:extLst>
+  </p:cSld>
+  <p:clrMapOvr>
+    <a:masterClrMapping/>
+  </p:clrMapOvr>
+  <p:timing>
+    <p:tnLst>
+      <p:par>
+        <p:cTn id="1" dur="indefinite" restart="never" nodeType="tmRoot">
+          <p:childTnLst>
+            <p:seq concurrent="1" nextAc="seek">
+              <p:cTn id="2" dur="indefinite" nodeType="mainSeq">
+                <p:childTnLst>
+                  <p:par>
+                    <p:cTn id="3" fill="hold">
+                      <p:stCondLst>
+                        <p:cond delay="indefinite"/>
+                      </p:stCondLst>
+                      <p:childTnLst>
+                        <p:par>
+                          <p:cTn id="4" fill="hold">
+                            <p:stCondLst>
+                              <p:cond delay="0"/>
+                            </p:stCondLst>
+                            <p:childTnLst>
+                              <p:par>
+                                <p:cTn id="5" presetID="1" presetClass="entr" presetSubtype="0" fill="hold" nodeType="clickEffect">
+                                  <p:stCondLst>
+                                    <p:cond delay="0"/>
+                                  </p:stCondLst>
+                                  <p:childTnLst>
+                                    <p:set>
+                                      <p:cBhvr>
+                                        <p:cTn id="6" dur="1" fill="hold">
+                                          <p:stCondLst>
+                                            <p:cond delay="0"/>
+                                          </p:stCondLst>
+                                        </p:cTn>
+                                        <p:tgtEl>
+                                          <p:spTgt spid="13"/>
+                                        </p:tgtEl>
+                                        <p:attrNameLst>
+                                          <p:attrName>style.visibility</p:attrName>
+                                        </p:attrNameLst>
+                                      </p:cBhvr>
+                                      <p:to>
+                                        <p:strVal val="visible"/>
+                                      </p:to>
+                                    </p:set>
+                                  </p:childTnLst>
+                                </p:cTn>
+                              </p:par>
+                            </p:childTnLst>
+                          </p:cTn>
+                        </p:par>
+                      </p:childTnLst>
+                    </p:cTn>
+                  </p:par>
+                  <p:par>
+                    <p:cTn id="7" fill="hold">
+                      <p:stCondLst>
+                        <p:cond delay="indefinite"/>
+                      </p:stCondLst>
+                      <p:childTnLst>
+                        <p:par>
+                          <p:cTn id="8" fill="hold">
+                            <p:stCondLst>
+                              <p:cond delay="0"/>
+                            </p:stCondLst>
+                            <p:childTnLst>
+                              <p:par>
+                                <p:cTn id="9" presetID="1" presetClass="entr" presetSubtype="0" fill="hold" nodeType="clickEffect">
+                                  <p:stCondLst>
+                                    <p:cond delay="0"/>
+                                  </p:stCondLst>
+                                  <p:childTnLst>
+                                    <p:set>
+                                      <p:cBhvr>
+                                        <p:cTn id="10" dur="1" fill="hold">
+                                          <p:stCondLst>
+                                            <p:cond delay="0"/>
+                                          </p:stCondLst>
+                                        </p:cTn>
+                                        <p:tgtEl>
+                                          <p:spTgt spid="6"/>
+                                        </p:tgtEl>
+                                        <p:attrNameLst>
+                                          <p:attrName>style.visibility</p:attrName>
+                                        </p:attrNameLst>
+                                      </p:cBhvr>
+                                      <p:to>
+                                        <p:strVal val="visible"/>
+                                      </p:to>
+                                    </p:set>
+                                  </p:childTnLst>
+                                </p:cTn>
+                              </p:par>
+                            </p:childTnLst>
+                          </p:cTn>
+                        </p:par>
+                      </p:childTnLst>
+                    </p:cTn>
+                  </p:par>
+                </p:childTnLst>
+              </p:cTn>
+              <p:prevCondLst>
+                <p:cond evt="onPrev" delay="0">
+                  <p:tgtEl>
+                    <p:sldTgt/>
+                  </p:tgtEl>
+                </p:cond>
+              </p:prevCondLst>
+              <p:nextCondLst>
+                <p:cond evt="onNext" delay="0">
+                  <p:tgtEl>
+                    <p:sldTgt/>
+                  </p:tgtEl>
+                </p:cond>
+              </p:nextCondLst>
+            </p:seq>
+          </p:childTnLst>
+        </p:cTn>
+      </p:par>
+    </p:tnLst>
+  </p:timing>
+</p:sld>
+</file>
+
+<file path=ppt/slides/slide11.xml><?xml version="1.0" encoding="utf-8"?>
+<p:sld xmlns:a="http://schemas.openxmlformats.org/drawingml/2006/main" xmlns:r="http://schemas.openxmlformats.org/officeDocument/2006/relationships" xmlns:p="http://schemas.openxmlformats.org/presentationml/2006/main" showMasterSp="0">
+  <p:cSld>
+    <p:bg>
+      <p:bgPr>
+        <a:blipFill dpi="0" rotWithShape="1">
+          <a:blip r:embed="rId2">
+            <a:lum/>
+          </a:blip>
+          <a:srcRect/>
+          <a:stretch>
+            <a:fillRect/>
+          </a:stretch>
+        </a:blipFill>
+        <a:effectLst/>
+      </p:bgPr>
+    </p:bg>
+    <p:spTree>
+      <p:nvGrpSpPr>
+        <p:cNvPr id="1" name=""/>
+        <p:cNvGrpSpPr/>
+        <p:nvPr/>
+      </p:nvGrpSpPr>
+      <p:grpSpPr>
+        <a:xfrm>
+          <a:off x="0" y="0"/>
+          <a:ext cx="0" cy="0"/>
+          <a:chOff x="0" y="0"/>
+          <a:chExt cx="0" cy="0"/>
+        </a:xfrm>
+      </p:grpSpPr>
+      <p:sp>
+        <p:nvSpPr>
+          <p:cNvPr id="16" name="직사각형 15"/>
+          <p:cNvSpPr/>
+          <p:nvPr/>
+        </p:nvSpPr>
+        <p:spPr>
+          <a:xfrm>
+            <a:off x="296633" y="333481"/>
+            <a:ext cx="3294706" cy="523220"/>
+          </a:xfrm>
+          <a:prstGeom prst="rect">
+            <a:avLst/>
+          </a:prstGeom>
+          <a:noFill/>
+        </p:spPr>
+        <p:txBody>
+          <a:bodyPr vert="horz" wrap="square">
+            <a:spAutoFit/>
+          </a:bodyPr>
+          <a:lstStyle/>
+          <a:p>
+            <a:pPr marL="0" marR="0" lvl="0" indent="0" algn="l" defTabSz="914400" rtl="0" eaLnBrk="1" fontAlgn="auto" latinLnBrk="1" hangingPunct="1">
+              <a:lnSpc>
+                <a:spcPct val="100000"/>
+              </a:lnSpc>
+              <a:spcBef>
+                <a:spcPts val="0"/>
+              </a:spcBef>
+              <a:spcAft>
+                <a:spcPts val="0"/>
+              </a:spcAft>
+              <a:buClrTx/>
+              <a:buSzTx/>
+              <a:buFontTx/>
+              <a:buNone/>
+              <a:tabLst/>
+              <a:defRPr/>
+            </a:pPr>
+            <a:r>
+              <a:rPr kumimoji="0" lang="ko-KR" altLang="en-US" sz="2800" b="0" i="0" u="none" strike="noStrike" kern="1200" cap="none" spc="300" normalizeH="0" baseline="0" noProof="0">
+                <a:ln>
+                  <a:noFill/>
+                </a:ln>
+                <a:solidFill>
+                  <a:prstClr val="white"/>
+                </a:solidFill>
+                <a:effectLst/>
+                <a:uLnTx/>
+                <a:uFillTx/>
+                <a:latin typeface="Noto Serif CJK KR Black" panose="02020900000000000000" pitchFamily="18" charset="-127"/>
+                <a:ea typeface="Noto Serif CJK KR Black" panose="02020900000000000000" pitchFamily="18" charset="-127"/>
+                <a:cs typeface="+mn-cs"/>
+              </a:rPr>
+              <a:t>주제 설명</a:t>
+            </a:r>
+            <a:r>
+              <a:rPr kumimoji="0" lang="en-US" altLang="ko-KR" sz="2800" b="0" i="0" u="none" strike="noStrike" kern="1200" cap="none" spc="300" normalizeH="0" baseline="0" noProof="0" dirty="0">
+                <a:ln>
+                  <a:noFill/>
+                </a:ln>
+                <a:solidFill>
+                  <a:prstClr val="white"/>
+                </a:solidFill>
+                <a:effectLst/>
+                <a:uLnTx/>
+                <a:uFillTx/>
+                <a:latin typeface="Noto Serif CJK KR Black" panose="02020900000000000000" pitchFamily="18" charset="-127"/>
+                <a:ea typeface="Noto Serif CJK KR Black" panose="02020900000000000000" pitchFamily="18" charset="-127"/>
+                <a:cs typeface="+mn-cs"/>
+              </a:rPr>
+              <a:t>(</a:t>
+            </a:r>
+            <a:r>
+              <a:rPr kumimoji="0" lang="ko-KR" altLang="en-US" sz="2800" b="0" i="0" u="none" strike="noStrike" kern="1200" cap="none" spc="300" normalizeH="0" baseline="0" noProof="0" dirty="0">
+                <a:ln>
+                  <a:noFill/>
+                </a:ln>
+                <a:solidFill>
+                  <a:prstClr val="white"/>
+                </a:solidFill>
+                <a:effectLst/>
+                <a:uLnTx/>
+                <a:uFillTx/>
+                <a:latin typeface="Noto Serif CJK KR Black" panose="02020900000000000000" pitchFamily="18" charset="-127"/>
+                <a:ea typeface="Noto Serif CJK KR Black" panose="02020900000000000000" pitchFamily="18" charset="-127"/>
+                <a:cs typeface="+mn-cs"/>
+              </a:rPr>
+              <a:t>블록도</a:t>
+            </a:r>
+            <a:r>
+              <a:rPr kumimoji="0" lang="en-US" altLang="ko-KR" sz="2800" b="0" i="0" u="none" strike="noStrike" kern="1200" cap="none" spc="300" normalizeH="0" baseline="0" noProof="0" dirty="0">
+                <a:ln>
+                  <a:noFill/>
+                </a:ln>
+                <a:solidFill>
+                  <a:prstClr val="white"/>
+                </a:solidFill>
+                <a:effectLst/>
+                <a:uLnTx/>
+                <a:uFillTx/>
+                <a:latin typeface="Noto Serif CJK KR Black" panose="02020900000000000000" pitchFamily="18" charset="-127"/>
+                <a:ea typeface="Noto Serif CJK KR Black" panose="02020900000000000000" pitchFamily="18" charset="-127"/>
+                <a:cs typeface="+mn-cs"/>
+              </a:rPr>
+              <a:t>)</a:t>
+            </a:r>
+          </a:p>
+        </p:txBody>
+      </p:sp>
+      <p:grpSp>
+        <p:nvGrpSpPr>
+          <p:cNvPr id="4" name="그룹 3">
+            <a:extLst>
+              <a:ext uri="{FF2B5EF4-FFF2-40B4-BE49-F238E27FC236}">
+                <a16:creationId xmlns:a16="http://schemas.microsoft.com/office/drawing/2014/main" id="{31E7F445-36E9-488E-BF14-75E0142AED35}"/>
+              </a:ext>
+            </a:extLst>
+          </p:cNvPr>
+          <p:cNvGrpSpPr/>
+          <p:nvPr/>
+        </p:nvGrpSpPr>
+        <p:grpSpPr>
+          <a:xfrm>
+            <a:off x="1390194" y="1626500"/>
+            <a:ext cx="8789503" cy="4307770"/>
+            <a:chOff x="2106977" y="1181819"/>
+            <a:chExt cx="8413234" cy="3623662"/>
+          </a:xfrm>
+        </p:grpSpPr>
+        <p:sp>
+          <p:nvSpPr>
+            <p:cNvPr id="5" name="TextBox 4">
+              <a:extLst>
+                <a:ext uri="{FF2B5EF4-FFF2-40B4-BE49-F238E27FC236}">
+                  <a16:creationId xmlns:a16="http://schemas.microsoft.com/office/drawing/2014/main" id="{C65EB2F8-C8D9-4D42-A538-AE340E545082}"/>
+                </a:ext>
+              </a:extLst>
+            </p:cNvPr>
+            <p:cNvSpPr txBox="1"/>
+            <p:nvPr/>
+          </p:nvSpPr>
+          <p:spPr>
+            <a:xfrm>
+              <a:off x="2907102" y="1181819"/>
+              <a:ext cx="5387154" cy="2823244"/>
+            </a:xfrm>
+            <a:prstGeom prst="rect">
+              <a:avLst/>
+            </a:prstGeom>
+            <a:noFill/>
+            <a:ln>
+              <a:solidFill>
+                <a:schemeClr val="tx1"/>
+              </a:solidFill>
+            </a:ln>
+          </p:spPr>
+          <p:txBody>
+            <a:bodyPr wrap="square" rtlCol="0">
+              <a:spAutoFit/>
+            </a:bodyPr>
+            <a:lstStyle/>
+            <a:p>
+              <a:pPr marL="0" marR="0" lvl="0" indent="0" algn="l" defTabSz="914400" rtl="0" eaLnBrk="1" fontAlgn="auto" latinLnBrk="1" hangingPunct="1">
+                <a:lnSpc>
+                  <a:spcPct val="100000"/>
+                </a:lnSpc>
+                <a:spcBef>
+                  <a:spcPts val="0"/>
+                </a:spcBef>
+                <a:spcAft>
+                  <a:spcPts val="0"/>
+                </a:spcAft>
+                <a:buClrTx/>
+                <a:buSzTx/>
+                <a:buFontTx/>
+                <a:buNone/>
+                <a:tabLst/>
+                <a:defRPr/>
+              </a:pPr>
+              <a:endParaRPr kumimoji="0" lang="ko-KR" altLang="en-US" sz="1800" b="0" i="0" u="none" strike="noStrike" kern="1200" cap="none" spc="0" normalizeH="0" baseline="0" noProof="0" dirty="0">
+                <a:ln>
+                  <a:noFill/>
+                </a:ln>
+                <a:solidFill>
+                  <a:prstClr val="black"/>
+                </a:solidFill>
+                <a:effectLst/>
+                <a:uLnTx/>
+                <a:uFillTx/>
+                <a:latin typeface="Calibri" panose="020F0502020204030204"/>
+                <a:ea typeface="맑은 고딕" panose="020B0503020000020004" pitchFamily="50" charset="-127"/>
+                <a:cs typeface="+mn-cs"/>
+              </a:endParaRPr>
+            </a:p>
+          </p:txBody>
+        </p:sp>
+        <p:sp>
+          <p:nvSpPr>
+            <p:cNvPr id="6" name="TextBox 5">
+              <a:extLst>
+                <a:ext uri="{FF2B5EF4-FFF2-40B4-BE49-F238E27FC236}">
+                  <a16:creationId xmlns:a16="http://schemas.microsoft.com/office/drawing/2014/main" id="{419FE686-AD6A-4EA5-9FD3-96AD100149A5}"/>
+                </a:ext>
+              </a:extLst>
+            </p:cNvPr>
+            <p:cNvSpPr txBox="1"/>
+            <p:nvPr/>
+          </p:nvSpPr>
+          <p:spPr>
+            <a:xfrm>
+              <a:off x="3562363" y="4343009"/>
+              <a:ext cx="1702280" cy="369332"/>
+            </a:xfrm>
+            <a:prstGeom prst="rect">
+              <a:avLst/>
+            </a:prstGeom>
+            <a:noFill/>
+            <a:ln>
+              <a:solidFill>
+                <a:schemeClr val="tx1"/>
+              </a:solidFill>
+            </a:ln>
+          </p:spPr>
+          <p:txBody>
+            <a:bodyPr wrap="square" rtlCol="0">
+              <a:spAutoFit/>
+            </a:bodyPr>
+            <a:lstStyle/>
+            <a:p>
+              <a:pPr marL="0" marR="0" lvl="0" indent="0" algn="ctr" defTabSz="914400" rtl="0" eaLnBrk="1" fontAlgn="auto" latinLnBrk="1" hangingPunct="1">
+                <a:lnSpc>
+                  <a:spcPct val="100000"/>
+                </a:lnSpc>
+                <a:spcBef>
+                  <a:spcPts val="0"/>
+                </a:spcBef>
+                <a:spcAft>
+                  <a:spcPts val="0"/>
+                </a:spcAft>
+                <a:buClrTx/>
+                <a:buSzTx/>
+                <a:buFontTx/>
+                <a:buNone/>
+                <a:tabLst/>
+                <a:defRPr/>
+              </a:pPr>
+              <a:r>
+                <a:rPr kumimoji="0" lang="en-US" altLang="ko-KR" sz="1800" b="0" i="0" u="none" strike="noStrike" kern="1200" cap="none" spc="0" normalizeH="0" baseline="0" noProof="0" dirty="0">
+                  <a:ln>
+                    <a:noFill/>
+                  </a:ln>
+                  <a:solidFill>
+                    <a:prstClr val="black"/>
+                  </a:solidFill>
+                  <a:effectLst/>
+                  <a:uLnTx/>
+                  <a:uFillTx/>
+                  <a:latin typeface="Calibri" panose="020F0502020204030204"/>
+                  <a:ea typeface="맑은 고딕" panose="020B0503020000020004" pitchFamily="50" charset="-127"/>
+                  <a:cs typeface="+mn-cs"/>
+                </a:rPr>
+                <a:t>Bluetooth</a:t>
+              </a:r>
+              <a:endParaRPr kumimoji="0" lang="ko-KR" altLang="en-US" sz="1800" b="0" i="0" u="none" strike="noStrike" kern="1200" cap="none" spc="0" normalizeH="0" baseline="0" noProof="0" dirty="0">
+                <a:ln>
+                  <a:noFill/>
+                </a:ln>
+                <a:solidFill>
+                  <a:prstClr val="black"/>
+                </a:solidFill>
+                <a:effectLst/>
+                <a:uLnTx/>
+                <a:uFillTx/>
+                <a:latin typeface="Calibri" panose="020F0502020204030204"/>
+                <a:ea typeface="맑은 고딕" panose="020B0503020000020004" pitchFamily="50" charset="-127"/>
+                <a:cs typeface="+mn-cs"/>
+              </a:endParaRPr>
+            </a:p>
+          </p:txBody>
+        </p:sp>
+        <p:sp>
+          <p:nvSpPr>
+            <p:cNvPr id="7" name="TextBox 6">
+              <a:extLst>
+                <a:ext uri="{FF2B5EF4-FFF2-40B4-BE49-F238E27FC236}">
+                  <a16:creationId xmlns:a16="http://schemas.microsoft.com/office/drawing/2014/main" id="{6706A39D-47FD-4EE6-8991-35423C6711FE}"/>
+                </a:ext>
+              </a:extLst>
+            </p:cNvPr>
+            <p:cNvSpPr txBox="1"/>
+            <p:nvPr/>
+          </p:nvSpPr>
+          <p:spPr>
+            <a:xfrm>
+              <a:off x="6003640" y="4310577"/>
+              <a:ext cx="1702280" cy="369332"/>
+            </a:xfrm>
+            <a:prstGeom prst="rect">
+              <a:avLst/>
+            </a:prstGeom>
+            <a:noFill/>
+            <a:ln>
+              <a:solidFill>
+                <a:schemeClr val="tx1"/>
+              </a:solidFill>
+            </a:ln>
+          </p:spPr>
+          <p:txBody>
+            <a:bodyPr wrap="square" rtlCol="0">
+              <a:spAutoFit/>
+            </a:bodyPr>
+            <a:lstStyle/>
+            <a:p>
+              <a:pPr marL="0" marR="0" lvl="0" indent="0" algn="ctr" defTabSz="914400" rtl="0" eaLnBrk="1" fontAlgn="auto" latinLnBrk="1" hangingPunct="1">
+                <a:lnSpc>
+                  <a:spcPct val="100000"/>
+                </a:lnSpc>
+                <a:spcBef>
+                  <a:spcPts val="0"/>
+                </a:spcBef>
+                <a:spcAft>
+                  <a:spcPts val="0"/>
+                </a:spcAft>
+                <a:buClrTx/>
+                <a:buSzTx/>
+                <a:buFontTx/>
+                <a:buNone/>
+                <a:tabLst/>
+                <a:defRPr/>
+              </a:pPr>
+              <a:r>
+                <a:rPr kumimoji="0" lang="en-US" altLang="ko-KR" sz="1800" b="0" i="0" u="none" strike="noStrike" kern="1200" cap="none" spc="0" normalizeH="0" baseline="0" noProof="0" dirty="0">
+                  <a:ln>
+                    <a:noFill/>
+                  </a:ln>
+                  <a:solidFill>
+                    <a:prstClr val="black"/>
+                  </a:solidFill>
+                  <a:effectLst/>
+                  <a:uLnTx/>
+                  <a:uFillTx/>
+                  <a:latin typeface="Calibri" panose="020F0502020204030204"/>
+                  <a:ea typeface="맑은 고딕" panose="020B0503020000020004" pitchFamily="50" charset="-127"/>
+                  <a:cs typeface="+mn-cs"/>
+                </a:rPr>
+                <a:t>android</a:t>
+              </a:r>
+              <a:endParaRPr kumimoji="0" lang="ko-KR" altLang="en-US" sz="1800" b="0" i="0" u="none" strike="noStrike" kern="1200" cap="none" spc="0" normalizeH="0" baseline="0" noProof="0" dirty="0">
+                <a:ln>
+                  <a:noFill/>
+                </a:ln>
+                <a:solidFill>
+                  <a:prstClr val="black"/>
+                </a:solidFill>
+                <a:effectLst/>
+                <a:uLnTx/>
+                <a:uFillTx/>
+                <a:latin typeface="Calibri" panose="020F0502020204030204"/>
+                <a:ea typeface="맑은 고딕" panose="020B0503020000020004" pitchFamily="50" charset="-127"/>
+                <a:cs typeface="+mn-cs"/>
+              </a:endParaRPr>
+            </a:p>
+          </p:txBody>
+        </p:sp>
+        <p:sp>
+          <p:nvSpPr>
+            <p:cNvPr id="8" name="TextBox 7">
+              <a:extLst>
+                <a:ext uri="{FF2B5EF4-FFF2-40B4-BE49-F238E27FC236}">
+                  <a16:creationId xmlns:a16="http://schemas.microsoft.com/office/drawing/2014/main" id="{529B5249-50CB-4245-BC0C-12325221073E}"/>
+                </a:ext>
+              </a:extLst>
+            </p:cNvPr>
+            <p:cNvSpPr txBox="1"/>
+            <p:nvPr/>
+          </p:nvSpPr>
+          <p:spPr>
+            <a:xfrm>
+              <a:off x="4783000" y="4213759"/>
+              <a:ext cx="1702280" cy="369332"/>
+            </a:xfrm>
+            <a:prstGeom prst="rect">
+              <a:avLst/>
+            </a:prstGeom>
+            <a:noFill/>
+            <a:ln>
+              <a:noFill/>
+            </a:ln>
+          </p:spPr>
+          <p:txBody>
+            <a:bodyPr wrap="square" rtlCol="0">
+              <a:spAutoFit/>
+            </a:bodyPr>
+            <a:lstStyle/>
+            <a:p>
+              <a:pPr marL="0" marR="0" lvl="0" indent="0" algn="ctr" defTabSz="914400" rtl="0" eaLnBrk="1" fontAlgn="auto" latinLnBrk="1" hangingPunct="1">
+                <a:lnSpc>
+                  <a:spcPct val="100000"/>
+                </a:lnSpc>
+                <a:spcBef>
+                  <a:spcPts val="0"/>
+                </a:spcBef>
+                <a:spcAft>
+                  <a:spcPts val="0"/>
+                </a:spcAft>
+                <a:buClrTx/>
+                <a:buSzTx/>
+                <a:buFontTx/>
+                <a:buNone/>
+                <a:tabLst/>
+                <a:defRPr/>
+              </a:pPr>
+              <a:r>
+                <a:rPr kumimoji="0" lang="en-US" altLang="ko-KR" sz="1800" b="0" i="0" u="none" strike="noStrike" kern="1200" cap="none" spc="0" normalizeH="0" baseline="0" noProof="0" dirty="0">
+                  <a:ln>
+                    <a:noFill/>
+                  </a:ln>
+                  <a:solidFill>
+                    <a:prstClr val="black"/>
+                  </a:solidFill>
+                  <a:effectLst/>
+                  <a:uLnTx/>
+                  <a:uFillTx/>
+                  <a:latin typeface="Calibri" panose="020F0502020204030204"/>
+                  <a:ea typeface="맑은 고딕" panose="020B0503020000020004" pitchFamily="50" charset="-127"/>
+                  <a:cs typeface="+mn-cs"/>
+                </a:rPr>
+                <a:t>~</a:t>
+              </a:r>
+            </a:p>
+          </p:txBody>
+        </p:sp>
+        <p:sp>
+          <p:nvSpPr>
+            <p:cNvPr id="9" name="TextBox 8">
+              <a:extLst>
+                <a:ext uri="{FF2B5EF4-FFF2-40B4-BE49-F238E27FC236}">
+                  <a16:creationId xmlns:a16="http://schemas.microsoft.com/office/drawing/2014/main" id="{51305024-F711-4354-96A2-1A1C426ADBDA}"/>
+                </a:ext>
+              </a:extLst>
+            </p:cNvPr>
+            <p:cNvSpPr txBox="1"/>
+            <p:nvPr/>
+          </p:nvSpPr>
+          <p:spPr>
+            <a:xfrm>
+              <a:off x="4783002" y="4310577"/>
+              <a:ext cx="1702280" cy="369332"/>
+            </a:xfrm>
+            <a:prstGeom prst="rect">
+              <a:avLst/>
+            </a:prstGeom>
+            <a:noFill/>
+            <a:ln>
+              <a:noFill/>
+            </a:ln>
+          </p:spPr>
+          <p:txBody>
+            <a:bodyPr wrap="square" rtlCol="0">
+              <a:spAutoFit/>
+            </a:bodyPr>
+            <a:lstStyle/>
+            <a:p>
+              <a:pPr marL="0" marR="0" lvl="0" indent="0" algn="ctr" defTabSz="914400" rtl="0" eaLnBrk="1" fontAlgn="auto" latinLnBrk="1" hangingPunct="1">
+                <a:lnSpc>
+                  <a:spcPct val="100000"/>
+                </a:lnSpc>
+                <a:spcBef>
+                  <a:spcPts val="0"/>
+                </a:spcBef>
+                <a:spcAft>
+                  <a:spcPts val="0"/>
+                </a:spcAft>
+                <a:buClrTx/>
+                <a:buSzTx/>
+                <a:buFontTx/>
+                <a:buNone/>
+                <a:tabLst/>
+                <a:defRPr/>
+              </a:pPr>
+              <a:r>
+                <a:rPr kumimoji="0" lang="en-US" altLang="ko-KR" sz="1800" b="0" i="0" u="none" strike="noStrike" kern="1200" cap="none" spc="0" normalizeH="0" baseline="0" noProof="0" dirty="0">
+                  <a:ln>
+                    <a:noFill/>
+                  </a:ln>
+                  <a:solidFill>
+                    <a:prstClr val="black"/>
+                  </a:solidFill>
+                  <a:effectLst/>
+                  <a:uLnTx/>
+                  <a:uFillTx/>
+                  <a:latin typeface="Calibri" panose="020F0502020204030204"/>
+                  <a:ea typeface="맑은 고딕" panose="020B0503020000020004" pitchFamily="50" charset="-127"/>
+                  <a:cs typeface="+mn-cs"/>
+                </a:rPr>
+                <a:t>~</a:t>
+              </a:r>
+            </a:p>
+          </p:txBody>
+        </p:sp>
+        <p:sp>
+          <p:nvSpPr>
+            <p:cNvPr id="10" name="TextBox 9">
+              <a:extLst>
+                <a:ext uri="{FF2B5EF4-FFF2-40B4-BE49-F238E27FC236}">
+                  <a16:creationId xmlns:a16="http://schemas.microsoft.com/office/drawing/2014/main" id="{CFB58AEF-F542-48F9-A7F4-4B3E484C6141}"/>
+                </a:ext>
+              </a:extLst>
+            </p:cNvPr>
+            <p:cNvSpPr txBox="1"/>
+            <p:nvPr/>
+          </p:nvSpPr>
+          <p:spPr>
+            <a:xfrm>
+              <a:off x="4792238" y="4436149"/>
+              <a:ext cx="1702280" cy="369332"/>
+            </a:xfrm>
+            <a:prstGeom prst="rect">
+              <a:avLst/>
+            </a:prstGeom>
+            <a:noFill/>
+            <a:ln>
+              <a:noFill/>
+            </a:ln>
+          </p:spPr>
+          <p:txBody>
+            <a:bodyPr wrap="square" rtlCol="0">
+              <a:spAutoFit/>
+            </a:bodyPr>
+            <a:lstStyle/>
+            <a:p>
+              <a:pPr marL="0" marR="0" lvl="0" indent="0" algn="ctr" defTabSz="914400" rtl="0" eaLnBrk="1" fontAlgn="auto" latinLnBrk="1" hangingPunct="1">
+                <a:lnSpc>
+                  <a:spcPct val="100000"/>
+                </a:lnSpc>
+                <a:spcBef>
+                  <a:spcPts val="0"/>
+                </a:spcBef>
+                <a:spcAft>
+                  <a:spcPts val="0"/>
+                </a:spcAft>
+                <a:buClrTx/>
+                <a:buSzTx/>
+                <a:buFontTx/>
+                <a:buNone/>
+                <a:tabLst/>
+                <a:defRPr/>
+              </a:pPr>
+              <a:r>
+                <a:rPr kumimoji="0" lang="en-US" altLang="ko-KR" sz="1800" b="0" i="0" u="none" strike="noStrike" kern="1200" cap="none" spc="0" normalizeH="0" baseline="0" noProof="0" dirty="0">
+                  <a:ln>
+                    <a:noFill/>
+                  </a:ln>
+                  <a:solidFill>
+                    <a:prstClr val="black"/>
+                  </a:solidFill>
+                  <a:effectLst/>
+                  <a:uLnTx/>
+                  <a:uFillTx/>
+                  <a:latin typeface="Calibri" panose="020F0502020204030204"/>
+                  <a:ea typeface="맑은 고딕" panose="020B0503020000020004" pitchFamily="50" charset="-127"/>
+                  <a:cs typeface="+mn-cs"/>
+                </a:rPr>
+                <a:t>~</a:t>
+              </a:r>
+            </a:p>
+          </p:txBody>
+        </p:sp>
+        <p:sp>
+          <p:nvSpPr>
+            <p:cNvPr id="11" name="TextBox 10">
+              <a:extLst>
+                <a:ext uri="{FF2B5EF4-FFF2-40B4-BE49-F238E27FC236}">
+                  <a16:creationId xmlns:a16="http://schemas.microsoft.com/office/drawing/2014/main" id="{13577622-DBCA-43A1-906C-AD9D422CFC45}"/>
+                </a:ext>
+              </a:extLst>
+            </p:cNvPr>
+            <p:cNvSpPr txBox="1"/>
+            <p:nvPr/>
+          </p:nvSpPr>
+          <p:spPr>
+            <a:xfrm>
+              <a:off x="5925651" y="3344094"/>
+              <a:ext cx="1702280" cy="369332"/>
+            </a:xfrm>
+            <a:prstGeom prst="rect">
+              <a:avLst/>
+            </a:prstGeom>
+            <a:noFill/>
+            <a:ln>
+              <a:solidFill>
+                <a:schemeClr val="tx1"/>
+              </a:solidFill>
+            </a:ln>
+          </p:spPr>
+          <p:txBody>
+            <a:bodyPr wrap="square" rtlCol="0">
+              <a:spAutoFit/>
+            </a:bodyPr>
+            <a:lstStyle/>
+            <a:p>
+              <a:pPr marL="0" marR="0" lvl="0" indent="0" algn="ctr" defTabSz="914400" rtl="0" eaLnBrk="1" fontAlgn="auto" latinLnBrk="1" hangingPunct="1">
+                <a:lnSpc>
+                  <a:spcPct val="100000"/>
+                </a:lnSpc>
+                <a:spcBef>
+                  <a:spcPts val="0"/>
+                </a:spcBef>
+                <a:spcAft>
+                  <a:spcPts val="0"/>
+                </a:spcAft>
+                <a:buClrTx/>
+                <a:buSzTx/>
+                <a:buFontTx/>
+                <a:buNone/>
+                <a:tabLst/>
+                <a:defRPr/>
+              </a:pPr>
+              <a:r>
+                <a:rPr kumimoji="0" lang="en-US" altLang="ko-KR" sz="1800" b="0" i="0" u="none" strike="noStrike" kern="1200" cap="none" spc="0" normalizeH="0" baseline="0" noProof="0" dirty="0">
+                  <a:ln>
+                    <a:noFill/>
+                  </a:ln>
+                  <a:solidFill>
+                    <a:prstClr val="black"/>
+                  </a:solidFill>
+                  <a:effectLst/>
+                  <a:uLnTx/>
+                  <a:uFillTx/>
+                  <a:latin typeface="Calibri" panose="020F0502020204030204"/>
+                  <a:ea typeface="맑은 고딕" panose="020B0503020000020004" pitchFamily="50" charset="-127"/>
+                  <a:cs typeface="+mn-cs"/>
+                </a:rPr>
+                <a:t>piezo</a:t>
+              </a:r>
+              <a:endParaRPr kumimoji="0" lang="ko-KR" altLang="en-US" sz="1800" b="0" i="0" u="none" strike="noStrike" kern="1200" cap="none" spc="0" normalizeH="0" baseline="0" noProof="0" dirty="0">
+                <a:ln>
+                  <a:noFill/>
+                </a:ln>
+                <a:solidFill>
+                  <a:prstClr val="black"/>
+                </a:solidFill>
+                <a:effectLst/>
+                <a:uLnTx/>
+                <a:uFillTx/>
+                <a:latin typeface="Calibri" panose="020F0502020204030204"/>
+                <a:ea typeface="맑은 고딕" panose="020B0503020000020004" pitchFamily="50" charset="-127"/>
+                <a:cs typeface="+mn-cs"/>
+              </a:endParaRPr>
+            </a:p>
+          </p:txBody>
+        </p:sp>
+        <p:sp>
+          <p:nvSpPr>
+            <p:cNvPr id="12" name="TextBox 11">
+              <a:extLst>
+                <a:ext uri="{FF2B5EF4-FFF2-40B4-BE49-F238E27FC236}">
+                  <a16:creationId xmlns:a16="http://schemas.microsoft.com/office/drawing/2014/main" id="{ABC01CB2-467D-4071-BDDC-90089FCC7BC5}"/>
+                </a:ext>
+              </a:extLst>
+            </p:cNvPr>
+            <p:cNvSpPr txBox="1"/>
+            <p:nvPr/>
+          </p:nvSpPr>
+          <p:spPr>
+            <a:xfrm>
+              <a:off x="3214777" y="1697482"/>
+              <a:ext cx="1702280" cy="369332"/>
+            </a:xfrm>
+            <a:prstGeom prst="rect">
+              <a:avLst/>
+            </a:prstGeom>
+            <a:noFill/>
+            <a:ln>
+              <a:solidFill>
+                <a:schemeClr val="tx1"/>
+              </a:solidFill>
+            </a:ln>
+          </p:spPr>
+          <p:txBody>
+            <a:bodyPr wrap="square" rtlCol="0">
+              <a:spAutoFit/>
+            </a:bodyPr>
+            <a:lstStyle/>
+            <a:p>
+              <a:pPr marL="0" marR="0" lvl="0" indent="0" algn="ctr" defTabSz="914400" rtl="0" eaLnBrk="1" fontAlgn="auto" latinLnBrk="1" hangingPunct="1">
+                <a:lnSpc>
+                  <a:spcPct val="100000"/>
+                </a:lnSpc>
+                <a:spcBef>
+                  <a:spcPts val="0"/>
+                </a:spcBef>
+                <a:spcAft>
+                  <a:spcPts val="0"/>
+                </a:spcAft>
+                <a:buClrTx/>
+                <a:buSzTx/>
+                <a:buFontTx/>
+                <a:buNone/>
+                <a:tabLst/>
+                <a:defRPr/>
+              </a:pPr>
+              <a:r>
+                <a:rPr kumimoji="0" lang="en-US" altLang="ko-KR" sz="1800" b="0" i="0" u="none" strike="noStrike" kern="1200" cap="none" spc="0" normalizeH="0" baseline="0" noProof="0" dirty="0">
+                  <a:ln>
+                    <a:noFill/>
+                  </a:ln>
+                  <a:solidFill>
+                    <a:prstClr val="black"/>
+                  </a:solidFill>
+                  <a:effectLst/>
+                  <a:uLnTx/>
+                  <a:uFillTx/>
+                  <a:latin typeface="Calibri" panose="020F0502020204030204"/>
+                  <a:ea typeface="맑은 고딕" panose="020B0503020000020004" pitchFamily="50" charset="-127"/>
+                  <a:cs typeface="+mn-cs"/>
+                </a:rPr>
+                <a:t>clock</a:t>
+              </a:r>
+              <a:endParaRPr kumimoji="0" lang="ko-KR" altLang="en-US" sz="1800" b="0" i="0" u="none" strike="noStrike" kern="1200" cap="none" spc="0" normalizeH="0" baseline="0" noProof="0" dirty="0">
+                <a:ln>
+                  <a:noFill/>
+                </a:ln>
+                <a:solidFill>
+                  <a:prstClr val="black"/>
+                </a:solidFill>
+                <a:effectLst/>
+                <a:uLnTx/>
+                <a:uFillTx/>
+                <a:latin typeface="Calibri" panose="020F0502020204030204"/>
+                <a:ea typeface="맑은 고딕" panose="020B0503020000020004" pitchFamily="50" charset="-127"/>
+                <a:cs typeface="+mn-cs"/>
+              </a:endParaRPr>
+            </a:p>
+          </p:txBody>
+        </p:sp>
+        <p:sp>
+          <p:nvSpPr>
+            <p:cNvPr id="13" name="TextBox 12">
+              <a:extLst>
+                <a:ext uri="{FF2B5EF4-FFF2-40B4-BE49-F238E27FC236}">
+                  <a16:creationId xmlns:a16="http://schemas.microsoft.com/office/drawing/2014/main" id="{99BA4ED1-DBAE-4B25-9269-1E5E4F7A8221}"/>
+                </a:ext>
+              </a:extLst>
+            </p:cNvPr>
+            <p:cNvSpPr txBox="1"/>
+            <p:nvPr/>
+          </p:nvSpPr>
+          <p:spPr>
+            <a:xfrm>
+              <a:off x="5925651" y="2674318"/>
+              <a:ext cx="1702280" cy="369332"/>
+            </a:xfrm>
+            <a:prstGeom prst="rect">
+              <a:avLst/>
+            </a:prstGeom>
+            <a:noFill/>
+            <a:ln>
+              <a:solidFill>
+                <a:schemeClr val="tx1"/>
+              </a:solidFill>
+            </a:ln>
+          </p:spPr>
+          <p:txBody>
+            <a:bodyPr wrap="square" rtlCol="0">
+              <a:spAutoFit/>
+            </a:bodyPr>
+            <a:lstStyle/>
+            <a:p>
+              <a:pPr marL="0" marR="0" lvl="0" indent="0" algn="ctr" defTabSz="914400" rtl="0" eaLnBrk="1" fontAlgn="auto" latinLnBrk="1" hangingPunct="1">
+                <a:lnSpc>
+                  <a:spcPct val="100000"/>
+                </a:lnSpc>
+                <a:spcBef>
+                  <a:spcPts val="0"/>
+                </a:spcBef>
+                <a:spcAft>
+                  <a:spcPts val="0"/>
+                </a:spcAft>
+                <a:buClrTx/>
+                <a:buSzTx/>
+                <a:buFontTx/>
+                <a:buNone/>
+                <a:tabLst/>
+                <a:defRPr/>
+              </a:pPr>
+              <a:r>
+                <a:rPr kumimoji="0" lang="en-US" altLang="ko-KR" sz="1800" b="0" i="0" u="none" strike="noStrike" kern="1200" cap="none" spc="0" normalizeH="0" baseline="0" noProof="0" dirty="0">
+                  <a:ln>
+                    <a:noFill/>
+                  </a:ln>
+                  <a:solidFill>
+                    <a:prstClr val="black"/>
+                  </a:solidFill>
+                  <a:effectLst/>
+                  <a:uLnTx/>
+                  <a:uFillTx/>
+                  <a:latin typeface="Calibri" panose="020F0502020204030204"/>
+                  <a:ea typeface="맑은 고딕" panose="020B0503020000020004" pitchFamily="50" charset="-127"/>
+                  <a:cs typeface="+mn-cs"/>
+                </a:rPr>
+                <a:t>LCD text</a:t>
+              </a:r>
+              <a:endParaRPr kumimoji="0" lang="ko-KR" altLang="en-US" sz="1800" b="0" i="0" u="none" strike="noStrike" kern="1200" cap="none" spc="0" normalizeH="0" baseline="0" noProof="0" dirty="0">
+                <a:ln>
+                  <a:noFill/>
+                </a:ln>
+                <a:solidFill>
+                  <a:prstClr val="black"/>
+                </a:solidFill>
+                <a:effectLst/>
+                <a:uLnTx/>
+                <a:uFillTx/>
+                <a:latin typeface="Calibri" panose="020F0502020204030204"/>
+                <a:ea typeface="맑은 고딕" panose="020B0503020000020004" pitchFamily="50" charset="-127"/>
+                <a:cs typeface="+mn-cs"/>
+              </a:endParaRPr>
+            </a:p>
+          </p:txBody>
+        </p:sp>
+        <p:sp>
+          <p:nvSpPr>
+            <p:cNvPr id="14" name="TextBox 13">
+              <a:extLst>
+                <a:ext uri="{FF2B5EF4-FFF2-40B4-BE49-F238E27FC236}">
+                  <a16:creationId xmlns:a16="http://schemas.microsoft.com/office/drawing/2014/main" id="{92DE789E-4641-4C9A-8060-2273CE300196}"/>
+                </a:ext>
+              </a:extLst>
+            </p:cNvPr>
+            <p:cNvSpPr txBox="1"/>
+            <p:nvPr/>
+          </p:nvSpPr>
+          <p:spPr>
+            <a:xfrm>
+              <a:off x="6280029" y="1697482"/>
+              <a:ext cx="1702280" cy="369332"/>
+            </a:xfrm>
+            <a:prstGeom prst="rect">
+              <a:avLst/>
+            </a:prstGeom>
+            <a:noFill/>
+            <a:ln>
+              <a:solidFill>
+                <a:schemeClr val="tx1"/>
+              </a:solidFill>
+            </a:ln>
+          </p:spPr>
+          <p:txBody>
+            <a:bodyPr wrap="square" rtlCol="0">
+              <a:spAutoFit/>
+            </a:bodyPr>
+            <a:lstStyle/>
+            <a:p>
+              <a:pPr marL="0" marR="0" lvl="0" indent="0" algn="ctr" defTabSz="914400" rtl="0" eaLnBrk="1" fontAlgn="auto" latinLnBrk="1" hangingPunct="1">
+                <a:lnSpc>
+                  <a:spcPct val="100000"/>
+                </a:lnSpc>
+                <a:spcBef>
+                  <a:spcPts val="0"/>
+                </a:spcBef>
+                <a:spcAft>
+                  <a:spcPts val="0"/>
+                </a:spcAft>
+                <a:buClrTx/>
+                <a:buSzTx/>
+                <a:buFontTx/>
+                <a:buNone/>
+                <a:tabLst/>
+                <a:defRPr/>
+              </a:pPr>
+              <a:r>
+                <a:rPr kumimoji="0" lang="en-US" altLang="ko-KR" sz="1800" b="0" i="0" u="none" strike="noStrike" kern="1200" cap="none" spc="0" normalizeH="0" baseline="0" noProof="0" dirty="0">
+                  <a:ln>
+                    <a:noFill/>
+                  </a:ln>
+                  <a:solidFill>
+                    <a:prstClr val="black"/>
+                  </a:solidFill>
+                  <a:effectLst/>
+                  <a:uLnTx/>
+                  <a:uFillTx/>
+                  <a:latin typeface="Calibri" panose="020F0502020204030204"/>
+                  <a:ea typeface="맑은 고딕" panose="020B0503020000020004" pitchFamily="50" charset="-127"/>
+                  <a:cs typeface="+mn-cs"/>
+                </a:rPr>
+                <a:t>D_7seg</a:t>
+              </a:r>
+              <a:endParaRPr kumimoji="0" lang="ko-KR" altLang="en-US" sz="1800" b="0" i="0" u="none" strike="noStrike" kern="1200" cap="none" spc="0" normalizeH="0" baseline="0" noProof="0" dirty="0">
+                <a:ln>
+                  <a:noFill/>
+                </a:ln>
+                <a:solidFill>
+                  <a:prstClr val="black"/>
+                </a:solidFill>
+                <a:effectLst/>
+                <a:uLnTx/>
+                <a:uFillTx/>
+                <a:latin typeface="Calibri" panose="020F0502020204030204"/>
+                <a:ea typeface="맑은 고딕" panose="020B0503020000020004" pitchFamily="50" charset="-127"/>
+                <a:cs typeface="+mn-cs"/>
+              </a:endParaRPr>
+            </a:p>
+          </p:txBody>
+        </p:sp>
+        <p:sp>
+          <p:nvSpPr>
+            <p:cNvPr id="15" name="TextBox 14">
+              <a:extLst>
+                <a:ext uri="{FF2B5EF4-FFF2-40B4-BE49-F238E27FC236}">
+                  <a16:creationId xmlns:a16="http://schemas.microsoft.com/office/drawing/2014/main" id="{BE3293B8-7387-48F6-B23A-6E9CAA0707F2}"/>
+                </a:ext>
+              </a:extLst>
+            </p:cNvPr>
+            <p:cNvSpPr txBox="1"/>
+            <p:nvPr/>
+          </p:nvSpPr>
+          <p:spPr>
+            <a:xfrm>
+              <a:off x="3214777" y="2680983"/>
+              <a:ext cx="1702280" cy="369332"/>
+            </a:xfrm>
+            <a:prstGeom prst="rect">
+              <a:avLst/>
+            </a:prstGeom>
+            <a:noFill/>
+            <a:ln>
+              <a:solidFill>
+                <a:schemeClr val="tx1"/>
+              </a:solidFill>
+            </a:ln>
+          </p:spPr>
+          <p:txBody>
+            <a:bodyPr wrap="square" rtlCol="0">
+              <a:spAutoFit/>
+            </a:bodyPr>
+            <a:lstStyle/>
+            <a:p>
+              <a:pPr marL="0" marR="0" lvl="0" indent="0" algn="ctr" defTabSz="914400" rtl="0" eaLnBrk="1" fontAlgn="auto" latinLnBrk="1" hangingPunct="1">
+                <a:lnSpc>
+                  <a:spcPct val="100000"/>
+                </a:lnSpc>
+                <a:spcBef>
+                  <a:spcPts val="0"/>
+                </a:spcBef>
+                <a:spcAft>
+                  <a:spcPts val="0"/>
+                </a:spcAft>
+                <a:buClrTx/>
+                <a:buSzTx/>
+                <a:buFontTx/>
+                <a:buNone/>
+                <a:tabLst/>
+                <a:defRPr/>
+              </a:pPr>
+              <a:r>
+                <a:rPr kumimoji="0" lang="en-US" altLang="ko-KR" sz="1800" b="0" i="0" u="none" strike="noStrike" kern="1200" cap="none" spc="0" normalizeH="0" baseline="0" noProof="0" dirty="0">
+                  <a:ln>
+                    <a:noFill/>
+                  </a:ln>
+                  <a:solidFill>
+                    <a:prstClr val="black"/>
+                  </a:solidFill>
+                  <a:effectLst/>
+                  <a:uLnTx/>
+                  <a:uFillTx/>
+                  <a:latin typeface="Calibri" panose="020F0502020204030204"/>
+                  <a:ea typeface="맑은 고딕" panose="020B0503020000020004" pitchFamily="50" charset="-127"/>
+                  <a:cs typeface="+mn-cs"/>
+                </a:rPr>
+                <a:t>alarm</a:t>
+              </a:r>
+              <a:endParaRPr kumimoji="0" lang="ko-KR" altLang="en-US" sz="1800" b="0" i="0" u="none" strike="noStrike" kern="1200" cap="none" spc="0" normalizeH="0" baseline="0" noProof="0" dirty="0">
+                <a:ln>
+                  <a:noFill/>
+                </a:ln>
+                <a:solidFill>
+                  <a:prstClr val="black"/>
+                </a:solidFill>
+                <a:effectLst/>
+                <a:uLnTx/>
+                <a:uFillTx/>
+                <a:latin typeface="Calibri" panose="020F0502020204030204"/>
+                <a:ea typeface="맑은 고딕" panose="020B0503020000020004" pitchFamily="50" charset="-127"/>
+                <a:cs typeface="+mn-cs"/>
+              </a:endParaRPr>
+            </a:p>
+          </p:txBody>
+        </p:sp>
+        <p:cxnSp>
+          <p:nvCxnSpPr>
+            <p:cNvPr id="17" name="직선 연결선 16">
+              <a:extLst>
+                <a:ext uri="{FF2B5EF4-FFF2-40B4-BE49-F238E27FC236}">
+                  <a16:creationId xmlns:a16="http://schemas.microsoft.com/office/drawing/2014/main" id="{D834D54E-1592-45F1-BB33-2CC41CED0ED5}"/>
+                </a:ext>
+              </a:extLst>
+            </p:cNvPr>
+            <p:cNvCxnSpPr>
+              <a:cxnSpLocks/>
+            </p:cNvCxnSpPr>
+            <p:nvPr/>
+          </p:nvCxnSpPr>
+          <p:spPr>
+            <a:xfrm flipH="1">
+              <a:off x="2182483" y="1813140"/>
+              <a:ext cx="1032295" cy="0"/>
+            </a:xfrm>
+            <a:prstGeom prst="line">
+              <a:avLst/>
+            </a:prstGeom>
+            <a:ln>
+              <a:solidFill>
+                <a:schemeClr val="tx1"/>
+              </a:solidFill>
+            </a:ln>
+          </p:spPr>
+          <p:style>
+            <a:lnRef idx="1">
+              <a:schemeClr val="accent1"/>
+            </a:lnRef>
+            <a:fillRef idx="0">
+              <a:schemeClr val="accent1"/>
+            </a:fillRef>
+            <a:effectRef idx="0">
+              <a:schemeClr val="accent1"/>
+            </a:effectRef>
+            <a:fontRef idx="minor">
+              <a:schemeClr val="tx1"/>
+            </a:fontRef>
+          </p:style>
+        </p:cxnSp>
+        <p:cxnSp>
+          <p:nvCxnSpPr>
+            <p:cNvPr id="18" name="직선 연결선 17">
+              <a:extLst>
+                <a:ext uri="{FF2B5EF4-FFF2-40B4-BE49-F238E27FC236}">
+                  <a16:creationId xmlns:a16="http://schemas.microsoft.com/office/drawing/2014/main" id="{7D078DE8-6EE3-4C73-99D6-C5D5E7F32ED8}"/>
+                </a:ext>
+              </a:extLst>
+            </p:cNvPr>
+            <p:cNvCxnSpPr>
+              <a:cxnSpLocks/>
+            </p:cNvCxnSpPr>
+            <p:nvPr/>
+          </p:nvCxnSpPr>
+          <p:spPr>
+            <a:xfrm flipH="1">
+              <a:off x="4917058" y="1991419"/>
+              <a:ext cx="1362971" cy="0"/>
+            </a:xfrm>
+            <a:prstGeom prst="line">
+              <a:avLst/>
+            </a:prstGeom>
+            <a:ln>
+              <a:solidFill>
+                <a:schemeClr val="tx1"/>
+              </a:solidFill>
+            </a:ln>
+          </p:spPr>
+          <p:style>
+            <a:lnRef idx="1">
+              <a:schemeClr val="accent1"/>
+            </a:lnRef>
+            <a:fillRef idx="0">
+              <a:schemeClr val="accent1"/>
+            </a:fillRef>
+            <a:effectRef idx="0">
+              <a:schemeClr val="accent1"/>
+            </a:effectRef>
+            <a:fontRef idx="minor">
+              <a:schemeClr val="tx1"/>
+            </a:fontRef>
+          </p:style>
+        </p:cxnSp>
+        <p:cxnSp>
+          <p:nvCxnSpPr>
+            <p:cNvPr id="19" name="직선 연결선 18">
+              <a:extLst>
+                <a:ext uri="{FF2B5EF4-FFF2-40B4-BE49-F238E27FC236}">
+                  <a16:creationId xmlns:a16="http://schemas.microsoft.com/office/drawing/2014/main" id="{2DE75E29-324A-4995-A1F7-538902801C0F}"/>
+                </a:ext>
+              </a:extLst>
+            </p:cNvPr>
+            <p:cNvCxnSpPr>
+              <a:cxnSpLocks/>
+            </p:cNvCxnSpPr>
+            <p:nvPr/>
+          </p:nvCxnSpPr>
+          <p:spPr>
+            <a:xfrm flipH="1">
+              <a:off x="2182483" y="1991419"/>
+              <a:ext cx="1032295" cy="0"/>
+            </a:xfrm>
+            <a:prstGeom prst="line">
+              <a:avLst/>
+            </a:prstGeom>
+            <a:ln>
+              <a:solidFill>
+                <a:schemeClr val="tx1"/>
+              </a:solidFill>
+            </a:ln>
+          </p:spPr>
+          <p:style>
+            <a:lnRef idx="1">
+              <a:schemeClr val="accent1"/>
+            </a:lnRef>
+            <a:fillRef idx="0">
+              <a:schemeClr val="accent1"/>
+            </a:fillRef>
+            <a:effectRef idx="0">
+              <a:schemeClr val="accent1"/>
+            </a:effectRef>
+            <a:fontRef idx="minor">
+              <a:schemeClr val="tx1"/>
+            </a:fontRef>
+          </p:style>
+        </p:cxnSp>
+        <p:cxnSp>
+          <p:nvCxnSpPr>
+            <p:cNvPr id="20" name="연결선: 꺾임 19">
+              <a:extLst>
+                <a:ext uri="{FF2B5EF4-FFF2-40B4-BE49-F238E27FC236}">
+                  <a16:creationId xmlns:a16="http://schemas.microsoft.com/office/drawing/2014/main" id="{ED67382F-894A-4AD3-8E08-62B7BA305B8D}"/>
+                </a:ext>
+              </a:extLst>
+            </p:cNvPr>
+            <p:cNvCxnSpPr>
+              <a:cxnSpLocks/>
+            </p:cNvCxnSpPr>
+            <p:nvPr/>
+          </p:nvCxnSpPr>
+          <p:spPr>
+            <a:xfrm rot="10800000" flipV="1">
+              <a:off x="3140365" y="1399544"/>
+              <a:ext cx="2705467" cy="410885"/>
+            </a:xfrm>
+            <a:prstGeom prst="bentConnector3">
+              <a:avLst>
+                <a:gd name="adj1" fmla="val 100185"/>
+              </a:avLst>
+            </a:prstGeom>
+            <a:ln>
+              <a:solidFill>
+                <a:schemeClr val="tx1"/>
+              </a:solidFill>
+            </a:ln>
+          </p:spPr>
+          <p:style>
+            <a:lnRef idx="1">
+              <a:schemeClr val="accent1"/>
+            </a:lnRef>
+            <a:fillRef idx="0">
+              <a:schemeClr val="accent1"/>
+            </a:fillRef>
+            <a:effectRef idx="0">
+              <a:schemeClr val="accent1"/>
+            </a:effectRef>
+            <a:fontRef idx="minor">
+              <a:schemeClr val="tx1"/>
+            </a:fontRef>
+          </p:style>
+        </p:cxnSp>
+        <p:cxnSp>
+          <p:nvCxnSpPr>
+            <p:cNvPr id="21" name="연결선: 꺾임 20">
+              <a:extLst>
+                <a:ext uri="{FF2B5EF4-FFF2-40B4-BE49-F238E27FC236}">
+                  <a16:creationId xmlns:a16="http://schemas.microsoft.com/office/drawing/2014/main" id="{D4F43C76-FEA1-40D2-86C5-FF79975F4337}"/>
+                </a:ext>
+              </a:extLst>
+            </p:cNvPr>
+            <p:cNvCxnSpPr>
+              <a:cxnSpLocks/>
+            </p:cNvCxnSpPr>
+            <p:nvPr/>
+          </p:nvCxnSpPr>
+          <p:spPr>
+            <a:xfrm>
+              <a:off x="5845832" y="1393014"/>
+              <a:ext cx="434196" cy="414437"/>
+            </a:xfrm>
+            <a:prstGeom prst="bentConnector3">
+              <a:avLst>
+                <a:gd name="adj1" fmla="val 1074"/>
+              </a:avLst>
+            </a:prstGeom>
+            <a:ln>
+              <a:solidFill>
+                <a:schemeClr val="tx1"/>
+              </a:solidFill>
+            </a:ln>
+          </p:spPr>
+          <p:style>
+            <a:lnRef idx="1">
+              <a:schemeClr val="accent1"/>
+            </a:lnRef>
+            <a:fillRef idx="0">
+              <a:schemeClr val="accent1"/>
+            </a:fillRef>
+            <a:effectRef idx="0">
+              <a:schemeClr val="accent1"/>
+            </a:effectRef>
+            <a:fontRef idx="minor">
+              <a:schemeClr val="tx1"/>
+            </a:fontRef>
+          </p:style>
+        </p:cxnSp>
+        <p:sp>
+          <p:nvSpPr>
+            <p:cNvPr id="22" name="TextBox 21">
+              <a:extLst>
+                <a:ext uri="{FF2B5EF4-FFF2-40B4-BE49-F238E27FC236}">
+                  <a16:creationId xmlns:a16="http://schemas.microsoft.com/office/drawing/2014/main" id="{AAFE459D-E2C9-4DF9-BB28-3C6CCD227888}"/>
+                </a:ext>
+              </a:extLst>
+            </p:cNvPr>
+            <p:cNvSpPr txBox="1"/>
+            <p:nvPr/>
+          </p:nvSpPr>
+          <p:spPr>
+            <a:xfrm>
+              <a:off x="2106977" y="2004034"/>
+              <a:ext cx="683491" cy="307777"/>
+            </a:xfrm>
+            <a:prstGeom prst="rect">
+              <a:avLst/>
+            </a:prstGeom>
+            <a:noFill/>
+            <a:ln>
+              <a:noFill/>
+            </a:ln>
+          </p:spPr>
+          <p:txBody>
+            <a:bodyPr wrap="square" rtlCol="0">
+              <a:spAutoFit/>
+            </a:bodyPr>
+            <a:lstStyle/>
+            <a:p>
+              <a:pPr marL="0" marR="0" lvl="0" indent="0" algn="l" defTabSz="914400" rtl="0" eaLnBrk="1" fontAlgn="auto" latinLnBrk="1" hangingPunct="1">
+                <a:lnSpc>
+                  <a:spcPct val="100000"/>
+                </a:lnSpc>
+                <a:spcBef>
+                  <a:spcPts val="0"/>
+                </a:spcBef>
+                <a:spcAft>
+                  <a:spcPts val="0"/>
+                </a:spcAft>
+                <a:buClrTx/>
+                <a:buSzTx/>
+                <a:buFontTx/>
+                <a:buNone/>
+                <a:tabLst/>
+                <a:defRPr/>
+              </a:pPr>
+              <a:r>
+                <a:rPr kumimoji="0" lang="en-US" altLang="ko-KR" sz="1400" b="0" i="0" u="none" strike="noStrike" kern="1200" cap="none" spc="0" normalizeH="0" baseline="0" noProof="0" dirty="0" err="1">
+                  <a:ln>
+                    <a:noFill/>
+                  </a:ln>
+                  <a:solidFill>
+                    <a:prstClr val="black"/>
+                  </a:solidFill>
+                  <a:effectLst/>
+                  <a:uLnTx/>
+                  <a:uFillTx/>
+                  <a:latin typeface="Calibri" panose="020F0502020204030204"/>
+                  <a:ea typeface="맑은 고딕" panose="020B0503020000020004" pitchFamily="50" charset="-127"/>
+                  <a:cs typeface="+mn-cs"/>
+                </a:rPr>
+                <a:t>btn</a:t>
+              </a:r>
+              <a:r>
+                <a:rPr kumimoji="0" lang="en-US" altLang="ko-KR" sz="1400" b="0" i="0" u="none" strike="noStrike" kern="1200" cap="none" spc="0" normalizeH="0" baseline="0" noProof="0" dirty="0">
+                  <a:ln>
+                    <a:noFill/>
+                  </a:ln>
+                  <a:solidFill>
+                    <a:prstClr val="black"/>
+                  </a:solidFill>
+                  <a:effectLst/>
+                  <a:uLnTx/>
+                  <a:uFillTx/>
+                  <a:latin typeface="Calibri" panose="020F0502020204030204"/>
+                  <a:ea typeface="맑은 고딕" panose="020B0503020000020004" pitchFamily="50" charset="-127"/>
+                  <a:cs typeface="+mn-cs"/>
+                </a:rPr>
+                <a:t>[4]</a:t>
+              </a:r>
+              <a:endParaRPr kumimoji="0" lang="ko-KR" altLang="en-US" sz="1400" b="0" i="0" u="none" strike="noStrike" kern="1200" cap="none" spc="0" normalizeH="0" baseline="0" noProof="0" dirty="0">
+                <a:ln>
+                  <a:noFill/>
+                </a:ln>
+                <a:solidFill>
+                  <a:prstClr val="black"/>
+                </a:solidFill>
+                <a:effectLst/>
+                <a:uLnTx/>
+                <a:uFillTx/>
+                <a:latin typeface="Calibri" panose="020F0502020204030204"/>
+                <a:ea typeface="맑은 고딕" panose="020B0503020000020004" pitchFamily="50" charset="-127"/>
+                <a:cs typeface="+mn-cs"/>
+              </a:endParaRPr>
+            </a:p>
+          </p:txBody>
+        </p:sp>
+        <p:sp>
+          <p:nvSpPr>
+            <p:cNvPr id="23" name="TextBox 22">
+              <a:extLst>
+                <a:ext uri="{FF2B5EF4-FFF2-40B4-BE49-F238E27FC236}">
+                  <a16:creationId xmlns:a16="http://schemas.microsoft.com/office/drawing/2014/main" id="{0D372675-A4FD-4EDE-8989-51C510826C0F}"/>
+                </a:ext>
+              </a:extLst>
+            </p:cNvPr>
+            <p:cNvSpPr txBox="1"/>
+            <p:nvPr/>
+          </p:nvSpPr>
+          <p:spPr>
+            <a:xfrm>
+              <a:off x="2106978" y="1482402"/>
+              <a:ext cx="683491" cy="307777"/>
+            </a:xfrm>
+            <a:prstGeom prst="rect">
+              <a:avLst/>
+            </a:prstGeom>
+            <a:noFill/>
+            <a:ln>
+              <a:noFill/>
+            </a:ln>
+          </p:spPr>
+          <p:txBody>
+            <a:bodyPr wrap="square" rtlCol="0">
+              <a:spAutoFit/>
+            </a:bodyPr>
+            <a:lstStyle/>
+            <a:p>
+              <a:pPr marL="0" marR="0" lvl="0" indent="0" algn="l" defTabSz="914400" rtl="0" eaLnBrk="1" fontAlgn="auto" latinLnBrk="1" hangingPunct="1">
+                <a:lnSpc>
+                  <a:spcPct val="100000"/>
+                </a:lnSpc>
+                <a:spcBef>
+                  <a:spcPts val="0"/>
+                </a:spcBef>
+                <a:spcAft>
+                  <a:spcPts val="0"/>
+                </a:spcAft>
+                <a:buClrTx/>
+                <a:buSzTx/>
+                <a:buFontTx/>
+                <a:buNone/>
+                <a:tabLst/>
+                <a:defRPr/>
+              </a:pPr>
+              <a:r>
+                <a:rPr kumimoji="0" lang="en-US" altLang="ko-KR" sz="1400" b="0" i="0" u="none" strike="noStrike" kern="1200" cap="none" spc="0" normalizeH="0" baseline="0" noProof="0" dirty="0" err="1">
+                  <a:ln>
+                    <a:noFill/>
+                  </a:ln>
+                  <a:solidFill>
+                    <a:prstClr val="black"/>
+                  </a:solidFill>
+                  <a:effectLst/>
+                  <a:uLnTx/>
+                  <a:uFillTx/>
+                  <a:latin typeface="Calibri" panose="020F0502020204030204"/>
+                  <a:ea typeface="맑은 고딕" panose="020B0503020000020004" pitchFamily="50" charset="-127"/>
+                  <a:cs typeface="+mn-cs"/>
+                </a:rPr>
+                <a:t>clk</a:t>
+              </a:r>
+              <a:endParaRPr kumimoji="0" lang="ko-KR" altLang="en-US" sz="1400" b="0" i="0" u="none" strike="noStrike" kern="1200" cap="none" spc="0" normalizeH="0" baseline="0" noProof="0" dirty="0">
+                <a:ln>
+                  <a:noFill/>
+                </a:ln>
+                <a:solidFill>
+                  <a:prstClr val="black"/>
+                </a:solidFill>
+                <a:effectLst/>
+                <a:uLnTx/>
+                <a:uFillTx/>
+                <a:latin typeface="Calibri" panose="020F0502020204030204"/>
+                <a:ea typeface="맑은 고딕" panose="020B0503020000020004" pitchFamily="50" charset="-127"/>
+                <a:cs typeface="+mn-cs"/>
+              </a:endParaRPr>
+            </a:p>
+          </p:txBody>
+        </p:sp>
+        <p:cxnSp>
+          <p:nvCxnSpPr>
+            <p:cNvPr id="24" name="직선 연결선 23">
+              <a:extLst>
+                <a:ext uri="{FF2B5EF4-FFF2-40B4-BE49-F238E27FC236}">
+                  <a16:creationId xmlns:a16="http://schemas.microsoft.com/office/drawing/2014/main" id="{C08FC17C-D8F4-42AB-9D64-FCD0C840AF0E}"/>
+                </a:ext>
+              </a:extLst>
+            </p:cNvPr>
+            <p:cNvCxnSpPr/>
+            <p:nvPr/>
+          </p:nvCxnSpPr>
+          <p:spPr>
+            <a:xfrm>
+              <a:off x="4091709" y="2066814"/>
+              <a:ext cx="0" cy="614169"/>
+            </a:xfrm>
+            <a:prstGeom prst="line">
+              <a:avLst/>
+            </a:prstGeom>
+            <a:ln>
+              <a:solidFill>
+                <a:schemeClr val="tx1"/>
+              </a:solidFill>
+            </a:ln>
+          </p:spPr>
+          <p:style>
+            <a:lnRef idx="1">
+              <a:schemeClr val="accent1"/>
+            </a:lnRef>
+            <a:fillRef idx="0">
+              <a:schemeClr val="accent1"/>
+            </a:fillRef>
+            <a:effectRef idx="0">
+              <a:schemeClr val="accent1"/>
+            </a:effectRef>
+            <a:fontRef idx="minor">
+              <a:schemeClr val="tx1"/>
+            </a:fontRef>
+          </p:style>
+        </p:cxnSp>
+        <p:cxnSp>
+          <p:nvCxnSpPr>
+            <p:cNvPr id="25" name="직선 연결선 24">
+              <a:extLst>
+                <a:ext uri="{FF2B5EF4-FFF2-40B4-BE49-F238E27FC236}">
+                  <a16:creationId xmlns:a16="http://schemas.microsoft.com/office/drawing/2014/main" id="{7226687B-F0C8-4A57-9762-0FC7522AF2AF}"/>
+                </a:ext>
+              </a:extLst>
+            </p:cNvPr>
+            <p:cNvCxnSpPr>
+              <a:cxnSpLocks/>
+            </p:cNvCxnSpPr>
+            <p:nvPr/>
+          </p:nvCxnSpPr>
+          <p:spPr>
+            <a:xfrm flipH="1">
+              <a:off x="4917057" y="2861467"/>
+              <a:ext cx="1008595" cy="4182"/>
+            </a:xfrm>
+            <a:prstGeom prst="line">
+              <a:avLst/>
+            </a:prstGeom>
+            <a:ln>
+              <a:solidFill>
+                <a:schemeClr val="tx1"/>
+              </a:solidFill>
+            </a:ln>
+          </p:spPr>
+          <p:style>
+            <a:lnRef idx="1">
+              <a:schemeClr val="accent1"/>
+            </a:lnRef>
+            <a:fillRef idx="0">
+              <a:schemeClr val="accent1"/>
+            </a:fillRef>
+            <a:effectRef idx="0">
+              <a:schemeClr val="accent1"/>
+            </a:effectRef>
+            <a:fontRef idx="minor">
+              <a:schemeClr val="tx1"/>
+            </a:fontRef>
+          </p:style>
+        </p:cxnSp>
+        <p:cxnSp>
+          <p:nvCxnSpPr>
+            <p:cNvPr id="26" name="직선 연결선 25">
+              <a:extLst>
+                <a:ext uri="{FF2B5EF4-FFF2-40B4-BE49-F238E27FC236}">
+                  <a16:creationId xmlns:a16="http://schemas.microsoft.com/office/drawing/2014/main" id="{4912E46D-A0CE-471F-9F0A-B61B2F05819A}"/>
+                </a:ext>
+              </a:extLst>
+            </p:cNvPr>
+            <p:cNvCxnSpPr>
+              <a:cxnSpLocks/>
+            </p:cNvCxnSpPr>
+            <p:nvPr/>
+          </p:nvCxnSpPr>
+          <p:spPr>
+            <a:xfrm flipH="1">
+              <a:off x="4091709" y="3528760"/>
+              <a:ext cx="1833943" cy="0"/>
+            </a:xfrm>
+            <a:prstGeom prst="line">
+              <a:avLst/>
+            </a:prstGeom>
+            <a:ln>
+              <a:solidFill>
+                <a:schemeClr val="tx1"/>
+              </a:solidFill>
+            </a:ln>
+          </p:spPr>
+          <p:style>
+            <a:lnRef idx="1">
+              <a:schemeClr val="accent1"/>
+            </a:lnRef>
+            <a:fillRef idx="0">
+              <a:schemeClr val="accent1"/>
+            </a:fillRef>
+            <a:effectRef idx="0">
+              <a:schemeClr val="accent1"/>
+            </a:effectRef>
+            <a:fontRef idx="minor">
+              <a:schemeClr val="tx1"/>
+            </a:fontRef>
+          </p:style>
+        </p:cxnSp>
+        <p:cxnSp>
+          <p:nvCxnSpPr>
+            <p:cNvPr id="27" name="직선 연결선 26">
+              <a:extLst>
+                <a:ext uri="{FF2B5EF4-FFF2-40B4-BE49-F238E27FC236}">
+                  <a16:creationId xmlns:a16="http://schemas.microsoft.com/office/drawing/2014/main" id="{0023E270-B518-41CF-BF55-F1FBF4DD13B0}"/>
+                </a:ext>
+              </a:extLst>
+            </p:cNvPr>
+            <p:cNvCxnSpPr>
+              <a:cxnSpLocks/>
+            </p:cNvCxnSpPr>
+            <p:nvPr/>
+          </p:nvCxnSpPr>
+          <p:spPr>
+            <a:xfrm>
+              <a:off x="4091709" y="3037009"/>
+              <a:ext cx="0" cy="1273568"/>
+            </a:xfrm>
+            <a:prstGeom prst="line">
+              <a:avLst/>
+            </a:prstGeom>
+            <a:ln>
+              <a:solidFill>
+                <a:schemeClr val="tx1"/>
+              </a:solidFill>
+            </a:ln>
+          </p:spPr>
+          <p:style>
+            <a:lnRef idx="1">
+              <a:schemeClr val="accent1"/>
+            </a:lnRef>
+            <a:fillRef idx="0">
+              <a:schemeClr val="accent1"/>
+            </a:fillRef>
+            <a:effectRef idx="0">
+              <a:schemeClr val="accent1"/>
+            </a:effectRef>
+            <a:fontRef idx="minor">
+              <a:schemeClr val="tx1"/>
+            </a:fontRef>
+          </p:style>
+        </p:cxnSp>
+        <p:cxnSp>
+          <p:nvCxnSpPr>
+            <p:cNvPr id="28" name="직선 연결선 27">
+              <a:extLst>
+                <a:ext uri="{FF2B5EF4-FFF2-40B4-BE49-F238E27FC236}">
+                  <a16:creationId xmlns:a16="http://schemas.microsoft.com/office/drawing/2014/main" id="{F1B09F08-A30E-46A6-8B64-379EFDE7EC70}"/>
+                </a:ext>
+              </a:extLst>
+            </p:cNvPr>
+            <p:cNvCxnSpPr>
+              <a:cxnSpLocks/>
+            </p:cNvCxnSpPr>
+            <p:nvPr/>
+          </p:nvCxnSpPr>
+          <p:spPr>
+            <a:xfrm flipH="1">
+              <a:off x="7975474" y="1813140"/>
+              <a:ext cx="1510271" cy="0"/>
+            </a:xfrm>
+            <a:prstGeom prst="line">
+              <a:avLst/>
+            </a:prstGeom>
+            <a:ln>
+              <a:solidFill>
+                <a:schemeClr val="tx1"/>
+              </a:solidFill>
+            </a:ln>
+          </p:spPr>
+          <p:style>
+            <a:lnRef idx="1">
+              <a:schemeClr val="accent1"/>
+            </a:lnRef>
+            <a:fillRef idx="0">
+              <a:schemeClr val="accent1"/>
+            </a:fillRef>
+            <a:effectRef idx="0">
+              <a:schemeClr val="accent1"/>
+            </a:effectRef>
+            <a:fontRef idx="minor">
+              <a:schemeClr val="tx1"/>
+            </a:fontRef>
+          </p:style>
+        </p:cxnSp>
+        <p:cxnSp>
+          <p:nvCxnSpPr>
+            <p:cNvPr id="29" name="직선 연결선 28">
+              <a:extLst>
+                <a:ext uri="{FF2B5EF4-FFF2-40B4-BE49-F238E27FC236}">
+                  <a16:creationId xmlns:a16="http://schemas.microsoft.com/office/drawing/2014/main" id="{FAD6E465-8936-47CB-890A-527DEEEAC289}"/>
+                </a:ext>
+              </a:extLst>
+            </p:cNvPr>
+            <p:cNvCxnSpPr>
+              <a:cxnSpLocks/>
+            </p:cNvCxnSpPr>
+            <p:nvPr/>
+          </p:nvCxnSpPr>
+          <p:spPr>
+            <a:xfrm flipH="1">
+              <a:off x="7975474" y="1991419"/>
+              <a:ext cx="1510271" cy="0"/>
+            </a:xfrm>
+            <a:prstGeom prst="line">
+              <a:avLst/>
+            </a:prstGeom>
+            <a:ln>
+              <a:solidFill>
+                <a:schemeClr val="tx1"/>
+              </a:solidFill>
+            </a:ln>
+          </p:spPr>
+          <p:style>
+            <a:lnRef idx="1">
+              <a:schemeClr val="accent1"/>
+            </a:lnRef>
+            <a:fillRef idx="0">
+              <a:schemeClr val="accent1"/>
+            </a:fillRef>
+            <a:effectRef idx="0">
+              <a:schemeClr val="accent1"/>
+            </a:effectRef>
+            <a:fontRef idx="minor">
+              <a:schemeClr val="tx1"/>
+            </a:fontRef>
+          </p:style>
+        </p:cxnSp>
+        <p:sp>
+          <p:nvSpPr>
+            <p:cNvPr id="30" name="TextBox 29">
+              <a:extLst>
+                <a:ext uri="{FF2B5EF4-FFF2-40B4-BE49-F238E27FC236}">
+                  <a16:creationId xmlns:a16="http://schemas.microsoft.com/office/drawing/2014/main" id="{2E1F01F6-546C-4898-9F7A-E0F5E641EE82}"/>
+                </a:ext>
+              </a:extLst>
+            </p:cNvPr>
+            <p:cNvSpPr txBox="1"/>
+            <p:nvPr/>
+          </p:nvSpPr>
+          <p:spPr>
+            <a:xfrm>
+              <a:off x="8685048" y="2004034"/>
+              <a:ext cx="1835163" cy="307777"/>
+            </a:xfrm>
+            <a:prstGeom prst="rect">
+              <a:avLst/>
+            </a:prstGeom>
+            <a:noFill/>
+            <a:ln>
+              <a:noFill/>
+            </a:ln>
+          </p:spPr>
+          <p:txBody>
+            <a:bodyPr wrap="square" rtlCol="0">
+              <a:spAutoFit/>
+            </a:bodyPr>
+            <a:lstStyle/>
+            <a:p>
+              <a:pPr marL="0" marR="0" lvl="0" indent="0" algn="l" defTabSz="914400" rtl="0" eaLnBrk="1" fontAlgn="auto" latinLnBrk="1" hangingPunct="1">
+                <a:lnSpc>
+                  <a:spcPct val="100000"/>
+                </a:lnSpc>
+                <a:spcBef>
+                  <a:spcPts val="0"/>
+                </a:spcBef>
+                <a:spcAft>
+                  <a:spcPts val="0"/>
+                </a:spcAft>
+                <a:buClrTx/>
+                <a:buSzTx/>
+                <a:buFontTx/>
+                <a:buNone/>
+                <a:tabLst/>
+                <a:defRPr/>
+              </a:pPr>
+              <a:r>
+                <a:rPr kumimoji="0" lang="en-US" altLang="ko-KR" sz="1400" b="0" i="0" u="none" strike="noStrike" kern="1200" cap="none" spc="0" normalizeH="0" baseline="0" noProof="0" dirty="0" err="1">
+                  <a:ln>
+                    <a:noFill/>
+                  </a:ln>
+                  <a:solidFill>
+                    <a:prstClr val="black"/>
+                  </a:solidFill>
+                  <a:effectLst/>
+                  <a:uLnTx/>
+                  <a:uFillTx/>
+                  <a:latin typeface="Calibri" panose="020F0502020204030204"/>
+                  <a:ea typeface="맑은 고딕" panose="020B0503020000020004" pitchFamily="50" charset="-127"/>
+                  <a:cs typeface="+mn-cs"/>
+                </a:rPr>
+                <a:t>seg_data</a:t>
+              </a:r>
+              <a:endParaRPr kumimoji="0" lang="ko-KR" altLang="en-US" sz="1400" b="0" i="0" u="none" strike="noStrike" kern="1200" cap="none" spc="0" normalizeH="0" baseline="0" noProof="0" dirty="0">
+                <a:ln>
+                  <a:noFill/>
+                </a:ln>
+                <a:solidFill>
+                  <a:prstClr val="black"/>
+                </a:solidFill>
+                <a:effectLst/>
+                <a:uLnTx/>
+                <a:uFillTx/>
+                <a:latin typeface="Calibri" panose="020F0502020204030204"/>
+                <a:ea typeface="맑은 고딕" panose="020B0503020000020004" pitchFamily="50" charset="-127"/>
+                <a:cs typeface="+mn-cs"/>
+              </a:endParaRPr>
+            </a:p>
+          </p:txBody>
+        </p:sp>
+        <p:sp>
+          <p:nvSpPr>
+            <p:cNvPr id="31" name="TextBox 30">
+              <a:extLst>
+                <a:ext uri="{FF2B5EF4-FFF2-40B4-BE49-F238E27FC236}">
+                  <a16:creationId xmlns:a16="http://schemas.microsoft.com/office/drawing/2014/main" id="{C87F0DE4-8C5E-4415-8BD5-51A95D98BBF5}"/>
+                </a:ext>
+              </a:extLst>
+            </p:cNvPr>
+            <p:cNvSpPr txBox="1"/>
+            <p:nvPr/>
+          </p:nvSpPr>
+          <p:spPr>
+            <a:xfrm>
+              <a:off x="8648111" y="1482402"/>
+              <a:ext cx="1502653" cy="307777"/>
+            </a:xfrm>
+            <a:prstGeom prst="rect">
+              <a:avLst/>
+            </a:prstGeom>
+            <a:noFill/>
+            <a:ln>
+              <a:noFill/>
+            </a:ln>
+          </p:spPr>
+          <p:txBody>
+            <a:bodyPr wrap="square" rtlCol="0">
+              <a:spAutoFit/>
+            </a:bodyPr>
+            <a:lstStyle/>
+            <a:p>
+              <a:pPr marL="0" marR="0" lvl="0" indent="0" algn="l" defTabSz="914400" rtl="0" eaLnBrk="1" fontAlgn="auto" latinLnBrk="1" hangingPunct="1">
+                <a:lnSpc>
+                  <a:spcPct val="100000"/>
+                </a:lnSpc>
+                <a:spcBef>
+                  <a:spcPts val="0"/>
+                </a:spcBef>
+                <a:spcAft>
+                  <a:spcPts val="0"/>
+                </a:spcAft>
+                <a:buClrTx/>
+                <a:buSzTx/>
+                <a:buFontTx/>
+                <a:buNone/>
+                <a:tabLst/>
+                <a:defRPr/>
+              </a:pPr>
+              <a:r>
+                <a:rPr kumimoji="0" lang="en-US" altLang="ko-KR" sz="1400" b="0" i="0" u="none" strike="noStrike" kern="1200" cap="none" spc="0" normalizeH="0" baseline="0" noProof="0" dirty="0" err="1">
+                  <a:ln>
+                    <a:noFill/>
+                  </a:ln>
+                  <a:solidFill>
+                    <a:prstClr val="black"/>
+                  </a:solidFill>
+                  <a:effectLst/>
+                  <a:uLnTx/>
+                  <a:uFillTx/>
+                  <a:latin typeface="Calibri" panose="020F0502020204030204"/>
+                  <a:ea typeface="맑은 고딕" panose="020B0503020000020004" pitchFamily="50" charset="-127"/>
+                  <a:cs typeface="+mn-cs"/>
+                </a:rPr>
+                <a:t>seg_com</a:t>
+              </a:r>
+              <a:endParaRPr kumimoji="0" lang="ko-KR" altLang="en-US" sz="1400" b="0" i="0" u="none" strike="noStrike" kern="1200" cap="none" spc="0" normalizeH="0" baseline="0" noProof="0" dirty="0">
+                <a:ln>
+                  <a:noFill/>
+                </a:ln>
+                <a:solidFill>
+                  <a:prstClr val="black"/>
+                </a:solidFill>
+                <a:effectLst/>
+                <a:uLnTx/>
+                <a:uFillTx/>
+                <a:latin typeface="Calibri" panose="020F0502020204030204"/>
+                <a:ea typeface="맑은 고딕" panose="020B0503020000020004" pitchFamily="50" charset="-127"/>
+                <a:cs typeface="+mn-cs"/>
+              </a:endParaRPr>
+            </a:p>
+          </p:txBody>
+        </p:sp>
+        <p:sp>
+          <p:nvSpPr>
+            <p:cNvPr id="32" name="TextBox 31">
+              <a:extLst>
+                <a:ext uri="{FF2B5EF4-FFF2-40B4-BE49-F238E27FC236}">
+                  <a16:creationId xmlns:a16="http://schemas.microsoft.com/office/drawing/2014/main" id="{7738C7E7-7684-4258-A758-3F3297F91651}"/>
+                </a:ext>
+              </a:extLst>
+            </p:cNvPr>
+            <p:cNvSpPr txBox="1"/>
+            <p:nvPr/>
+          </p:nvSpPr>
+          <p:spPr>
+            <a:xfrm>
+              <a:off x="5164413" y="1973430"/>
+              <a:ext cx="1835163" cy="307777"/>
+            </a:xfrm>
+            <a:prstGeom prst="rect">
+              <a:avLst/>
+            </a:prstGeom>
+            <a:noFill/>
+            <a:ln>
+              <a:noFill/>
+            </a:ln>
+          </p:spPr>
+          <p:txBody>
+            <a:bodyPr wrap="square" rtlCol="0">
+              <a:spAutoFit/>
+            </a:bodyPr>
+            <a:lstStyle/>
+            <a:p>
+              <a:pPr marL="0" marR="0" lvl="0" indent="0" algn="l" defTabSz="914400" rtl="0" eaLnBrk="1" fontAlgn="auto" latinLnBrk="1" hangingPunct="1">
+                <a:lnSpc>
+                  <a:spcPct val="100000"/>
+                </a:lnSpc>
+                <a:spcBef>
+                  <a:spcPts val="0"/>
+                </a:spcBef>
+                <a:spcAft>
+                  <a:spcPts val="0"/>
+                </a:spcAft>
+                <a:buClrTx/>
+                <a:buSzTx/>
+                <a:buFontTx/>
+                <a:buNone/>
+                <a:tabLst/>
+                <a:defRPr/>
+              </a:pPr>
+              <a:r>
+                <a:rPr kumimoji="0" lang="en-US" altLang="ko-KR" sz="1400" b="0" i="0" u="none" strike="noStrike" kern="1200" cap="none" spc="0" normalizeH="0" baseline="0" noProof="0" dirty="0" err="1">
+                  <a:ln>
+                    <a:noFill/>
+                  </a:ln>
+                  <a:solidFill>
+                    <a:prstClr val="black"/>
+                  </a:solidFill>
+                  <a:effectLst/>
+                  <a:uLnTx/>
+                  <a:uFillTx/>
+                  <a:latin typeface="Calibri" panose="020F0502020204030204"/>
+                  <a:ea typeface="맑은 고딕" panose="020B0503020000020004" pitchFamily="50" charset="-127"/>
+                  <a:cs typeface="+mn-cs"/>
+                </a:rPr>
+                <a:t>val</a:t>
+              </a:r>
+              <a:r>
+                <a:rPr kumimoji="0" lang="en-US" altLang="ko-KR" sz="1400" b="0" i="0" u="none" strike="noStrike" kern="1200" cap="none" spc="0" normalizeH="0" baseline="0" noProof="0" dirty="0">
+                  <a:ln>
+                    <a:noFill/>
+                  </a:ln>
+                  <a:solidFill>
+                    <a:prstClr val="black"/>
+                  </a:solidFill>
+                  <a:effectLst/>
+                  <a:uLnTx/>
+                  <a:uFillTx/>
+                  <a:latin typeface="Calibri" panose="020F0502020204030204"/>
+                  <a:ea typeface="맑은 고딕" panose="020B0503020000020004" pitchFamily="50" charset="-127"/>
+                  <a:cs typeface="+mn-cs"/>
+                </a:rPr>
+                <a:t>[32]</a:t>
+              </a:r>
+              <a:endParaRPr kumimoji="0" lang="ko-KR" altLang="en-US" sz="1400" b="0" i="0" u="none" strike="noStrike" kern="1200" cap="none" spc="0" normalizeH="0" baseline="0" noProof="0" dirty="0">
+                <a:ln>
+                  <a:noFill/>
+                </a:ln>
+                <a:solidFill>
+                  <a:prstClr val="black"/>
+                </a:solidFill>
+                <a:effectLst/>
+                <a:uLnTx/>
+                <a:uFillTx/>
+                <a:latin typeface="Calibri" panose="020F0502020204030204"/>
+                <a:ea typeface="맑은 고딕" panose="020B0503020000020004" pitchFamily="50" charset="-127"/>
+                <a:cs typeface="+mn-cs"/>
+              </a:endParaRPr>
+            </a:p>
+          </p:txBody>
+        </p:sp>
+      </p:grpSp>
+    </p:spTree>
+    <p:extLst>
+      <p:ext uri="{BB962C8B-B14F-4D97-AF65-F5344CB8AC3E}">
+        <p14:creationId xmlns:p14="http://schemas.microsoft.com/office/powerpoint/2010/main" val="2936335566"/>
+      </p:ext>
+    </p:extLst>
+  </p:cSld>
+  <p:clrMapOvr>
+    <a:masterClrMapping/>
+  </p:clrMapOvr>
+</p:sld>
+</file>
+
+<file path=ppt/slides/slide12.xml><?xml version="1.0" encoding="utf-8"?>
+<p:sld xmlns:a="http://schemas.openxmlformats.org/drawingml/2006/main" xmlns:r="http://schemas.openxmlformats.org/officeDocument/2006/relationships" xmlns:p="http://schemas.openxmlformats.org/presentationml/2006/main" showMasterSp="0">
+  <p:cSld>
+    <p:bg>
+      <p:bgPr>
+        <a:blipFill dpi="0" rotWithShape="1">
+          <a:blip r:embed="rId2">
+            <a:lum/>
+          </a:blip>
+          <a:srcRect/>
+          <a:stretch>
+            <a:fillRect/>
+          </a:stretch>
+        </a:blipFill>
+        <a:effectLst/>
+      </p:bgPr>
+    </p:bg>
+    <p:spTree>
+      <p:nvGrpSpPr>
+        <p:cNvPr id="1" name=""/>
+        <p:cNvGrpSpPr/>
+        <p:nvPr/>
+      </p:nvGrpSpPr>
+      <p:grpSpPr>
+        <a:xfrm>
+          <a:off x="0" y="0"/>
+          <a:ext cx="0" cy="0"/>
+          <a:chOff x="0" y="0"/>
+          <a:chExt cx="0" cy="0"/>
+        </a:xfrm>
+      </p:grpSpPr>
+      <p:sp>
+        <p:nvSpPr>
+          <p:cNvPr id="16" name="직사각형 15"/>
+          <p:cNvSpPr/>
+          <p:nvPr/>
+        </p:nvSpPr>
+        <p:spPr>
+          <a:xfrm>
+            <a:off x="296632" y="333481"/>
+            <a:ext cx="6687264" cy="523220"/>
+          </a:xfrm>
+          <a:prstGeom prst="rect">
+            <a:avLst/>
+          </a:prstGeom>
+          <a:noFill/>
+        </p:spPr>
+        <p:txBody>
+          <a:bodyPr vert="horz" wrap="square">
+            <a:spAutoFit/>
+          </a:bodyPr>
+          <a:lstStyle/>
+          <a:p>
+            <a:pPr marL="0" marR="0" lvl="0" indent="0" algn="l" defTabSz="914400" rtl="0" eaLnBrk="1" fontAlgn="auto" latinLnBrk="1" hangingPunct="1">
+              <a:lnSpc>
+                <a:spcPct val="100000"/>
+              </a:lnSpc>
+              <a:spcBef>
+                <a:spcPts val="0"/>
+              </a:spcBef>
+              <a:spcAft>
+                <a:spcPts val="0"/>
+              </a:spcAft>
+              <a:buClrTx/>
+              <a:buSzTx/>
+              <a:buFontTx/>
+              <a:buNone/>
+              <a:tabLst/>
+              <a:defRPr/>
+            </a:pPr>
+            <a:r>
+              <a:rPr kumimoji="0" lang="ko-KR" altLang="en-US" sz="2800" b="0" i="0" u="none" strike="noStrike" kern="1200" cap="none" spc="300" normalizeH="0" baseline="0" noProof="0" dirty="0">
+                <a:ln>
+                  <a:noFill/>
+                </a:ln>
+                <a:solidFill>
+                  <a:prstClr val="white"/>
+                </a:solidFill>
+                <a:effectLst/>
+                <a:uLnTx/>
+                <a:uFillTx/>
+                <a:latin typeface="Noto Serif CJK KR Black" panose="02020900000000000000" pitchFamily="18" charset="-127"/>
+                <a:ea typeface="Noto Serif CJK KR Black" panose="02020900000000000000" pitchFamily="18" charset="-127"/>
+                <a:cs typeface="+mn-cs"/>
+              </a:rPr>
+              <a:t>주제 설명</a:t>
+            </a:r>
+            <a:r>
+              <a:rPr kumimoji="0" lang="en-US" altLang="ko-KR" sz="2800" b="0" i="0" u="none" strike="noStrike" kern="1200" cap="none" spc="300" normalizeH="0" baseline="0" noProof="0" dirty="0">
+                <a:ln>
+                  <a:noFill/>
+                </a:ln>
+                <a:solidFill>
+                  <a:prstClr val="white"/>
+                </a:solidFill>
+                <a:effectLst/>
+                <a:uLnTx/>
+                <a:uFillTx/>
+                <a:latin typeface="Noto Serif CJK KR Black" panose="02020900000000000000" pitchFamily="18" charset="-127"/>
+                <a:ea typeface="Noto Serif CJK KR Black" panose="02020900000000000000" pitchFamily="18" charset="-127"/>
+                <a:cs typeface="+mn-cs"/>
+              </a:rPr>
+              <a:t>(7segment - </a:t>
+            </a:r>
+            <a:r>
+              <a:rPr kumimoji="0" lang="ko-KR" altLang="en-US" sz="2800" b="0" i="0" u="none" strike="noStrike" kern="1200" cap="none" spc="300" normalizeH="0" baseline="0" noProof="0" dirty="0">
+                <a:ln>
+                  <a:noFill/>
+                </a:ln>
+                <a:solidFill>
+                  <a:prstClr val="white"/>
+                </a:solidFill>
+                <a:effectLst/>
+                <a:uLnTx/>
+                <a:uFillTx/>
+                <a:latin typeface="Noto Serif CJK KR Black" panose="02020900000000000000" pitchFamily="18" charset="-127"/>
+                <a:ea typeface="Noto Serif CJK KR Black" panose="02020900000000000000" pitchFamily="18" charset="-127"/>
+                <a:cs typeface="+mn-cs"/>
+              </a:rPr>
+              <a:t>시뮬레이션</a:t>
+            </a:r>
+            <a:r>
+              <a:rPr kumimoji="0" lang="en-US" altLang="ko-KR" sz="2800" b="0" i="0" u="none" strike="noStrike" kern="1200" cap="none" spc="300" normalizeH="0" baseline="0" noProof="0" dirty="0">
+                <a:ln>
+                  <a:noFill/>
+                </a:ln>
+                <a:solidFill>
+                  <a:prstClr val="white"/>
+                </a:solidFill>
+                <a:effectLst/>
+                <a:uLnTx/>
+                <a:uFillTx/>
+                <a:latin typeface="Noto Serif CJK KR Black" panose="02020900000000000000" pitchFamily="18" charset="-127"/>
+                <a:ea typeface="Noto Serif CJK KR Black" panose="02020900000000000000" pitchFamily="18" charset="-127"/>
+                <a:cs typeface="+mn-cs"/>
+              </a:rPr>
+              <a:t>)</a:t>
+            </a:r>
+          </a:p>
+        </p:txBody>
+      </p:sp>
+      <p:pic>
+        <p:nvPicPr>
+          <p:cNvPr id="2049" name="_x362473176" descr="EMB000049e46b79">
+            <a:extLst>
+              <a:ext uri="{FF2B5EF4-FFF2-40B4-BE49-F238E27FC236}">
+                <a16:creationId xmlns:a16="http://schemas.microsoft.com/office/drawing/2014/main" id="{D07A9D32-26CE-4C96-A9BB-83D7C3ADF19E}"/>
+              </a:ext>
+            </a:extLst>
+          </p:cNvPr>
+          <p:cNvPicPr>
+            <a:picLocks noChangeAspect="1" noChangeArrowheads="1"/>
+          </p:cNvPicPr>
+          <p:nvPr/>
+        </p:nvPicPr>
+        <p:blipFill>
+          <a:blip r:embed="rId3">
+            <a:extLst>
+              <a:ext uri="{28A0092B-C50C-407E-A947-70E740481C1C}">
+                <a14:useLocalDpi xmlns:a14="http://schemas.microsoft.com/office/drawing/2010/main" val="0"/>
+              </a:ext>
+            </a:extLst>
+          </a:blip>
+          <a:srcRect/>
+          <a:stretch>
+            <a:fillRect/>
+          </a:stretch>
+        </p:blipFill>
+        <p:spPr bwMode="auto">
+          <a:xfrm>
+            <a:off x="1325010" y="1079432"/>
+            <a:ext cx="8415338" cy="3227525"/>
+          </a:xfrm>
+          <a:prstGeom prst="rect">
+            <a:avLst/>
+          </a:prstGeom>
+          <a:noFill/>
+          <a:extLst>
+            <a:ext uri="{909E8E84-426E-40DD-AFC4-6F175D3DCCD1}">
+              <a14:hiddenFill xmlns:a14="http://schemas.microsoft.com/office/drawing/2010/main">
+                <a:solidFill>
+                  <a:srgbClr val="FFFFFF"/>
+                </a:solidFill>
+              </a14:hiddenFill>
+            </a:ext>
+          </a:extLst>
+        </p:spPr>
+      </p:pic>
+      <p:pic>
+        <p:nvPicPr>
+          <p:cNvPr id="4" name="그림 3">
+            <a:extLst>
+              <a:ext uri="{FF2B5EF4-FFF2-40B4-BE49-F238E27FC236}">
+                <a16:creationId xmlns:a16="http://schemas.microsoft.com/office/drawing/2014/main" id="{18B90293-488C-4B54-A4D6-B95588135A43}"/>
+              </a:ext>
+            </a:extLst>
+          </p:cNvPr>
+          <p:cNvPicPr>
+            <a:picLocks noChangeAspect="1"/>
+          </p:cNvPicPr>
+          <p:nvPr/>
+        </p:nvPicPr>
+        <p:blipFill>
+          <a:blip r:embed="rId4"/>
+          <a:stretch>
+            <a:fillRect/>
+          </a:stretch>
+        </p:blipFill>
+        <p:spPr>
+          <a:xfrm>
+            <a:off x="420548" y="1079431"/>
+            <a:ext cx="1808923" cy="3227525"/>
+          </a:xfrm>
+          <a:prstGeom prst="rect">
+            <a:avLst/>
+          </a:prstGeom>
+        </p:spPr>
+      </p:pic>
+      <p:sp>
+        <p:nvSpPr>
+          <p:cNvPr id="5" name="TextBox 4">
+            <a:extLst>
+              <a:ext uri="{FF2B5EF4-FFF2-40B4-BE49-F238E27FC236}">
+                <a16:creationId xmlns:a16="http://schemas.microsoft.com/office/drawing/2014/main" id="{4AE7353D-78C3-4D86-B340-1708E9A45461}"/>
+              </a:ext>
+            </a:extLst>
+          </p:cNvPr>
+          <p:cNvSpPr txBox="1"/>
+          <p:nvPr/>
+        </p:nvSpPr>
+        <p:spPr>
+          <a:xfrm>
+            <a:off x="596348" y="4691269"/>
+            <a:ext cx="8713304" cy="1569660"/>
+          </a:xfrm>
+          <a:prstGeom prst="rect">
+            <a:avLst/>
+          </a:prstGeom>
+          <a:noFill/>
+        </p:spPr>
+        <p:txBody>
+          <a:bodyPr wrap="square" rtlCol="0">
+            <a:spAutoFit/>
+          </a:bodyPr>
+          <a:lstStyle/>
+          <a:p>
+            <a:pPr marL="342900" indent="-342900">
+              <a:buFont typeface="Arial" panose="020B0604020202020204" pitchFamily="34" charset="0"/>
+              <a:buChar char="•"/>
+            </a:pPr>
+            <a:r>
+              <a:rPr lang="en-US" altLang="ko-KR" sz="2400" dirty="0">
+                <a:latin typeface="Noto Serif CJK KR Medium" panose="02020500000000000000" pitchFamily="18" charset="-127"/>
+                <a:ea typeface="Noto Serif CJK KR Medium" panose="02020500000000000000" pitchFamily="18" charset="-127"/>
+              </a:rPr>
+              <a:t>disp_val1 : 1</a:t>
+            </a:r>
+            <a:r>
+              <a:rPr lang="ko-KR" altLang="en-US" sz="2400" dirty="0">
+                <a:latin typeface="Noto Serif CJK KR Medium" panose="02020500000000000000" pitchFamily="18" charset="-127"/>
+                <a:ea typeface="Noto Serif CJK KR Medium" panose="02020500000000000000" pitchFamily="18" charset="-127"/>
+              </a:rPr>
+              <a:t>초 단위</a:t>
+            </a:r>
+            <a:endParaRPr lang="en-US" altLang="ko-KR" sz="2400" dirty="0">
+              <a:latin typeface="Noto Serif CJK KR Medium" panose="02020500000000000000" pitchFamily="18" charset="-127"/>
+              <a:ea typeface="Noto Serif CJK KR Medium" panose="02020500000000000000" pitchFamily="18" charset="-127"/>
+            </a:endParaRPr>
+          </a:p>
+          <a:p>
+            <a:pPr marL="342900" indent="-342900">
+              <a:buFont typeface="Arial" panose="020B0604020202020204" pitchFamily="34" charset="0"/>
+              <a:buChar char="•"/>
+            </a:pPr>
+            <a:endParaRPr lang="en-US" altLang="ko-KR" sz="2400" dirty="0">
+              <a:latin typeface="Noto Serif CJK KR Medium" panose="02020500000000000000" pitchFamily="18" charset="-127"/>
+              <a:ea typeface="Noto Serif CJK KR Medium" panose="02020500000000000000" pitchFamily="18" charset="-127"/>
+            </a:endParaRPr>
+          </a:p>
+          <a:p>
+            <a:pPr marL="342900" indent="-342900">
+              <a:buFont typeface="Arial" panose="020B0604020202020204" pitchFamily="34" charset="0"/>
+              <a:buChar char="•"/>
+            </a:pPr>
+            <a:r>
+              <a:rPr lang="en-US" altLang="ko-KR" sz="2400" dirty="0">
+                <a:latin typeface="Noto Serif CJK KR Medium" panose="02020500000000000000" pitchFamily="18" charset="-127"/>
+                <a:ea typeface="Noto Serif CJK KR Medium" panose="02020500000000000000" pitchFamily="18" charset="-127"/>
+              </a:rPr>
+              <a:t>disp_val2 : 10</a:t>
+            </a:r>
+            <a:r>
+              <a:rPr lang="ko-KR" altLang="en-US" sz="2400" dirty="0">
+                <a:latin typeface="Noto Serif CJK KR Medium" panose="02020500000000000000" pitchFamily="18" charset="-127"/>
+                <a:ea typeface="Noto Serif CJK KR Medium" panose="02020500000000000000" pitchFamily="18" charset="-127"/>
+              </a:rPr>
+              <a:t>초 단위</a:t>
+            </a:r>
+            <a:r>
+              <a:rPr lang="en-US" altLang="ko-KR" sz="2400" dirty="0">
+                <a:latin typeface="Noto Serif CJK KR Medium" panose="02020500000000000000" pitchFamily="18" charset="-127"/>
+                <a:ea typeface="Noto Serif CJK KR Medium" panose="02020500000000000000" pitchFamily="18" charset="-127"/>
+              </a:rPr>
+              <a:t>(5 </a:t>
+            </a:r>
+            <a:r>
+              <a:rPr lang="ko-KR" altLang="en-US" sz="2400" dirty="0">
+                <a:latin typeface="Noto Serif CJK KR Medium" panose="02020500000000000000" pitchFamily="18" charset="-127"/>
+                <a:ea typeface="Noto Serif CJK KR Medium" panose="02020500000000000000" pitchFamily="18" charset="-127"/>
+              </a:rPr>
+              <a:t>이상 안 나오는지 확인</a:t>
+            </a:r>
+            <a:r>
+              <a:rPr lang="en-US" altLang="ko-KR" sz="2400" dirty="0">
+                <a:latin typeface="Noto Serif CJK KR Medium" panose="02020500000000000000" pitchFamily="18" charset="-127"/>
+                <a:ea typeface="Noto Serif CJK KR Medium" panose="02020500000000000000" pitchFamily="18" charset="-127"/>
+              </a:rPr>
+              <a:t>) – </a:t>
+            </a:r>
+            <a:r>
+              <a:rPr lang="ko-KR" altLang="en-US" sz="2400" dirty="0">
+                <a:latin typeface="Noto Serif CJK KR Medium" panose="02020500000000000000" pitchFamily="18" charset="-127"/>
+                <a:ea typeface="Noto Serif CJK KR Medium" panose="02020500000000000000" pitchFamily="18" charset="-127"/>
+              </a:rPr>
+              <a:t>초 단위 </a:t>
+            </a:r>
+            <a:r>
+              <a:rPr lang="en-US" altLang="ko-KR" sz="2400" dirty="0">
+                <a:latin typeface="Noto Serif CJK KR Medium" panose="02020500000000000000" pitchFamily="18" charset="-127"/>
+                <a:ea typeface="Noto Serif CJK KR Medium" panose="02020500000000000000" pitchFamily="18" charset="-127"/>
+              </a:rPr>
+              <a:t>60</a:t>
+            </a:r>
+          </a:p>
+          <a:p>
+            <a:endParaRPr lang="en-US" altLang="ko-KR" sz="2400" dirty="0">
+              <a:latin typeface="Noto Serif CJK KR Medium" panose="02020500000000000000" pitchFamily="18" charset="-127"/>
+              <a:ea typeface="Noto Serif CJK KR Medium" panose="02020500000000000000" pitchFamily="18" charset="-127"/>
+            </a:endParaRPr>
+          </a:p>
+        </p:txBody>
+      </p:sp>
+    </p:spTree>
+    <p:extLst>
+      <p:ext uri="{BB962C8B-B14F-4D97-AF65-F5344CB8AC3E}">
+        <p14:creationId xmlns:p14="http://schemas.microsoft.com/office/powerpoint/2010/main" val="2416695318"/>
+      </p:ext>
+    </p:extLst>
+  </p:cSld>
+  <p:clrMapOvr>
+    <a:masterClrMapping/>
+  </p:clrMapOvr>
+</p:sld>
+</file>
+
+<file path=ppt/slides/slide13.xml><?xml version="1.0" encoding="utf-8"?>
+<p:sld xmlns:a="http://schemas.openxmlformats.org/drawingml/2006/main" xmlns:r="http://schemas.openxmlformats.org/officeDocument/2006/relationships" xmlns:p="http://schemas.openxmlformats.org/presentationml/2006/main" showMasterSp="0">
+  <p:cSld>
+    <p:bg>
+      <p:bgPr>
+        <a:blipFill dpi="0" rotWithShape="1">
+          <a:blip r:embed="rId2">
+            <a:lum/>
+          </a:blip>
+          <a:srcRect/>
+          <a:stretch>
+            <a:fillRect/>
+          </a:stretch>
+        </a:blipFill>
+        <a:effectLst/>
+      </p:bgPr>
+    </p:bg>
+    <p:spTree>
+      <p:nvGrpSpPr>
+        <p:cNvPr id="1" name=""/>
+        <p:cNvGrpSpPr/>
+        <p:nvPr/>
+      </p:nvGrpSpPr>
+      <p:grpSpPr>
+        <a:xfrm>
+          <a:off x="0" y="0"/>
+          <a:ext cx="0" cy="0"/>
+          <a:chOff x="0" y="0"/>
+          <a:chExt cx="0" cy="0"/>
+        </a:xfrm>
+      </p:grpSpPr>
+      <p:sp>
+        <p:nvSpPr>
+          <p:cNvPr id="16" name="직사각형 15"/>
+          <p:cNvSpPr/>
+          <p:nvPr/>
+        </p:nvSpPr>
+        <p:spPr>
+          <a:xfrm>
+            <a:off x="296632" y="333481"/>
+            <a:ext cx="6687264" cy="523220"/>
+          </a:xfrm>
+          <a:prstGeom prst="rect">
+            <a:avLst/>
+          </a:prstGeom>
+          <a:noFill/>
+        </p:spPr>
+        <p:txBody>
+          <a:bodyPr vert="horz" wrap="square">
+            <a:spAutoFit/>
+          </a:bodyPr>
+          <a:lstStyle/>
+          <a:p>
+            <a:pPr marL="0" marR="0" lvl="0" indent="0" algn="l" defTabSz="914400" rtl="0" eaLnBrk="1" fontAlgn="auto" latinLnBrk="1" hangingPunct="1">
+              <a:lnSpc>
+                <a:spcPct val="100000"/>
+              </a:lnSpc>
+              <a:spcBef>
+                <a:spcPts val="0"/>
+              </a:spcBef>
+              <a:spcAft>
+                <a:spcPts val="0"/>
+              </a:spcAft>
+              <a:buClrTx/>
+              <a:buSzTx/>
+              <a:buFontTx/>
+              <a:buNone/>
+              <a:tabLst/>
+              <a:defRPr/>
+            </a:pPr>
+            <a:r>
+              <a:rPr kumimoji="0" lang="ko-KR" altLang="en-US" sz="2800" b="0" i="0" u="none" strike="noStrike" kern="1200" cap="none" spc="300" normalizeH="0" baseline="0" noProof="0" dirty="0">
+                <a:ln>
+                  <a:noFill/>
+                </a:ln>
+                <a:solidFill>
+                  <a:prstClr val="white"/>
+                </a:solidFill>
+                <a:effectLst/>
+                <a:uLnTx/>
+                <a:uFillTx/>
+                <a:latin typeface="Noto Serif CJK KR Black" panose="02020900000000000000" pitchFamily="18" charset="-127"/>
+                <a:ea typeface="Noto Serif CJK KR Black" panose="02020900000000000000" pitchFamily="18" charset="-127"/>
+                <a:cs typeface="+mn-cs"/>
+              </a:rPr>
+              <a:t>주제 설명</a:t>
+            </a:r>
+            <a:r>
+              <a:rPr kumimoji="0" lang="en-US" altLang="ko-KR" sz="2800" b="0" i="0" u="none" strike="noStrike" kern="1200" cap="none" spc="300" normalizeH="0" baseline="0" noProof="0" dirty="0">
+                <a:ln>
+                  <a:noFill/>
+                </a:ln>
+                <a:solidFill>
+                  <a:prstClr val="white"/>
+                </a:solidFill>
+                <a:effectLst/>
+                <a:uLnTx/>
+                <a:uFillTx/>
+                <a:latin typeface="Noto Serif CJK KR Black" panose="02020900000000000000" pitchFamily="18" charset="-127"/>
+                <a:ea typeface="Noto Serif CJK KR Black" panose="02020900000000000000" pitchFamily="18" charset="-127"/>
+                <a:cs typeface="+mn-cs"/>
+              </a:rPr>
+              <a:t>(7segment - </a:t>
+            </a:r>
+            <a:r>
+              <a:rPr kumimoji="0" lang="ko-KR" altLang="en-US" sz="2800" b="0" i="0" u="none" strike="noStrike" kern="1200" cap="none" spc="300" normalizeH="0" baseline="0" noProof="0" dirty="0">
+                <a:ln>
+                  <a:noFill/>
+                </a:ln>
+                <a:solidFill>
+                  <a:prstClr val="white"/>
+                </a:solidFill>
+                <a:effectLst/>
+                <a:uLnTx/>
+                <a:uFillTx/>
+                <a:latin typeface="Noto Serif CJK KR Black" panose="02020900000000000000" pitchFamily="18" charset="-127"/>
+                <a:ea typeface="Noto Serif CJK KR Black" panose="02020900000000000000" pitchFamily="18" charset="-127"/>
+                <a:cs typeface="+mn-cs"/>
+              </a:rPr>
+              <a:t>시뮬레이션</a:t>
+            </a:r>
+            <a:r>
+              <a:rPr kumimoji="0" lang="en-US" altLang="ko-KR" sz="2800" b="0" i="0" u="none" strike="noStrike" kern="1200" cap="none" spc="300" normalizeH="0" baseline="0" noProof="0" dirty="0">
+                <a:ln>
+                  <a:noFill/>
+                </a:ln>
+                <a:solidFill>
+                  <a:prstClr val="white"/>
+                </a:solidFill>
+                <a:effectLst/>
+                <a:uLnTx/>
+                <a:uFillTx/>
+                <a:latin typeface="Noto Serif CJK KR Black" panose="02020900000000000000" pitchFamily="18" charset="-127"/>
+                <a:ea typeface="Noto Serif CJK KR Black" panose="02020900000000000000" pitchFamily="18" charset="-127"/>
+                <a:cs typeface="+mn-cs"/>
+              </a:rPr>
+              <a:t>)</a:t>
+            </a:r>
+          </a:p>
+        </p:txBody>
+      </p:sp>
+      <p:sp>
+        <p:nvSpPr>
+          <p:cNvPr id="5" name="TextBox 4">
+            <a:extLst>
+              <a:ext uri="{FF2B5EF4-FFF2-40B4-BE49-F238E27FC236}">
+                <a16:creationId xmlns:a16="http://schemas.microsoft.com/office/drawing/2014/main" id="{4AE7353D-78C3-4D86-B340-1708E9A45461}"/>
+              </a:ext>
+            </a:extLst>
+          </p:cNvPr>
+          <p:cNvSpPr txBox="1"/>
+          <p:nvPr/>
+        </p:nvSpPr>
+        <p:spPr>
+          <a:xfrm>
+            <a:off x="596348" y="4691269"/>
+            <a:ext cx="8713304" cy="1200329"/>
+          </a:xfrm>
+          <a:prstGeom prst="rect">
+            <a:avLst/>
+          </a:prstGeom>
+          <a:noFill/>
+        </p:spPr>
+        <p:txBody>
+          <a:bodyPr wrap="square" rtlCol="0">
+            <a:spAutoFit/>
+          </a:bodyPr>
+          <a:lstStyle/>
+          <a:p>
+            <a:pPr marL="342900" marR="0" lvl="0" indent="-342900" algn="l" defTabSz="914400" rtl="0" eaLnBrk="1" fontAlgn="auto" latinLnBrk="1" hangingPunct="1">
+              <a:lnSpc>
+                <a:spcPct val="100000"/>
+              </a:lnSpc>
+              <a:spcBef>
+                <a:spcPts val="0"/>
+              </a:spcBef>
+              <a:spcAft>
+                <a:spcPts val="0"/>
+              </a:spcAft>
+              <a:buClrTx/>
+              <a:buSzTx/>
+              <a:buFont typeface="Arial" panose="020B0604020202020204" pitchFamily="34" charset="0"/>
+              <a:buChar char="•"/>
+              <a:tabLst/>
+              <a:defRPr/>
+            </a:pPr>
+            <a:r>
+              <a:rPr kumimoji="0" lang="en-US" altLang="ko-KR" sz="2400" b="0" i="0" u="none" strike="noStrike" kern="1200" cap="none" spc="0" normalizeH="0" baseline="0" noProof="0" dirty="0">
+                <a:ln>
+                  <a:noFill/>
+                </a:ln>
+                <a:solidFill>
+                  <a:prstClr val="black"/>
+                </a:solidFill>
+                <a:effectLst/>
+                <a:uLnTx/>
+                <a:uFillTx/>
+                <a:latin typeface="Noto Serif CJK KR Medium" panose="02020500000000000000" pitchFamily="18" charset="-127"/>
+                <a:ea typeface="Noto Serif CJK KR Medium" panose="02020500000000000000" pitchFamily="18" charset="-127"/>
+                <a:cs typeface="+mn-cs"/>
+              </a:rPr>
+              <a:t>disp_val3 : 1</a:t>
+            </a:r>
+            <a:r>
+              <a:rPr kumimoji="0" lang="ko-KR" altLang="en-US" sz="2400" b="0" i="0" u="none" strike="noStrike" kern="1200" cap="none" spc="0" normalizeH="0" baseline="0" noProof="0" dirty="0">
+                <a:ln>
+                  <a:noFill/>
+                </a:ln>
+                <a:solidFill>
+                  <a:prstClr val="black"/>
+                </a:solidFill>
+                <a:effectLst/>
+                <a:uLnTx/>
+                <a:uFillTx/>
+                <a:latin typeface="Noto Serif CJK KR Medium" panose="02020500000000000000" pitchFamily="18" charset="-127"/>
+                <a:ea typeface="Noto Serif CJK KR Medium" panose="02020500000000000000" pitchFamily="18" charset="-127"/>
+                <a:cs typeface="+mn-cs"/>
+              </a:rPr>
+              <a:t>분 단위</a:t>
+            </a:r>
+            <a:endParaRPr kumimoji="0" lang="en-US" altLang="ko-KR" sz="2400" b="0" i="0" u="none" strike="noStrike" kern="1200" cap="none" spc="0" normalizeH="0" baseline="0" noProof="0" dirty="0">
+              <a:ln>
+                <a:noFill/>
+              </a:ln>
+              <a:solidFill>
+                <a:prstClr val="black"/>
+              </a:solidFill>
+              <a:effectLst/>
+              <a:uLnTx/>
+              <a:uFillTx/>
+              <a:latin typeface="Noto Serif CJK KR Medium" panose="02020500000000000000" pitchFamily="18" charset="-127"/>
+              <a:ea typeface="Noto Serif CJK KR Medium" panose="02020500000000000000" pitchFamily="18" charset="-127"/>
+              <a:cs typeface="+mn-cs"/>
+            </a:endParaRPr>
+          </a:p>
+          <a:p>
+            <a:pPr marL="342900" marR="0" lvl="0" indent="-342900" algn="l" defTabSz="914400" rtl="0" eaLnBrk="1" fontAlgn="auto" latinLnBrk="1" hangingPunct="1">
+              <a:lnSpc>
+                <a:spcPct val="100000"/>
+              </a:lnSpc>
+              <a:spcBef>
+                <a:spcPts val="0"/>
+              </a:spcBef>
+              <a:spcAft>
+                <a:spcPts val="0"/>
+              </a:spcAft>
+              <a:buClrTx/>
+              <a:buSzTx/>
+              <a:buFont typeface="Arial" panose="020B0604020202020204" pitchFamily="34" charset="0"/>
+              <a:buChar char="•"/>
+              <a:tabLst/>
+              <a:defRPr/>
+            </a:pPr>
+            <a:endParaRPr kumimoji="0" lang="en-US" altLang="ko-KR" sz="2400" b="0" i="0" u="none" strike="noStrike" kern="1200" cap="none" spc="0" normalizeH="0" baseline="0" noProof="0" dirty="0">
+              <a:ln>
+                <a:noFill/>
+              </a:ln>
+              <a:solidFill>
+                <a:prstClr val="black"/>
+              </a:solidFill>
+              <a:effectLst/>
+              <a:uLnTx/>
+              <a:uFillTx/>
+              <a:latin typeface="Noto Serif CJK KR Medium" panose="02020500000000000000" pitchFamily="18" charset="-127"/>
+              <a:ea typeface="Noto Serif CJK KR Medium" panose="02020500000000000000" pitchFamily="18" charset="-127"/>
+              <a:cs typeface="+mn-cs"/>
+            </a:endParaRPr>
+          </a:p>
+          <a:p>
+            <a:pPr marL="342900" marR="0" lvl="0" indent="-342900" algn="l" defTabSz="914400" rtl="0" eaLnBrk="1" fontAlgn="auto" latinLnBrk="1" hangingPunct="1">
+              <a:lnSpc>
+                <a:spcPct val="100000"/>
+              </a:lnSpc>
+              <a:spcBef>
+                <a:spcPts val="0"/>
+              </a:spcBef>
+              <a:spcAft>
+                <a:spcPts val="0"/>
+              </a:spcAft>
+              <a:buClrTx/>
+              <a:buSzTx/>
+              <a:buFont typeface="Arial" panose="020B0604020202020204" pitchFamily="34" charset="0"/>
+              <a:buChar char="•"/>
+              <a:tabLst/>
+              <a:defRPr/>
+            </a:pPr>
+            <a:r>
+              <a:rPr kumimoji="0" lang="en-US" altLang="ko-KR" sz="2400" b="0" i="0" u="none" strike="noStrike" kern="1200" cap="none" spc="0" normalizeH="0" baseline="0" noProof="0" dirty="0">
+                <a:ln>
+                  <a:noFill/>
+                </a:ln>
+                <a:solidFill>
+                  <a:prstClr val="black"/>
+                </a:solidFill>
+                <a:effectLst/>
+                <a:uLnTx/>
+                <a:uFillTx/>
+                <a:latin typeface="Noto Serif CJK KR Medium" panose="02020500000000000000" pitchFamily="18" charset="-127"/>
+                <a:ea typeface="Noto Serif CJK KR Medium" panose="02020500000000000000" pitchFamily="18" charset="-127"/>
+                <a:cs typeface="+mn-cs"/>
+              </a:rPr>
+              <a:t>disp_val4 : 10</a:t>
+            </a:r>
+            <a:r>
+              <a:rPr kumimoji="0" lang="ko-KR" altLang="en-US" sz="2400" b="0" i="0" u="none" strike="noStrike" kern="1200" cap="none" spc="0" normalizeH="0" baseline="0" noProof="0" dirty="0">
+                <a:ln>
+                  <a:noFill/>
+                </a:ln>
+                <a:solidFill>
+                  <a:prstClr val="black"/>
+                </a:solidFill>
+                <a:effectLst/>
+                <a:uLnTx/>
+                <a:uFillTx/>
+                <a:latin typeface="Noto Serif CJK KR Medium" panose="02020500000000000000" pitchFamily="18" charset="-127"/>
+                <a:ea typeface="Noto Serif CJK KR Medium" panose="02020500000000000000" pitchFamily="18" charset="-127"/>
+                <a:cs typeface="+mn-cs"/>
+              </a:rPr>
+              <a:t>분 단위</a:t>
+            </a:r>
+            <a:r>
+              <a:rPr kumimoji="0" lang="en-US" altLang="ko-KR" sz="2400" b="0" i="0" u="none" strike="noStrike" kern="1200" cap="none" spc="0" normalizeH="0" baseline="0" noProof="0" dirty="0">
+                <a:ln>
+                  <a:noFill/>
+                </a:ln>
+                <a:solidFill>
+                  <a:prstClr val="black"/>
+                </a:solidFill>
+                <a:effectLst/>
+                <a:uLnTx/>
+                <a:uFillTx/>
+                <a:latin typeface="Noto Serif CJK KR Medium" panose="02020500000000000000" pitchFamily="18" charset="-127"/>
+                <a:ea typeface="Noto Serif CJK KR Medium" panose="02020500000000000000" pitchFamily="18" charset="-127"/>
+                <a:cs typeface="+mn-cs"/>
+              </a:rPr>
+              <a:t>(5 </a:t>
+            </a:r>
+            <a:r>
+              <a:rPr kumimoji="0" lang="ko-KR" altLang="en-US" sz="2400" b="0" i="0" u="none" strike="noStrike" kern="1200" cap="none" spc="0" normalizeH="0" baseline="0" noProof="0" dirty="0">
+                <a:ln>
+                  <a:noFill/>
+                </a:ln>
+                <a:solidFill>
+                  <a:prstClr val="black"/>
+                </a:solidFill>
+                <a:effectLst/>
+                <a:uLnTx/>
+                <a:uFillTx/>
+                <a:latin typeface="Noto Serif CJK KR Medium" panose="02020500000000000000" pitchFamily="18" charset="-127"/>
+                <a:ea typeface="Noto Serif CJK KR Medium" panose="02020500000000000000" pitchFamily="18" charset="-127"/>
+                <a:cs typeface="+mn-cs"/>
+              </a:rPr>
+              <a:t>이상 안 나오는지 확인</a:t>
+            </a:r>
+            <a:r>
+              <a:rPr kumimoji="0" lang="en-US" altLang="ko-KR" sz="2400" b="0" i="0" u="none" strike="noStrike" kern="1200" cap="none" spc="0" normalizeH="0" baseline="0" noProof="0" dirty="0">
+                <a:ln>
+                  <a:noFill/>
+                </a:ln>
+                <a:solidFill>
+                  <a:prstClr val="black"/>
+                </a:solidFill>
+                <a:effectLst/>
+                <a:uLnTx/>
+                <a:uFillTx/>
+                <a:latin typeface="Noto Serif CJK KR Medium" panose="02020500000000000000" pitchFamily="18" charset="-127"/>
+                <a:ea typeface="Noto Serif CJK KR Medium" panose="02020500000000000000" pitchFamily="18" charset="-127"/>
+                <a:cs typeface="+mn-cs"/>
+              </a:rPr>
+              <a:t>)</a:t>
+            </a:r>
+          </a:p>
+        </p:txBody>
+      </p:sp>
+      <p:pic>
+        <p:nvPicPr>
+          <p:cNvPr id="3" name="그림 2">
+            <a:extLst>
+              <a:ext uri="{FF2B5EF4-FFF2-40B4-BE49-F238E27FC236}">
+                <a16:creationId xmlns:a16="http://schemas.microsoft.com/office/drawing/2014/main" id="{515D38A5-6E70-470C-910E-6A90B06EC9EF}"/>
+              </a:ext>
+            </a:extLst>
+          </p:cNvPr>
+          <p:cNvPicPr>
+            <a:picLocks noChangeAspect="1"/>
+          </p:cNvPicPr>
+          <p:nvPr/>
+        </p:nvPicPr>
+        <p:blipFill>
+          <a:blip r:embed="rId3"/>
+          <a:stretch>
+            <a:fillRect/>
+          </a:stretch>
+        </p:blipFill>
+        <p:spPr>
+          <a:xfrm>
+            <a:off x="0" y="856701"/>
+            <a:ext cx="9906000" cy="1941340"/>
+          </a:xfrm>
+          <a:prstGeom prst="rect">
+            <a:avLst/>
+          </a:prstGeom>
+        </p:spPr>
+      </p:pic>
+      <p:pic>
+        <p:nvPicPr>
+          <p:cNvPr id="7" name="그림 6">
+            <a:extLst>
+              <a:ext uri="{FF2B5EF4-FFF2-40B4-BE49-F238E27FC236}">
+                <a16:creationId xmlns:a16="http://schemas.microsoft.com/office/drawing/2014/main" id="{2A2EAD1F-8BDF-4663-9052-D1EE875D3CD2}"/>
+              </a:ext>
+            </a:extLst>
+          </p:cNvPr>
+          <p:cNvPicPr>
+            <a:picLocks noChangeAspect="1"/>
+          </p:cNvPicPr>
+          <p:nvPr/>
+        </p:nvPicPr>
+        <p:blipFill>
+          <a:blip r:embed="rId4"/>
+          <a:stretch>
+            <a:fillRect/>
+          </a:stretch>
+        </p:blipFill>
+        <p:spPr>
+          <a:xfrm>
+            <a:off x="1861458" y="2959825"/>
+            <a:ext cx="6705600" cy="1569660"/>
+          </a:xfrm>
+          <a:prstGeom prst="rect">
+            <a:avLst/>
+          </a:prstGeom>
+        </p:spPr>
+      </p:pic>
+    </p:spTree>
+    <p:extLst>
+      <p:ext uri="{BB962C8B-B14F-4D97-AF65-F5344CB8AC3E}">
+        <p14:creationId xmlns:p14="http://schemas.microsoft.com/office/powerpoint/2010/main" val="3861801944"/>
+      </p:ext>
+    </p:extLst>
+  </p:cSld>
+  <p:clrMapOvr>
+    <a:masterClrMapping/>
+  </p:clrMapOvr>
+</p:sld>
+</file>
+
+<file path=ppt/slides/slide14.xml><?xml version="1.0" encoding="utf-8"?>
+<p:sld xmlns:a="http://schemas.openxmlformats.org/drawingml/2006/main" xmlns:r="http://schemas.openxmlformats.org/officeDocument/2006/relationships" xmlns:p="http://schemas.openxmlformats.org/presentationml/2006/main" showMasterSp="0">
+  <p:cSld>
+    <p:bg>
+      <p:bgPr>
+        <a:blipFill dpi="0" rotWithShape="1">
+          <a:blip r:embed="rId2">
+            <a:lum/>
+          </a:blip>
+          <a:srcRect/>
+          <a:stretch>
+            <a:fillRect/>
+          </a:stretch>
+        </a:blipFill>
+        <a:effectLst/>
+      </p:bgPr>
+    </p:bg>
+    <p:spTree>
+      <p:nvGrpSpPr>
+        <p:cNvPr id="1" name=""/>
+        <p:cNvGrpSpPr/>
+        <p:nvPr/>
+      </p:nvGrpSpPr>
+      <p:grpSpPr>
+        <a:xfrm>
+          <a:off x="0" y="0"/>
+          <a:ext cx="0" cy="0"/>
+          <a:chOff x="0" y="0"/>
+          <a:chExt cx="0" cy="0"/>
+        </a:xfrm>
+      </p:grpSpPr>
+      <p:sp>
+        <p:nvSpPr>
+          <p:cNvPr id="16" name="직사각형 15"/>
+          <p:cNvSpPr/>
+          <p:nvPr/>
+        </p:nvSpPr>
+        <p:spPr>
+          <a:xfrm>
+            <a:off x="296632" y="333481"/>
+            <a:ext cx="6687264" cy="523220"/>
+          </a:xfrm>
+          <a:prstGeom prst="rect">
+            <a:avLst/>
+          </a:prstGeom>
+          <a:noFill/>
+        </p:spPr>
+        <p:txBody>
+          <a:bodyPr vert="horz" wrap="square">
+            <a:spAutoFit/>
+          </a:bodyPr>
+          <a:lstStyle/>
+          <a:p>
+            <a:pPr marL="0" marR="0" lvl="0" indent="0" algn="l" defTabSz="914400" rtl="0" eaLnBrk="1" fontAlgn="auto" latinLnBrk="1" hangingPunct="1">
+              <a:lnSpc>
+                <a:spcPct val="100000"/>
+              </a:lnSpc>
+              <a:spcBef>
+                <a:spcPts val="0"/>
+              </a:spcBef>
+              <a:spcAft>
+                <a:spcPts val="0"/>
+              </a:spcAft>
+              <a:buClrTx/>
+              <a:buSzTx/>
+              <a:buFontTx/>
+              <a:buNone/>
+              <a:tabLst/>
+              <a:defRPr/>
+            </a:pPr>
+            <a:r>
+              <a:rPr kumimoji="0" lang="ko-KR" altLang="en-US" sz="2800" b="0" i="0" u="none" strike="noStrike" kern="1200" cap="none" spc="300" normalizeH="0" baseline="0" noProof="0" dirty="0">
+                <a:ln>
+                  <a:noFill/>
+                </a:ln>
+                <a:solidFill>
+                  <a:prstClr val="white"/>
+                </a:solidFill>
+                <a:effectLst/>
+                <a:uLnTx/>
+                <a:uFillTx/>
+                <a:latin typeface="Noto Serif CJK KR Black" panose="02020900000000000000" pitchFamily="18" charset="-127"/>
+                <a:ea typeface="Noto Serif CJK KR Black" panose="02020900000000000000" pitchFamily="18" charset="-127"/>
+                <a:cs typeface="+mn-cs"/>
+              </a:rPr>
+              <a:t>주제 설명</a:t>
+            </a:r>
+            <a:r>
+              <a:rPr kumimoji="0" lang="en-US" altLang="ko-KR" sz="2800" b="0" i="0" u="none" strike="noStrike" kern="1200" cap="none" spc="300" normalizeH="0" baseline="0" noProof="0" dirty="0">
+                <a:ln>
+                  <a:noFill/>
+                </a:ln>
+                <a:solidFill>
+                  <a:prstClr val="white"/>
+                </a:solidFill>
+                <a:effectLst/>
+                <a:uLnTx/>
+                <a:uFillTx/>
+                <a:latin typeface="Noto Serif CJK KR Black" panose="02020900000000000000" pitchFamily="18" charset="-127"/>
+                <a:ea typeface="Noto Serif CJK KR Black" panose="02020900000000000000" pitchFamily="18" charset="-127"/>
+                <a:cs typeface="+mn-cs"/>
+              </a:rPr>
+              <a:t>(7segment - </a:t>
+            </a:r>
+            <a:r>
+              <a:rPr kumimoji="0" lang="ko-KR" altLang="en-US" sz="2800" b="0" i="0" u="none" strike="noStrike" kern="1200" cap="none" spc="300" normalizeH="0" baseline="0" noProof="0" dirty="0">
+                <a:ln>
+                  <a:noFill/>
+                </a:ln>
+                <a:solidFill>
+                  <a:prstClr val="white"/>
+                </a:solidFill>
+                <a:effectLst/>
+                <a:uLnTx/>
+                <a:uFillTx/>
+                <a:latin typeface="Noto Serif CJK KR Black" panose="02020900000000000000" pitchFamily="18" charset="-127"/>
+                <a:ea typeface="Noto Serif CJK KR Black" panose="02020900000000000000" pitchFamily="18" charset="-127"/>
+                <a:cs typeface="+mn-cs"/>
+              </a:rPr>
+              <a:t>시뮬레이션</a:t>
+            </a:r>
+            <a:r>
+              <a:rPr kumimoji="0" lang="en-US" altLang="ko-KR" sz="2800" b="0" i="0" u="none" strike="noStrike" kern="1200" cap="none" spc="300" normalizeH="0" baseline="0" noProof="0" dirty="0">
+                <a:ln>
+                  <a:noFill/>
+                </a:ln>
+                <a:solidFill>
+                  <a:prstClr val="white"/>
+                </a:solidFill>
+                <a:effectLst/>
+                <a:uLnTx/>
+                <a:uFillTx/>
+                <a:latin typeface="Noto Serif CJK KR Black" panose="02020900000000000000" pitchFamily="18" charset="-127"/>
+                <a:ea typeface="Noto Serif CJK KR Black" panose="02020900000000000000" pitchFamily="18" charset="-127"/>
+                <a:cs typeface="+mn-cs"/>
+              </a:rPr>
+              <a:t>)</a:t>
+            </a:r>
+          </a:p>
+        </p:txBody>
+      </p:sp>
+      <p:sp>
+        <p:nvSpPr>
+          <p:cNvPr id="5" name="TextBox 4">
+            <a:extLst>
+              <a:ext uri="{FF2B5EF4-FFF2-40B4-BE49-F238E27FC236}">
+                <a16:creationId xmlns:a16="http://schemas.microsoft.com/office/drawing/2014/main" id="{4AE7353D-78C3-4D86-B340-1708E9A45461}"/>
+              </a:ext>
+            </a:extLst>
+          </p:cNvPr>
+          <p:cNvSpPr txBox="1"/>
+          <p:nvPr/>
+        </p:nvSpPr>
+        <p:spPr>
+          <a:xfrm>
+            <a:off x="421250" y="5216563"/>
+            <a:ext cx="8713304" cy="1569660"/>
+          </a:xfrm>
+          <a:prstGeom prst="rect">
+            <a:avLst/>
+          </a:prstGeom>
+          <a:noFill/>
+        </p:spPr>
+        <p:txBody>
+          <a:bodyPr wrap="square" rtlCol="0">
+            <a:spAutoFit/>
+          </a:bodyPr>
+          <a:lstStyle/>
+          <a:p>
+            <a:pPr marL="342900" marR="0" lvl="0" indent="-342900" algn="l" defTabSz="914400" rtl="0" eaLnBrk="1" fontAlgn="auto" latinLnBrk="1" hangingPunct="1">
+              <a:lnSpc>
+                <a:spcPct val="100000"/>
+              </a:lnSpc>
+              <a:spcBef>
+                <a:spcPts val="0"/>
+              </a:spcBef>
+              <a:spcAft>
+                <a:spcPts val="0"/>
+              </a:spcAft>
+              <a:buClrTx/>
+              <a:buSzTx/>
+              <a:buFont typeface="Arial" panose="020B0604020202020204" pitchFamily="34" charset="0"/>
+              <a:buChar char="•"/>
+              <a:tabLst/>
+              <a:defRPr/>
+            </a:pPr>
+            <a:r>
+              <a:rPr kumimoji="0" lang="en-US" altLang="ko-KR" sz="2400" b="0" i="0" u="none" strike="noStrike" kern="1200" cap="none" spc="0" normalizeH="0" baseline="0" noProof="0" dirty="0">
+                <a:ln>
+                  <a:noFill/>
+                </a:ln>
+                <a:solidFill>
+                  <a:prstClr val="black"/>
+                </a:solidFill>
+                <a:effectLst/>
+                <a:uLnTx/>
+                <a:uFillTx/>
+                <a:latin typeface="Noto Serif CJK KR Medium" panose="02020500000000000000" pitchFamily="18" charset="-127"/>
+                <a:ea typeface="Noto Serif CJK KR Medium" panose="02020500000000000000" pitchFamily="18" charset="-127"/>
+                <a:cs typeface="+mn-cs"/>
+              </a:rPr>
+              <a:t>disp_val5 : 1</a:t>
+            </a:r>
+            <a:r>
+              <a:rPr kumimoji="0" lang="ko-KR" altLang="en-US" sz="2400" b="0" i="0" u="none" strike="noStrike" kern="1200" cap="none" spc="0" normalizeH="0" baseline="0" noProof="0" dirty="0">
+                <a:ln>
+                  <a:noFill/>
+                </a:ln>
+                <a:solidFill>
+                  <a:prstClr val="black"/>
+                </a:solidFill>
+                <a:effectLst/>
+                <a:uLnTx/>
+                <a:uFillTx/>
+                <a:latin typeface="Noto Serif CJK KR Medium" panose="02020500000000000000" pitchFamily="18" charset="-127"/>
+                <a:ea typeface="Noto Serif CJK KR Medium" panose="02020500000000000000" pitchFamily="18" charset="-127"/>
+                <a:cs typeface="+mn-cs"/>
+              </a:rPr>
+              <a:t>시간 단위</a:t>
+            </a:r>
+            <a:endParaRPr kumimoji="0" lang="en-US" altLang="ko-KR" sz="2400" b="0" i="0" u="none" strike="noStrike" kern="1200" cap="none" spc="0" normalizeH="0" baseline="0" noProof="0" dirty="0">
+              <a:ln>
+                <a:noFill/>
+              </a:ln>
+              <a:solidFill>
+                <a:prstClr val="black"/>
+              </a:solidFill>
+              <a:effectLst/>
+              <a:uLnTx/>
+              <a:uFillTx/>
+              <a:latin typeface="Noto Serif CJK KR Medium" panose="02020500000000000000" pitchFamily="18" charset="-127"/>
+              <a:ea typeface="Noto Serif CJK KR Medium" panose="02020500000000000000" pitchFamily="18" charset="-127"/>
+              <a:cs typeface="+mn-cs"/>
+            </a:endParaRPr>
+          </a:p>
+          <a:p>
+            <a:pPr marL="342900" marR="0" lvl="0" indent="-342900" algn="l" defTabSz="914400" rtl="0" eaLnBrk="1" fontAlgn="auto" latinLnBrk="1" hangingPunct="1">
+              <a:lnSpc>
+                <a:spcPct val="100000"/>
+              </a:lnSpc>
+              <a:spcBef>
+                <a:spcPts val="0"/>
+              </a:spcBef>
+              <a:spcAft>
+                <a:spcPts val="0"/>
+              </a:spcAft>
+              <a:buClrTx/>
+              <a:buSzTx/>
+              <a:buFont typeface="Arial" panose="020B0604020202020204" pitchFamily="34" charset="0"/>
+              <a:buChar char="•"/>
+              <a:tabLst/>
+              <a:defRPr/>
+            </a:pPr>
+            <a:endParaRPr kumimoji="0" lang="en-US" altLang="ko-KR" sz="2400" b="0" i="0" u="none" strike="noStrike" kern="1200" cap="none" spc="0" normalizeH="0" baseline="0" noProof="0" dirty="0">
+              <a:ln>
+                <a:noFill/>
+              </a:ln>
+              <a:solidFill>
+                <a:prstClr val="black"/>
+              </a:solidFill>
+              <a:effectLst/>
+              <a:uLnTx/>
+              <a:uFillTx/>
+              <a:latin typeface="Noto Serif CJK KR Medium" panose="02020500000000000000" pitchFamily="18" charset="-127"/>
+              <a:ea typeface="Noto Serif CJK KR Medium" panose="02020500000000000000" pitchFamily="18" charset="-127"/>
+              <a:cs typeface="+mn-cs"/>
+            </a:endParaRPr>
+          </a:p>
+          <a:p>
+            <a:pPr marL="342900" marR="0" lvl="0" indent="-342900" algn="l" defTabSz="914400" rtl="0" eaLnBrk="1" fontAlgn="auto" latinLnBrk="1" hangingPunct="1">
+              <a:lnSpc>
+                <a:spcPct val="100000"/>
+              </a:lnSpc>
+              <a:spcBef>
+                <a:spcPts val="0"/>
+              </a:spcBef>
+              <a:spcAft>
+                <a:spcPts val="0"/>
+              </a:spcAft>
+              <a:buClrTx/>
+              <a:buSzTx/>
+              <a:buFont typeface="Arial" panose="020B0604020202020204" pitchFamily="34" charset="0"/>
+              <a:buChar char="•"/>
+              <a:tabLst/>
+              <a:defRPr/>
+            </a:pPr>
+            <a:r>
+              <a:rPr kumimoji="0" lang="en-US" altLang="ko-KR" sz="2400" b="0" i="0" u="none" strike="noStrike" kern="1200" cap="none" spc="0" normalizeH="0" baseline="0" noProof="0" dirty="0">
+                <a:ln>
+                  <a:noFill/>
+                </a:ln>
+                <a:solidFill>
+                  <a:prstClr val="black"/>
+                </a:solidFill>
+                <a:effectLst/>
+                <a:uLnTx/>
+                <a:uFillTx/>
+                <a:latin typeface="Noto Serif CJK KR Medium" panose="02020500000000000000" pitchFamily="18" charset="-127"/>
+                <a:ea typeface="Noto Serif CJK KR Medium" panose="02020500000000000000" pitchFamily="18" charset="-127"/>
+                <a:cs typeface="+mn-cs"/>
+              </a:rPr>
+              <a:t>disp_val6 : 10</a:t>
+            </a:r>
+            <a:r>
+              <a:rPr kumimoji="0" lang="ko-KR" altLang="en-US" sz="2400" b="0" i="0" u="none" strike="noStrike" kern="1200" cap="none" spc="0" normalizeH="0" baseline="0" noProof="0" dirty="0">
+                <a:ln>
+                  <a:noFill/>
+                </a:ln>
+                <a:solidFill>
+                  <a:prstClr val="black"/>
+                </a:solidFill>
+                <a:effectLst/>
+                <a:uLnTx/>
+                <a:uFillTx/>
+                <a:latin typeface="Noto Serif CJK KR Medium" panose="02020500000000000000" pitchFamily="18" charset="-127"/>
+                <a:ea typeface="Noto Serif CJK KR Medium" panose="02020500000000000000" pitchFamily="18" charset="-127"/>
+                <a:cs typeface="+mn-cs"/>
+              </a:rPr>
+              <a:t>시간 단위</a:t>
+            </a:r>
+            <a:r>
+              <a:rPr kumimoji="0" lang="en-US" altLang="ko-KR" sz="2400" b="0" i="0" u="none" strike="noStrike" kern="1200" cap="none" spc="0" normalizeH="0" baseline="0" noProof="0" dirty="0">
+                <a:ln>
+                  <a:noFill/>
+                </a:ln>
+                <a:solidFill>
+                  <a:prstClr val="black"/>
+                </a:solidFill>
+                <a:effectLst/>
+                <a:uLnTx/>
+                <a:uFillTx/>
+                <a:latin typeface="Noto Serif CJK KR Medium" panose="02020500000000000000" pitchFamily="18" charset="-127"/>
+                <a:ea typeface="Noto Serif CJK KR Medium" panose="02020500000000000000" pitchFamily="18" charset="-127"/>
+                <a:cs typeface="+mn-cs"/>
+              </a:rPr>
+              <a:t>(	1 </a:t>
+            </a:r>
+            <a:r>
+              <a:rPr kumimoji="0" lang="ko-KR" altLang="en-US" sz="2400" b="0" i="0" u="none" strike="noStrike" kern="1200" cap="none" spc="0" normalizeH="0" baseline="0" noProof="0" dirty="0">
+                <a:ln>
+                  <a:noFill/>
+                </a:ln>
+                <a:solidFill>
+                  <a:prstClr val="black"/>
+                </a:solidFill>
+                <a:effectLst/>
+                <a:uLnTx/>
+                <a:uFillTx/>
+                <a:latin typeface="Noto Serif CJK KR Medium" panose="02020500000000000000" pitchFamily="18" charset="-127"/>
+                <a:ea typeface="Noto Serif CJK KR Medium" panose="02020500000000000000" pitchFamily="18" charset="-127"/>
+                <a:cs typeface="+mn-cs"/>
+              </a:rPr>
+              <a:t>이상 안 나오는지 확인</a:t>
+            </a:r>
+            <a:r>
+              <a:rPr kumimoji="0" lang="en-US" altLang="ko-KR" sz="2400" b="0" i="0" u="none" strike="noStrike" kern="1200" cap="none" spc="0" normalizeH="0" baseline="0" noProof="0" dirty="0">
+                <a:ln>
+                  <a:noFill/>
+                </a:ln>
+                <a:solidFill>
+                  <a:prstClr val="black"/>
+                </a:solidFill>
+                <a:effectLst/>
+                <a:uLnTx/>
+                <a:uFillTx/>
+                <a:latin typeface="Noto Serif CJK KR Medium" panose="02020500000000000000" pitchFamily="18" charset="-127"/>
+                <a:ea typeface="Noto Serif CJK KR Medium" panose="02020500000000000000" pitchFamily="18" charset="-127"/>
+                <a:cs typeface="+mn-cs"/>
+              </a:rPr>
+              <a:t>)</a:t>
+            </a:r>
+          </a:p>
+          <a:p>
+            <a:pPr marR="0" lvl="0" algn="l" defTabSz="914400" rtl="0" eaLnBrk="1" fontAlgn="auto" latinLnBrk="1" hangingPunct="1">
+              <a:lnSpc>
+                <a:spcPct val="100000"/>
+              </a:lnSpc>
+              <a:spcBef>
+                <a:spcPts val="0"/>
+              </a:spcBef>
+              <a:spcAft>
+                <a:spcPts val="0"/>
+              </a:spcAft>
+              <a:buClrTx/>
+              <a:buSzTx/>
+              <a:tabLst/>
+              <a:defRPr/>
+            </a:pPr>
+            <a:r>
+              <a:rPr lang="en-US" altLang="ko-KR" sz="2400" dirty="0">
+                <a:solidFill>
+                  <a:prstClr val="black"/>
+                </a:solidFill>
+                <a:latin typeface="Noto Serif CJK KR Medium" panose="02020500000000000000" pitchFamily="18" charset="-127"/>
+                <a:ea typeface="Noto Serif CJK KR Medium" panose="02020500000000000000" pitchFamily="18" charset="-127"/>
+              </a:rPr>
+              <a:t>    </a:t>
+            </a:r>
+            <a:r>
+              <a:rPr lang="ko-KR" altLang="en-US" sz="2400" dirty="0">
+                <a:solidFill>
+                  <a:prstClr val="black"/>
+                </a:solidFill>
+                <a:latin typeface="Noto Serif CJK KR Medium" panose="02020500000000000000" pitchFamily="18" charset="-127"/>
+                <a:ea typeface="Noto Serif CJK KR Medium" panose="02020500000000000000" pitchFamily="18" charset="-127"/>
+              </a:rPr>
+              <a:t>하루는 </a:t>
+            </a:r>
+            <a:r>
+              <a:rPr lang="en-US" altLang="ko-KR" sz="2400" dirty="0">
+                <a:solidFill>
+                  <a:prstClr val="black"/>
+                </a:solidFill>
+                <a:latin typeface="Noto Serif CJK KR Medium" panose="02020500000000000000" pitchFamily="18" charset="-127"/>
+                <a:ea typeface="Noto Serif CJK KR Medium" panose="02020500000000000000" pitchFamily="18" charset="-127"/>
+              </a:rPr>
+              <a:t>24</a:t>
+            </a:r>
+            <a:r>
+              <a:rPr lang="ko-KR" altLang="en-US" sz="2400" dirty="0">
+                <a:solidFill>
+                  <a:prstClr val="black"/>
+                </a:solidFill>
+                <a:latin typeface="Noto Serif CJK KR Medium" panose="02020500000000000000" pitchFamily="18" charset="-127"/>
+                <a:ea typeface="Noto Serif CJK KR Medium" panose="02020500000000000000" pitchFamily="18" charset="-127"/>
+              </a:rPr>
+              <a:t>시간</a:t>
+            </a:r>
+            <a:endParaRPr lang="en-US" altLang="ko-KR" sz="2400" dirty="0">
+              <a:solidFill>
+                <a:prstClr val="black"/>
+              </a:solidFill>
+              <a:latin typeface="Noto Serif CJK KR Medium" panose="02020500000000000000" pitchFamily="18" charset="-127"/>
+              <a:ea typeface="Noto Serif CJK KR Medium" panose="02020500000000000000" pitchFamily="18" charset="-127"/>
+            </a:endParaRPr>
+          </a:p>
+        </p:txBody>
+      </p:sp>
+      <p:pic>
+        <p:nvPicPr>
+          <p:cNvPr id="4" name="그림 3">
+            <a:extLst>
+              <a:ext uri="{FF2B5EF4-FFF2-40B4-BE49-F238E27FC236}">
+                <a16:creationId xmlns:a16="http://schemas.microsoft.com/office/drawing/2014/main" id="{AD93314B-4E6B-4BA7-8275-73592B84B0D1}"/>
+              </a:ext>
+            </a:extLst>
+          </p:cNvPr>
+          <p:cNvPicPr>
+            <a:picLocks noChangeAspect="1"/>
+          </p:cNvPicPr>
+          <p:nvPr/>
+        </p:nvPicPr>
+        <p:blipFill>
+          <a:blip r:embed="rId3"/>
+          <a:stretch>
+            <a:fillRect/>
+          </a:stretch>
+        </p:blipFill>
+        <p:spPr>
+          <a:xfrm>
+            <a:off x="296632" y="983721"/>
+            <a:ext cx="9477375" cy="1971675"/>
+          </a:xfrm>
+          <a:prstGeom prst="rect">
+            <a:avLst/>
+          </a:prstGeom>
+        </p:spPr>
+      </p:pic>
+      <p:pic>
+        <p:nvPicPr>
+          <p:cNvPr id="6" name="그림 5">
+            <a:extLst>
+              <a:ext uri="{FF2B5EF4-FFF2-40B4-BE49-F238E27FC236}">
+                <a16:creationId xmlns:a16="http://schemas.microsoft.com/office/drawing/2014/main" id="{45C8DB5B-AD45-4210-8D9A-59DB1103E6F7}"/>
+              </a:ext>
+            </a:extLst>
+          </p:cNvPr>
+          <p:cNvPicPr>
+            <a:picLocks noChangeAspect="1"/>
+          </p:cNvPicPr>
+          <p:nvPr/>
+        </p:nvPicPr>
+        <p:blipFill>
+          <a:blip r:embed="rId4"/>
+          <a:stretch>
+            <a:fillRect/>
+          </a:stretch>
+        </p:blipFill>
+        <p:spPr>
+          <a:xfrm>
+            <a:off x="2252954" y="2950105"/>
+            <a:ext cx="6743700" cy="1905000"/>
+          </a:xfrm>
+          <a:prstGeom prst="rect">
+            <a:avLst/>
+          </a:prstGeom>
+        </p:spPr>
+      </p:pic>
+    </p:spTree>
+    <p:extLst>
+      <p:ext uri="{BB962C8B-B14F-4D97-AF65-F5344CB8AC3E}">
+        <p14:creationId xmlns:p14="http://schemas.microsoft.com/office/powerpoint/2010/main" val="3272603061"/>
+      </p:ext>
+    </p:extLst>
+  </p:cSld>
+  <p:clrMapOvr>
+    <a:masterClrMapping/>
+  </p:clrMapOvr>
+</p:sld>
+</file>
+
+<file path=ppt/slides/slide15.xml><?xml version="1.0" encoding="utf-8"?>
+<p:sld xmlns:a="http://schemas.openxmlformats.org/drawingml/2006/main" xmlns:r="http://schemas.openxmlformats.org/officeDocument/2006/relationships" xmlns:p="http://schemas.openxmlformats.org/presentationml/2006/main" showMasterSp="0">
+  <p:cSld>
+    <p:bg>
+      <p:bgPr>
+        <a:blipFill dpi="0" rotWithShape="1">
+          <a:blip r:embed="rId2">
+            <a:lum/>
+          </a:blip>
+          <a:srcRect/>
+          <a:stretch>
+            <a:fillRect/>
+          </a:stretch>
+        </a:blipFill>
+        <a:effectLst/>
+      </p:bgPr>
+    </p:bg>
+    <p:spTree>
+      <p:nvGrpSpPr>
+        <p:cNvPr id="1" name=""/>
+        <p:cNvGrpSpPr/>
+        <p:nvPr/>
+      </p:nvGrpSpPr>
+      <p:grpSpPr>
+        <a:xfrm>
+          <a:off x="0" y="0"/>
+          <a:ext cx="0" cy="0"/>
+          <a:chOff x="0" y="0"/>
+          <a:chExt cx="0" cy="0"/>
+        </a:xfrm>
+      </p:grpSpPr>
+      <p:sp>
+        <p:nvSpPr>
+          <p:cNvPr id="16" name="직사각형 15"/>
+          <p:cNvSpPr/>
+          <p:nvPr/>
+        </p:nvSpPr>
+        <p:spPr>
+          <a:xfrm>
+            <a:off x="296633" y="333481"/>
+            <a:ext cx="2658602" cy="523220"/>
+          </a:xfrm>
+          <a:prstGeom prst="rect">
+            <a:avLst/>
+          </a:prstGeom>
+          <a:noFill/>
+        </p:spPr>
+        <p:txBody>
+          <a:bodyPr vert="horz" wrap="square">
+            <a:spAutoFit/>
+          </a:bodyPr>
+          <a:lstStyle/>
+          <a:p>
+            <a:pPr marL="0" marR="0" lvl="0" indent="0" algn="l" defTabSz="914400" rtl="0" eaLnBrk="1" fontAlgn="auto" latinLnBrk="1" hangingPunct="1">
+              <a:lnSpc>
+                <a:spcPct val="100000"/>
+              </a:lnSpc>
+              <a:spcBef>
+                <a:spcPts val="0"/>
+              </a:spcBef>
+              <a:spcAft>
+                <a:spcPts val="0"/>
+              </a:spcAft>
+              <a:buClrTx/>
+              <a:buSzTx/>
+              <a:buFontTx/>
+              <a:buNone/>
+              <a:tabLst/>
+              <a:defRPr/>
+            </a:pPr>
+            <a:r>
+              <a:rPr kumimoji="0" lang="ko-KR" altLang="en-US" sz="2800" b="0" i="0" u="none" strike="noStrike" kern="1200" cap="none" spc="300" normalizeH="0" baseline="0" noProof="0" dirty="0">
+                <a:ln>
+                  <a:noFill/>
+                </a:ln>
+                <a:solidFill>
+                  <a:prstClr val="white"/>
+                </a:solidFill>
+                <a:effectLst/>
+                <a:uLnTx/>
+                <a:uFillTx/>
+                <a:latin typeface="Noto Serif CJK KR Black" panose="02020900000000000000" pitchFamily="18" charset="-127"/>
+                <a:ea typeface="Noto Serif CJK KR Black" panose="02020900000000000000" pitchFamily="18" charset="-127"/>
+                <a:cs typeface="+mn-cs"/>
+              </a:rPr>
+              <a:t>진행 상황</a:t>
+            </a:r>
+            <a:endParaRPr kumimoji="0" lang="en-US" altLang="ko-KR" sz="2800" b="0" i="0" u="none" strike="noStrike" kern="1200" cap="none" spc="300" normalizeH="0" baseline="0" noProof="0" dirty="0">
+              <a:ln>
+                <a:noFill/>
+              </a:ln>
+              <a:solidFill>
+                <a:prstClr val="white"/>
+              </a:solidFill>
+              <a:effectLst/>
+              <a:uLnTx/>
+              <a:uFillTx/>
+              <a:latin typeface="Noto Serif CJK KR Black" panose="02020900000000000000" pitchFamily="18" charset="-127"/>
+              <a:ea typeface="Noto Serif CJK KR Black" panose="02020900000000000000" pitchFamily="18" charset="-127"/>
+              <a:cs typeface="+mn-cs"/>
+            </a:endParaRPr>
+          </a:p>
+        </p:txBody>
+      </p:sp>
+      <p:sp>
+        <p:nvSpPr>
+          <p:cNvPr id="2" name="직사각형 1">
+            <a:extLst>
+              <a:ext uri="{FF2B5EF4-FFF2-40B4-BE49-F238E27FC236}">
+                <a16:creationId xmlns:a16="http://schemas.microsoft.com/office/drawing/2014/main" id="{85B50341-FA03-4FF1-9C67-CF9E870FBEBE}"/>
+              </a:ext>
+            </a:extLst>
+          </p:cNvPr>
+          <p:cNvSpPr/>
+          <p:nvPr/>
+        </p:nvSpPr>
+        <p:spPr>
+          <a:xfrm>
+            <a:off x="373236" y="1060174"/>
+            <a:ext cx="8584150" cy="1976909"/>
+          </a:xfrm>
+          <a:prstGeom prst="rect">
+            <a:avLst/>
+          </a:prstGeom>
+          <a:noFill/>
+          <a:ln w="57150">
+            <a:solidFill>
+              <a:srgbClr val="FF0000"/>
+            </a:solidFill>
+          </a:ln>
+        </p:spPr>
+        <p:style>
+          <a:lnRef idx="2">
+            <a:schemeClr val="accent1">
+              <a:shade val="50000"/>
+            </a:schemeClr>
+          </a:lnRef>
+          <a:fillRef idx="1">
+            <a:schemeClr val="accent1"/>
+          </a:fillRef>
+          <a:effectRef idx="0">
+            <a:schemeClr val="accent1"/>
+          </a:effectRef>
+          <a:fontRef idx="minor">
+            <a:schemeClr val="lt1"/>
+          </a:fontRef>
+        </p:style>
+        <p:txBody>
+          <a:bodyPr rtlCol="0" anchor="ctr"/>
+          <a:lstStyle/>
+          <a:p>
+            <a:pPr algn="ctr"/>
+            <a:endParaRPr lang="ko-KR" altLang="en-US"/>
+          </a:p>
+        </p:txBody>
+      </p:sp>
+      <p:grpSp>
+        <p:nvGrpSpPr>
+          <p:cNvPr id="5" name="그룹 4">
+            <a:extLst>
+              <a:ext uri="{FF2B5EF4-FFF2-40B4-BE49-F238E27FC236}">
+                <a16:creationId xmlns:a16="http://schemas.microsoft.com/office/drawing/2014/main" id="{4493827A-343A-4811-A9F9-2F36681D43F9}"/>
+              </a:ext>
+            </a:extLst>
+          </p:cNvPr>
+          <p:cNvGrpSpPr/>
+          <p:nvPr/>
+        </p:nvGrpSpPr>
+        <p:grpSpPr>
+          <a:xfrm>
+            <a:off x="690398" y="1514532"/>
+            <a:ext cx="9041429" cy="4569027"/>
+            <a:chOff x="2106977" y="1181819"/>
+            <a:chExt cx="8413234" cy="3623662"/>
+          </a:xfrm>
+        </p:grpSpPr>
+        <p:sp>
+          <p:nvSpPr>
+            <p:cNvPr id="6" name="TextBox 5">
+              <a:extLst>
+                <a:ext uri="{FF2B5EF4-FFF2-40B4-BE49-F238E27FC236}">
+                  <a16:creationId xmlns:a16="http://schemas.microsoft.com/office/drawing/2014/main" id="{38311D02-BD1A-42B5-8129-B2C382AF2D81}"/>
+                </a:ext>
+              </a:extLst>
+            </p:cNvPr>
+            <p:cNvSpPr txBox="1"/>
+            <p:nvPr/>
+          </p:nvSpPr>
+          <p:spPr>
+            <a:xfrm>
+              <a:off x="2907102" y="1181819"/>
+              <a:ext cx="5387154" cy="2823244"/>
+            </a:xfrm>
+            <a:prstGeom prst="rect">
+              <a:avLst/>
+            </a:prstGeom>
+            <a:noFill/>
+            <a:ln>
+              <a:solidFill>
+                <a:schemeClr val="tx1"/>
+              </a:solidFill>
+            </a:ln>
+          </p:spPr>
+          <p:txBody>
+            <a:bodyPr wrap="square" rtlCol="0">
+              <a:spAutoFit/>
+            </a:bodyPr>
+            <a:lstStyle/>
+            <a:p>
+              <a:endParaRPr lang="ko-KR" altLang="en-US" dirty="0"/>
+            </a:p>
+          </p:txBody>
+        </p:sp>
+        <p:sp>
+          <p:nvSpPr>
+            <p:cNvPr id="7" name="TextBox 6">
+              <a:extLst>
+                <a:ext uri="{FF2B5EF4-FFF2-40B4-BE49-F238E27FC236}">
+                  <a16:creationId xmlns:a16="http://schemas.microsoft.com/office/drawing/2014/main" id="{3C6E1C03-29D5-41BA-83AD-5506147923D3}"/>
+                </a:ext>
+              </a:extLst>
+            </p:cNvPr>
+            <p:cNvSpPr txBox="1"/>
+            <p:nvPr/>
+          </p:nvSpPr>
+          <p:spPr>
+            <a:xfrm>
+              <a:off x="3562363" y="4343009"/>
+              <a:ext cx="1702280" cy="369332"/>
+            </a:xfrm>
+            <a:prstGeom prst="rect">
+              <a:avLst/>
+            </a:prstGeom>
+            <a:noFill/>
+            <a:ln>
+              <a:solidFill>
+                <a:schemeClr val="tx1"/>
+              </a:solidFill>
+            </a:ln>
+          </p:spPr>
+          <p:txBody>
+            <a:bodyPr wrap="square" rtlCol="0">
+              <a:spAutoFit/>
+            </a:bodyPr>
+            <a:lstStyle/>
+            <a:p>
+              <a:pPr algn="ctr"/>
+              <a:r>
+                <a:rPr lang="en-US" altLang="ko-KR" dirty="0"/>
+                <a:t>Bluetooth</a:t>
+              </a:r>
+              <a:endParaRPr lang="ko-KR" altLang="en-US" dirty="0"/>
+            </a:p>
+          </p:txBody>
+        </p:sp>
+        <p:sp>
+          <p:nvSpPr>
+            <p:cNvPr id="8" name="TextBox 7">
+              <a:extLst>
+                <a:ext uri="{FF2B5EF4-FFF2-40B4-BE49-F238E27FC236}">
+                  <a16:creationId xmlns:a16="http://schemas.microsoft.com/office/drawing/2014/main" id="{B7F851B2-78ED-4D71-A794-02CA6004841D}"/>
+                </a:ext>
+              </a:extLst>
+            </p:cNvPr>
+            <p:cNvSpPr txBox="1"/>
+            <p:nvPr/>
+          </p:nvSpPr>
+          <p:spPr>
+            <a:xfrm>
+              <a:off x="6003640" y="4310577"/>
+              <a:ext cx="1702280" cy="369332"/>
+            </a:xfrm>
+            <a:prstGeom prst="rect">
+              <a:avLst/>
+            </a:prstGeom>
+            <a:noFill/>
+            <a:ln>
+              <a:solidFill>
+                <a:schemeClr val="tx1"/>
+              </a:solidFill>
+            </a:ln>
+          </p:spPr>
+          <p:txBody>
+            <a:bodyPr wrap="square" rtlCol="0">
+              <a:spAutoFit/>
+            </a:bodyPr>
+            <a:lstStyle/>
+            <a:p>
+              <a:pPr algn="ctr"/>
+              <a:r>
+                <a:rPr lang="en-US" altLang="ko-KR" dirty="0"/>
+                <a:t>android</a:t>
+              </a:r>
+              <a:endParaRPr lang="ko-KR" altLang="en-US" dirty="0"/>
+            </a:p>
+          </p:txBody>
+        </p:sp>
+        <p:sp>
+          <p:nvSpPr>
+            <p:cNvPr id="9" name="TextBox 8">
+              <a:extLst>
+                <a:ext uri="{FF2B5EF4-FFF2-40B4-BE49-F238E27FC236}">
+                  <a16:creationId xmlns:a16="http://schemas.microsoft.com/office/drawing/2014/main" id="{E9581F47-B318-4C29-956C-7F71F7025851}"/>
+                </a:ext>
+              </a:extLst>
+            </p:cNvPr>
+            <p:cNvSpPr txBox="1"/>
+            <p:nvPr/>
+          </p:nvSpPr>
+          <p:spPr>
+            <a:xfrm>
+              <a:off x="4783000" y="4213759"/>
+              <a:ext cx="1702280" cy="369332"/>
+            </a:xfrm>
+            <a:prstGeom prst="rect">
+              <a:avLst/>
+            </a:prstGeom>
+            <a:noFill/>
+            <a:ln>
+              <a:noFill/>
+            </a:ln>
+          </p:spPr>
+          <p:txBody>
+            <a:bodyPr wrap="square" rtlCol="0">
+              <a:spAutoFit/>
+            </a:bodyPr>
+            <a:lstStyle/>
+            <a:p>
+              <a:pPr algn="ctr"/>
+              <a:r>
+                <a:rPr lang="en-US" altLang="ko-KR" dirty="0"/>
+                <a:t>~</a:t>
+              </a:r>
+            </a:p>
+          </p:txBody>
+        </p:sp>
+        <p:sp>
+          <p:nvSpPr>
+            <p:cNvPr id="10" name="TextBox 9">
+              <a:extLst>
+                <a:ext uri="{FF2B5EF4-FFF2-40B4-BE49-F238E27FC236}">
+                  <a16:creationId xmlns:a16="http://schemas.microsoft.com/office/drawing/2014/main" id="{F28F254E-10E6-402B-AAE7-0469502F4FFA}"/>
+                </a:ext>
+              </a:extLst>
+            </p:cNvPr>
+            <p:cNvSpPr txBox="1"/>
+            <p:nvPr/>
+          </p:nvSpPr>
+          <p:spPr>
+            <a:xfrm>
+              <a:off x="4783002" y="4310577"/>
+              <a:ext cx="1702280" cy="369332"/>
+            </a:xfrm>
+            <a:prstGeom prst="rect">
+              <a:avLst/>
+            </a:prstGeom>
+            <a:noFill/>
+            <a:ln>
+              <a:noFill/>
+            </a:ln>
+          </p:spPr>
+          <p:txBody>
+            <a:bodyPr wrap="square" rtlCol="0">
+              <a:spAutoFit/>
+            </a:bodyPr>
+            <a:lstStyle/>
+            <a:p>
+              <a:pPr algn="ctr"/>
+              <a:r>
+                <a:rPr lang="en-US" altLang="ko-KR" dirty="0"/>
+                <a:t>~</a:t>
+              </a:r>
+            </a:p>
+          </p:txBody>
+        </p:sp>
+        <p:sp>
+          <p:nvSpPr>
+            <p:cNvPr id="11" name="TextBox 10">
+              <a:extLst>
+                <a:ext uri="{FF2B5EF4-FFF2-40B4-BE49-F238E27FC236}">
+                  <a16:creationId xmlns:a16="http://schemas.microsoft.com/office/drawing/2014/main" id="{F35364CD-5089-43EB-8717-A6B95A41EB9A}"/>
+                </a:ext>
+              </a:extLst>
+            </p:cNvPr>
+            <p:cNvSpPr txBox="1"/>
+            <p:nvPr/>
+          </p:nvSpPr>
+          <p:spPr>
+            <a:xfrm>
+              <a:off x="4792238" y="4436149"/>
+              <a:ext cx="1702280" cy="369332"/>
+            </a:xfrm>
+            <a:prstGeom prst="rect">
+              <a:avLst/>
+            </a:prstGeom>
+            <a:noFill/>
+            <a:ln>
+              <a:noFill/>
+            </a:ln>
+          </p:spPr>
+          <p:txBody>
+            <a:bodyPr wrap="square" rtlCol="0">
+              <a:spAutoFit/>
+            </a:bodyPr>
+            <a:lstStyle/>
+            <a:p>
+              <a:pPr algn="ctr"/>
+              <a:r>
+                <a:rPr lang="en-US" altLang="ko-KR" dirty="0"/>
+                <a:t>~</a:t>
+              </a:r>
+            </a:p>
+          </p:txBody>
+        </p:sp>
+        <p:sp>
+          <p:nvSpPr>
+            <p:cNvPr id="12" name="TextBox 11">
+              <a:extLst>
+                <a:ext uri="{FF2B5EF4-FFF2-40B4-BE49-F238E27FC236}">
+                  <a16:creationId xmlns:a16="http://schemas.microsoft.com/office/drawing/2014/main" id="{87BABC7D-F959-4A91-BC1E-4A71685A87F0}"/>
+                </a:ext>
+              </a:extLst>
+            </p:cNvPr>
+            <p:cNvSpPr txBox="1"/>
+            <p:nvPr/>
+          </p:nvSpPr>
+          <p:spPr>
+            <a:xfrm>
+              <a:off x="5925651" y="3344094"/>
+              <a:ext cx="1702280" cy="369332"/>
+            </a:xfrm>
+            <a:prstGeom prst="rect">
+              <a:avLst/>
+            </a:prstGeom>
+            <a:noFill/>
+            <a:ln>
+              <a:solidFill>
+                <a:schemeClr val="tx1"/>
+              </a:solidFill>
+            </a:ln>
+          </p:spPr>
+          <p:txBody>
+            <a:bodyPr wrap="square" rtlCol="0">
+              <a:spAutoFit/>
+            </a:bodyPr>
+            <a:lstStyle/>
+            <a:p>
+              <a:pPr algn="ctr"/>
+              <a:r>
+                <a:rPr lang="en-US" altLang="ko-KR" dirty="0"/>
+                <a:t>piezo</a:t>
+              </a:r>
+              <a:endParaRPr lang="ko-KR" altLang="en-US" dirty="0"/>
+            </a:p>
+          </p:txBody>
+        </p:sp>
+        <p:sp>
+          <p:nvSpPr>
+            <p:cNvPr id="13" name="TextBox 12">
+              <a:extLst>
+                <a:ext uri="{FF2B5EF4-FFF2-40B4-BE49-F238E27FC236}">
+                  <a16:creationId xmlns:a16="http://schemas.microsoft.com/office/drawing/2014/main" id="{6409A8CD-6B53-462C-9991-A05A8D271537}"/>
+                </a:ext>
+              </a:extLst>
+            </p:cNvPr>
+            <p:cNvSpPr txBox="1"/>
+            <p:nvPr/>
+          </p:nvSpPr>
+          <p:spPr>
+            <a:xfrm>
+              <a:off x="3214777" y="1697482"/>
+              <a:ext cx="1702280" cy="369332"/>
+            </a:xfrm>
+            <a:prstGeom prst="rect">
+              <a:avLst/>
+            </a:prstGeom>
+            <a:noFill/>
+            <a:ln>
+              <a:solidFill>
+                <a:schemeClr val="tx1"/>
+              </a:solidFill>
+            </a:ln>
+          </p:spPr>
+          <p:txBody>
+            <a:bodyPr wrap="square" rtlCol="0">
+              <a:spAutoFit/>
+            </a:bodyPr>
+            <a:lstStyle/>
+            <a:p>
+              <a:pPr algn="ctr"/>
+              <a:r>
+                <a:rPr lang="en-US" altLang="ko-KR" dirty="0"/>
+                <a:t>clock</a:t>
+              </a:r>
+              <a:endParaRPr lang="ko-KR" altLang="en-US" dirty="0"/>
+            </a:p>
+          </p:txBody>
+        </p:sp>
+        <p:sp>
+          <p:nvSpPr>
+            <p:cNvPr id="14" name="TextBox 13">
+              <a:extLst>
+                <a:ext uri="{FF2B5EF4-FFF2-40B4-BE49-F238E27FC236}">
+                  <a16:creationId xmlns:a16="http://schemas.microsoft.com/office/drawing/2014/main" id="{F2EFC5E5-6DD5-46F3-96BE-A1DCD1536CAC}"/>
+                </a:ext>
+              </a:extLst>
+            </p:cNvPr>
+            <p:cNvSpPr txBox="1"/>
+            <p:nvPr/>
+          </p:nvSpPr>
+          <p:spPr>
+            <a:xfrm>
+              <a:off x="5925651" y="2674318"/>
+              <a:ext cx="1702280" cy="369332"/>
+            </a:xfrm>
+            <a:prstGeom prst="rect">
+              <a:avLst/>
+            </a:prstGeom>
+            <a:noFill/>
+            <a:ln>
+              <a:solidFill>
+                <a:schemeClr val="tx1"/>
+              </a:solidFill>
+            </a:ln>
+          </p:spPr>
+          <p:txBody>
+            <a:bodyPr wrap="square" rtlCol="0">
+              <a:spAutoFit/>
+            </a:bodyPr>
+            <a:lstStyle/>
+            <a:p>
+              <a:pPr algn="ctr"/>
+              <a:r>
+                <a:rPr lang="en-US" altLang="ko-KR" dirty="0"/>
+                <a:t>LCD text</a:t>
+              </a:r>
+              <a:endParaRPr lang="ko-KR" altLang="en-US" dirty="0"/>
+            </a:p>
+          </p:txBody>
+        </p:sp>
+        <p:sp>
+          <p:nvSpPr>
+            <p:cNvPr id="15" name="TextBox 14">
+              <a:extLst>
+                <a:ext uri="{FF2B5EF4-FFF2-40B4-BE49-F238E27FC236}">
+                  <a16:creationId xmlns:a16="http://schemas.microsoft.com/office/drawing/2014/main" id="{537C33C7-F28B-407A-9356-B80F0E5729D1}"/>
+                </a:ext>
+              </a:extLst>
+            </p:cNvPr>
+            <p:cNvSpPr txBox="1"/>
+            <p:nvPr/>
+          </p:nvSpPr>
+          <p:spPr>
+            <a:xfrm>
+              <a:off x="6280029" y="1697482"/>
+              <a:ext cx="1702280" cy="369332"/>
+            </a:xfrm>
+            <a:prstGeom prst="rect">
+              <a:avLst/>
+            </a:prstGeom>
+            <a:noFill/>
+            <a:ln>
+              <a:solidFill>
+                <a:schemeClr val="tx1"/>
+              </a:solidFill>
+            </a:ln>
+          </p:spPr>
+          <p:txBody>
+            <a:bodyPr wrap="square" rtlCol="0">
+              <a:spAutoFit/>
+            </a:bodyPr>
+            <a:lstStyle/>
+            <a:p>
+              <a:pPr algn="ctr"/>
+              <a:r>
+                <a:rPr lang="en-US" altLang="ko-KR" dirty="0"/>
+                <a:t>D_7seg</a:t>
+              </a:r>
+              <a:endParaRPr lang="ko-KR" altLang="en-US" dirty="0"/>
+            </a:p>
+          </p:txBody>
+        </p:sp>
+        <p:sp>
+          <p:nvSpPr>
+            <p:cNvPr id="17" name="TextBox 16">
+              <a:extLst>
+                <a:ext uri="{FF2B5EF4-FFF2-40B4-BE49-F238E27FC236}">
+                  <a16:creationId xmlns:a16="http://schemas.microsoft.com/office/drawing/2014/main" id="{B33BE12A-48BA-43C1-8595-1A2B2EF6DCBB}"/>
+                </a:ext>
+              </a:extLst>
+            </p:cNvPr>
+            <p:cNvSpPr txBox="1"/>
+            <p:nvPr/>
+          </p:nvSpPr>
+          <p:spPr>
+            <a:xfrm>
+              <a:off x="3214777" y="2680983"/>
+              <a:ext cx="1702280" cy="369332"/>
+            </a:xfrm>
+            <a:prstGeom prst="rect">
+              <a:avLst/>
+            </a:prstGeom>
+            <a:noFill/>
+            <a:ln>
+              <a:solidFill>
+                <a:schemeClr val="tx1"/>
+              </a:solidFill>
+            </a:ln>
+          </p:spPr>
+          <p:txBody>
+            <a:bodyPr wrap="square" rtlCol="0">
+              <a:spAutoFit/>
+            </a:bodyPr>
+            <a:lstStyle/>
+            <a:p>
+              <a:pPr algn="ctr"/>
+              <a:r>
+                <a:rPr lang="en-US" altLang="ko-KR" dirty="0"/>
+                <a:t>alarm</a:t>
+              </a:r>
+              <a:endParaRPr lang="ko-KR" altLang="en-US" dirty="0"/>
+            </a:p>
+          </p:txBody>
+        </p:sp>
+        <p:cxnSp>
+          <p:nvCxnSpPr>
+            <p:cNvPr id="18" name="직선 연결선 17">
+              <a:extLst>
+                <a:ext uri="{FF2B5EF4-FFF2-40B4-BE49-F238E27FC236}">
+                  <a16:creationId xmlns:a16="http://schemas.microsoft.com/office/drawing/2014/main" id="{86A84ED6-EDAD-4348-B76E-1BB3D389C2FD}"/>
+                </a:ext>
+              </a:extLst>
+            </p:cNvPr>
+            <p:cNvCxnSpPr>
+              <a:cxnSpLocks/>
+            </p:cNvCxnSpPr>
+            <p:nvPr/>
+          </p:nvCxnSpPr>
+          <p:spPr>
+            <a:xfrm flipH="1">
+              <a:off x="2182483" y="1813140"/>
+              <a:ext cx="1032295" cy="0"/>
+            </a:xfrm>
+            <a:prstGeom prst="line">
+              <a:avLst/>
+            </a:prstGeom>
+            <a:ln>
+              <a:solidFill>
+                <a:schemeClr val="tx1"/>
+              </a:solidFill>
+            </a:ln>
+          </p:spPr>
+          <p:style>
+            <a:lnRef idx="1">
+              <a:schemeClr val="accent1"/>
+            </a:lnRef>
+            <a:fillRef idx="0">
+              <a:schemeClr val="accent1"/>
+            </a:fillRef>
+            <a:effectRef idx="0">
+              <a:schemeClr val="accent1"/>
+            </a:effectRef>
+            <a:fontRef idx="minor">
+              <a:schemeClr val="tx1"/>
+            </a:fontRef>
+          </p:style>
+        </p:cxnSp>
+        <p:cxnSp>
+          <p:nvCxnSpPr>
+            <p:cNvPr id="19" name="직선 연결선 18">
+              <a:extLst>
+                <a:ext uri="{FF2B5EF4-FFF2-40B4-BE49-F238E27FC236}">
+                  <a16:creationId xmlns:a16="http://schemas.microsoft.com/office/drawing/2014/main" id="{49A852CE-5884-46FC-960E-33EECC16FFA0}"/>
+                </a:ext>
+              </a:extLst>
+            </p:cNvPr>
+            <p:cNvCxnSpPr>
+              <a:cxnSpLocks/>
+            </p:cNvCxnSpPr>
+            <p:nvPr/>
+          </p:nvCxnSpPr>
+          <p:spPr>
+            <a:xfrm flipH="1">
+              <a:off x="4917058" y="1991419"/>
+              <a:ext cx="1362971" cy="0"/>
+            </a:xfrm>
+            <a:prstGeom prst="line">
+              <a:avLst/>
+            </a:prstGeom>
+            <a:ln>
+              <a:solidFill>
+                <a:schemeClr val="tx1"/>
+              </a:solidFill>
+            </a:ln>
+          </p:spPr>
+          <p:style>
+            <a:lnRef idx="1">
+              <a:schemeClr val="accent1"/>
+            </a:lnRef>
+            <a:fillRef idx="0">
+              <a:schemeClr val="accent1"/>
+            </a:fillRef>
+            <a:effectRef idx="0">
+              <a:schemeClr val="accent1"/>
+            </a:effectRef>
+            <a:fontRef idx="minor">
+              <a:schemeClr val="tx1"/>
+            </a:fontRef>
+          </p:style>
+        </p:cxnSp>
+        <p:cxnSp>
+          <p:nvCxnSpPr>
+            <p:cNvPr id="20" name="직선 연결선 19">
+              <a:extLst>
+                <a:ext uri="{FF2B5EF4-FFF2-40B4-BE49-F238E27FC236}">
+                  <a16:creationId xmlns:a16="http://schemas.microsoft.com/office/drawing/2014/main" id="{D2E13BE3-B1F1-4CB5-AC4E-5AD4F9043F6B}"/>
+                </a:ext>
+              </a:extLst>
+            </p:cNvPr>
+            <p:cNvCxnSpPr>
+              <a:cxnSpLocks/>
+            </p:cNvCxnSpPr>
+            <p:nvPr/>
+          </p:nvCxnSpPr>
+          <p:spPr>
+            <a:xfrm flipH="1">
+              <a:off x="2182483" y="1991419"/>
+              <a:ext cx="1032295" cy="0"/>
+            </a:xfrm>
+            <a:prstGeom prst="line">
+              <a:avLst/>
+            </a:prstGeom>
+            <a:ln>
+              <a:solidFill>
+                <a:schemeClr val="tx1"/>
+              </a:solidFill>
+            </a:ln>
+          </p:spPr>
+          <p:style>
+            <a:lnRef idx="1">
+              <a:schemeClr val="accent1"/>
+            </a:lnRef>
+            <a:fillRef idx="0">
+              <a:schemeClr val="accent1"/>
+            </a:fillRef>
+            <a:effectRef idx="0">
+              <a:schemeClr val="accent1"/>
+            </a:effectRef>
+            <a:fontRef idx="minor">
+              <a:schemeClr val="tx1"/>
+            </a:fontRef>
+          </p:style>
+        </p:cxnSp>
+        <p:cxnSp>
+          <p:nvCxnSpPr>
+            <p:cNvPr id="21" name="연결선: 꺾임 20">
+              <a:extLst>
+                <a:ext uri="{FF2B5EF4-FFF2-40B4-BE49-F238E27FC236}">
+                  <a16:creationId xmlns:a16="http://schemas.microsoft.com/office/drawing/2014/main" id="{C1BBC2AD-C6DB-4EEC-A7F9-82DBAAF81A96}"/>
+                </a:ext>
+              </a:extLst>
+            </p:cNvPr>
+            <p:cNvCxnSpPr>
+              <a:cxnSpLocks/>
+            </p:cNvCxnSpPr>
+            <p:nvPr/>
+          </p:nvCxnSpPr>
+          <p:spPr>
+            <a:xfrm rot="10800000" flipV="1">
+              <a:off x="3140365" y="1399544"/>
+              <a:ext cx="2705467" cy="410885"/>
+            </a:xfrm>
+            <a:prstGeom prst="bentConnector3">
+              <a:avLst>
+                <a:gd name="adj1" fmla="val 100185"/>
+              </a:avLst>
+            </a:prstGeom>
+            <a:ln>
+              <a:solidFill>
+                <a:schemeClr val="tx1"/>
+              </a:solidFill>
+            </a:ln>
+          </p:spPr>
+          <p:style>
+            <a:lnRef idx="1">
+              <a:schemeClr val="accent1"/>
+            </a:lnRef>
+            <a:fillRef idx="0">
+              <a:schemeClr val="accent1"/>
+            </a:fillRef>
+            <a:effectRef idx="0">
+              <a:schemeClr val="accent1"/>
+            </a:effectRef>
+            <a:fontRef idx="minor">
+              <a:schemeClr val="tx1"/>
+            </a:fontRef>
+          </p:style>
+        </p:cxnSp>
+        <p:cxnSp>
+          <p:nvCxnSpPr>
+            <p:cNvPr id="22" name="연결선: 꺾임 21">
+              <a:extLst>
+                <a:ext uri="{FF2B5EF4-FFF2-40B4-BE49-F238E27FC236}">
+                  <a16:creationId xmlns:a16="http://schemas.microsoft.com/office/drawing/2014/main" id="{C5DE0C45-CE50-47C1-A5F4-D6FBBFEF0814}"/>
+                </a:ext>
+              </a:extLst>
+            </p:cNvPr>
+            <p:cNvCxnSpPr>
+              <a:cxnSpLocks/>
+            </p:cNvCxnSpPr>
+            <p:nvPr/>
+          </p:nvCxnSpPr>
+          <p:spPr>
+            <a:xfrm>
+              <a:off x="5845832" y="1393014"/>
+              <a:ext cx="434196" cy="414437"/>
+            </a:xfrm>
+            <a:prstGeom prst="bentConnector3">
+              <a:avLst>
+                <a:gd name="adj1" fmla="val 1074"/>
+              </a:avLst>
+            </a:prstGeom>
+            <a:ln>
+              <a:solidFill>
+                <a:schemeClr val="tx1"/>
+              </a:solidFill>
+            </a:ln>
+          </p:spPr>
+          <p:style>
+            <a:lnRef idx="1">
+              <a:schemeClr val="accent1"/>
+            </a:lnRef>
+            <a:fillRef idx="0">
+              <a:schemeClr val="accent1"/>
+            </a:fillRef>
+            <a:effectRef idx="0">
+              <a:schemeClr val="accent1"/>
+            </a:effectRef>
+            <a:fontRef idx="minor">
+              <a:schemeClr val="tx1"/>
+            </a:fontRef>
+          </p:style>
+        </p:cxnSp>
+        <p:sp>
+          <p:nvSpPr>
+            <p:cNvPr id="23" name="TextBox 22">
+              <a:extLst>
+                <a:ext uri="{FF2B5EF4-FFF2-40B4-BE49-F238E27FC236}">
+                  <a16:creationId xmlns:a16="http://schemas.microsoft.com/office/drawing/2014/main" id="{BE7C6FB4-4D47-4E96-9E9F-48C8C0FBF700}"/>
+                </a:ext>
+              </a:extLst>
+            </p:cNvPr>
+            <p:cNvSpPr txBox="1"/>
+            <p:nvPr/>
+          </p:nvSpPr>
+          <p:spPr>
+            <a:xfrm>
+              <a:off x="2106977" y="2004034"/>
+              <a:ext cx="683491" cy="307777"/>
+            </a:xfrm>
+            <a:prstGeom prst="rect">
+              <a:avLst/>
+            </a:prstGeom>
+            <a:noFill/>
+            <a:ln>
+              <a:noFill/>
+            </a:ln>
+          </p:spPr>
+          <p:txBody>
+            <a:bodyPr wrap="square" rtlCol="0">
+              <a:spAutoFit/>
+            </a:bodyPr>
+            <a:lstStyle/>
+            <a:p>
+              <a:r>
+                <a:rPr lang="en-US" altLang="ko-KR" sz="1400" dirty="0" err="1"/>
+                <a:t>btn</a:t>
+              </a:r>
+              <a:r>
+                <a:rPr lang="en-US" altLang="ko-KR" sz="1400" dirty="0"/>
+                <a:t>[4]</a:t>
+              </a:r>
+              <a:endParaRPr lang="ko-KR" altLang="en-US" sz="1400" dirty="0"/>
+            </a:p>
+          </p:txBody>
+        </p:sp>
+        <p:sp>
+          <p:nvSpPr>
+            <p:cNvPr id="24" name="TextBox 23">
+              <a:extLst>
+                <a:ext uri="{FF2B5EF4-FFF2-40B4-BE49-F238E27FC236}">
+                  <a16:creationId xmlns:a16="http://schemas.microsoft.com/office/drawing/2014/main" id="{7281FEB4-098A-45FD-82A5-59284ACCAAAE}"/>
+                </a:ext>
+              </a:extLst>
+            </p:cNvPr>
+            <p:cNvSpPr txBox="1"/>
+            <p:nvPr/>
+          </p:nvSpPr>
+          <p:spPr>
+            <a:xfrm>
+              <a:off x="2106978" y="1482402"/>
+              <a:ext cx="683491" cy="307777"/>
+            </a:xfrm>
+            <a:prstGeom prst="rect">
+              <a:avLst/>
+            </a:prstGeom>
+            <a:noFill/>
+            <a:ln>
+              <a:noFill/>
+            </a:ln>
+          </p:spPr>
+          <p:txBody>
+            <a:bodyPr wrap="square" rtlCol="0">
+              <a:spAutoFit/>
+            </a:bodyPr>
+            <a:lstStyle/>
+            <a:p>
+              <a:r>
+                <a:rPr lang="en-US" altLang="ko-KR" sz="1400" dirty="0" err="1"/>
+                <a:t>clk</a:t>
+              </a:r>
+              <a:endParaRPr lang="ko-KR" altLang="en-US" sz="1400" dirty="0"/>
+            </a:p>
+          </p:txBody>
+        </p:sp>
+        <p:cxnSp>
+          <p:nvCxnSpPr>
+            <p:cNvPr id="25" name="직선 연결선 24">
+              <a:extLst>
+                <a:ext uri="{FF2B5EF4-FFF2-40B4-BE49-F238E27FC236}">
+                  <a16:creationId xmlns:a16="http://schemas.microsoft.com/office/drawing/2014/main" id="{CF195534-B5D9-40EC-8385-3260C22BFC57}"/>
+                </a:ext>
+              </a:extLst>
+            </p:cNvPr>
+            <p:cNvCxnSpPr/>
+            <p:nvPr/>
+          </p:nvCxnSpPr>
+          <p:spPr>
+            <a:xfrm>
+              <a:off x="4091709" y="2066814"/>
+              <a:ext cx="0" cy="614169"/>
+            </a:xfrm>
+            <a:prstGeom prst="line">
+              <a:avLst/>
+            </a:prstGeom>
+            <a:ln>
+              <a:solidFill>
+                <a:schemeClr val="tx1"/>
+              </a:solidFill>
+            </a:ln>
+          </p:spPr>
+          <p:style>
+            <a:lnRef idx="1">
+              <a:schemeClr val="accent1"/>
+            </a:lnRef>
+            <a:fillRef idx="0">
+              <a:schemeClr val="accent1"/>
+            </a:fillRef>
+            <a:effectRef idx="0">
+              <a:schemeClr val="accent1"/>
+            </a:effectRef>
+            <a:fontRef idx="minor">
+              <a:schemeClr val="tx1"/>
+            </a:fontRef>
+          </p:style>
+        </p:cxnSp>
+        <p:cxnSp>
+          <p:nvCxnSpPr>
+            <p:cNvPr id="26" name="직선 연결선 25">
+              <a:extLst>
+                <a:ext uri="{FF2B5EF4-FFF2-40B4-BE49-F238E27FC236}">
+                  <a16:creationId xmlns:a16="http://schemas.microsoft.com/office/drawing/2014/main" id="{68BAFF06-E150-42DC-90E0-4A57C5EDDCFF}"/>
+                </a:ext>
+              </a:extLst>
+            </p:cNvPr>
+            <p:cNvCxnSpPr>
+              <a:cxnSpLocks/>
+            </p:cNvCxnSpPr>
+            <p:nvPr/>
+          </p:nvCxnSpPr>
+          <p:spPr>
+            <a:xfrm flipH="1">
+              <a:off x="4917057" y="2861467"/>
+              <a:ext cx="1008595" cy="4182"/>
+            </a:xfrm>
+            <a:prstGeom prst="line">
+              <a:avLst/>
+            </a:prstGeom>
+            <a:ln>
+              <a:solidFill>
+                <a:schemeClr val="tx1"/>
+              </a:solidFill>
+            </a:ln>
+          </p:spPr>
+          <p:style>
+            <a:lnRef idx="1">
+              <a:schemeClr val="accent1"/>
+            </a:lnRef>
+            <a:fillRef idx="0">
+              <a:schemeClr val="accent1"/>
+            </a:fillRef>
+            <a:effectRef idx="0">
+              <a:schemeClr val="accent1"/>
+            </a:effectRef>
+            <a:fontRef idx="minor">
+              <a:schemeClr val="tx1"/>
+            </a:fontRef>
+          </p:style>
+        </p:cxnSp>
+        <p:cxnSp>
+          <p:nvCxnSpPr>
+            <p:cNvPr id="27" name="직선 연결선 26">
+              <a:extLst>
+                <a:ext uri="{FF2B5EF4-FFF2-40B4-BE49-F238E27FC236}">
+                  <a16:creationId xmlns:a16="http://schemas.microsoft.com/office/drawing/2014/main" id="{5A514F43-6699-414D-9C17-33880AFFFBF5}"/>
+                </a:ext>
+              </a:extLst>
+            </p:cNvPr>
+            <p:cNvCxnSpPr>
+              <a:cxnSpLocks/>
+            </p:cNvCxnSpPr>
+            <p:nvPr/>
+          </p:nvCxnSpPr>
+          <p:spPr>
+            <a:xfrm flipH="1">
+              <a:off x="4091709" y="3528760"/>
+              <a:ext cx="1833943" cy="0"/>
+            </a:xfrm>
+            <a:prstGeom prst="line">
+              <a:avLst/>
+            </a:prstGeom>
+            <a:ln>
+              <a:solidFill>
+                <a:schemeClr val="tx1"/>
+              </a:solidFill>
+            </a:ln>
+          </p:spPr>
+          <p:style>
+            <a:lnRef idx="1">
+              <a:schemeClr val="accent1"/>
+            </a:lnRef>
+            <a:fillRef idx="0">
+              <a:schemeClr val="accent1"/>
+            </a:fillRef>
+            <a:effectRef idx="0">
+              <a:schemeClr val="accent1"/>
+            </a:effectRef>
+            <a:fontRef idx="minor">
+              <a:schemeClr val="tx1"/>
+            </a:fontRef>
+          </p:style>
+        </p:cxnSp>
+        <p:cxnSp>
+          <p:nvCxnSpPr>
+            <p:cNvPr id="28" name="직선 연결선 27">
+              <a:extLst>
+                <a:ext uri="{FF2B5EF4-FFF2-40B4-BE49-F238E27FC236}">
+                  <a16:creationId xmlns:a16="http://schemas.microsoft.com/office/drawing/2014/main" id="{07B40765-1D08-4B5D-964E-EEAA3129E152}"/>
+                </a:ext>
+              </a:extLst>
+            </p:cNvPr>
+            <p:cNvCxnSpPr>
+              <a:cxnSpLocks/>
+            </p:cNvCxnSpPr>
+            <p:nvPr/>
+          </p:nvCxnSpPr>
+          <p:spPr>
+            <a:xfrm>
+              <a:off x="4091709" y="3037009"/>
+              <a:ext cx="0" cy="1273568"/>
+            </a:xfrm>
+            <a:prstGeom prst="line">
+              <a:avLst/>
+            </a:prstGeom>
+            <a:ln>
+              <a:solidFill>
+                <a:schemeClr val="tx1"/>
+              </a:solidFill>
+            </a:ln>
+          </p:spPr>
+          <p:style>
+            <a:lnRef idx="1">
+              <a:schemeClr val="accent1"/>
+            </a:lnRef>
+            <a:fillRef idx="0">
+              <a:schemeClr val="accent1"/>
+            </a:fillRef>
+            <a:effectRef idx="0">
+              <a:schemeClr val="accent1"/>
+            </a:effectRef>
+            <a:fontRef idx="minor">
+              <a:schemeClr val="tx1"/>
+            </a:fontRef>
+          </p:style>
+        </p:cxnSp>
+        <p:cxnSp>
+          <p:nvCxnSpPr>
+            <p:cNvPr id="29" name="직선 연결선 28">
+              <a:extLst>
+                <a:ext uri="{FF2B5EF4-FFF2-40B4-BE49-F238E27FC236}">
+                  <a16:creationId xmlns:a16="http://schemas.microsoft.com/office/drawing/2014/main" id="{C9BE302F-61BB-40AD-B187-F8E85F22BB35}"/>
+                </a:ext>
+              </a:extLst>
+            </p:cNvPr>
+            <p:cNvCxnSpPr>
+              <a:cxnSpLocks/>
+            </p:cNvCxnSpPr>
+            <p:nvPr/>
+          </p:nvCxnSpPr>
+          <p:spPr>
+            <a:xfrm flipH="1">
+              <a:off x="7975474" y="1813140"/>
+              <a:ext cx="1510271" cy="0"/>
+            </a:xfrm>
+            <a:prstGeom prst="line">
+              <a:avLst/>
+            </a:prstGeom>
+            <a:ln>
+              <a:solidFill>
+                <a:schemeClr val="tx1"/>
+              </a:solidFill>
+            </a:ln>
+          </p:spPr>
+          <p:style>
+            <a:lnRef idx="1">
+              <a:schemeClr val="accent1"/>
+            </a:lnRef>
+            <a:fillRef idx="0">
+              <a:schemeClr val="accent1"/>
+            </a:fillRef>
+            <a:effectRef idx="0">
+              <a:schemeClr val="accent1"/>
+            </a:effectRef>
+            <a:fontRef idx="minor">
+              <a:schemeClr val="tx1"/>
+            </a:fontRef>
+          </p:style>
+        </p:cxnSp>
+        <p:cxnSp>
+          <p:nvCxnSpPr>
+            <p:cNvPr id="30" name="직선 연결선 29">
+              <a:extLst>
+                <a:ext uri="{FF2B5EF4-FFF2-40B4-BE49-F238E27FC236}">
+                  <a16:creationId xmlns:a16="http://schemas.microsoft.com/office/drawing/2014/main" id="{FC7173FA-F6C8-44D9-83ED-870FA705B77F}"/>
+                </a:ext>
+              </a:extLst>
+            </p:cNvPr>
+            <p:cNvCxnSpPr>
+              <a:cxnSpLocks/>
+            </p:cNvCxnSpPr>
+            <p:nvPr/>
+          </p:nvCxnSpPr>
+          <p:spPr>
+            <a:xfrm flipH="1">
+              <a:off x="7975474" y="1991419"/>
+              <a:ext cx="1510271" cy="0"/>
+            </a:xfrm>
+            <a:prstGeom prst="line">
+              <a:avLst/>
+            </a:prstGeom>
+            <a:ln>
+              <a:solidFill>
+                <a:schemeClr val="tx1"/>
+              </a:solidFill>
+            </a:ln>
+          </p:spPr>
+          <p:style>
+            <a:lnRef idx="1">
+              <a:schemeClr val="accent1"/>
+            </a:lnRef>
+            <a:fillRef idx="0">
+              <a:schemeClr val="accent1"/>
+            </a:fillRef>
+            <a:effectRef idx="0">
+              <a:schemeClr val="accent1"/>
+            </a:effectRef>
+            <a:fontRef idx="minor">
+              <a:schemeClr val="tx1"/>
+            </a:fontRef>
+          </p:style>
+        </p:cxnSp>
+        <p:sp>
+          <p:nvSpPr>
+            <p:cNvPr id="31" name="TextBox 30">
+              <a:extLst>
+                <a:ext uri="{FF2B5EF4-FFF2-40B4-BE49-F238E27FC236}">
+                  <a16:creationId xmlns:a16="http://schemas.microsoft.com/office/drawing/2014/main" id="{7BA7C972-0976-456D-9A0A-F6B5A3380285}"/>
+                </a:ext>
+              </a:extLst>
+            </p:cNvPr>
+            <p:cNvSpPr txBox="1"/>
+            <p:nvPr/>
+          </p:nvSpPr>
+          <p:spPr>
+            <a:xfrm>
+              <a:off x="8685048" y="2004034"/>
+              <a:ext cx="1835163" cy="307777"/>
+            </a:xfrm>
+            <a:prstGeom prst="rect">
+              <a:avLst/>
+            </a:prstGeom>
+            <a:noFill/>
+            <a:ln>
+              <a:noFill/>
+            </a:ln>
+          </p:spPr>
+          <p:txBody>
+            <a:bodyPr wrap="square" rtlCol="0">
+              <a:spAutoFit/>
+            </a:bodyPr>
+            <a:lstStyle/>
+            <a:p>
+              <a:r>
+                <a:rPr lang="en-US" altLang="ko-KR" sz="1400" dirty="0" err="1"/>
+                <a:t>seg_data</a:t>
+              </a:r>
+              <a:endParaRPr lang="ko-KR" altLang="en-US" sz="1400" dirty="0"/>
+            </a:p>
+          </p:txBody>
+        </p:sp>
+        <p:sp>
+          <p:nvSpPr>
+            <p:cNvPr id="32" name="TextBox 31">
+              <a:extLst>
+                <a:ext uri="{FF2B5EF4-FFF2-40B4-BE49-F238E27FC236}">
+                  <a16:creationId xmlns:a16="http://schemas.microsoft.com/office/drawing/2014/main" id="{B37992F2-7DE6-4D8E-B596-72854906EFC9}"/>
+                </a:ext>
+              </a:extLst>
+            </p:cNvPr>
+            <p:cNvSpPr txBox="1"/>
+            <p:nvPr/>
+          </p:nvSpPr>
+          <p:spPr>
+            <a:xfrm>
+              <a:off x="8648111" y="1482402"/>
+              <a:ext cx="1502653" cy="307777"/>
+            </a:xfrm>
+            <a:prstGeom prst="rect">
+              <a:avLst/>
+            </a:prstGeom>
+            <a:noFill/>
+            <a:ln>
+              <a:noFill/>
+            </a:ln>
+          </p:spPr>
+          <p:txBody>
+            <a:bodyPr wrap="square" rtlCol="0">
+              <a:spAutoFit/>
+            </a:bodyPr>
+            <a:lstStyle/>
+            <a:p>
+              <a:r>
+                <a:rPr lang="en-US" altLang="ko-KR" sz="1400" dirty="0" err="1"/>
+                <a:t>seg_com</a:t>
+              </a:r>
+              <a:endParaRPr lang="ko-KR" altLang="en-US" sz="1400" dirty="0"/>
+            </a:p>
+          </p:txBody>
+        </p:sp>
+        <p:sp>
+          <p:nvSpPr>
+            <p:cNvPr id="33" name="TextBox 32">
+              <a:extLst>
+                <a:ext uri="{FF2B5EF4-FFF2-40B4-BE49-F238E27FC236}">
+                  <a16:creationId xmlns:a16="http://schemas.microsoft.com/office/drawing/2014/main" id="{BCCC4F3A-09B6-47A8-86D1-A28B51A52D84}"/>
+                </a:ext>
+              </a:extLst>
+            </p:cNvPr>
+            <p:cNvSpPr txBox="1"/>
+            <p:nvPr/>
+          </p:nvSpPr>
+          <p:spPr>
+            <a:xfrm>
+              <a:off x="5164413" y="1973430"/>
+              <a:ext cx="1835163" cy="307777"/>
+            </a:xfrm>
+            <a:prstGeom prst="rect">
+              <a:avLst/>
+            </a:prstGeom>
+            <a:noFill/>
+            <a:ln>
+              <a:noFill/>
+            </a:ln>
+          </p:spPr>
+          <p:txBody>
+            <a:bodyPr wrap="square" rtlCol="0">
+              <a:spAutoFit/>
+            </a:bodyPr>
+            <a:lstStyle/>
+            <a:p>
+              <a:r>
+                <a:rPr lang="en-US" altLang="ko-KR" sz="1400" dirty="0" err="1"/>
+                <a:t>val</a:t>
+              </a:r>
+              <a:r>
+                <a:rPr lang="en-US" altLang="ko-KR" sz="1400" dirty="0"/>
+                <a:t>[32]</a:t>
+              </a:r>
+              <a:endParaRPr lang="ko-KR" altLang="en-US" sz="1400" dirty="0"/>
+            </a:p>
+          </p:txBody>
+        </p:sp>
+      </p:grpSp>
+    </p:spTree>
+    <p:extLst>
+      <p:ext uri="{BB962C8B-B14F-4D97-AF65-F5344CB8AC3E}">
+        <p14:creationId xmlns:p14="http://schemas.microsoft.com/office/powerpoint/2010/main" val="1685509864"/>
+      </p:ext>
+    </p:extLst>
+  </p:cSld>
+  <p:clrMapOvr>
+    <a:masterClrMapping/>
+  </p:clrMapOvr>
+</p:sld>
+</file>
+
+<file path=ppt/slides/slide16.xml><?xml version="1.0" encoding="utf-8"?>
+<p:sld xmlns:a="http://schemas.openxmlformats.org/drawingml/2006/main" xmlns:r="http://schemas.openxmlformats.org/officeDocument/2006/relationships" xmlns:p="http://schemas.openxmlformats.org/presentationml/2006/main" showMasterSp="0">
+  <p:cSld>
+    <p:bg>
+      <p:bgPr>
+        <a:blipFill dpi="0" rotWithShape="1">
+          <a:blip r:embed="rId2">
+            <a:lum/>
+          </a:blip>
+          <a:srcRect/>
+          <a:stretch>
+            <a:fillRect/>
+          </a:stretch>
+        </a:blipFill>
+        <a:effectLst/>
+      </p:bgPr>
+    </p:bg>
+    <p:spTree>
+      <p:nvGrpSpPr>
+        <p:cNvPr id="1" name=""/>
+        <p:cNvGrpSpPr/>
+        <p:nvPr/>
+      </p:nvGrpSpPr>
+      <p:grpSpPr>
+        <a:xfrm>
+          <a:off x="0" y="0"/>
+          <a:ext cx="0" cy="0"/>
+          <a:chOff x="0" y="0"/>
+          <a:chExt cx="0" cy="0"/>
+        </a:xfrm>
+      </p:grpSpPr>
+      <p:sp>
+        <p:nvSpPr>
           <p:cNvPr id="16" name="직사각형 15"/>
           <p:cNvSpPr/>
           <p:nvPr/>
@@ -4607,7 +9653,7 @@
         <p:spPr>
           <a:xfrm>
             <a:off x="5990890" y="3213648"/>
-            <a:ext cx="2824471" cy="1631216"/>
+            <a:ext cx="2824471" cy="1354217"/>
           </a:xfrm>
           <a:prstGeom prst="rect">
             <a:avLst/>
@@ -4678,7 +9724,7 @@
                 <a:ea typeface="Noto Serif CJK KR Medium" panose="02020500000000000000" pitchFamily="18" charset="-127"/>
                 <a:cs typeface="Malgun Gothic Semilight" panose="020B0502040204020203" pitchFamily="50" charset="-127"/>
               </a:rPr>
-              <a:t>함수조사 </a:t>
+              <a:t>기능구현 </a:t>
             </a:r>
             <a:r>
               <a:rPr lang="en-US" altLang="ko-KR" sz="1600" b="1" dirty="0">
@@ -4689,7 +9735,7 @@
                 <a:ea typeface="Noto Serif CJK KR Medium" panose="02020500000000000000" pitchFamily="18" charset="-127"/>
                 <a:cs typeface="Malgun Gothic Semilight" panose="020B0502040204020203" pitchFamily="50" charset="-127"/>
               </a:rPr>
-              <a:t>– Advanced</a:t>
+              <a:t>- Theory</a:t>
             </a:r>
             <a:endParaRPr lang="ko-KR" altLang="en-US" sz="1600" b="1" dirty="0">
               <a:solidFill>
@@ -4701,23 +9747,7 @@
             </a:endParaRPr>
           </a:p>
           <a:p>
-            <a:pPr marL="0" marR="0" lvl="0" indent="0" algn="ctr" defTabSz="914400" rtl="0" eaLnBrk="1" fontAlgn="auto" latinLnBrk="1" hangingPunct="1">
-              <a:lnSpc>
-                <a:spcPct val="100000"/>
-              </a:lnSpc>
-              <a:spcBef>
-                <a:spcPts val="0"/>
-              </a:spcBef>
-              <a:spcAft>
-                <a:spcPts val="0"/>
-              </a:spcAft>
-              <a:buClrTx/>
-              <a:buSzTx/>
-              <a:buFontTx/>
-              <a:buNone/>
-              <a:tabLst/>
-              <a:defRPr/>
-            </a:pPr>
+            <a:pPr algn="ctr"/>
             <a:endParaRPr kumimoji="0" lang="en-US" altLang="ko-KR" sz="1600" b="0" i="0" u="none" strike="noStrike" kern="1200" cap="none" spc="0" normalizeH="0" baseline="0" noProof="0" dirty="0">
               <a:ln>
                 <a:noFill/>
@@ -4762,15 +9792,36 @@
           <a:p>
             <a:pPr lvl="0" algn="ctr"/>
             <a:r>
-              <a:rPr lang="ko-KR" altLang="en-US" dirty="0">
+              <a:rPr kumimoji="0" lang="en-US" altLang="ko-KR" b="0" i="0" u="none" strike="noStrike" kern="1200" cap="none" spc="0" normalizeH="0" baseline="0" noProof="0" dirty="0">
+                <a:ln>
+                  <a:noFill/>
+                </a:ln>
                 <a:solidFill>
                   <a:srgbClr val="908DC5"/>
                 </a:solidFill>
+                <a:effectLst/>
+                <a:uLnTx/>
+                <a:uFillTx/>
                 <a:latin typeface="Noto Serif CJK KR Medium" panose="02020500000000000000" pitchFamily="18" charset="-127"/>
                 <a:ea typeface="Noto Serif CJK KR Medium" panose="02020500000000000000" pitchFamily="18" charset="-127"/>
-                <a:cs typeface="Malgun Gothic Semilight" panose="020B0502040204020203" pitchFamily="50" charset="-127"/>
-              </a:rPr>
-              <a:t>각 함수가 필요한 부품 조사 후 공부</a:t>
+              </a:rPr>
+              <a:t>Main</a:t>
+            </a:r>
+            <a:r>
+              <a:rPr kumimoji="0" lang="ko-KR" altLang="en-US" b="0" i="0" u="none" strike="noStrike" kern="1200" cap="none" spc="0" normalizeH="0" baseline="0" noProof="0" dirty="0">
+                <a:ln>
+                  <a:noFill/>
+                </a:ln>
+                <a:solidFill>
+                  <a:srgbClr val="908DC5"/>
+                </a:solidFill>
+                <a:effectLst/>
+                <a:uLnTx/>
+                <a:uFillTx/>
+                <a:latin typeface="Noto Serif CJK KR Medium" panose="02020500000000000000" pitchFamily="18" charset="-127"/>
+                <a:ea typeface="Noto Serif CJK KR Medium" panose="02020500000000000000" pitchFamily="18" charset="-127"/>
+              </a:rPr>
+              <a:t>이 되는 시계 구현</a:t>
             </a:r>
             <a:endParaRPr kumimoji="0" lang="en-US" altLang="ko-KR" b="0" i="0" u="none" strike="noStrike" kern="1200" cap="none" spc="0" normalizeH="0" baseline="0" noProof="0" dirty="0">
               <a:ln>
@@ -4836,7 +9887,7 @@
           <a:lstStyle/>
           <a:p>
             <a:pPr algn="ctr"/>
-            <a:endParaRPr lang="ko-KR" altLang="en-US"/>
+            <a:endParaRPr lang="ko-KR" altLang="en-US" dirty="0"/>
           </a:p>
         </p:txBody>
       </p:sp>
@@ -5100,7 +10151,7 @@
 </p:sld>
 </file>
 
-<file path=ppt/slides/slide11.xml><?xml version="1.0" encoding="utf-8"?>
+<file path=ppt/slides/slide17.xml><?xml version="1.0" encoding="utf-8"?>
 <p:sld xmlns:a="http://schemas.openxmlformats.org/drawingml/2006/main" xmlns:r="http://schemas.openxmlformats.org/officeDocument/2006/relationships" xmlns:p="http://schemas.openxmlformats.org/presentationml/2006/main" showMasterSp="0">
   <p:cSld>
     <p:bg>
@@ -5185,7 +10236,7 @@
                 <a:ea typeface="Noto Serif CJK KR Black" panose="02020900000000000000" pitchFamily="18" charset="-127"/>
                 <a:cs typeface="+mn-cs"/>
               </a:rPr>
-              <a:t>진행 상황</a:t>
+              <a:t>향후 일정</a:t>
             </a:r>
             <a:endParaRPr kumimoji="0" lang="en-US" altLang="ko-KR" sz="2800" b="0" i="0" u="none" strike="noStrike" kern="1200" cap="none" spc="300" normalizeH="0" baseline="0" noProof="0" dirty="0">
               <a:ln>
@@ -5204,123 +10255,6 @@
           </a:p>
         </p:txBody>
       </p:sp>
-    </p:spTree>
-    <p:extLst>
-      <p:ext uri="{BB962C8B-B14F-4D97-AF65-F5344CB8AC3E}">
-        <p14:creationId xmlns:p14="http://schemas.microsoft.com/office/powerpoint/2010/main" val="1685509864"/>
-      </p:ext>
-    </p:extLst>
-  </p:cSld>
-  <p:clrMapOvr>
-    <a:masterClrMapping/>
-  </p:clrMapOvr>
-</p:sld>
-</file>
-
-<file path=ppt/slides/slide12.xml><?xml version="1.0" encoding="utf-8"?>
-<p:sld xmlns:a="http://schemas.openxmlformats.org/drawingml/2006/main" xmlns:r="http://schemas.openxmlformats.org/officeDocument/2006/relationships" xmlns:p="http://schemas.openxmlformats.org/presentationml/2006/main" showMasterSp="0">
-  <p:cSld>
-    <p:bg>
-      <p:bgPr>
-        <a:blipFill dpi="0" rotWithShape="1">
-          <a:blip r:embed="rId2">
-            <a:lum/>
-          </a:blip>
-          <a:srcRect/>
-          <a:stretch>
-            <a:fillRect/>
-          </a:stretch>
-        </a:blipFill>
-        <a:effectLst/>
-      </p:bgPr>
-    </p:bg>
-    <p:spTree>
-      <p:nvGrpSpPr>
-        <p:cNvPr id="1" name=""/>
-        <p:cNvGrpSpPr/>
-        <p:nvPr/>
-      </p:nvGrpSpPr>
-      <p:grpSpPr>
-        <a:xfrm>
-          <a:off x="0" y="0"/>
-          <a:ext cx="0" cy="0"/>
-          <a:chOff x="0" y="0"/>
-          <a:chExt cx="0" cy="0"/>
-        </a:xfrm>
-      </p:grpSpPr>
-      <p:sp>
-        <p:nvSpPr>
-          <p:cNvPr id="16" name="직사각형 15"/>
-          <p:cNvSpPr/>
-          <p:nvPr/>
-        </p:nvSpPr>
-        <p:spPr>
-          <a:xfrm>
-            <a:off x="296633" y="333481"/>
-            <a:ext cx="2658602" cy="523220"/>
-          </a:xfrm>
-          <a:prstGeom prst="rect">
-            <a:avLst/>
-          </a:prstGeom>
-          <a:noFill/>
-        </p:spPr>
-        <p:txBody>
-          <a:bodyPr vert="horz" wrap="square">
-            <a:spAutoFit/>
-          </a:bodyPr>
-          <a:lstStyle/>
-          <a:p>
-            <a:pPr marL="0" marR="0" lvl="0" indent="0" algn="l" defTabSz="914400" rtl="0" eaLnBrk="1" fontAlgn="auto" latinLnBrk="1" hangingPunct="1">
-              <a:lnSpc>
-                <a:spcPct val="100000"/>
-              </a:lnSpc>
-              <a:spcBef>
-                <a:spcPts val="0"/>
-              </a:spcBef>
-              <a:spcAft>
-                <a:spcPts val="0"/>
-              </a:spcAft>
-              <a:buClrTx/>
-              <a:buSzTx/>
-              <a:buFontTx/>
-              <a:buNone/>
-              <a:tabLst/>
-              <a:defRPr/>
-            </a:pPr>
-            <a:r>
-              <a:rPr kumimoji="0" lang="ko-KR" altLang="en-US" sz="2800" b="0" i="0" u="none" strike="noStrike" kern="1200" cap="none" spc="300" normalizeH="0" baseline="0" noProof="0" dirty="0">
-                <a:ln>
-                  <a:noFill/>
-                </a:ln>
-                <a:solidFill>
-                  <a:prstClr val="white"/>
-                </a:solidFill>
-                <a:effectLst/>
-                <a:uLnTx/>
-                <a:uFillTx/>
-                <a:latin typeface="Noto Serif CJK KR Black" panose="02020900000000000000" pitchFamily="18" charset="-127"/>
-                <a:ea typeface="Noto Serif CJK KR Black" panose="02020900000000000000" pitchFamily="18" charset="-127"/>
-                <a:cs typeface="+mn-cs"/>
-              </a:rPr>
-              <a:t>향후 일정</a:t>
-            </a:r>
-            <a:endParaRPr kumimoji="0" lang="en-US" altLang="ko-KR" sz="2800" b="0" i="0" u="none" strike="noStrike" kern="1200" cap="none" spc="300" normalizeH="0" baseline="0" noProof="0" dirty="0">
-              <a:ln>
-                <a:noFill/>
-              </a:ln>
-              <a:solidFill>
-                <a:prstClr val="white"/>
-              </a:solidFill>
-              <a:effectLst/>
-              <a:uLnTx/>
-              <a:uFillTx/>
-              <a:latin typeface="Noto Serif CJK KR Black" panose="02020900000000000000" pitchFamily="18" charset="-127"/>
-              <a:ea typeface="Noto Serif CJK KR Black" panose="02020900000000000000" pitchFamily="18" charset="-127"/>
-              <a:cs typeface="+mn-cs"/>
-            </a:endParaRPr>
-          </a:p>
-        </p:txBody>
-      </p:sp>
       <p:sp>
         <p:nvSpPr>
           <p:cNvPr id="17" name="직사각형 16"/>
@@ -5329,8 +10263,8 @@
         </p:nvSpPr>
         <p:spPr>
           <a:xfrm>
-            <a:off x="619490" y="3624123"/>
-            <a:ext cx="2824471" cy="1384995"/>
+            <a:off x="732308" y="3535499"/>
+            <a:ext cx="2517505" cy="1384995"/>
           </a:xfrm>
           <a:prstGeom prst="rect">
             <a:avLst/>
@@ -5401,7 +10335,7 @@
                 <a:ea typeface="Noto Serif CJK KR Medium" panose="02020500000000000000" pitchFamily="18" charset="-127"/>
                 <a:cs typeface="Malgun Gothic Semilight" panose="020B0502040204020203" pitchFamily="50" charset="-127"/>
               </a:rPr>
-              <a:t>함수 개발</a:t>
+              <a:t>기능구현</a:t>
             </a:r>
             <a:r>
               <a:rPr lang="en-US" altLang="ko-KR" sz="1600" b="1" dirty="0">
@@ -5412,7 +10346,7 @@
                 <a:ea typeface="Noto Serif CJK KR Medium" panose="02020500000000000000" pitchFamily="18" charset="-127"/>
                 <a:cs typeface="Malgun Gothic Semilight" panose="020B0502040204020203" pitchFamily="50" charset="-127"/>
               </a:rPr>
-              <a:t>(1)- Theory</a:t>
+              <a:t>(2)- Theory</a:t>
             </a:r>
             <a:endParaRPr lang="ko-KR" altLang="en-US" sz="1600" b="1" dirty="0">
               <a:solidFill>
@@ -5448,7 +10382,7 @@
               <a:defRPr lang="ko-KR" altLang="en-US"/>
             </a:pPr>
             <a:r>
-              <a:rPr lang="ko-KR" altLang="en-US" dirty="0">
+              <a:rPr lang="en-US" altLang="ko-KR" dirty="0" err="1">
                 <a:solidFill>
                   <a:srgbClr val="908DC5"/>
                 </a:solidFill>
@@ -5456,8 +10390,60 @@
                 <a:ea typeface="Noto Serif CJK KR Medium" panose="02020500000000000000" pitchFamily="18" charset="-127"/>
                 <a:cs typeface="Malgun Gothic Semilight" panose="020B0502040204020203" pitchFamily="50" charset="-127"/>
               </a:rPr>
-              <a:t>각 각의 기능을 가진 함수의 개발</a:t>
-            </a:r>
+              <a:t>Lcdtext</a:t>
+            </a:r>
+            <a:r>
+              <a:rPr lang="ko-KR" altLang="en-US" dirty="0">
+                <a:solidFill>
+                  <a:srgbClr val="908DC5"/>
+                </a:solidFill>
+                <a:latin typeface="Noto Serif CJK KR Medium" panose="02020500000000000000" pitchFamily="18" charset="-127"/>
+                <a:ea typeface="Noto Serif CJK KR Medium" panose="02020500000000000000" pitchFamily="18" charset="-127"/>
+                <a:cs typeface="Malgun Gothic Semilight" panose="020B0502040204020203" pitchFamily="50" charset="-127"/>
+              </a:rPr>
+              <a:t>와 </a:t>
+            </a:r>
+            <a:r>
+              <a:rPr lang="ko-KR" altLang="en-US" dirty="0" err="1">
+                <a:solidFill>
+                  <a:srgbClr val="908DC5"/>
+                </a:solidFill>
+                <a:latin typeface="Noto Serif CJK KR Medium" panose="02020500000000000000" pitchFamily="18" charset="-127"/>
+                <a:ea typeface="Noto Serif CJK KR Medium" panose="02020500000000000000" pitchFamily="18" charset="-127"/>
+                <a:cs typeface="Malgun Gothic Semilight" panose="020B0502040204020203" pitchFamily="50" charset="-127"/>
+              </a:rPr>
+              <a:t>알람기능</a:t>
+            </a:r>
+            <a:r>
+              <a:rPr lang="ko-KR" altLang="en-US" dirty="0">
+                <a:solidFill>
+                  <a:srgbClr val="908DC5"/>
+                </a:solidFill>
+                <a:latin typeface="Noto Serif CJK KR Medium" panose="02020500000000000000" pitchFamily="18" charset="-127"/>
+                <a:ea typeface="Noto Serif CJK KR Medium" panose="02020500000000000000" pitchFamily="18" charset="-127"/>
+                <a:cs typeface="Malgun Gothic Semilight" panose="020B0502040204020203" pitchFamily="50" charset="-127"/>
+              </a:rPr>
+              <a:t> 및 </a:t>
+            </a:r>
+            <a:r>
+              <a:rPr lang="ko-KR" altLang="en-US" dirty="0" err="1">
+                <a:solidFill>
+                  <a:srgbClr val="908DC5"/>
+                </a:solidFill>
+                <a:latin typeface="Noto Serif CJK KR Medium" panose="02020500000000000000" pitchFamily="18" charset="-127"/>
+                <a:ea typeface="Noto Serif CJK KR Medium" panose="02020500000000000000" pitchFamily="18" charset="-127"/>
+                <a:cs typeface="Malgun Gothic Semilight" panose="020B0502040204020203" pitchFamily="50" charset="-127"/>
+              </a:rPr>
+              <a:t>부저</a:t>
+            </a:r>
+            <a:endParaRPr lang="ko-KR" altLang="en-US" dirty="0">
+              <a:solidFill>
+                <a:srgbClr val="908DC5"/>
+              </a:solidFill>
+              <a:latin typeface="Noto Serif CJK KR Medium" panose="02020500000000000000" pitchFamily="18" charset="-127"/>
+              <a:ea typeface="Noto Serif CJK KR Medium" panose="02020500000000000000" pitchFamily="18" charset="-127"/>
+              <a:cs typeface="Malgun Gothic Semilight" panose="020B0502040204020203" pitchFamily="50" charset="-127"/>
+            </a:endParaRPr>
           </a:p>
         </p:txBody>
       </p:sp>
@@ -5955,7 +10941,7 @@
         <p:spPr>
           <a:xfrm>
             <a:off x="3237365" y="3385035"/>
-            <a:ext cx="2824471" cy="1384995"/>
+            <a:ext cx="2824471" cy="1107996"/>
           </a:xfrm>
           <a:prstGeom prst="rect">
             <a:avLst/>
@@ -6047,7 +11033,7 @@
                 <a:ea typeface="Noto Serif CJK KR Medium" panose="02020500000000000000" pitchFamily="18" charset="-127"/>
                 <a:cs typeface="Malgun Gothic Semilight" panose="020B0502040204020203" pitchFamily="50" charset="-127"/>
               </a:rPr>
-              <a:t>함수 개발</a:t>
+              <a:t>기능구현</a:t>
             </a:r>
             <a:r>
               <a:rPr lang="en-US" altLang="ko-KR" sz="1600" b="1" dirty="0">
@@ -6058,7 +11044,7 @@
                 <a:ea typeface="Noto Serif CJK KR Medium" panose="02020500000000000000" pitchFamily="18" charset="-127"/>
                 <a:cs typeface="Malgun Gothic Semilight" panose="020B0502040204020203" pitchFamily="50" charset="-127"/>
               </a:rPr>
-              <a:t>(2)- Theory</a:t>
+              <a:t>(3)- Theory</a:t>
             </a:r>
             <a:endParaRPr lang="ko-KR" altLang="en-US" sz="1600" b="1" dirty="0">
               <a:solidFill>
@@ -6118,29 +11104,7 @@
                 <a:ea typeface="Noto Serif CJK KR Medium" panose="02020500000000000000" pitchFamily="18" charset="-127"/>
                 <a:cs typeface="Malgun Gothic Semilight" panose="020B0502040204020203" pitchFamily="50" charset="-127"/>
               </a:rPr>
-              <a:t>개발한 함수들을 </a:t>
-            </a:r>
-            <a:r>
-              <a:rPr lang="en-US" altLang="ko-KR" dirty="0">
-                <a:solidFill>
-                  <a:srgbClr val="908DC5"/>
-                </a:solidFill>
-                <a:latin typeface="Noto Serif CJK KR Medium" panose="02020500000000000000" pitchFamily="18" charset="-127"/>
-                <a:ea typeface="Noto Serif CJK KR Medium" panose="02020500000000000000" pitchFamily="18" charset="-127"/>
-                <a:cs typeface="Malgun Gothic Semilight" panose="020B0502040204020203" pitchFamily="50" charset="-127"/>
-              </a:rPr>
-              <a:t>Main </a:t>
-            </a:r>
-            <a:r>
-              <a:rPr lang="ko-KR" altLang="en-US" dirty="0">
-                <a:solidFill>
-                  <a:srgbClr val="908DC5"/>
-                </a:solidFill>
-                <a:latin typeface="Noto Serif CJK KR Medium" panose="02020500000000000000" pitchFamily="18" charset="-127"/>
-                <a:ea typeface="Noto Serif CJK KR Medium" panose="02020500000000000000" pitchFamily="18" charset="-127"/>
-                <a:cs typeface="Malgun Gothic Semilight" panose="020B0502040204020203" pitchFamily="50" charset="-127"/>
-              </a:rPr>
-              <a:t>함수에 묶어서 구현</a:t>
+              <a:t>블루투스와 안드로이드</a:t>
             </a:r>
           </a:p>
         </p:txBody>
@@ -6154,7 +11118,7 @@
         <p:spPr>
           <a:xfrm>
             <a:off x="5990890" y="3189675"/>
-            <a:ext cx="2824471" cy="1107996"/>
+            <a:ext cx="3124997" cy="1107996"/>
           </a:xfrm>
           <a:prstGeom prst="rect">
             <a:avLst/>
@@ -6225,22 +11189,11 @@
             </a:endParaRPr>
           </a:p>
           <a:p>
-            <a:pPr marL="0" marR="0" lvl="0" indent="0" algn="ctr" defTabSz="914400" rtl="0" eaLnBrk="1" fontAlgn="auto" latinLnBrk="1" hangingPunct="1">
+            <a:pPr algn="ctr">
               <a:lnSpc>
                 <a:spcPct val="100000"/>
               </a:lnSpc>
-              <a:spcBef>
-                <a:spcPts val="0"/>
-              </a:spcBef>
-              <a:spcAft>
-                <a:spcPts val="0"/>
-              </a:spcAft>
-              <a:buClrTx/>
-              <a:buSzTx/>
-              <a:buFontTx/>
-              <a:buNone/>
-              <a:tabLst/>
-              <a:defRPr/>
+              <a:defRPr lang="ko-KR" altLang="en-US"/>
             </a:pPr>
             <a:r>
               <a:rPr lang="ko-KR" altLang="en-US" sz="1600" b="1" dirty="0">
@@ -6251,7 +11204,7 @@
                 <a:ea typeface="Noto Serif CJK KR Medium" panose="02020500000000000000" pitchFamily="18" charset="-127"/>
                 <a:cs typeface="Malgun Gothic Semilight" panose="020B0502040204020203" pitchFamily="50" charset="-127"/>
               </a:rPr>
-              <a:t>마무리 </a:t>
+              <a:t>기능구현</a:t>
             </a:r>
             <a:r>
               <a:rPr lang="en-US" altLang="ko-KR" sz="1600" b="1" dirty="0">
@@ -6262,7 +11215,7 @@
                 <a:ea typeface="Noto Serif CJK KR Medium" panose="02020500000000000000" pitchFamily="18" charset="-127"/>
                 <a:cs typeface="Malgun Gothic Semilight" panose="020B0502040204020203" pitchFamily="50" charset="-127"/>
               </a:rPr>
-              <a:t>– Finish</a:t>
+              <a:t>(4)- Theory</a:t>
             </a:r>
             <a:endParaRPr lang="ko-KR" altLang="en-US" sz="1600" b="1" dirty="0">
               <a:solidFill>
@@ -6322,7 +11275,7 @@
                 <a:ea typeface="Noto Serif CJK KR Medium" panose="02020500000000000000" pitchFamily="18" charset="-127"/>
                 <a:cs typeface="Malgun Gothic Semilight" panose="020B0502040204020203" pitchFamily="50" charset="-127"/>
               </a:rPr>
-              <a:t>문제점 보안 및  발표</a:t>
+              <a:t>블루투스와 안드로이드 연동</a:t>
             </a:r>
           </a:p>
         </p:txBody>
@@ -6450,69 +11403,31 @@
           </a:fontRef>
         </p:style>
       </p:cxnSp>
-    </p:spTree>
-    <p:extLst>
-      <p:ext uri="{BB962C8B-B14F-4D97-AF65-F5344CB8AC3E}">
-        <p14:creationId xmlns:p14="http://schemas.microsoft.com/office/powerpoint/2010/main" val="1870154506"/>
-      </p:ext>
-    </p:extLst>
-  </p:cSld>
-  <p:clrMapOvr>
-    <a:masterClrMapping/>
-  </p:clrMapOvr>
-</p:sld>
-</file>
-
-<file path=ppt/slides/slide13.xml><?xml version="1.0" encoding="utf-8"?>
-<p:sld xmlns:a="http://schemas.openxmlformats.org/drawingml/2006/main" xmlns:r="http://schemas.openxmlformats.org/officeDocument/2006/relationships" xmlns:p="http://schemas.openxmlformats.org/presentationml/2006/main" showMasterSp="0">
-  <p:cSld>
-    <p:bg>
-      <p:bgPr>
-        <a:blipFill dpi="0" rotWithShape="1">
-          <a:blip r:embed="rId2">
-            <a:lum/>
-          </a:blip>
-          <a:srcRect/>
-          <a:stretch>
-            <a:fillRect/>
-          </a:stretch>
-        </a:blipFill>
-        <a:effectLst/>
-      </p:bgPr>
-    </p:bg>
-    <p:spTree>
-      <p:nvGrpSpPr>
-        <p:cNvPr id="1" name=""/>
-        <p:cNvGrpSpPr/>
-        <p:nvPr/>
-      </p:nvGrpSpPr>
-      <p:grpSpPr>
-        <a:xfrm>
-          <a:off x="0" y="0"/>
-          <a:ext cx="0" cy="0"/>
-          <a:chOff x="0" y="0"/>
-          <a:chExt cx="0" cy="0"/>
-        </a:xfrm>
-      </p:grpSpPr>
       <p:sp>
         <p:nvSpPr>
-          <p:cNvPr id="15" name="직사각형 14"/>
+          <p:cNvPr id="25" name="직사각형 24">
+            <a:extLst>
+              <a:ext uri="{FF2B5EF4-FFF2-40B4-BE49-F238E27FC236}">
+                <a16:creationId xmlns:a16="http://schemas.microsoft.com/office/drawing/2014/main" id="{85CE10AB-3BEE-41D0-B4A3-C6BAFF3EFC34}"/>
+              </a:ext>
+            </a:extLst>
+          </p:cNvPr>
           <p:cNvSpPr/>
           <p:nvPr/>
         </p:nvSpPr>
         <p:spPr>
           <a:xfrm>
-            <a:off x="300739" y="307692"/>
-            <a:ext cx="510143" cy="292387"/>
+            <a:off x="515382" y="2534004"/>
+            <a:ext cx="2824471" cy="3056865"/>
           </a:xfrm>
           <a:prstGeom prst="rect">
             <a:avLst/>
           </a:prstGeom>
-          <a:solidFill>
-            <a:srgbClr val="CBCAE4"/>
-          </a:solidFill>
-          <a:ln>
-            <a:noFill/>
+          <a:noFill/>
+          <a:ln w="57150">
+            <a:solidFill>
+              <a:srgbClr val="FF0000"/>
+            </a:solidFill>
           </a:ln>
         </p:spPr>
         <p:style>
@@ -6536,2191 +11451,102 @@
           <a:lstStyle/>
           <a:p>
             <a:pPr algn="ctr"/>
-            <a:endParaRPr lang="ko-KR" altLang="en-US" dirty="0">
-              <a:solidFill>
-                <a:prstClr val="white"/>
-              </a:solidFill>
-            </a:endParaRPr>
-          </a:p>
-        </p:txBody>
-      </p:sp>
-      <p:sp>
-        <p:nvSpPr>
-          <p:cNvPr id="16" name="직사각형 15"/>
-          <p:cNvSpPr/>
-          <p:nvPr/>
-        </p:nvSpPr>
-        <p:spPr>
-          <a:xfrm>
-            <a:off x="300739" y="307692"/>
-            <a:ext cx="1735093" cy="292388"/>
-          </a:xfrm>
-          <a:prstGeom prst="rect">
-            <a:avLst/>
-          </a:prstGeom>
-          <a:noFill/>
-        </p:spPr>
-        <p:txBody>
-          <a:bodyPr vert="horz" wrap="square">
-            <a:spAutoFit/>
-          </a:bodyPr>
-          <a:lstStyle/>
-          <a:p>
-            <a:r>
-              <a:rPr lang="ko-KR" altLang="en-US" sz="1300" spc="300" dirty="0">
-                <a:solidFill>
-                  <a:prstClr val="white"/>
-                </a:solidFill>
-                <a:latin typeface="Noto Sans CJK KR Medium" pitchFamily="34" charset="-127"/>
-                <a:ea typeface="Noto Sans CJK KR Medium" pitchFamily="34" charset="-127"/>
-              </a:rPr>
-              <a:t>내용</a:t>
-            </a:r>
-            <a:endParaRPr lang="en-US" altLang="ko-KR" sz="1300" spc="300" dirty="0">
-              <a:solidFill>
-                <a:prstClr val="white"/>
-              </a:solidFill>
-              <a:latin typeface="Noto Sans CJK KR Medium" pitchFamily="34" charset="-127"/>
-              <a:ea typeface="Noto Sans CJK KR Medium" pitchFamily="34" charset="-127"/>
-            </a:endParaRPr>
-          </a:p>
-        </p:txBody>
-      </p:sp>
-      <p:sp>
-        <p:nvSpPr>
-          <p:cNvPr id="17" name="직사각형 16"/>
-          <p:cNvSpPr/>
-          <p:nvPr/>
-        </p:nvSpPr>
-        <p:spPr>
-          <a:xfrm>
-            <a:off x="5304067" y="1779733"/>
-            <a:ext cx="3719163" cy="2308324"/>
-          </a:xfrm>
-          <a:prstGeom prst="rect">
-            <a:avLst/>
-          </a:prstGeom>
-          <a:noFill/>
-        </p:spPr>
-        <p:txBody>
-          <a:bodyPr wrap="square">
-            <a:spAutoFit/>
-          </a:bodyPr>
-          <a:lstStyle/>
-          <a:p>
-            <a:r>
-              <a:rPr lang="ko-KR" altLang="en-US" sz="1600" dirty="0">
-                <a:solidFill>
-                  <a:srgbClr val="5A56A8"/>
-                </a:solidFill>
-                <a:latin typeface="Noto Sans CJK KR DemiLight" pitchFamily="34" charset="-127"/>
-                <a:ea typeface="Noto Sans CJK KR DemiLight" pitchFamily="34" charset="-127"/>
-              </a:rPr>
-              <a:t>배경 적용하는것을 가끔씩</a:t>
-            </a:r>
-            <a:endParaRPr lang="en-US" altLang="ko-KR" sz="1600" dirty="0">
-              <a:solidFill>
-                <a:srgbClr val="5A56A8"/>
-              </a:solidFill>
-              <a:latin typeface="Noto Sans CJK KR DemiLight" pitchFamily="34" charset="-127"/>
-              <a:ea typeface="Noto Sans CJK KR DemiLight" pitchFamily="34" charset="-127"/>
-            </a:endParaRPr>
-          </a:p>
-          <a:p>
-            <a:r>
-              <a:rPr lang="ko-KR" altLang="en-US" sz="1600" dirty="0">
-                <a:solidFill>
-                  <a:srgbClr val="5A56A8"/>
-                </a:solidFill>
-                <a:latin typeface="Noto Sans CJK KR DemiLight" pitchFamily="34" charset="-127"/>
-                <a:ea typeface="Noto Sans CJK KR DemiLight" pitchFamily="34" charset="-127"/>
-              </a:rPr>
-              <a:t>모르시는 분들이있기에</a:t>
-            </a:r>
-            <a:endParaRPr lang="en-US" altLang="ko-KR" sz="1600" dirty="0">
-              <a:solidFill>
-                <a:srgbClr val="5A56A8"/>
-              </a:solidFill>
-              <a:latin typeface="Noto Sans CJK KR DemiLight" pitchFamily="34" charset="-127"/>
-              <a:ea typeface="Noto Sans CJK KR DemiLight" pitchFamily="34" charset="-127"/>
-            </a:endParaRPr>
-          </a:p>
-          <a:p>
-            <a:r>
-              <a:rPr lang="ko-KR" altLang="en-US" sz="1600" dirty="0">
-                <a:solidFill>
-                  <a:srgbClr val="5A56A8"/>
-                </a:solidFill>
-                <a:latin typeface="Noto Sans CJK KR DemiLight" pitchFamily="34" charset="-127"/>
-                <a:ea typeface="Noto Sans CJK KR DemiLight" pitchFamily="34" charset="-127"/>
-              </a:rPr>
-              <a:t>이렇게 적어놓겠습니다</a:t>
-            </a:r>
-            <a:endParaRPr lang="en-US" altLang="ko-KR" sz="1600" dirty="0">
-              <a:solidFill>
-                <a:srgbClr val="5A56A8"/>
-              </a:solidFill>
-              <a:latin typeface="Noto Sans CJK KR DemiLight" pitchFamily="34" charset="-127"/>
-              <a:ea typeface="Noto Sans CJK KR DemiLight" pitchFamily="34" charset="-127"/>
-            </a:endParaRPr>
-          </a:p>
-          <a:p>
-            <a:r>
-              <a:rPr lang="ko-KR" altLang="en-US" sz="1600" dirty="0">
-                <a:solidFill>
-                  <a:srgbClr val="5A56A8"/>
-                </a:solidFill>
-                <a:latin typeface="Noto Sans CJK KR DemiLight" pitchFamily="34" charset="-127"/>
-                <a:ea typeface="Noto Sans CJK KR DemiLight" pitchFamily="34" charset="-127"/>
-              </a:rPr>
-              <a:t>제가 첨부한 사진을</a:t>
-            </a:r>
-            <a:endParaRPr lang="en-US" altLang="ko-KR" sz="1600" dirty="0">
-              <a:solidFill>
-                <a:srgbClr val="5A56A8"/>
-              </a:solidFill>
-              <a:latin typeface="Noto Sans CJK KR DemiLight" pitchFamily="34" charset="-127"/>
-              <a:ea typeface="Noto Sans CJK KR DemiLight" pitchFamily="34" charset="-127"/>
-            </a:endParaRPr>
-          </a:p>
-          <a:p>
-            <a:r>
-              <a:rPr lang="ko-KR" altLang="en-US" sz="1600" dirty="0">
-                <a:solidFill>
-                  <a:srgbClr val="5A56A8"/>
-                </a:solidFill>
-                <a:latin typeface="Noto Sans CJK KR DemiLight" pitchFamily="34" charset="-127"/>
-                <a:ea typeface="Noto Sans CJK KR DemiLight" pitchFamily="34" charset="-127"/>
-              </a:rPr>
-              <a:t>배경으로 지정하시면</a:t>
-            </a:r>
-            <a:endParaRPr lang="en-US" altLang="ko-KR" sz="1600" dirty="0">
-              <a:solidFill>
-                <a:srgbClr val="5A56A8"/>
-              </a:solidFill>
-              <a:latin typeface="Noto Sans CJK KR DemiLight" pitchFamily="34" charset="-127"/>
-              <a:ea typeface="Noto Sans CJK KR DemiLight" pitchFamily="34" charset="-127"/>
-            </a:endParaRPr>
-          </a:p>
-          <a:p>
-            <a:r>
-              <a:rPr lang="ko-KR" altLang="en-US" sz="1600" dirty="0">
-                <a:solidFill>
-                  <a:srgbClr val="5A56A8"/>
-                </a:solidFill>
-                <a:latin typeface="Noto Sans CJK KR DemiLight" pitchFamily="34" charset="-127"/>
-                <a:ea typeface="Noto Sans CJK KR DemiLight" pitchFamily="34" charset="-127"/>
-              </a:rPr>
-              <a:t>계속 사용하실수 있습니다</a:t>
-            </a:r>
-            <a:endParaRPr lang="en-US" altLang="ko-KR" sz="1600" dirty="0">
-              <a:solidFill>
-                <a:srgbClr val="5A56A8"/>
-              </a:solidFill>
-              <a:latin typeface="Noto Sans CJK KR DemiLight" pitchFamily="34" charset="-127"/>
-              <a:ea typeface="Noto Sans CJK KR DemiLight" pitchFamily="34" charset="-127"/>
-            </a:endParaRPr>
-          </a:p>
-          <a:p>
-            <a:r>
-              <a:rPr lang="ko-KR" altLang="en-US" sz="1600" dirty="0">
-                <a:solidFill>
-                  <a:srgbClr val="5A56A8"/>
-                </a:solidFill>
-                <a:latin typeface="Noto Sans CJK KR DemiLight" pitchFamily="34" charset="-127"/>
-                <a:ea typeface="Noto Sans CJK KR DemiLight" pitchFamily="34" charset="-127"/>
-              </a:rPr>
-              <a:t>폰트는 구글노토산스체 사용하기</a:t>
-            </a:r>
-            <a:endParaRPr lang="en-US" altLang="ko-KR" sz="1600" dirty="0">
-              <a:solidFill>
-                <a:srgbClr val="5A56A8"/>
-              </a:solidFill>
-              <a:latin typeface="Noto Sans CJK KR DemiLight" pitchFamily="34" charset="-127"/>
-              <a:ea typeface="Noto Sans CJK KR DemiLight" pitchFamily="34" charset="-127"/>
-            </a:endParaRPr>
-          </a:p>
-          <a:p>
-            <a:r>
-              <a:rPr lang="ko-KR" altLang="en-US" sz="1600" dirty="0">
-                <a:solidFill>
-                  <a:srgbClr val="5A56A8"/>
-                </a:solidFill>
-                <a:latin typeface="Noto Sans CJK KR DemiLight" pitchFamily="34" charset="-127"/>
-                <a:ea typeface="Noto Sans CJK KR DemiLight" pitchFamily="34" charset="-127"/>
-              </a:rPr>
-              <a:t>아시겠죠 후후</a:t>
-            </a:r>
-            <a:endParaRPr lang="en-US" altLang="ko-KR" sz="1600" dirty="0">
-              <a:solidFill>
-                <a:srgbClr val="5A56A8"/>
-              </a:solidFill>
-              <a:latin typeface="Noto Sans CJK KR DemiLight" pitchFamily="34" charset="-127"/>
-              <a:ea typeface="Noto Sans CJK KR DemiLight" pitchFamily="34" charset="-127"/>
-            </a:endParaRPr>
-          </a:p>
-          <a:p>
-            <a:r>
-              <a:rPr lang="ko-KR" altLang="en-US" sz="1600" dirty="0">
-                <a:solidFill>
-                  <a:srgbClr val="5A56A8"/>
-                </a:solidFill>
-                <a:latin typeface="Noto Sans CJK KR DemiLight" pitchFamily="34" charset="-127"/>
-                <a:ea typeface="Noto Sans CJK KR DemiLight" pitchFamily="34" charset="-127"/>
-              </a:rPr>
-              <a:t>감사합니다요 항상</a:t>
-            </a:r>
-            <a:endParaRPr lang="en-US" altLang="ko-KR" sz="1600" dirty="0">
-              <a:solidFill>
-                <a:srgbClr val="5A56A8"/>
-              </a:solidFill>
-              <a:latin typeface="Noto Sans CJK KR DemiLight" pitchFamily="34" charset="-127"/>
-              <a:ea typeface="Noto Sans CJK KR DemiLight" pitchFamily="34" charset="-127"/>
-            </a:endParaRPr>
-          </a:p>
-        </p:txBody>
-      </p:sp>
-      <p:sp>
-        <p:nvSpPr>
-          <p:cNvPr id="18" name="직사각형 17"/>
-          <p:cNvSpPr/>
-          <p:nvPr/>
-        </p:nvSpPr>
-        <p:spPr>
-          <a:xfrm>
-            <a:off x="898847" y="1549271"/>
-            <a:ext cx="3561010" cy="45719"/>
-          </a:xfrm>
-          <a:prstGeom prst="rect">
-            <a:avLst/>
-          </a:prstGeom>
-          <a:solidFill>
-            <a:srgbClr val="908DC5"/>
-          </a:solidFill>
-          <a:ln>
-            <a:noFill/>
-          </a:ln>
-        </p:spPr>
-        <p:style>
-          <a:lnRef idx="2">
-            <a:schemeClr val="accent1">
-              <a:shade val="50000"/>
-            </a:schemeClr>
-          </a:lnRef>
-          <a:fillRef idx="1">
-            <a:schemeClr val="accent1"/>
-          </a:fillRef>
-          <a:effectRef idx="0">
-            <a:schemeClr val="accent1"/>
-          </a:effectRef>
-          <a:fontRef idx="minor">
-            <a:schemeClr val="lt1"/>
-          </a:fontRef>
-        </p:style>
-        <p:txBody>
-          <a:bodyPr rtlCol="0" anchor="ctr"/>
-          <a:lstStyle/>
-          <a:p>
-            <a:pPr algn="ctr"/>
-            <a:endParaRPr lang="ko-KR" altLang="en-US" dirty="0">
-              <a:solidFill>
-                <a:prstClr val="white"/>
-              </a:solidFill>
-            </a:endParaRPr>
-          </a:p>
-        </p:txBody>
-      </p:sp>
-      <p:sp>
-        <p:nvSpPr>
-          <p:cNvPr id="27" name="직사각형 26"/>
-          <p:cNvSpPr/>
-          <p:nvPr/>
-        </p:nvSpPr>
-        <p:spPr>
-          <a:xfrm>
-            <a:off x="5390332" y="1549270"/>
-            <a:ext cx="3561010" cy="45719"/>
-          </a:xfrm>
-          <a:prstGeom prst="rect">
-            <a:avLst/>
-          </a:prstGeom>
-          <a:solidFill>
-            <a:srgbClr val="908DC5"/>
-          </a:solidFill>
-          <a:ln>
-            <a:noFill/>
-          </a:ln>
-        </p:spPr>
-        <p:style>
-          <a:lnRef idx="2">
-            <a:schemeClr val="accent1">
-              <a:shade val="50000"/>
-            </a:schemeClr>
-          </a:lnRef>
-          <a:fillRef idx="1">
-            <a:schemeClr val="accent1"/>
-          </a:fillRef>
-          <a:effectRef idx="0">
-            <a:schemeClr val="accent1"/>
-          </a:effectRef>
-          <a:fontRef idx="minor">
-            <a:schemeClr val="lt1"/>
-          </a:fontRef>
-        </p:style>
-        <p:txBody>
-          <a:bodyPr rtlCol="0" anchor="ctr"/>
-          <a:lstStyle/>
-          <a:p>
-            <a:pPr algn="ctr"/>
-            <a:endParaRPr lang="ko-KR" altLang="en-US" dirty="0">
-              <a:solidFill>
-                <a:prstClr val="white"/>
-              </a:solidFill>
-            </a:endParaRPr>
-          </a:p>
-        </p:txBody>
-      </p:sp>
-      <p:sp>
-        <p:nvSpPr>
-          <p:cNvPr id="29" name="직사각형 28"/>
-          <p:cNvSpPr/>
-          <p:nvPr/>
-        </p:nvSpPr>
-        <p:spPr>
-          <a:xfrm>
-            <a:off x="769457" y="1805614"/>
-            <a:ext cx="3719163" cy="1323439"/>
-          </a:xfrm>
-          <a:prstGeom prst="rect">
-            <a:avLst/>
-          </a:prstGeom>
-          <a:noFill/>
-        </p:spPr>
-        <p:txBody>
-          <a:bodyPr wrap="square">
-            <a:spAutoFit/>
-          </a:bodyPr>
-          <a:lstStyle/>
-          <a:p>
-            <a:r>
-              <a:rPr lang="ko-KR" altLang="en-US" sz="4000" dirty="0">
-                <a:solidFill>
-                  <a:srgbClr val="5A56A8"/>
-                </a:solidFill>
-                <a:latin typeface="Noto Sans CJK KR Bold" pitchFamily="34" charset="-127"/>
-                <a:ea typeface="Noto Sans CJK KR Bold" pitchFamily="34" charset="-127"/>
-              </a:rPr>
-              <a:t>사랑이듬뿍</a:t>
-            </a:r>
-            <a:endParaRPr lang="en-US" altLang="ko-KR" sz="4000" dirty="0">
-              <a:solidFill>
-                <a:srgbClr val="5A56A8"/>
-              </a:solidFill>
-              <a:latin typeface="Noto Sans CJK KR Bold" pitchFamily="34" charset="-127"/>
-              <a:ea typeface="Noto Sans CJK KR Bold" pitchFamily="34" charset="-127"/>
-            </a:endParaRPr>
-          </a:p>
-          <a:p>
-            <a:r>
-              <a:rPr lang="ko-KR" altLang="en-US" sz="4000" dirty="0">
-                <a:solidFill>
-                  <a:srgbClr val="5A56A8"/>
-                </a:solidFill>
-                <a:latin typeface="Noto Sans CJK KR Bold" pitchFamily="34" charset="-127"/>
-                <a:ea typeface="Noto Sans CJK KR Bold" pitchFamily="34" charset="-127"/>
-              </a:rPr>
-              <a:t>배경적용법</a:t>
-            </a:r>
-            <a:endParaRPr lang="en-US" altLang="ko-KR" sz="4000" dirty="0">
-              <a:solidFill>
-                <a:srgbClr val="5A56A8"/>
-              </a:solidFill>
-              <a:latin typeface="Noto Sans CJK KR Bold" pitchFamily="34" charset="-127"/>
-              <a:ea typeface="Noto Sans CJK KR Bold" pitchFamily="34" charset="-127"/>
-            </a:endParaRPr>
-          </a:p>
-        </p:txBody>
-      </p:sp>
-      <p:sp>
-        <p:nvSpPr>
-          <p:cNvPr id="30" name="직사각형 29"/>
-          <p:cNvSpPr/>
-          <p:nvPr/>
-        </p:nvSpPr>
-        <p:spPr>
-          <a:xfrm>
-            <a:off x="769456" y="3426337"/>
-            <a:ext cx="3719163" cy="1938992"/>
-          </a:xfrm>
-          <a:prstGeom prst="rect">
-            <a:avLst/>
-          </a:prstGeom>
-          <a:noFill/>
-        </p:spPr>
-        <p:txBody>
-          <a:bodyPr wrap="square">
-            <a:spAutoFit/>
-          </a:bodyPr>
-          <a:lstStyle/>
-          <a:p>
-            <a:r>
-              <a:rPr lang="ko-KR" altLang="en-US" sz="4000" dirty="0">
-                <a:solidFill>
-                  <a:srgbClr val="5A56A8"/>
-                </a:solidFill>
-                <a:latin typeface="Noto Sans CJK KR Thin" pitchFamily="34" charset="-127"/>
-                <a:ea typeface="Noto Sans CJK KR Thin" pitchFamily="34" charset="-127"/>
-              </a:rPr>
-              <a:t>제가 첨부한</a:t>
-            </a:r>
-            <a:endParaRPr lang="en-US" altLang="ko-KR" sz="4000" dirty="0">
-              <a:solidFill>
-                <a:srgbClr val="5A56A8"/>
-              </a:solidFill>
-              <a:latin typeface="Noto Sans CJK KR Thin" pitchFamily="34" charset="-127"/>
-              <a:ea typeface="Noto Sans CJK KR Thin" pitchFamily="34" charset="-127"/>
-            </a:endParaRPr>
-          </a:p>
-          <a:p>
-            <a:r>
-              <a:rPr lang="ko-KR" altLang="en-US" sz="4000" dirty="0">
-                <a:solidFill>
-                  <a:srgbClr val="5A56A8"/>
-                </a:solidFill>
-                <a:latin typeface="Noto Sans CJK KR Thin" pitchFamily="34" charset="-127"/>
-                <a:ea typeface="Noto Sans CJK KR Thin" pitchFamily="34" charset="-127"/>
-              </a:rPr>
-              <a:t>이미지를</a:t>
-            </a:r>
-            <a:endParaRPr lang="en-US" altLang="ko-KR" sz="4000" dirty="0">
-              <a:solidFill>
-                <a:srgbClr val="5A56A8"/>
-              </a:solidFill>
-              <a:latin typeface="Noto Sans CJK KR Thin" pitchFamily="34" charset="-127"/>
-              <a:ea typeface="Noto Sans CJK KR Thin" pitchFamily="34" charset="-127"/>
-            </a:endParaRPr>
-          </a:p>
-          <a:p>
-            <a:r>
-              <a:rPr lang="ko-KR" altLang="en-US" sz="4000" dirty="0">
-                <a:solidFill>
-                  <a:srgbClr val="5A56A8"/>
-                </a:solidFill>
-                <a:latin typeface="Noto Sans CJK KR Thin" pitchFamily="34" charset="-127"/>
-                <a:ea typeface="Noto Sans CJK KR Thin" pitchFamily="34" charset="-127"/>
-              </a:rPr>
-              <a:t>배경설정하기</a:t>
-            </a:r>
-            <a:endParaRPr lang="en-US" altLang="ko-KR" sz="4000" dirty="0">
-              <a:solidFill>
-                <a:srgbClr val="5A56A8"/>
-              </a:solidFill>
-              <a:latin typeface="Noto Sans CJK KR Thin" pitchFamily="34" charset="-127"/>
-              <a:ea typeface="Noto Sans CJK KR Thin" pitchFamily="34" charset="-127"/>
-            </a:endParaRPr>
+            <a:endParaRPr lang="ko-KR" altLang="en-US" dirty="0"/>
           </a:p>
         </p:txBody>
       </p:sp>
     </p:spTree>
     <p:extLst>
       <p:ext uri="{BB962C8B-B14F-4D97-AF65-F5344CB8AC3E}">
-        <p14:creationId xmlns:p14="http://schemas.microsoft.com/office/powerpoint/2010/main" val="2159042424"/>
+        <p14:creationId xmlns:p14="http://schemas.microsoft.com/office/powerpoint/2010/main" val="1870154506"/>
       </p:ext>
     </p:extLst>
   </p:cSld>
   <p:clrMapOvr>
     <a:masterClrMapping/>
   </p:clrMapOvr>
+  <p:timing>
+    <p:tnLst>
+      <p:par>
+        <p:cTn id="1" dur="indefinite" restart="never" nodeType="tmRoot">
+          <p:childTnLst>
+            <p:seq concurrent="1" nextAc="seek">
+              <p:cTn id="2" dur="indefinite" nodeType="mainSeq">
+                <p:childTnLst>
+                  <p:par>
+                    <p:cTn id="3" fill="hold">
+                      <p:stCondLst>
+                        <p:cond delay="indefinite"/>
+                      </p:stCondLst>
+                      <p:childTnLst>
+                        <p:par>
+                          <p:cTn id="4" fill="hold">
+                            <p:stCondLst>
+                              <p:cond delay="0"/>
+                            </p:stCondLst>
+                            <p:childTnLst>
+                              <p:par>
+                                <p:cTn id="5" presetID="1" presetClass="entr" presetSubtype="0" fill="hold" grpId="0" nodeType="clickEffect">
+                                  <p:stCondLst>
+                                    <p:cond delay="0"/>
+                                  </p:stCondLst>
+                                  <p:childTnLst>
+                                    <p:set>
+                                      <p:cBhvr>
+                                        <p:cTn id="6" dur="1" fill="hold">
+                                          <p:stCondLst>
+                                            <p:cond delay="0"/>
+                                          </p:stCondLst>
+                                        </p:cTn>
+                                        <p:tgtEl>
+                                          <p:spTgt spid="25"/>
+                                        </p:tgtEl>
+                                        <p:attrNameLst>
+                                          <p:attrName>style.visibility</p:attrName>
+                                        </p:attrNameLst>
+                                      </p:cBhvr>
+                                      <p:to>
+                                        <p:strVal val="visible"/>
+                                      </p:to>
+                                    </p:set>
+                                  </p:childTnLst>
+                                </p:cTn>
+                              </p:par>
+                            </p:childTnLst>
+                          </p:cTn>
+                        </p:par>
+                      </p:childTnLst>
+                    </p:cTn>
+                  </p:par>
+                </p:childTnLst>
+              </p:cTn>
+              <p:prevCondLst>
+                <p:cond evt="onPrev" delay="0">
+                  <p:tgtEl>
+                    <p:sldTgt/>
+                  </p:tgtEl>
+                </p:cond>
+              </p:prevCondLst>
+              <p:nextCondLst>
+                <p:cond evt="onNext" delay="0">
+                  <p:tgtEl>
+                    <p:sldTgt/>
+                  </p:tgtEl>
+                </p:cond>
+              </p:nextCondLst>
+            </p:seq>
+          </p:childTnLst>
+        </p:cTn>
+      </p:par>
+    </p:tnLst>
+    <p:bldLst>
+      <p:bldP spid="25" grpId="0" animBg="1"/>
+    </p:bldLst>
+  </p:timing>
 </p:sld>
 </file>
 
-<file path=ppt/slides/slide14.xml><?xml version="1.0" encoding="utf-8"?>
-<p:sld xmlns:a="http://schemas.openxmlformats.org/drawingml/2006/main" xmlns:r="http://schemas.openxmlformats.org/officeDocument/2006/relationships" xmlns:p="http://schemas.openxmlformats.org/presentationml/2006/main" showMasterSp="0">
-  <p:cSld>
-    <p:bg>
-      <p:bgPr>
-        <a:blipFill dpi="0" rotWithShape="1">
-          <a:blip r:embed="rId2">
-            <a:lum/>
-          </a:blip>
-          <a:srcRect/>
-          <a:stretch>
-            <a:fillRect/>
-          </a:stretch>
-        </a:blipFill>
-        <a:effectLst/>
-      </p:bgPr>
-    </p:bg>
-    <p:spTree>
-      <p:nvGrpSpPr>
-        <p:cNvPr id="1" name=""/>
-        <p:cNvGrpSpPr/>
-        <p:nvPr/>
-      </p:nvGrpSpPr>
-      <p:grpSpPr>
-        <a:xfrm>
-          <a:off x="0" y="0"/>
-          <a:ext cx="0" cy="0"/>
-          <a:chOff x="0" y="0"/>
-          <a:chExt cx="0" cy="0"/>
-        </a:xfrm>
-      </p:grpSpPr>
-      <p:sp>
-        <p:nvSpPr>
-          <p:cNvPr id="15" name="직사각형 14"/>
-          <p:cNvSpPr/>
-          <p:nvPr/>
-        </p:nvSpPr>
-        <p:spPr>
-          <a:xfrm>
-            <a:off x="300739" y="307692"/>
-            <a:ext cx="510143" cy="292387"/>
-          </a:xfrm>
-          <a:prstGeom prst="rect">
-            <a:avLst/>
-          </a:prstGeom>
-          <a:solidFill>
-            <a:srgbClr val="CBCAE4"/>
-          </a:solidFill>
-          <a:ln>
-            <a:noFill/>
-          </a:ln>
-        </p:spPr>
-        <p:style>
-          <a:lnRef idx="2">
-            <a:schemeClr val="accent1">
-              <a:shade val="50000"/>
-            </a:schemeClr>
-          </a:lnRef>
-          <a:fillRef idx="1">
-            <a:schemeClr val="accent1"/>
-          </a:fillRef>
-          <a:effectRef idx="0">
-            <a:schemeClr val="accent1"/>
-          </a:effectRef>
-          <a:fontRef idx="minor">
-            <a:schemeClr val="lt1"/>
-          </a:fontRef>
-        </p:style>
-        <p:txBody>
-          <a:bodyPr rtlCol="0" anchor="ctr"/>
-          <a:lstStyle/>
-          <a:p>
-            <a:pPr algn="ctr"/>
-            <a:endParaRPr lang="ko-KR" altLang="en-US" dirty="0">
-              <a:solidFill>
-                <a:prstClr val="white"/>
-              </a:solidFill>
-            </a:endParaRPr>
-          </a:p>
-        </p:txBody>
-      </p:sp>
-      <p:sp>
-        <p:nvSpPr>
-          <p:cNvPr id="16" name="직사각형 15"/>
-          <p:cNvSpPr/>
-          <p:nvPr/>
-        </p:nvSpPr>
-        <p:spPr>
-          <a:xfrm>
-            <a:off x="300739" y="307692"/>
-            <a:ext cx="1735093" cy="292388"/>
-          </a:xfrm>
-          <a:prstGeom prst="rect">
-            <a:avLst/>
-          </a:prstGeom>
-          <a:noFill/>
-        </p:spPr>
-        <p:txBody>
-          <a:bodyPr vert="horz" wrap="square">
-            <a:spAutoFit/>
-          </a:bodyPr>
-          <a:lstStyle/>
-          <a:p>
-            <a:r>
-              <a:rPr lang="ko-KR" altLang="en-US" sz="1300" spc="300" dirty="0">
-                <a:solidFill>
-                  <a:prstClr val="white"/>
-                </a:solidFill>
-                <a:latin typeface="Noto Sans CJK KR Medium" pitchFamily="34" charset="-127"/>
-                <a:ea typeface="Noto Sans CJK KR Medium" pitchFamily="34" charset="-127"/>
-              </a:rPr>
-              <a:t>내용</a:t>
-            </a:r>
-            <a:endParaRPr lang="en-US" altLang="ko-KR" sz="1300" spc="300" dirty="0">
-              <a:solidFill>
-                <a:prstClr val="white"/>
-              </a:solidFill>
-              <a:latin typeface="Noto Sans CJK KR Medium" pitchFamily="34" charset="-127"/>
-              <a:ea typeface="Noto Sans CJK KR Medium" pitchFamily="34" charset="-127"/>
-            </a:endParaRPr>
-          </a:p>
-        </p:txBody>
-      </p:sp>
-      <p:sp>
-        <p:nvSpPr>
-          <p:cNvPr id="17" name="직사각형 16"/>
-          <p:cNvSpPr/>
-          <p:nvPr/>
-        </p:nvSpPr>
-        <p:spPr>
-          <a:xfrm>
-            <a:off x="5304067" y="1779733"/>
-            <a:ext cx="3719163" cy="3046988"/>
-          </a:xfrm>
-          <a:prstGeom prst="rect">
-            <a:avLst/>
-          </a:prstGeom>
-          <a:noFill/>
-        </p:spPr>
-        <p:txBody>
-          <a:bodyPr wrap="square">
-            <a:spAutoFit/>
-          </a:bodyPr>
-          <a:lstStyle/>
-          <a:p>
-            <a:r>
-              <a:rPr lang="ko-KR" altLang="en-US" sz="1600" dirty="0">
-                <a:solidFill>
-                  <a:srgbClr val="5A56A8"/>
-                </a:solidFill>
-                <a:latin typeface="Noto Sans CJK KR DemiLight" pitchFamily="34" charset="-127"/>
-                <a:ea typeface="Noto Sans CJK KR DemiLight" pitchFamily="34" charset="-127"/>
-              </a:rPr>
-              <a:t>오늘은 기분이 좋아</a:t>
-            </a:r>
-            <a:endParaRPr lang="en-US" altLang="ko-KR" sz="1600" dirty="0">
-              <a:solidFill>
-                <a:srgbClr val="5A56A8"/>
-              </a:solidFill>
-              <a:latin typeface="Noto Sans CJK KR DemiLight" pitchFamily="34" charset="-127"/>
-              <a:ea typeface="Noto Sans CJK KR DemiLight" pitchFamily="34" charset="-127"/>
-            </a:endParaRPr>
-          </a:p>
-          <a:p>
-            <a:r>
-              <a:rPr lang="ko-KR" altLang="en-US" sz="1600" dirty="0">
-                <a:solidFill>
-                  <a:srgbClr val="5A56A8"/>
-                </a:solidFill>
-                <a:latin typeface="Noto Sans CJK KR DemiLight" pitchFamily="34" charset="-127"/>
-                <a:ea typeface="Noto Sans CJK KR DemiLight" pitchFamily="34" charset="-127"/>
-              </a:rPr>
-              <a:t>랄랄라 랄랄랄랄랄라랄라</a:t>
-            </a:r>
-            <a:endParaRPr lang="en-US" altLang="ko-KR" sz="1600" dirty="0">
-              <a:solidFill>
-                <a:srgbClr val="5A56A8"/>
-              </a:solidFill>
-              <a:latin typeface="Noto Sans CJK KR DemiLight" pitchFamily="34" charset="-127"/>
-              <a:ea typeface="Noto Sans CJK KR DemiLight" pitchFamily="34" charset="-127"/>
-            </a:endParaRPr>
-          </a:p>
-          <a:p>
-            <a:r>
-              <a:rPr lang="ko-KR" altLang="en-US" sz="1600" dirty="0">
-                <a:solidFill>
-                  <a:srgbClr val="5A56A8"/>
-                </a:solidFill>
-                <a:latin typeface="Noto Sans CJK KR DemiLight" pitchFamily="34" charset="-127"/>
-                <a:ea typeface="Noto Sans CJK KR DemiLight" pitchFamily="34" charset="-127"/>
-              </a:rPr>
-              <a:t>내용 무엇을 적어야되지</a:t>
-            </a:r>
-            <a:endParaRPr lang="en-US" altLang="ko-KR" sz="1600" dirty="0">
-              <a:solidFill>
-                <a:srgbClr val="5A56A8"/>
-              </a:solidFill>
-              <a:latin typeface="Noto Sans CJK KR DemiLight" pitchFamily="34" charset="-127"/>
-              <a:ea typeface="Noto Sans CJK KR DemiLight" pitchFamily="34" charset="-127"/>
-            </a:endParaRPr>
-          </a:p>
-          <a:p>
-            <a:r>
-              <a:rPr lang="ko-KR" altLang="en-US" sz="1600" dirty="0">
-                <a:solidFill>
-                  <a:srgbClr val="5A56A8"/>
-                </a:solidFill>
-                <a:latin typeface="Noto Sans CJK KR DemiLight" pitchFamily="34" charset="-127"/>
-                <a:ea typeface="Noto Sans CJK KR DemiLight" pitchFamily="34" charset="-127"/>
-              </a:rPr>
-              <a:t>으으 그래요 흐흐</a:t>
-            </a:r>
-            <a:endParaRPr lang="en-US" altLang="ko-KR" sz="1600" dirty="0">
-              <a:solidFill>
-                <a:srgbClr val="5A56A8"/>
-              </a:solidFill>
-              <a:latin typeface="Noto Sans CJK KR DemiLight" pitchFamily="34" charset="-127"/>
-              <a:ea typeface="Noto Sans CJK KR DemiLight" pitchFamily="34" charset="-127"/>
-            </a:endParaRPr>
-          </a:p>
-          <a:p>
-            <a:endParaRPr lang="en-US" altLang="ko-KR" sz="1600" dirty="0">
-              <a:solidFill>
-                <a:srgbClr val="5A56A8"/>
-              </a:solidFill>
-              <a:latin typeface="Noto Sans CJK KR DemiLight" pitchFamily="34" charset="-127"/>
-              <a:ea typeface="Noto Sans CJK KR DemiLight" pitchFamily="34" charset="-127"/>
-            </a:endParaRPr>
-          </a:p>
-          <a:p>
-            <a:endParaRPr lang="en-US" altLang="ko-KR" sz="1600" dirty="0">
-              <a:solidFill>
-                <a:srgbClr val="5A56A8"/>
-              </a:solidFill>
-              <a:latin typeface="Noto Sans CJK KR DemiLight" pitchFamily="34" charset="-127"/>
-              <a:ea typeface="Noto Sans CJK KR DemiLight" pitchFamily="34" charset="-127"/>
-            </a:endParaRPr>
-          </a:p>
-          <a:p>
-            <a:r>
-              <a:rPr lang="ko-KR" altLang="en-US" sz="1600" dirty="0">
-                <a:solidFill>
-                  <a:srgbClr val="5A56A8"/>
-                </a:solidFill>
-                <a:latin typeface="Noto Sans CJK KR DemiLight" pitchFamily="34" charset="-127"/>
-                <a:ea typeface="Noto Sans CJK KR DemiLight" pitchFamily="34" charset="-127"/>
-              </a:rPr>
-              <a:t>여러분들 화이팅하세요</a:t>
-            </a:r>
-            <a:endParaRPr lang="en-US" altLang="ko-KR" sz="1600" dirty="0">
-              <a:solidFill>
-                <a:srgbClr val="5A56A8"/>
-              </a:solidFill>
-              <a:latin typeface="Noto Sans CJK KR DemiLight" pitchFamily="34" charset="-127"/>
-              <a:ea typeface="Noto Sans CJK KR DemiLight" pitchFamily="34" charset="-127"/>
-            </a:endParaRPr>
-          </a:p>
-          <a:p>
-            <a:r>
-              <a:rPr lang="ko-KR" altLang="en-US" sz="1600" dirty="0">
-                <a:solidFill>
-                  <a:srgbClr val="5A56A8"/>
-                </a:solidFill>
-                <a:latin typeface="Noto Sans CJK KR DemiLight" pitchFamily="34" charset="-127"/>
-                <a:ea typeface="Noto Sans CJK KR DemiLight" pitchFamily="34" charset="-127"/>
-              </a:rPr>
-              <a:t>열심히 하세여 저도 열심히</a:t>
-            </a:r>
-            <a:endParaRPr lang="en-US" altLang="ko-KR" sz="1600" dirty="0">
-              <a:solidFill>
-                <a:srgbClr val="5A56A8"/>
-              </a:solidFill>
-              <a:latin typeface="Noto Sans CJK KR DemiLight" pitchFamily="34" charset="-127"/>
-              <a:ea typeface="Noto Sans CJK KR DemiLight" pitchFamily="34" charset="-127"/>
-            </a:endParaRPr>
-          </a:p>
-          <a:p>
-            <a:r>
-              <a:rPr lang="ko-KR" altLang="en-US" sz="1600" dirty="0">
-                <a:solidFill>
-                  <a:srgbClr val="5A56A8"/>
-                </a:solidFill>
-                <a:latin typeface="Noto Sans CJK KR DemiLight" pitchFamily="34" charset="-127"/>
-                <a:ea typeface="Noto Sans CJK KR DemiLight" pitchFamily="34" charset="-127"/>
-              </a:rPr>
-              <a:t>디자인 하겠습니다</a:t>
-            </a:r>
-            <a:endParaRPr lang="en-US" altLang="ko-KR" sz="1600" dirty="0">
-              <a:solidFill>
-                <a:srgbClr val="5A56A8"/>
-              </a:solidFill>
-              <a:latin typeface="Noto Sans CJK KR DemiLight" pitchFamily="34" charset="-127"/>
-              <a:ea typeface="Noto Sans CJK KR DemiLight" pitchFamily="34" charset="-127"/>
-            </a:endParaRPr>
-          </a:p>
-          <a:p>
-            <a:r>
-              <a:rPr lang="ko-KR" altLang="en-US" sz="1600" dirty="0">
-                <a:solidFill>
-                  <a:srgbClr val="5A56A8"/>
-                </a:solidFill>
-                <a:latin typeface="Noto Sans CJK KR DemiLight" pitchFamily="34" charset="-127"/>
-                <a:ea typeface="Noto Sans CJK KR DemiLight" pitchFamily="34" charset="-127"/>
-              </a:rPr>
-              <a:t>그래요 오오오 헤헤 오오오</a:t>
-            </a:r>
-            <a:endParaRPr lang="en-US" altLang="ko-KR" sz="1600" dirty="0">
-              <a:solidFill>
-                <a:srgbClr val="5A56A8"/>
-              </a:solidFill>
-              <a:latin typeface="Noto Sans CJK KR DemiLight" pitchFamily="34" charset="-127"/>
-              <a:ea typeface="Noto Sans CJK KR DemiLight" pitchFamily="34" charset="-127"/>
-            </a:endParaRPr>
-          </a:p>
-          <a:p>
-            <a:r>
-              <a:rPr lang="ko-KR" altLang="en-US" sz="1600" dirty="0">
-                <a:solidFill>
-                  <a:srgbClr val="5A56A8"/>
-                </a:solidFill>
-                <a:latin typeface="Noto Sans CJK KR DemiLight" pitchFamily="34" charset="-127"/>
-                <a:ea typeface="Noto Sans CJK KR DemiLight" pitchFamily="34" charset="-127"/>
-              </a:rPr>
-              <a:t>룰루랄랄라 랄랄랄라</a:t>
-            </a:r>
-            <a:endParaRPr lang="en-US" altLang="ko-KR" sz="1600" dirty="0">
-              <a:solidFill>
-                <a:srgbClr val="5A56A8"/>
-              </a:solidFill>
-              <a:latin typeface="Noto Sans CJK KR DemiLight" pitchFamily="34" charset="-127"/>
-              <a:ea typeface="Noto Sans CJK KR DemiLight" pitchFamily="34" charset="-127"/>
-            </a:endParaRPr>
-          </a:p>
-          <a:p>
-            <a:r>
-              <a:rPr lang="ko-KR" altLang="en-US" sz="1600" dirty="0">
-                <a:solidFill>
-                  <a:srgbClr val="5A56A8"/>
-                </a:solidFill>
-                <a:latin typeface="Noto Sans CJK KR DemiLight" pitchFamily="34" charset="-127"/>
-                <a:ea typeface="Noto Sans CJK KR DemiLight" pitchFamily="34" charset="-127"/>
-              </a:rPr>
-              <a:t>즐겁게 시작해요</a:t>
-            </a:r>
-            <a:endParaRPr lang="en-US" altLang="ko-KR" sz="1600" dirty="0">
-              <a:solidFill>
-                <a:srgbClr val="5A56A8"/>
-              </a:solidFill>
-              <a:latin typeface="Noto Sans CJK KR DemiLight" pitchFamily="34" charset="-127"/>
-              <a:ea typeface="Noto Sans CJK KR DemiLight" pitchFamily="34" charset="-127"/>
-            </a:endParaRPr>
-          </a:p>
-        </p:txBody>
-      </p:sp>
-      <p:sp>
-        <p:nvSpPr>
-          <p:cNvPr id="18" name="직사각형 17"/>
-          <p:cNvSpPr/>
-          <p:nvPr/>
-        </p:nvSpPr>
-        <p:spPr>
-          <a:xfrm>
-            <a:off x="898847" y="1549271"/>
-            <a:ext cx="3561010" cy="45719"/>
-          </a:xfrm>
-          <a:prstGeom prst="rect">
-            <a:avLst/>
-          </a:prstGeom>
-          <a:solidFill>
-            <a:srgbClr val="908DC5"/>
-          </a:solidFill>
-          <a:ln>
-            <a:noFill/>
-          </a:ln>
-        </p:spPr>
-        <p:style>
-          <a:lnRef idx="2">
-            <a:schemeClr val="accent1">
-              <a:shade val="50000"/>
-            </a:schemeClr>
-          </a:lnRef>
-          <a:fillRef idx="1">
-            <a:schemeClr val="accent1"/>
-          </a:fillRef>
-          <a:effectRef idx="0">
-            <a:schemeClr val="accent1"/>
-          </a:effectRef>
-          <a:fontRef idx="minor">
-            <a:schemeClr val="lt1"/>
-          </a:fontRef>
-        </p:style>
-        <p:txBody>
-          <a:bodyPr rtlCol="0" anchor="ctr"/>
-          <a:lstStyle/>
-          <a:p>
-            <a:pPr algn="ctr"/>
-            <a:endParaRPr lang="ko-KR" altLang="en-US" dirty="0"/>
-          </a:p>
-        </p:txBody>
-      </p:sp>
-      <p:sp>
-        <p:nvSpPr>
-          <p:cNvPr id="27" name="직사각형 26"/>
-          <p:cNvSpPr/>
-          <p:nvPr/>
-        </p:nvSpPr>
-        <p:spPr>
-          <a:xfrm>
-            <a:off x="5390332" y="1549270"/>
-            <a:ext cx="3561010" cy="45719"/>
-          </a:xfrm>
-          <a:prstGeom prst="rect">
-            <a:avLst/>
-          </a:prstGeom>
-          <a:solidFill>
-            <a:srgbClr val="908DC5"/>
-          </a:solidFill>
-          <a:ln>
-            <a:noFill/>
-          </a:ln>
-        </p:spPr>
-        <p:style>
-          <a:lnRef idx="2">
-            <a:schemeClr val="accent1">
-              <a:shade val="50000"/>
-            </a:schemeClr>
-          </a:lnRef>
-          <a:fillRef idx="1">
-            <a:schemeClr val="accent1"/>
-          </a:fillRef>
-          <a:effectRef idx="0">
-            <a:schemeClr val="accent1"/>
-          </a:effectRef>
-          <a:fontRef idx="minor">
-            <a:schemeClr val="lt1"/>
-          </a:fontRef>
-        </p:style>
-        <p:txBody>
-          <a:bodyPr rtlCol="0" anchor="ctr"/>
-          <a:lstStyle/>
-          <a:p>
-            <a:pPr algn="ctr"/>
-            <a:endParaRPr lang="ko-KR" altLang="en-US" dirty="0"/>
-          </a:p>
-        </p:txBody>
-      </p:sp>
-      <p:sp>
-        <p:nvSpPr>
-          <p:cNvPr id="29" name="직사각형 28"/>
-          <p:cNvSpPr/>
-          <p:nvPr/>
-        </p:nvSpPr>
-        <p:spPr>
-          <a:xfrm>
-            <a:off x="769457" y="1805614"/>
-            <a:ext cx="3719163" cy="1323439"/>
-          </a:xfrm>
-          <a:prstGeom prst="rect">
-            <a:avLst/>
-          </a:prstGeom>
-          <a:noFill/>
-        </p:spPr>
-        <p:txBody>
-          <a:bodyPr wrap="square">
-            <a:spAutoFit/>
-          </a:bodyPr>
-          <a:lstStyle/>
-          <a:p>
-            <a:r>
-              <a:rPr lang="ko-KR" altLang="en-US" sz="4000" dirty="0">
-                <a:solidFill>
-                  <a:srgbClr val="5A56A8"/>
-                </a:solidFill>
-                <a:latin typeface="Noto Sans CJK KR Bold" pitchFamily="34" charset="-127"/>
-                <a:ea typeface="Noto Sans CJK KR Bold" pitchFamily="34" charset="-127"/>
-              </a:rPr>
-              <a:t>사랑스럽게</a:t>
-            </a:r>
-            <a:endParaRPr lang="en-US" altLang="ko-KR" sz="4000" dirty="0">
-              <a:solidFill>
-                <a:srgbClr val="5A56A8"/>
-              </a:solidFill>
-              <a:latin typeface="Noto Sans CJK KR Bold" pitchFamily="34" charset="-127"/>
-              <a:ea typeface="Noto Sans CJK KR Bold" pitchFamily="34" charset="-127"/>
-            </a:endParaRPr>
-          </a:p>
-          <a:p>
-            <a:r>
-              <a:rPr lang="ko-KR" altLang="en-US" sz="4000" dirty="0">
-                <a:solidFill>
-                  <a:srgbClr val="5A56A8"/>
-                </a:solidFill>
-                <a:latin typeface="Noto Sans CJK KR Bold" pitchFamily="34" charset="-127"/>
-                <a:ea typeface="Noto Sans CJK KR Bold" pitchFamily="34" charset="-127"/>
-              </a:rPr>
-              <a:t>글을 적을래</a:t>
-            </a:r>
-            <a:r>
-              <a:rPr lang="en-US" altLang="ko-KR" sz="4000" dirty="0">
-                <a:solidFill>
-                  <a:srgbClr val="5A56A8"/>
-                </a:solidFill>
-                <a:latin typeface="Noto Sans CJK KR Bold" pitchFamily="34" charset="-127"/>
-                <a:ea typeface="Noto Sans CJK KR Bold" pitchFamily="34" charset="-127"/>
-              </a:rPr>
-              <a:t>?</a:t>
-            </a:r>
-          </a:p>
-        </p:txBody>
-      </p:sp>
-      <p:sp>
-        <p:nvSpPr>
-          <p:cNvPr id="30" name="직사각형 29"/>
-          <p:cNvSpPr/>
-          <p:nvPr/>
-        </p:nvSpPr>
-        <p:spPr>
-          <a:xfrm>
-            <a:off x="769456" y="3426337"/>
-            <a:ext cx="3719163" cy="1938992"/>
-          </a:xfrm>
-          <a:prstGeom prst="rect">
-            <a:avLst/>
-          </a:prstGeom>
-          <a:noFill/>
-        </p:spPr>
-        <p:txBody>
-          <a:bodyPr wrap="square">
-            <a:spAutoFit/>
-          </a:bodyPr>
-          <a:lstStyle/>
-          <a:p>
-            <a:r>
-              <a:rPr lang="ko-KR" altLang="en-US" sz="4000" dirty="0">
-                <a:solidFill>
-                  <a:srgbClr val="5A56A8"/>
-                </a:solidFill>
-                <a:latin typeface="Noto Sans CJK KR Thin" pitchFamily="34" charset="-127"/>
-                <a:ea typeface="Noto Sans CJK KR Thin" pitchFamily="34" charset="-127"/>
-              </a:rPr>
-              <a:t>어떻게</a:t>
-            </a:r>
-            <a:endParaRPr lang="en-US" altLang="ko-KR" sz="4000" dirty="0">
-              <a:solidFill>
-                <a:srgbClr val="5A56A8"/>
-              </a:solidFill>
-              <a:latin typeface="Noto Sans CJK KR Thin" pitchFamily="34" charset="-127"/>
-              <a:ea typeface="Noto Sans CJK KR Thin" pitchFamily="34" charset="-127"/>
-            </a:endParaRPr>
-          </a:p>
-          <a:p>
-            <a:r>
-              <a:rPr lang="ko-KR" altLang="en-US" sz="4000" dirty="0">
-                <a:solidFill>
-                  <a:srgbClr val="5A56A8"/>
-                </a:solidFill>
-                <a:latin typeface="Noto Sans CJK KR Thin" pitchFamily="34" charset="-127"/>
-                <a:ea typeface="Noto Sans CJK KR Thin" pitchFamily="34" charset="-127"/>
-              </a:rPr>
-              <a:t>적어야되나</a:t>
-            </a:r>
-            <a:endParaRPr lang="en-US" altLang="ko-KR" sz="4000" dirty="0">
-              <a:solidFill>
-                <a:srgbClr val="5A56A8"/>
-              </a:solidFill>
-              <a:latin typeface="Noto Sans CJK KR Thin" pitchFamily="34" charset="-127"/>
-              <a:ea typeface="Noto Sans CJK KR Thin" pitchFamily="34" charset="-127"/>
-            </a:endParaRPr>
-          </a:p>
-          <a:p>
-            <a:r>
-              <a:rPr lang="ko-KR" altLang="en-US" sz="4000" dirty="0">
-                <a:solidFill>
-                  <a:srgbClr val="5A56A8"/>
-                </a:solidFill>
-                <a:latin typeface="Noto Sans CJK KR Thin" pitchFamily="34" charset="-127"/>
-                <a:ea typeface="Noto Sans CJK KR Thin" pitchFamily="34" charset="-127"/>
-              </a:rPr>
-              <a:t>우후우훗</a:t>
-            </a:r>
-            <a:endParaRPr lang="en-US" altLang="ko-KR" sz="4000" dirty="0">
-              <a:solidFill>
-                <a:srgbClr val="5A56A8"/>
-              </a:solidFill>
-              <a:latin typeface="Noto Sans CJK KR Thin" pitchFamily="34" charset="-127"/>
-              <a:ea typeface="Noto Sans CJK KR Thin" pitchFamily="34" charset="-127"/>
-            </a:endParaRPr>
-          </a:p>
-        </p:txBody>
-      </p:sp>
-    </p:spTree>
-    <p:extLst>
-      <p:ext uri="{BB962C8B-B14F-4D97-AF65-F5344CB8AC3E}">
-        <p14:creationId xmlns:p14="http://schemas.microsoft.com/office/powerpoint/2010/main" val="986287631"/>
-      </p:ext>
-    </p:extLst>
-  </p:cSld>
-  <p:clrMapOvr>
-    <a:masterClrMapping/>
-  </p:clrMapOvr>
-</p:sld>
-</file>
-
-<file path=ppt/slides/slide15.xml><?xml version="1.0" encoding="utf-8"?>
-<p:sld xmlns:a="http://schemas.openxmlformats.org/drawingml/2006/main" xmlns:r="http://schemas.openxmlformats.org/officeDocument/2006/relationships" xmlns:p="http://schemas.openxmlformats.org/presentationml/2006/main" showMasterSp="0">
-  <p:cSld>
-    <p:bg>
-      <p:bgPr>
-        <a:blipFill dpi="0" rotWithShape="1">
-          <a:blip r:embed="rId2">
-            <a:lum/>
-          </a:blip>
-          <a:srcRect/>
-          <a:stretch>
-            <a:fillRect/>
-          </a:stretch>
-        </a:blipFill>
-        <a:effectLst/>
-      </p:bgPr>
-    </p:bg>
-    <p:spTree>
-      <p:nvGrpSpPr>
-        <p:cNvPr id="1" name=""/>
-        <p:cNvGrpSpPr/>
-        <p:nvPr/>
-      </p:nvGrpSpPr>
-      <p:grpSpPr>
-        <a:xfrm>
-          <a:off x="0" y="0"/>
-          <a:ext cx="0" cy="0"/>
-          <a:chOff x="0" y="0"/>
-          <a:chExt cx="0" cy="0"/>
-        </a:xfrm>
-      </p:grpSpPr>
-      <p:sp>
-        <p:nvSpPr>
-          <p:cNvPr id="15" name="직사각형 14"/>
-          <p:cNvSpPr/>
-          <p:nvPr/>
-        </p:nvSpPr>
-        <p:spPr>
-          <a:xfrm>
-            <a:off x="300739" y="307692"/>
-            <a:ext cx="510143" cy="292387"/>
-          </a:xfrm>
-          <a:prstGeom prst="rect">
-            <a:avLst/>
-          </a:prstGeom>
-          <a:solidFill>
-            <a:srgbClr val="CBCAE4"/>
-          </a:solidFill>
-          <a:ln>
-            <a:noFill/>
-          </a:ln>
-        </p:spPr>
-        <p:style>
-          <a:lnRef idx="2">
-            <a:schemeClr val="accent1">
-              <a:shade val="50000"/>
-            </a:schemeClr>
-          </a:lnRef>
-          <a:fillRef idx="1">
-            <a:schemeClr val="accent1"/>
-          </a:fillRef>
-          <a:effectRef idx="0">
-            <a:schemeClr val="accent1"/>
-          </a:effectRef>
-          <a:fontRef idx="minor">
-            <a:schemeClr val="lt1"/>
-          </a:fontRef>
-        </p:style>
-        <p:txBody>
-          <a:bodyPr rtlCol="0" anchor="ctr"/>
-          <a:lstStyle/>
-          <a:p>
-            <a:pPr algn="ctr"/>
-            <a:endParaRPr lang="ko-KR" altLang="en-US" dirty="0">
-              <a:solidFill>
-                <a:prstClr val="white"/>
-              </a:solidFill>
-            </a:endParaRPr>
-          </a:p>
-        </p:txBody>
-      </p:sp>
-      <p:sp>
-        <p:nvSpPr>
-          <p:cNvPr id="16" name="직사각형 15"/>
-          <p:cNvSpPr/>
-          <p:nvPr/>
-        </p:nvSpPr>
-        <p:spPr>
-          <a:xfrm>
-            <a:off x="300739" y="307692"/>
-            <a:ext cx="1735093" cy="292388"/>
-          </a:xfrm>
-          <a:prstGeom prst="rect">
-            <a:avLst/>
-          </a:prstGeom>
-          <a:noFill/>
-        </p:spPr>
-        <p:txBody>
-          <a:bodyPr vert="horz" wrap="square">
-            <a:spAutoFit/>
-          </a:bodyPr>
-          <a:lstStyle/>
-          <a:p>
-            <a:r>
-              <a:rPr lang="ko-KR" altLang="en-US" sz="1300" spc="300" dirty="0">
-                <a:solidFill>
-                  <a:prstClr val="white"/>
-                </a:solidFill>
-                <a:latin typeface="Noto Sans CJK KR Medium" pitchFamily="34" charset="-127"/>
-                <a:ea typeface="Noto Sans CJK KR Medium" pitchFamily="34" charset="-127"/>
-              </a:rPr>
-              <a:t>내용</a:t>
-            </a:r>
-            <a:endParaRPr lang="en-US" altLang="ko-KR" sz="1300" spc="300" dirty="0">
-              <a:solidFill>
-                <a:prstClr val="white"/>
-              </a:solidFill>
-              <a:latin typeface="Noto Sans CJK KR Medium" pitchFamily="34" charset="-127"/>
-              <a:ea typeface="Noto Sans CJK KR Medium" pitchFamily="34" charset="-127"/>
-            </a:endParaRPr>
-          </a:p>
-        </p:txBody>
-      </p:sp>
-      <p:sp>
-        <p:nvSpPr>
-          <p:cNvPr id="17" name="직사각형 16"/>
-          <p:cNvSpPr/>
-          <p:nvPr/>
-        </p:nvSpPr>
-        <p:spPr>
-          <a:xfrm>
-            <a:off x="810882" y="1564083"/>
-            <a:ext cx="8140460" cy="4031873"/>
-          </a:xfrm>
-          <a:prstGeom prst="rect">
-            <a:avLst/>
-          </a:prstGeom>
-          <a:noFill/>
-        </p:spPr>
-        <p:txBody>
-          <a:bodyPr wrap="square">
-            <a:spAutoFit/>
-          </a:bodyPr>
-          <a:lstStyle/>
-          <a:p>
-            <a:r>
-              <a:rPr lang="ko-KR" altLang="en-US" sz="1600" dirty="0">
-                <a:solidFill>
-                  <a:srgbClr val="5A56A8"/>
-                </a:solidFill>
-                <a:latin typeface="Noto Sans CJK KR DemiLight" pitchFamily="34" charset="-127"/>
-                <a:ea typeface="Noto Sans CJK KR DemiLight" pitchFamily="34" charset="-127"/>
-              </a:rPr>
-              <a:t>오늘은 기분이 좋아</a:t>
-            </a:r>
-            <a:r>
-              <a:rPr lang="en-US" altLang="ko-KR" sz="1600" dirty="0">
-                <a:solidFill>
-                  <a:srgbClr val="5A56A8"/>
-                </a:solidFill>
-                <a:latin typeface="Noto Sans CJK KR DemiLight" pitchFamily="34" charset="-127"/>
-                <a:ea typeface="Noto Sans CJK KR DemiLight" pitchFamily="34" charset="-127"/>
-              </a:rPr>
-              <a:t> </a:t>
-            </a:r>
-            <a:r>
-              <a:rPr lang="ko-KR" altLang="en-US" sz="1600" dirty="0">
-                <a:solidFill>
-                  <a:srgbClr val="5A56A8"/>
-                </a:solidFill>
-                <a:latin typeface="Noto Sans CJK KR DemiLight" pitchFamily="34" charset="-127"/>
-                <a:ea typeface="Noto Sans CJK KR DemiLight" pitchFamily="34" charset="-127"/>
-              </a:rPr>
-              <a:t>랄랄라 랄랄랄랄랄라랄라</a:t>
-            </a:r>
-            <a:r>
-              <a:rPr lang="en-US" altLang="ko-KR" sz="1600" dirty="0">
-                <a:solidFill>
-                  <a:srgbClr val="5A56A8"/>
-                </a:solidFill>
-                <a:latin typeface="Noto Sans CJK KR DemiLight" pitchFamily="34" charset="-127"/>
-                <a:ea typeface="Noto Sans CJK KR DemiLight" pitchFamily="34" charset="-127"/>
-              </a:rPr>
-              <a:t> </a:t>
-            </a:r>
-            <a:r>
-              <a:rPr lang="ko-KR" altLang="en-US" sz="1600" dirty="0">
-                <a:solidFill>
-                  <a:srgbClr val="5A56A8"/>
-                </a:solidFill>
-                <a:latin typeface="Noto Sans CJK KR DemiLight" pitchFamily="34" charset="-127"/>
-                <a:ea typeface="Noto Sans CJK KR DemiLight" pitchFamily="34" charset="-127"/>
-              </a:rPr>
-              <a:t>내용 무엇을 적어야되지</a:t>
-            </a:r>
-            <a:endParaRPr lang="en-US" altLang="ko-KR" sz="1600" dirty="0">
-              <a:solidFill>
-                <a:srgbClr val="5A56A8"/>
-              </a:solidFill>
-              <a:latin typeface="Noto Sans CJK KR DemiLight" pitchFamily="34" charset="-127"/>
-              <a:ea typeface="Noto Sans CJK KR DemiLight" pitchFamily="34" charset="-127"/>
-            </a:endParaRPr>
-          </a:p>
-          <a:p>
-            <a:r>
-              <a:rPr lang="ko-KR" altLang="en-US" sz="1600" dirty="0">
-                <a:solidFill>
-                  <a:srgbClr val="5A56A8"/>
-                </a:solidFill>
-                <a:latin typeface="Noto Sans CJK KR DemiLight" pitchFamily="34" charset="-127"/>
-                <a:ea typeface="Noto Sans CJK KR DemiLight" pitchFamily="34" charset="-127"/>
-              </a:rPr>
-              <a:t>으으 그래요 흐흐</a:t>
-            </a:r>
-            <a:r>
-              <a:rPr lang="en-US" altLang="ko-KR" sz="1600" dirty="0">
-                <a:solidFill>
-                  <a:srgbClr val="5A56A8"/>
-                </a:solidFill>
-                <a:latin typeface="Noto Sans CJK KR DemiLight" pitchFamily="34" charset="-127"/>
-                <a:ea typeface="Noto Sans CJK KR DemiLight" pitchFamily="34" charset="-127"/>
-              </a:rPr>
-              <a:t> </a:t>
-            </a:r>
-            <a:r>
-              <a:rPr lang="ko-KR" altLang="en-US" sz="1600" dirty="0">
-                <a:solidFill>
-                  <a:srgbClr val="5A56A8"/>
-                </a:solidFill>
-                <a:latin typeface="Noto Sans CJK KR DemiLight" pitchFamily="34" charset="-127"/>
-                <a:ea typeface="Noto Sans CJK KR DemiLight" pitchFamily="34" charset="-127"/>
-              </a:rPr>
-              <a:t>여러분들 화이팅하세요</a:t>
-            </a:r>
-            <a:r>
-              <a:rPr lang="en-US" altLang="ko-KR" sz="1600" dirty="0">
-                <a:solidFill>
-                  <a:srgbClr val="5A56A8"/>
-                </a:solidFill>
-                <a:latin typeface="Noto Sans CJK KR DemiLight" pitchFamily="34" charset="-127"/>
-                <a:ea typeface="Noto Sans CJK KR DemiLight" pitchFamily="34" charset="-127"/>
-              </a:rPr>
-              <a:t> </a:t>
-            </a:r>
-            <a:r>
-              <a:rPr lang="ko-KR" altLang="en-US" sz="1600" dirty="0">
-                <a:solidFill>
-                  <a:srgbClr val="5A56A8"/>
-                </a:solidFill>
-                <a:latin typeface="Noto Sans CJK KR DemiLight" pitchFamily="34" charset="-127"/>
-                <a:ea typeface="Noto Sans CJK KR DemiLight" pitchFamily="34" charset="-127"/>
-              </a:rPr>
-              <a:t>열심히 하세여 저도 열심히</a:t>
-            </a:r>
-            <a:r>
-              <a:rPr lang="en-US" altLang="ko-KR" sz="1600" dirty="0">
-                <a:solidFill>
-                  <a:srgbClr val="5A56A8"/>
-                </a:solidFill>
-                <a:latin typeface="Noto Sans CJK KR DemiLight" pitchFamily="34" charset="-127"/>
-                <a:ea typeface="Noto Sans CJK KR DemiLight" pitchFamily="34" charset="-127"/>
-              </a:rPr>
-              <a:t> </a:t>
-            </a:r>
-            <a:r>
-              <a:rPr lang="ko-KR" altLang="en-US" sz="1600" dirty="0">
-                <a:solidFill>
-                  <a:srgbClr val="5A56A8"/>
-                </a:solidFill>
-                <a:latin typeface="Noto Sans CJK KR DemiLight" pitchFamily="34" charset="-127"/>
-                <a:ea typeface="Noto Sans CJK KR DemiLight" pitchFamily="34" charset="-127"/>
-              </a:rPr>
-              <a:t>디자인 하겠습니다</a:t>
-            </a:r>
-            <a:endParaRPr lang="en-US" altLang="ko-KR" sz="1600" dirty="0">
-              <a:solidFill>
-                <a:srgbClr val="5A56A8"/>
-              </a:solidFill>
-              <a:latin typeface="Noto Sans CJK KR DemiLight" pitchFamily="34" charset="-127"/>
-              <a:ea typeface="Noto Sans CJK KR DemiLight" pitchFamily="34" charset="-127"/>
-            </a:endParaRPr>
-          </a:p>
-          <a:p>
-            <a:r>
-              <a:rPr lang="ko-KR" altLang="en-US" sz="1600" dirty="0">
-                <a:solidFill>
-                  <a:srgbClr val="5A56A8"/>
-                </a:solidFill>
-                <a:latin typeface="Noto Sans CJK KR DemiLight" pitchFamily="34" charset="-127"/>
-                <a:ea typeface="Noto Sans CJK KR DemiLight" pitchFamily="34" charset="-127"/>
-              </a:rPr>
-              <a:t>그래요 오오오 헤헤 오오오</a:t>
-            </a:r>
-            <a:r>
-              <a:rPr lang="en-US" altLang="ko-KR" sz="1600" dirty="0">
-                <a:solidFill>
-                  <a:srgbClr val="5A56A8"/>
-                </a:solidFill>
-                <a:latin typeface="Noto Sans CJK KR DemiLight" pitchFamily="34" charset="-127"/>
-                <a:ea typeface="Noto Sans CJK KR DemiLight" pitchFamily="34" charset="-127"/>
-              </a:rPr>
-              <a:t> </a:t>
-            </a:r>
-            <a:r>
-              <a:rPr lang="ko-KR" altLang="en-US" sz="1600" dirty="0">
-                <a:solidFill>
-                  <a:srgbClr val="5A56A8"/>
-                </a:solidFill>
-                <a:latin typeface="Noto Sans CJK KR DemiLight" pitchFamily="34" charset="-127"/>
-                <a:ea typeface="Noto Sans CJK KR DemiLight" pitchFamily="34" charset="-127"/>
-              </a:rPr>
-              <a:t>룰루랄랄라 랄랄랄라</a:t>
-            </a:r>
-            <a:r>
-              <a:rPr lang="en-US" altLang="ko-KR" sz="1600" dirty="0">
-                <a:solidFill>
-                  <a:srgbClr val="5A56A8"/>
-                </a:solidFill>
-                <a:latin typeface="Noto Sans CJK KR DemiLight" pitchFamily="34" charset="-127"/>
-                <a:ea typeface="Noto Sans CJK KR DemiLight" pitchFamily="34" charset="-127"/>
-              </a:rPr>
-              <a:t> </a:t>
-            </a:r>
-            <a:r>
-              <a:rPr lang="ko-KR" altLang="en-US" sz="1600" dirty="0">
-                <a:solidFill>
-                  <a:srgbClr val="5A56A8"/>
-                </a:solidFill>
-                <a:latin typeface="Noto Sans CJK KR DemiLight" pitchFamily="34" charset="-127"/>
-                <a:ea typeface="Noto Sans CJK KR DemiLight" pitchFamily="34" charset="-127"/>
-              </a:rPr>
-              <a:t>즐겁게 시작해요</a:t>
-            </a:r>
-            <a:endParaRPr lang="en-US" altLang="ko-KR" sz="1600" dirty="0">
-              <a:solidFill>
-                <a:srgbClr val="5A56A8"/>
-              </a:solidFill>
-              <a:latin typeface="Noto Sans CJK KR DemiLight" pitchFamily="34" charset="-127"/>
-              <a:ea typeface="Noto Sans CJK KR DemiLight" pitchFamily="34" charset="-127"/>
-            </a:endParaRPr>
-          </a:p>
-          <a:p>
-            <a:endParaRPr lang="en-US" altLang="ko-KR" sz="1600" dirty="0">
-              <a:solidFill>
-                <a:srgbClr val="5A56A8"/>
-              </a:solidFill>
-              <a:latin typeface="Noto Sans CJK KR DemiLight" pitchFamily="34" charset="-127"/>
-              <a:ea typeface="Noto Sans CJK KR DemiLight" pitchFamily="34" charset="-127"/>
-            </a:endParaRPr>
-          </a:p>
-          <a:p>
-            <a:endParaRPr lang="en-US" altLang="ko-KR" sz="1600" dirty="0">
-              <a:solidFill>
-                <a:srgbClr val="5A56A8"/>
-              </a:solidFill>
-              <a:latin typeface="Noto Sans CJK KR DemiLight" pitchFamily="34" charset="-127"/>
-              <a:ea typeface="Noto Sans CJK KR DemiLight" pitchFamily="34" charset="-127"/>
-            </a:endParaRPr>
-          </a:p>
-          <a:p>
-            <a:r>
-              <a:rPr lang="ko-KR" altLang="en-US" sz="1600" dirty="0">
-                <a:solidFill>
-                  <a:srgbClr val="5A56A8"/>
-                </a:solidFill>
-                <a:latin typeface="Noto Sans CJK KR DemiLight" pitchFamily="34" charset="-127"/>
-                <a:ea typeface="Noto Sans CJK KR DemiLight" pitchFamily="34" charset="-127"/>
-              </a:rPr>
-              <a:t>오늘은 기분이 좋아</a:t>
-            </a:r>
-            <a:r>
-              <a:rPr lang="en-US" altLang="ko-KR" sz="1600" dirty="0">
-                <a:solidFill>
-                  <a:srgbClr val="5A56A8"/>
-                </a:solidFill>
-                <a:latin typeface="Noto Sans CJK KR DemiLight" pitchFamily="34" charset="-127"/>
-                <a:ea typeface="Noto Sans CJK KR DemiLight" pitchFamily="34" charset="-127"/>
-              </a:rPr>
-              <a:t> </a:t>
-            </a:r>
-            <a:r>
-              <a:rPr lang="ko-KR" altLang="en-US" sz="1600" dirty="0">
-                <a:solidFill>
-                  <a:srgbClr val="5A56A8"/>
-                </a:solidFill>
-                <a:latin typeface="Noto Sans CJK KR DemiLight" pitchFamily="34" charset="-127"/>
-                <a:ea typeface="Noto Sans CJK KR DemiLight" pitchFamily="34" charset="-127"/>
-              </a:rPr>
-              <a:t>랄랄라 랄랄랄랄랄라랄라</a:t>
-            </a:r>
-            <a:r>
-              <a:rPr lang="en-US" altLang="ko-KR" sz="1600" dirty="0">
-                <a:solidFill>
-                  <a:srgbClr val="5A56A8"/>
-                </a:solidFill>
-                <a:latin typeface="Noto Sans CJK KR DemiLight" pitchFamily="34" charset="-127"/>
-                <a:ea typeface="Noto Sans CJK KR DemiLight" pitchFamily="34" charset="-127"/>
-              </a:rPr>
-              <a:t> </a:t>
-            </a:r>
-            <a:r>
-              <a:rPr lang="ko-KR" altLang="en-US" sz="1600" dirty="0">
-                <a:solidFill>
-                  <a:srgbClr val="5A56A8"/>
-                </a:solidFill>
-                <a:latin typeface="Noto Sans CJK KR DemiLight" pitchFamily="34" charset="-127"/>
-                <a:ea typeface="Noto Sans CJK KR DemiLight" pitchFamily="34" charset="-127"/>
-              </a:rPr>
-              <a:t>내용 무엇을 적어야되지</a:t>
-            </a:r>
-            <a:endParaRPr lang="en-US" altLang="ko-KR" sz="1600" dirty="0">
-              <a:solidFill>
-                <a:srgbClr val="5A56A8"/>
-              </a:solidFill>
-              <a:latin typeface="Noto Sans CJK KR DemiLight" pitchFamily="34" charset="-127"/>
-              <a:ea typeface="Noto Sans CJK KR DemiLight" pitchFamily="34" charset="-127"/>
-            </a:endParaRPr>
-          </a:p>
-          <a:p>
-            <a:r>
-              <a:rPr lang="ko-KR" altLang="en-US" sz="1600" dirty="0">
-                <a:solidFill>
-                  <a:srgbClr val="5A56A8"/>
-                </a:solidFill>
-                <a:latin typeface="Noto Sans CJK KR DemiLight" pitchFamily="34" charset="-127"/>
-                <a:ea typeface="Noto Sans CJK KR DemiLight" pitchFamily="34" charset="-127"/>
-              </a:rPr>
-              <a:t>으으 그래요 흐흐</a:t>
-            </a:r>
-            <a:r>
-              <a:rPr lang="en-US" altLang="ko-KR" sz="1600" dirty="0">
-                <a:solidFill>
-                  <a:srgbClr val="5A56A8"/>
-                </a:solidFill>
-                <a:latin typeface="Noto Sans CJK KR DemiLight" pitchFamily="34" charset="-127"/>
-                <a:ea typeface="Noto Sans CJK KR DemiLight" pitchFamily="34" charset="-127"/>
-              </a:rPr>
-              <a:t> </a:t>
-            </a:r>
-            <a:r>
-              <a:rPr lang="ko-KR" altLang="en-US" sz="1600" dirty="0">
-                <a:solidFill>
-                  <a:srgbClr val="5A56A8"/>
-                </a:solidFill>
-                <a:latin typeface="Noto Sans CJK KR DemiLight" pitchFamily="34" charset="-127"/>
-                <a:ea typeface="Noto Sans CJK KR DemiLight" pitchFamily="34" charset="-127"/>
-              </a:rPr>
-              <a:t>여러분들 화이팅하세요</a:t>
-            </a:r>
-            <a:r>
-              <a:rPr lang="en-US" altLang="ko-KR" sz="1600" dirty="0">
-                <a:solidFill>
-                  <a:srgbClr val="5A56A8"/>
-                </a:solidFill>
-                <a:latin typeface="Noto Sans CJK KR DemiLight" pitchFamily="34" charset="-127"/>
-                <a:ea typeface="Noto Sans CJK KR DemiLight" pitchFamily="34" charset="-127"/>
-              </a:rPr>
-              <a:t> </a:t>
-            </a:r>
-            <a:r>
-              <a:rPr lang="ko-KR" altLang="en-US" sz="1600" dirty="0">
-                <a:solidFill>
-                  <a:srgbClr val="5A56A8"/>
-                </a:solidFill>
-                <a:latin typeface="Noto Sans CJK KR DemiLight" pitchFamily="34" charset="-127"/>
-                <a:ea typeface="Noto Sans CJK KR DemiLight" pitchFamily="34" charset="-127"/>
-              </a:rPr>
-              <a:t>열심히 하세여 저도 열심히</a:t>
-            </a:r>
-            <a:r>
-              <a:rPr lang="en-US" altLang="ko-KR" sz="1600" dirty="0">
-                <a:solidFill>
-                  <a:srgbClr val="5A56A8"/>
-                </a:solidFill>
-                <a:latin typeface="Noto Sans CJK KR DemiLight" pitchFamily="34" charset="-127"/>
-                <a:ea typeface="Noto Sans CJK KR DemiLight" pitchFamily="34" charset="-127"/>
-              </a:rPr>
-              <a:t> </a:t>
-            </a:r>
-            <a:r>
-              <a:rPr lang="ko-KR" altLang="en-US" sz="1600" dirty="0">
-                <a:solidFill>
-                  <a:srgbClr val="5A56A8"/>
-                </a:solidFill>
-                <a:latin typeface="Noto Sans CJK KR DemiLight" pitchFamily="34" charset="-127"/>
-                <a:ea typeface="Noto Sans CJK KR DemiLight" pitchFamily="34" charset="-127"/>
-              </a:rPr>
-              <a:t>디자인 하겠습니다</a:t>
-            </a:r>
-            <a:endParaRPr lang="en-US" altLang="ko-KR" sz="1600" dirty="0">
-              <a:solidFill>
-                <a:srgbClr val="5A56A8"/>
-              </a:solidFill>
-              <a:latin typeface="Noto Sans CJK KR DemiLight" pitchFamily="34" charset="-127"/>
-              <a:ea typeface="Noto Sans CJK KR DemiLight" pitchFamily="34" charset="-127"/>
-            </a:endParaRPr>
-          </a:p>
-          <a:p>
-            <a:r>
-              <a:rPr lang="ko-KR" altLang="en-US" sz="1600" dirty="0">
-                <a:solidFill>
-                  <a:srgbClr val="5A56A8"/>
-                </a:solidFill>
-                <a:latin typeface="Noto Sans CJK KR DemiLight" pitchFamily="34" charset="-127"/>
-                <a:ea typeface="Noto Sans CJK KR DemiLight" pitchFamily="34" charset="-127"/>
-              </a:rPr>
-              <a:t>그래요 오오오 헤헤 오오오</a:t>
-            </a:r>
-            <a:r>
-              <a:rPr lang="en-US" altLang="ko-KR" sz="1600" dirty="0">
-                <a:solidFill>
-                  <a:srgbClr val="5A56A8"/>
-                </a:solidFill>
-                <a:latin typeface="Noto Sans CJK KR DemiLight" pitchFamily="34" charset="-127"/>
-                <a:ea typeface="Noto Sans CJK KR DemiLight" pitchFamily="34" charset="-127"/>
-              </a:rPr>
-              <a:t> </a:t>
-            </a:r>
-            <a:r>
-              <a:rPr lang="ko-KR" altLang="en-US" sz="1600" dirty="0">
-                <a:solidFill>
-                  <a:srgbClr val="5A56A8"/>
-                </a:solidFill>
-                <a:latin typeface="Noto Sans CJK KR DemiLight" pitchFamily="34" charset="-127"/>
-                <a:ea typeface="Noto Sans CJK KR DemiLight" pitchFamily="34" charset="-127"/>
-              </a:rPr>
-              <a:t>룰루랄랄라 랄랄랄라</a:t>
-            </a:r>
-            <a:r>
-              <a:rPr lang="en-US" altLang="ko-KR" sz="1600" dirty="0">
-                <a:solidFill>
-                  <a:srgbClr val="5A56A8"/>
-                </a:solidFill>
-                <a:latin typeface="Noto Sans CJK KR DemiLight" pitchFamily="34" charset="-127"/>
-                <a:ea typeface="Noto Sans CJK KR DemiLight" pitchFamily="34" charset="-127"/>
-              </a:rPr>
-              <a:t> </a:t>
-            </a:r>
-            <a:r>
-              <a:rPr lang="ko-KR" altLang="en-US" sz="1600" dirty="0">
-                <a:solidFill>
-                  <a:srgbClr val="5A56A8"/>
-                </a:solidFill>
-                <a:latin typeface="Noto Sans CJK KR DemiLight" pitchFamily="34" charset="-127"/>
-                <a:ea typeface="Noto Sans CJK KR DemiLight" pitchFamily="34" charset="-127"/>
-              </a:rPr>
-              <a:t>즐겁게 시작해요</a:t>
-            </a:r>
-            <a:endParaRPr lang="en-US" altLang="ko-KR" sz="1600" dirty="0">
-              <a:solidFill>
-                <a:srgbClr val="5A56A8"/>
-              </a:solidFill>
-              <a:latin typeface="Noto Sans CJK KR DemiLight" pitchFamily="34" charset="-127"/>
-              <a:ea typeface="Noto Sans CJK KR DemiLight" pitchFamily="34" charset="-127"/>
-            </a:endParaRPr>
-          </a:p>
-          <a:p>
-            <a:r>
-              <a:rPr lang="ko-KR" altLang="en-US" sz="1600" dirty="0">
-                <a:solidFill>
-                  <a:srgbClr val="5A56A8"/>
-                </a:solidFill>
-                <a:latin typeface="Noto Sans CJK KR DemiLight" pitchFamily="34" charset="-127"/>
-                <a:ea typeface="Noto Sans CJK KR DemiLight" pitchFamily="34" charset="-127"/>
-              </a:rPr>
-              <a:t>오늘은 기분이 좋아</a:t>
-            </a:r>
-            <a:r>
-              <a:rPr lang="en-US" altLang="ko-KR" sz="1600" dirty="0">
-                <a:solidFill>
-                  <a:srgbClr val="5A56A8"/>
-                </a:solidFill>
-                <a:latin typeface="Noto Sans CJK KR DemiLight" pitchFamily="34" charset="-127"/>
-                <a:ea typeface="Noto Sans CJK KR DemiLight" pitchFamily="34" charset="-127"/>
-              </a:rPr>
-              <a:t> </a:t>
-            </a:r>
-            <a:r>
-              <a:rPr lang="ko-KR" altLang="en-US" sz="1600" dirty="0">
-                <a:solidFill>
-                  <a:srgbClr val="5A56A8"/>
-                </a:solidFill>
-                <a:latin typeface="Noto Sans CJK KR DemiLight" pitchFamily="34" charset="-127"/>
-                <a:ea typeface="Noto Sans CJK KR DemiLight" pitchFamily="34" charset="-127"/>
-              </a:rPr>
-              <a:t>랄랄라 랄랄랄랄랄라랄라</a:t>
-            </a:r>
-            <a:r>
-              <a:rPr lang="en-US" altLang="ko-KR" sz="1600" dirty="0">
-                <a:solidFill>
-                  <a:srgbClr val="5A56A8"/>
-                </a:solidFill>
-                <a:latin typeface="Noto Sans CJK KR DemiLight" pitchFamily="34" charset="-127"/>
-                <a:ea typeface="Noto Sans CJK KR DemiLight" pitchFamily="34" charset="-127"/>
-              </a:rPr>
-              <a:t> </a:t>
-            </a:r>
-            <a:r>
-              <a:rPr lang="ko-KR" altLang="en-US" sz="1600" dirty="0">
-                <a:solidFill>
-                  <a:srgbClr val="5A56A8"/>
-                </a:solidFill>
-                <a:latin typeface="Noto Sans CJK KR DemiLight" pitchFamily="34" charset="-127"/>
-                <a:ea typeface="Noto Sans CJK KR DemiLight" pitchFamily="34" charset="-127"/>
-              </a:rPr>
-              <a:t>내용 무엇을 적어야되지</a:t>
-            </a:r>
-            <a:endParaRPr lang="en-US" altLang="ko-KR" sz="1600" dirty="0">
-              <a:solidFill>
-                <a:srgbClr val="5A56A8"/>
-              </a:solidFill>
-              <a:latin typeface="Noto Sans CJK KR DemiLight" pitchFamily="34" charset="-127"/>
-              <a:ea typeface="Noto Sans CJK KR DemiLight" pitchFamily="34" charset="-127"/>
-            </a:endParaRPr>
-          </a:p>
-          <a:p>
-            <a:r>
-              <a:rPr lang="ko-KR" altLang="en-US" sz="1600" dirty="0">
-                <a:solidFill>
-                  <a:srgbClr val="5A56A8"/>
-                </a:solidFill>
-                <a:latin typeface="Noto Sans CJK KR DemiLight" pitchFamily="34" charset="-127"/>
-                <a:ea typeface="Noto Sans CJK KR DemiLight" pitchFamily="34" charset="-127"/>
-              </a:rPr>
-              <a:t>으으 그래요 흐흐</a:t>
-            </a:r>
-            <a:r>
-              <a:rPr lang="en-US" altLang="ko-KR" sz="1600" dirty="0">
-                <a:solidFill>
-                  <a:srgbClr val="5A56A8"/>
-                </a:solidFill>
-                <a:latin typeface="Noto Sans CJK KR DemiLight" pitchFamily="34" charset="-127"/>
-                <a:ea typeface="Noto Sans CJK KR DemiLight" pitchFamily="34" charset="-127"/>
-              </a:rPr>
-              <a:t> </a:t>
-            </a:r>
-            <a:r>
-              <a:rPr lang="ko-KR" altLang="en-US" sz="1600" dirty="0">
-                <a:solidFill>
-                  <a:srgbClr val="5A56A8"/>
-                </a:solidFill>
-                <a:latin typeface="Noto Sans CJK KR DemiLight" pitchFamily="34" charset="-127"/>
-                <a:ea typeface="Noto Sans CJK KR DemiLight" pitchFamily="34" charset="-127"/>
-              </a:rPr>
-              <a:t>여러분들 화이팅하세요</a:t>
-            </a:r>
-            <a:r>
-              <a:rPr lang="en-US" altLang="ko-KR" sz="1600" dirty="0">
-                <a:solidFill>
-                  <a:srgbClr val="5A56A8"/>
-                </a:solidFill>
-                <a:latin typeface="Noto Sans CJK KR DemiLight" pitchFamily="34" charset="-127"/>
-                <a:ea typeface="Noto Sans CJK KR DemiLight" pitchFamily="34" charset="-127"/>
-              </a:rPr>
-              <a:t> </a:t>
-            </a:r>
-            <a:r>
-              <a:rPr lang="ko-KR" altLang="en-US" sz="1600" dirty="0">
-                <a:solidFill>
-                  <a:srgbClr val="5A56A8"/>
-                </a:solidFill>
-                <a:latin typeface="Noto Sans CJK KR DemiLight" pitchFamily="34" charset="-127"/>
-                <a:ea typeface="Noto Sans CJK KR DemiLight" pitchFamily="34" charset="-127"/>
-              </a:rPr>
-              <a:t>열심히 하세여 저도 열심히</a:t>
-            </a:r>
-            <a:r>
-              <a:rPr lang="en-US" altLang="ko-KR" sz="1600" dirty="0">
-                <a:solidFill>
-                  <a:srgbClr val="5A56A8"/>
-                </a:solidFill>
-                <a:latin typeface="Noto Sans CJK KR DemiLight" pitchFamily="34" charset="-127"/>
-                <a:ea typeface="Noto Sans CJK KR DemiLight" pitchFamily="34" charset="-127"/>
-              </a:rPr>
-              <a:t> </a:t>
-            </a:r>
-            <a:r>
-              <a:rPr lang="ko-KR" altLang="en-US" sz="1600" dirty="0">
-                <a:solidFill>
-                  <a:srgbClr val="5A56A8"/>
-                </a:solidFill>
-                <a:latin typeface="Noto Sans CJK KR DemiLight" pitchFamily="34" charset="-127"/>
-                <a:ea typeface="Noto Sans CJK KR DemiLight" pitchFamily="34" charset="-127"/>
-              </a:rPr>
-              <a:t>디자인 하겠습니다</a:t>
-            </a:r>
-            <a:endParaRPr lang="en-US" altLang="ko-KR" sz="1600" dirty="0">
-              <a:solidFill>
-                <a:srgbClr val="5A56A8"/>
-              </a:solidFill>
-              <a:latin typeface="Noto Sans CJK KR DemiLight" pitchFamily="34" charset="-127"/>
-              <a:ea typeface="Noto Sans CJK KR DemiLight" pitchFamily="34" charset="-127"/>
-            </a:endParaRPr>
-          </a:p>
-          <a:p>
-            <a:endParaRPr lang="en-US" altLang="ko-KR" sz="1600" dirty="0">
-              <a:solidFill>
-                <a:srgbClr val="5A56A8"/>
-              </a:solidFill>
-              <a:latin typeface="Noto Sans CJK KR DemiLight" pitchFamily="34" charset="-127"/>
-              <a:ea typeface="Noto Sans CJK KR DemiLight" pitchFamily="34" charset="-127"/>
-            </a:endParaRPr>
-          </a:p>
-          <a:p>
-            <a:endParaRPr lang="en-US" altLang="ko-KR" sz="1600" dirty="0">
-              <a:solidFill>
-                <a:srgbClr val="5A56A8"/>
-              </a:solidFill>
-              <a:latin typeface="Noto Sans CJK KR DemiLight" pitchFamily="34" charset="-127"/>
-              <a:ea typeface="Noto Sans CJK KR DemiLight" pitchFamily="34" charset="-127"/>
-            </a:endParaRPr>
-          </a:p>
-          <a:p>
-            <a:r>
-              <a:rPr lang="ko-KR" altLang="en-US" sz="1600" dirty="0">
-                <a:solidFill>
-                  <a:srgbClr val="5A56A8"/>
-                </a:solidFill>
-                <a:latin typeface="Noto Sans CJK KR DemiLight" pitchFamily="34" charset="-127"/>
-                <a:ea typeface="Noto Sans CJK KR DemiLight" pitchFamily="34" charset="-127"/>
-              </a:rPr>
-              <a:t>그래요 오오오 헤헤 오오오</a:t>
-            </a:r>
-            <a:r>
-              <a:rPr lang="en-US" altLang="ko-KR" sz="1600" dirty="0">
-                <a:solidFill>
-                  <a:srgbClr val="5A56A8"/>
-                </a:solidFill>
-                <a:latin typeface="Noto Sans CJK KR DemiLight" pitchFamily="34" charset="-127"/>
-                <a:ea typeface="Noto Sans CJK KR DemiLight" pitchFamily="34" charset="-127"/>
-              </a:rPr>
-              <a:t> </a:t>
-            </a:r>
-            <a:r>
-              <a:rPr lang="ko-KR" altLang="en-US" sz="1600" dirty="0">
-                <a:solidFill>
-                  <a:srgbClr val="5A56A8"/>
-                </a:solidFill>
-                <a:latin typeface="Noto Sans CJK KR DemiLight" pitchFamily="34" charset="-127"/>
-                <a:ea typeface="Noto Sans CJK KR DemiLight" pitchFamily="34" charset="-127"/>
-              </a:rPr>
-              <a:t>룰루랄랄라 랄랄랄라</a:t>
-            </a:r>
-            <a:r>
-              <a:rPr lang="en-US" altLang="ko-KR" sz="1600" dirty="0">
-                <a:solidFill>
-                  <a:srgbClr val="5A56A8"/>
-                </a:solidFill>
-                <a:latin typeface="Noto Sans CJK KR DemiLight" pitchFamily="34" charset="-127"/>
-                <a:ea typeface="Noto Sans CJK KR DemiLight" pitchFamily="34" charset="-127"/>
-              </a:rPr>
-              <a:t> </a:t>
-            </a:r>
-            <a:r>
-              <a:rPr lang="ko-KR" altLang="en-US" sz="1600" dirty="0">
-                <a:solidFill>
-                  <a:srgbClr val="5A56A8"/>
-                </a:solidFill>
-                <a:latin typeface="Noto Sans CJK KR DemiLight" pitchFamily="34" charset="-127"/>
-                <a:ea typeface="Noto Sans CJK KR DemiLight" pitchFamily="34" charset="-127"/>
-              </a:rPr>
-              <a:t>즐겁게 시작해요</a:t>
-            </a:r>
-            <a:endParaRPr lang="en-US" altLang="ko-KR" sz="1600" dirty="0">
-              <a:solidFill>
-                <a:srgbClr val="5A56A8"/>
-              </a:solidFill>
-              <a:latin typeface="Noto Sans CJK KR DemiLight" pitchFamily="34" charset="-127"/>
-              <a:ea typeface="Noto Sans CJK KR DemiLight" pitchFamily="34" charset="-127"/>
-            </a:endParaRPr>
-          </a:p>
-          <a:p>
-            <a:r>
-              <a:rPr lang="ko-KR" altLang="en-US" sz="1600" dirty="0">
-                <a:solidFill>
-                  <a:srgbClr val="5A56A8"/>
-                </a:solidFill>
-                <a:latin typeface="Noto Sans CJK KR DemiLight" pitchFamily="34" charset="-127"/>
-                <a:ea typeface="Noto Sans CJK KR DemiLight" pitchFamily="34" charset="-127"/>
-              </a:rPr>
-              <a:t>오늘은 기분이 좋아</a:t>
-            </a:r>
-            <a:r>
-              <a:rPr lang="en-US" altLang="ko-KR" sz="1600" dirty="0">
-                <a:solidFill>
-                  <a:srgbClr val="5A56A8"/>
-                </a:solidFill>
-                <a:latin typeface="Noto Sans CJK KR DemiLight" pitchFamily="34" charset="-127"/>
-                <a:ea typeface="Noto Sans CJK KR DemiLight" pitchFamily="34" charset="-127"/>
-              </a:rPr>
-              <a:t> </a:t>
-            </a:r>
-            <a:r>
-              <a:rPr lang="ko-KR" altLang="en-US" sz="1600" dirty="0">
-                <a:solidFill>
-                  <a:srgbClr val="5A56A8"/>
-                </a:solidFill>
-                <a:latin typeface="Noto Sans CJK KR DemiLight" pitchFamily="34" charset="-127"/>
-                <a:ea typeface="Noto Sans CJK KR DemiLight" pitchFamily="34" charset="-127"/>
-              </a:rPr>
-              <a:t>랄랄라 랄랄랄랄랄라랄라</a:t>
-            </a:r>
-            <a:r>
-              <a:rPr lang="en-US" altLang="ko-KR" sz="1600" dirty="0">
-                <a:solidFill>
-                  <a:srgbClr val="5A56A8"/>
-                </a:solidFill>
-                <a:latin typeface="Noto Sans CJK KR DemiLight" pitchFamily="34" charset="-127"/>
-                <a:ea typeface="Noto Sans CJK KR DemiLight" pitchFamily="34" charset="-127"/>
-              </a:rPr>
-              <a:t> </a:t>
-            </a:r>
-            <a:r>
-              <a:rPr lang="ko-KR" altLang="en-US" sz="1600" dirty="0">
-                <a:solidFill>
-                  <a:srgbClr val="5A56A8"/>
-                </a:solidFill>
-                <a:latin typeface="Noto Sans CJK KR DemiLight" pitchFamily="34" charset="-127"/>
-                <a:ea typeface="Noto Sans CJK KR DemiLight" pitchFamily="34" charset="-127"/>
-              </a:rPr>
-              <a:t>내용 무엇을 적어야되지</a:t>
-            </a:r>
-            <a:endParaRPr lang="en-US" altLang="ko-KR" sz="1600" dirty="0">
-              <a:solidFill>
-                <a:srgbClr val="5A56A8"/>
-              </a:solidFill>
-              <a:latin typeface="Noto Sans CJK KR DemiLight" pitchFamily="34" charset="-127"/>
-              <a:ea typeface="Noto Sans CJK KR DemiLight" pitchFamily="34" charset="-127"/>
-            </a:endParaRPr>
-          </a:p>
-          <a:p>
-            <a:r>
-              <a:rPr lang="ko-KR" altLang="en-US" sz="1600" dirty="0">
-                <a:solidFill>
-                  <a:srgbClr val="5A56A8"/>
-                </a:solidFill>
-                <a:latin typeface="Noto Sans CJK KR DemiLight" pitchFamily="34" charset="-127"/>
-                <a:ea typeface="Noto Sans CJK KR DemiLight" pitchFamily="34" charset="-127"/>
-              </a:rPr>
-              <a:t>으으 그래요 흐흐</a:t>
-            </a:r>
-            <a:r>
-              <a:rPr lang="en-US" altLang="ko-KR" sz="1600" dirty="0">
-                <a:solidFill>
-                  <a:srgbClr val="5A56A8"/>
-                </a:solidFill>
-                <a:latin typeface="Noto Sans CJK KR DemiLight" pitchFamily="34" charset="-127"/>
-                <a:ea typeface="Noto Sans CJK KR DemiLight" pitchFamily="34" charset="-127"/>
-              </a:rPr>
-              <a:t> </a:t>
-            </a:r>
-            <a:r>
-              <a:rPr lang="ko-KR" altLang="en-US" sz="1600" dirty="0">
-                <a:solidFill>
-                  <a:srgbClr val="5A56A8"/>
-                </a:solidFill>
-                <a:latin typeface="Noto Sans CJK KR DemiLight" pitchFamily="34" charset="-127"/>
-                <a:ea typeface="Noto Sans CJK KR DemiLight" pitchFamily="34" charset="-127"/>
-              </a:rPr>
-              <a:t>여러분들 화이팅하세요</a:t>
-            </a:r>
-            <a:r>
-              <a:rPr lang="en-US" altLang="ko-KR" sz="1600" dirty="0">
-                <a:solidFill>
-                  <a:srgbClr val="5A56A8"/>
-                </a:solidFill>
-                <a:latin typeface="Noto Sans CJK KR DemiLight" pitchFamily="34" charset="-127"/>
-                <a:ea typeface="Noto Sans CJK KR DemiLight" pitchFamily="34" charset="-127"/>
-              </a:rPr>
-              <a:t> </a:t>
-            </a:r>
-            <a:r>
-              <a:rPr lang="ko-KR" altLang="en-US" sz="1600" dirty="0">
-                <a:solidFill>
-                  <a:srgbClr val="5A56A8"/>
-                </a:solidFill>
-                <a:latin typeface="Noto Sans CJK KR DemiLight" pitchFamily="34" charset="-127"/>
-                <a:ea typeface="Noto Sans CJK KR DemiLight" pitchFamily="34" charset="-127"/>
-              </a:rPr>
-              <a:t>열심히 하세여 저도 열심히</a:t>
-            </a:r>
-            <a:r>
-              <a:rPr lang="en-US" altLang="ko-KR" sz="1600" dirty="0">
-                <a:solidFill>
-                  <a:srgbClr val="5A56A8"/>
-                </a:solidFill>
-                <a:latin typeface="Noto Sans CJK KR DemiLight" pitchFamily="34" charset="-127"/>
-                <a:ea typeface="Noto Sans CJK KR DemiLight" pitchFamily="34" charset="-127"/>
-              </a:rPr>
-              <a:t> </a:t>
-            </a:r>
-            <a:r>
-              <a:rPr lang="ko-KR" altLang="en-US" sz="1600" dirty="0">
-                <a:solidFill>
-                  <a:srgbClr val="5A56A8"/>
-                </a:solidFill>
-                <a:latin typeface="Noto Sans CJK KR DemiLight" pitchFamily="34" charset="-127"/>
-                <a:ea typeface="Noto Sans CJK KR DemiLight" pitchFamily="34" charset="-127"/>
-              </a:rPr>
-              <a:t>디자인 하겠습니다</a:t>
-            </a:r>
-            <a:endParaRPr lang="en-US" altLang="ko-KR" sz="1600" dirty="0">
-              <a:solidFill>
-                <a:srgbClr val="5A56A8"/>
-              </a:solidFill>
-              <a:latin typeface="Noto Sans CJK KR DemiLight" pitchFamily="34" charset="-127"/>
-              <a:ea typeface="Noto Sans CJK KR DemiLight" pitchFamily="34" charset="-127"/>
-            </a:endParaRPr>
-          </a:p>
-          <a:p>
-            <a:r>
-              <a:rPr lang="ko-KR" altLang="en-US" sz="1600" dirty="0">
-                <a:solidFill>
-                  <a:srgbClr val="5A56A8"/>
-                </a:solidFill>
-                <a:latin typeface="Noto Sans CJK KR DemiLight" pitchFamily="34" charset="-127"/>
-                <a:ea typeface="Noto Sans CJK KR DemiLight" pitchFamily="34" charset="-127"/>
-              </a:rPr>
-              <a:t>그래요 오오오 헤헤 오오오</a:t>
-            </a:r>
-            <a:r>
-              <a:rPr lang="en-US" altLang="ko-KR" sz="1600" dirty="0">
-                <a:solidFill>
-                  <a:srgbClr val="5A56A8"/>
-                </a:solidFill>
-                <a:latin typeface="Noto Sans CJK KR DemiLight" pitchFamily="34" charset="-127"/>
-                <a:ea typeface="Noto Sans CJK KR DemiLight" pitchFamily="34" charset="-127"/>
-              </a:rPr>
-              <a:t> </a:t>
-            </a:r>
-            <a:r>
-              <a:rPr lang="ko-KR" altLang="en-US" sz="1600" dirty="0">
-                <a:solidFill>
-                  <a:srgbClr val="5A56A8"/>
-                </a:solidFill>
-                <a:latin typeface="Noto Sans CJK KR DemiLight" pitchFamily="34" charset="-127"/>
-                <a:ea typeface="Noto Sans CJK KR DemiLight" pitchFamily="34" charset="-127"/>
-              </a:rPr>
-              <a:t>룰루랄랄라 랄랄랄라</a:t>
-            </a:r>
-            <a:r>
-              <a:rPr lang="en-US" altLang="ko-KR" sz="1600" dirty="0">
-                <a:solidFill>
-                  <a:srgbClr val="5A56A8"/>
-                </a:solidFill>
-                <a:latin typeface="Noto Sans CJK KR DemiLight" pitchFamily="34" charset="-127"/>
-                <a:ea typeface="Noto Sans CJK KR DemiLight" pitchFamily="34" charset="-127"/>
-              </a:rPr>
-              <a:t> </a:t>
-            </a:r>
-            <a:r>
-              <a:rPr lang="ko-KR" altLang="en-US" sz="1600" dirty="0">
-                <a:solidFill>
-                  <a:srgbClr val="5A56A8"/>
-                </a:solidFill>
-                <a:latin typeface="Noto Sans CJK KR DemiLight" pitchFamily="34" charset="-127"/>
-                <a:ea typeface="Noto Sans CJK KR DemiLight" pitchFamily="34" charset="-127"/>
-              </a:rPr>
-              <a:t>즐겁게 시작해요</a:t>
-            </a:r>
-            <a:endParaRPr lang="en-US" altLang="ko-KR" sz="1600" dirty="0">
-              <a:solidFill>
-                <a:srgbClr val="5A56A8"/>
-              </a:solidFill>
-              <a:latin typeface="Noto Sans CJK KR DemiLight" pitchFamily="34" charset="-127"/>
-              <a:ea typeface="Noto Sans CJK KR DemiLight" pitchFamily="34" charset="-127"/>
-            </a:endParaRPr>
-          </a:p>
-        </p:txBody>
-      </p:sp>
-      <p:sp>
-        <p:nvSpPr>
-          <p:cNvPr id="18" name="직사각형 17"/>
-          <p:cNvSpPr/>
-          <p:nvPr/>
-        </p:nvSpPr>
-        <p:spPr>
-          <a:xfrm>
-            <a:off x="898847" y="1350873"/>
-            <a:ext cx="3561010" cy="45719"/>
-          </a:xfrm>
-          <a:prstGeom prst="rect">
-            <a:avLst/>
-          </a:prstGeom>
-          <a:solidFill>
-            <a:srgbClr val="908DC5"/>
-          </a:solidFill>
-          <a:ln>
-            <a:noFill/>
-          </a:ln>
-        </p:spPr>
-        <p:style>
-          <a:lnRef idx="2">
-            <a:schemeClr val="accent1">
-              <a:shade val="50000"/>
-            </a:schemeClr>
-          </a:lnRef>
-          <a:fillRef idx="1">
-            <a:schemeClr val="accent1"/>
-          </a:fillRef>
-          <a:effectRef idx="0">
-            <a:schemeClr val="accent1"/>
-          </a:effectRef>
-          <a:fontRef idx="minor">
-            <a:schemeClr val="lt1"/>
-          </a:fontRef>
-        </p:style>
-        <p:txBody>
-          <a:bodyPr rtlCol="0" anchor="ctr"/>
-          <a:lstStyle/>
-          <a:p>
-            <a:pPr algn="ctr"/>
-            <a:endParaRPr lang="ko-KR" altLang="en-US" dirty="0">
-              <a:solidFill>
-                <a:prstClr val="white"/>
-              </a:solidFill>
-            </a:endParaRPr>
-          </a:p>
-        </p:txBody>
-      </p:sp>
-      <p:sp>
-        <p:nvSpPr>
-          <p:cNvPr id="27" name="직사각형 26"/>
-          <p:cNvSpPr/>
-          <p:nvPr/>
-        </p:nvSpPr>
-        <p:spPr>
-          <a:xfrm>
-            <a:off x="4459857" y="1350872"/>
-            <a:ext cx="4491485" cy="45719"/>
-          </a:xfrm>
-          <a:prstGeom prst="rect">
-            <a:avLst/>
-          </a:prstGeom>
-          <a:solidFill>
-            <a:srgbClr val="908DC5"/>
-          </a:solidFill>
-          <a:ln>
-            <a:noFill/>
-          </a:ln>
-        </p:spPr>
-        <p:style>
-          <a:lnRef idx="2">
-            <a:schemeClr val="accent1">
-              <a:shade val="50000"/>
-            </a:schemeClr>
-          </a:lnRef>
-          <a:fillRef idx="1">
-            <a:schemeClr val="accent1"/>
-          </a:fillRef>
-          <a:effectRef idx="0">
-            <a:schemeClr val="accent1"/>
-          </a:effectRef>
-          <a:fontRef idx="minor">
-            <a:schemeClr val="lt1"/>
-          </a:fontRef>
-        </p:style>
-        <p:txBody>
-          <a:bodyPr rtlCol="0" anchor="ctr"/>
-          <a:lstStyle/>
-          <a:p>
-            <a:pPr algn="ctr"/>
-            <a:endParaRPr lang="ko-KR" altLang="en-US" dirty="0">
-              <a:solidFill>
-                <a:prstClr val="white"/>
-              </a:solidFill>
-            </a:endParaRPr>
-          </a:p>
-        </p:txBody>
-      </p:sp>
-    </p:spTree>
-    <p:extLst>
-      <p:ext uri="{BB962C8B-B14F-4D97-AF65-F5344CB8AC3E}">
-        <p14:creationId xmlns:p14="http://schemas.microsoft.com/office/powerpoint/2010/main" val="3204082541"/>
-      </p:ext>
-    </p:extLst>
-  </p:cSld>
-  <p:clrMapOvr>
-    <a:masterClrMapping/>
-  </p:clrMapOvr>
-</p:sld>
-</file>
-
-<file path=ppt/slides/slide16.xml><?xml version="1.0" encoding="utf-8"?>
+<file path=ppt/slides/slide18.xml><?xml version="1.0" encoding="utf-8"?>
 <p:sld xmlns:a="http://schemas.openxmlformats.org/drawingml/2006/main" xmlns:r="http://schemas.openxmlformats.org/officeDocument/2006/relationships" xmlns:p="http://schemas.openxmlformats.org/presentationml/2006/main" showMasterSp="0">
   <p:cSld>
     <p:bg>
@@ -9504,7 +12330,7 @@
         </p:blipFill>
         <p:spPr>
           <a:xfrm>
-            <a:off x="6227290" y="856701"/>
+            <a:off x="6516407" y="482849"/>
             <a:ext cx="3092960" cy="2816573"/>
           </a:xfrm>
           <a:prstGeom prst="rect">
@@ -9526,8 +12352,8 @@
         </p:nvSpPr>
         <p:spPr>
           <a:xfrm>
-            <a:off x="2354115" y="1697932"/>
-            <a:ext cx="3092960" cy="738664"/>
+            <a:off x="2354115" y="1598749"/>
+            <a:ext cx="3458856" cy="584775"/>
           </a:xfrm>
           <a:prstGeom prst="rect">
             <a:avLst/>
@@ -9546,26 +12372,6 @@
               </a:lnSpc>
               <a:defRPr lang="ko-KR" altLang="en-US"/>
             </a:pPr>
-            <a:r>
-              <a:rPr lang="en-US" altLang="ko-KR" sz="1400" dirty="0">
-                <a:solidFill>
-                  <a:srgbClr val="666262"/>
-                </a:solidFill>
-                <a:latin typeface="Noto Sans CJK KR Regular"/>
-                <a:ea typeface="Noto Sans CJK KR Regular"/>
-              </a:rPr>
-              <a:t>1. </a:t>
-            </a:r>
-            <a:r>
-              <a:rPr lang="ko-KR" altLang="en-US" sz="1400" dirty="0">
-                <a:solidFill>
-                  <a:srgbClr val="666262"/>
-                </a:solidFill>
-                <a:latin typeface="Noto Sans CJK KR Regular"/>
-                <a:ea typeface="Noto Sans CJK KR Regular"/>
-              </a:rPr>
-              <a:t>조장</a:t>
-            </a:r>
             <a:endParaRPr lang="en-US" altLang="ko-KR" sz="1400" dirty="0">
               <a:solidFill>
                 <a:srgbClr val="666262"/>
@@ -9582,87 +12388,45 @@
               <a:defRPr lang="ko-KR" altLang="en-US"/>
             </a:pPr>
             <a:r>
-              <a:rPr lang="en-US" altLang="ko-KR" sz="1400" dirty="0">
+              <a:rPr lang="ko-KR" altLang="en-US" dirty="0">
                 <a:solidFill>
                   <a:srgbClr val="666262"/>
                 </a:solidFill>
                 <a:latin typeface="Noto Sans CJK KR Regular"/>
                 <a:ea typeface="Noto Sans CJK KR Regular"/>
               </a:rPr>
-              <a:t>2. </a:t>
-            </a:r>
-            <a:r>
-              <a:rPr lang="ko-KR" altLang="en-US" sz="1400" dirty="0">
+              <a:t>소프트웨어 개발 </a:t>
+            </a:r>
+            <a:r>
+              <a:rPr lang="en-US" altLang="ko-KR" dirty="0">
                 <a:solidFill>
                   <a:srgbClr val="666262"/>
                 </a:solidFill>
                 <a:latin typeface="Noto Sans CJK KR Regular"/>
                 <a:ea typeface="Noto Sans CJK KR Regular"/>
               </a:rPr>
-              <a:t>소프트웨어 개발 </a:t>
-            </a:r>
-            <a:r>
-              <a:rPr lang="en-US" altLang="ko-KR" sz="1400" dirty="0">
+              <a:t>(</a:t>
+            </a:r>
+            <a:r>
+              <a:rPr lang="ko-KR" altLang="en-US" dirty="0">
                 <a:solidFill>
                   <a:srgbClr val="666262"/>
                 </a:solidFill>
                 <a:latin typeface="Noto Sans CJK KR Regular"/>
                 <a:ea typeface="Noto Sans CJK KR Regular"/>
               </a:rPr>
-              <a:t>(</a:t>
-            </a:r>
-            <a:r>
-              <a:rPr lang="ko-KR" altLang="en-US" sz="1400" dirty="0">
+              <a:t>알림 기능 구현</a:t>
+            </a:r>
+            <a:r>
+              <a:rPr lang="en-US" altLang="ko-KR" dirty="0">
                 <a:solidFill>
                   <a:srgbClr val="666262"/>
                 </a:solidFill>
                 <a:latin typeface="Noto Sans CJK KR Regular"/>
                 <a:ea typeface="Noto Sans CJK KR Regular"/>
               </a:rPr>
-              <a:t>알림 함수</a:t>
-            </a:r>
-            <a:r>
-              <a:rPr lang="en-US" altLang="ko-KR" sz="1400" dirty="0">
-                <a:solidFill>
-                  <a:srgbClr val="666262"/>
-                </a:solidFill>
-                <a:latin typeface="Noto Sans CJK KR Regular"/>
-                <a:ea typeface="Noto Sans CJK KR Regular"/>
-              </a:rPr>
               <a:t>)</a:t>
             </a:r>
-          </a:p>
-          <a:p>
-            <a:pPr>
-              <a:defRPr lang="ko-KR" altLang="en-US"/>
-            </a:pPr>
-            <a:r>
-              <a:rPr lang="en-US" altLang="ko-KR" sz="1400" dirty="0">
-                <a:solidFill>
-                  <a:srgbClr val="666262"/>
-                </a:solidFill>
-                <a:latin typeface="Noto Sans CJK KR Regular"/>
-                <a:ea typeface="Noto Sans CJK KR Regular"/>
-              </a:rPr>
-              <a:t>3. </a:t>
-            </a:r>
-            <a:r>
-              <a:rPr lang="ko-KR" altLang="en-US" sz="1400" dirty="0">
-                <a:solidFill>
-                  <a:srgbClr val="666262"/>
-                </a:solidFill>
-                <a:latin typeface="Noto Sans CJK KR Regular"/>
-                <a:ea typeface="Noto Sans CJK KR Regular"/>
-              </a:rPr>
-              <a:t>자료 조사 </a:t>
-            </a:r>
-            <a:endParaRPr lang="en-US" altLang="ko-KR" sz="1400" dirty="0">
-              <a:solidFill>
-                <a:srgbClr val="666262"/>
-              </a:solidFill>
-              <a:latin typeface="Noto Sans CJK KR Regular"/>
-              <a:ea typeface="Noto Sans CJK KR Regular"/>
-            </a:endParaRPr>
           </a:p>
         </p:txBody>
       </p:sp>
@@ -9680,8 +12444,8 @@
         </p:nvSpPr>
         <p:spPr>
           <a:xfrm>
-            <a:off x="2354115" y="2613128"/>
-            <a:ext cx="3092960" cy="523220"/>
+            <a:off x="2354115" y="2683816"/>
+            <a:ext cx="3092960" cy="369332"/>
           </a:xfrm>
           <a:prstGeom prst="rect">
             <a:avLst/>
@@ -9701,7 +12465,7 @@
               <a:defRPr lang="ko-KR" altLang="en-US"/>
             </a:pPr>
             <a:r>
-              <a:rPr lang="en-US" altLang="ko-KR" sz="1400" dirty="0">
+              <a:rPr lang="en-US" altLang="ko-KR" dirty="0">
                 <a:solidFill>
                   <a:schemeClr val="bg2">
                     <a:lumMod val="50000"/>
@@ -9710,10 +12474,10 @@
                 <a:latin typeface="Noto Sans CJK KR Regular"/>
                 <a:ea typeface="Noto Sans CJK KR Regular"/>
               </a:rPr>
-              <a:t>1. </a:t>
-            </a:r>
-            <a:r>
-              <a:rPr lang="ko-KR" altLang="en-US" sz="1400" dirty="0">
+              <a:t> </a:t>
+            </a:r>
+            <a:r>
+              <a:rPr lang="ko-KR" altLang="en-US" dirty="0">
                 <a:solidFill>
                   <a:schemeClr val="bg2">
                     <a:lumMod val="50000"/>
@@ -9725,7 +12489,7 @@
               <a:t>소프트웨어 개발 </a:t>
             </a:r>
             <a:r>
-              <a:rPr lang="en-US" altLang="ko-KR" sz="1400" dirty="0">
+              <a:rPr lang="en-US" altLang="ko-KR" dirty="0">
                 <a:solidFill>
                   <a:schemeClr val="bg2">
                     <a:lumMod val="50000"/>
@@ -9734,63 +12498,7 @@
                 <a:latin typeface="Noto Sans CJK KR Regular"/>
                 <a:ea typeface="Noto Sans CJK KR Regular"/>
               </a:rPr>
-              <a:t>(</a:t>
-            </a:r>
-            <a:r>
-              <a:rPr lang="en-US" altLang="ko-KR" sz="1400" dirty="0" err="1">
-                <a:solidFill>
-                  <a:schemeClr val="bg2">
-                    <a:lumMod val="50000"/>
-                  </a:schemeClr>
-                </a:solidFill>
-                <a:latin typeface="Noto Sans CJK KR Regular"/>
-                <a:ea typeface="Noto Sans CJK KR Regular"/>
-              </a:rPr>
-              <a:t>bluetooth</a:t>
-            </a:r>
-            <a:r>
-              <a:rPr lang="en-US" altLang="ko-KR" sz="1400" dirty="0">
-                <a:solidFill>
-                  <a:schemeClr val="bg2">
-                    <a:lumMod val="50000"/>
-                  </a:schemeClr>
-                </a:solidFill>
-                <a:latin typeface="Noto Sans CJK KR Regular"/>
-                <a:ea typeface="Noto Sans CJK KR Regular"/>
-              </a:rPr>
-              <a:t>)</a:t>
-            </a:r>
-          </a:p>
-          <a:p>
-            <a:pPr>
-              <a:lnSpc>
-                <a:spcPct val="100000"/>
-              </a:lnSpc>
-              <a:defRPr lang="ko-KR" altLang="en-US"/>
-            </a:pPr>
-            <a:r>
-              <a:rPr lang="en-US" altLang="ko-KR" sz="1400" dirty="0">
-                <a:solidFill>
-                  <a:schemeClr val="bg2">
-                    <a:lumMod val="50000"/>
-                  </a:schemeClr>
-                </a:solidFill>
-                <a:latin typeface="Noto Sans CJK KR Regular"/>
-                <a:ea typeface="Noto Sans CJK KR Regular"/>
-              </a:rPr>
-              <a:t>2. </a:t>
-            </a:r>
-            <a:r>
-              <a:rPr lang="ko-KR" altLang="en-US" sz="1400" dirty="0">
-                <a:solidFill>
-                  <a:schemeClr val="bg2">
-                    <a:lumMod val="50000"/>
-                  </a:schemeClr>
-                </a:solidFill>
-                <a:latin typeface="Noto Sans CJK KR Regular"/>
-                <a:ea typeface="Noto Sans CJK KR Regular"/>
-              </a:rPr>
-              <a:t>관련 이론 조사</a:t>
+              <a:t>(Android)</a:t>
             </a:r>
           </a:p>
         </p:txBody>
@@ -9809,8 +12517,8 @@
         </p:nvSpPr>
         <p:spPr>
           <a:xfrm>
-            <a:off x="2354115" y="3521379"/>
-            <a:ext cx="3638312" cy="523220"/>
+            <a:off x="2354114" y="3572208"/>
+            <a:ext cx="4569333" cy="369332"/>
           </a:xfrm>
           <a:prstGeom prst="rect">
             <a:avLst/>
@@ -9830,122 +12538,44 @@
               <a:defRPr lang="ko-KR" altLang="en-US"/>
             </a:pPr>
             <a:r>
-              <a:rPr lang="en-US" altLang="ko-KR" sz="1400" dirty="0">
+              <a:rPr lang="ko-KR" altLang="en-US" dirty="0">
                 <a:solidFill>
                   <a:srgbClr val="666262"/>
                 </a:solidFill>
                 <a:latin typeface="Noto Sans CJK KR Regular"/>
                 <a:ea typeface="Noto Sans CJK KR Regular"/>
               </a:rPr>
-              <a:t>1. </a:t>
-            </a:r>
-            <a:r>
-              <a:rPr lang="ko-KR" altLang="en-US" sz="1400" dirty="0">
+              <a:t>소프트웨어 및 개발 총괄 </a:t>
+            </a:r>
+            <a:r>
+              <a:rPr lang="en-US" altLang="ko-KR" dirty="0">
                 <a:solidFill>
                   <a:srgbClr val="666262"/>
                 </a:solidFill>
                 <a:latin typeface="Noto Sans CJK KR Regular"/>
                 <a:ea typeface="Noto Sans CJK KR Regular"/>
               </a:rPr>
-              <a:t>소프트웨어 및 </a:t>
-            </a:r>
-            <a:r>
-              <a:rPr lang="ko-KR" altLang="en-US" sz="1400" dirty="0" err="1">
+              <a:t>(</a:t>
+            </a:r>
+            <a:r>
+              <a:rPr lang="ko-KR" altLang="en-US" dirty="0">
                 <a:solidFill>
                   <a:srgbClr val="666262"/>
                 </a:solidFill>
                 <a:latin typeface="Noto Sans CJK KR Regular"/>
                 <a:ea typeface="Noto Sans CJK KR Regular"/>
               </a:rPr>
-              <a:t>개발총괄</a:t>
-            </a:r>
-            <a:r>
-              <a:rPr lang="ko-KR" altLang="en-US" sz="1400" dirty="0">
+              <a:t>시계 기능 구현</a:t>
+            </a:r>
+            <a:r>
+              <a:rPr lang="en-US" altLang="ko-KR" dirty="0">
                 <a:solidFill>
                   <a:srgbClr val="666262"/>
                 </a:solidFill>
                 <a:latin typeface="Noto Sans CJK KR Regular"/>
                 <a:ea typeface="Noto Sans CJK KR Regular"/>
               </a:rPr>
-              <a:t> </a:t>
-            </a:r>
-            <a:r>
-              <a:rPr lang="en-US" altLang="ko-KR" sz="1400" dirty="0">
-                <a:solidFill>
-                  <a:srgbClr val="666262"/>
-                </a:solidFill>
-                <a:latin typeface="Noto Sans CJK KR Regular"/>
-                <a:ea typeface="Noto Sans CJK KR Regular"/>
-              </a:rPr>
-              <a:t>(</a:t>
-            </a:r>
-            <a:r>
-              <a:rPr lang="ko-KR" altLang="en-US" sz="1400" dirty="0">
-                <a:solidFill>
-                  <a:srgbClr val="666262"/>
-                </a:solidFill>
-                <a:latin typeface="Noto Sans CJK KR Regular"/>
-                <a:ea typeface="Noto Sans CJK KR Regular"/>
-              </a:rPr>
-              <a:t>시계 </a:t>
-            </a:r>
-            <a:r>
-              <a:rPr lang="en-US" altLang="ko-KR" sz="1400" dirty="0">
-                <a:solidFill>
-                  <a:srgbClr val="666262"/>
-                </a:solidFill>
-                <a:latin typeface="Noto Sans CJK KR Regular"/>
-                <a:ea typeface="Noto Sans CJK KR Regular"/>
-              </a:rPr>
-              <a:t>– Main</a:t>
-            </a:r>
-            <a:r>
-              <a:rPr lang="ko-KR" altLang="en-US" sz="1400" dirty="0">
-                <a:solidFill>
-                  <a:srgbClr val="666262"/>
-                </a:solidFill>
-                <a:latin typeface="Noto Sans CJK KR Regular"/>
-                <a:ea typeface="Noto Sans CJK KR Regular"/>
-              </a:rPr>
-              <a:t>함수</a:t>
-            </a:r>
-            <a:r>
-              <a:rPr lang="en-US" altLang="ko-KR" sz="1400" dirty="0">
-                <a:solidFill>
-                  <a:srgbClr val="666262"/>
-                </a:solidFill>
-                <a:latin typeface="Noto Sans CJK KR Regular"/>
-                <a:ea typeface="Noto Sans CJK KR Regular"/>
-              </a:rPr>
               <a:t>)</a:t>
-            </a:r>
-          </a:p>
-          <a:p>
-            <a:pPr>
-              <a:lnSpc>
-                <a:spcPct val="100000"/>
-              </a:lnSpc>
-              <a:defRPr lang="ko-KR" altLang="en-US"/>
-            </a:pPr>
-            <a:r>
-              <a:rPr lang="en-US" altLang="ko-KR" sz="1400" dirty="0">
-                <a:solidFill>
-                  <a:srgbClr val="666262"/>
-                </a:solidFill>
-                <a:latin typeface="Noto Sans CJK KR Regular"/>
-                <a:ea typeface="Noto Sans CJK KR Regular"/>
-              </a:rPr>
-              <a:t>2. </a:t>
-            </a:r>
-            <a:r>
-              <a:rPr lang="ko-KR" altLang="en-US" sz="1400" dirty="0">
-                <a:solidFill>
-                  <a:srgbClr val="666262"/>
-                </a:solidFill>
-                <a:latin typeface="Noto Sans CJK KR Regular"/>
-                <a:ea typeface="Noto Sans CJK KR Regular"/>
-              </a:rPr>
-              <a:t>관련 이론 조사</a:t>
             </a:r>
           </a:p>
         </p:txBody>
@@ -9964,8 +12594,8 @@
         </p:nvSpPr>
         <p:spPr>
           <a:xfrm>
-            <a:off x="2354115" y="4429630"/>
-            <a:ext cx="3092960" cy="523220"/>
+            <a:off x="2354115" y="4475795"/>
+            <a:ext cx="3092960" cy="369332"/>
           </a:xfrm>
           <a:prstGeom prst="rect">
             <a:avLst/>
@@ -9978,42 +12608,6 @@
           </a:bodyPr>
           <a:lstStyle/>
           <a:p>
-            <a:pPr marL="342900" indent="-342900">
-              <a:lnSpc>
-                <a:spcPct val="100000"/>
-              </a:lnSpc>
-              <a:buAutoNum type="arabicPeriod"/>
-              <a:defRPr lang="ko-KR" altLang="en-US"/>
-            </a:pPr>
-            <a:r>
-              <a:rPr lang="en-US" altLang="ko-KR" sz="1400" dirty="0">
-                <a:solidFill>
-                  <a:srgbClr val="666262"/>
-                </a:solidFill>
-                <a:latin typeface="Noto Sans CJK KR Regular"/>
-                <a:ea typeface="Noto Sans CJK KR Regular"/>
-              </a:rPr>
-              <a:t>UART, RS-232C </a:t>
-            </a:r>
-            <a:r>
-              <a:rPr lang="ko-KR" altLang="en-US" sz="1400" dirty="0">
-                <a:solidFill>
-                  <a:srgbClr val="666262"/>
-                </a:solidFill>
-                <a:latin typeface="Noto Sans CJK KR Regular"/>
-                <a:ea typeface="Noto Sans CJK KR Regular"/>
-              </a:rPr>
-              <a:t>조사</a:t>
-            </a:r>
-            <a:endParaRPr lang="en-US" altLang="ko-KR" sz="1400" dirty="0">
-              <a:solidFill>
-                <a:srgbClr val="666262"/>
-              </a:solidFill>
-              <a:latin typeface="Noto Sans CJK KR Regular"/>
-              <a:ea typeface="Noto Sans CJK KR Regular"/>
-            </a:endParaRPr>
-          </a:p>
-          <a:p>
             <a:pPr>
               <a:lnSpc>
                 <a:spcPct val="100000"/>
@@ -10023,22 +12617,38 @@
             <a:r>
               <a:rPr lang="en-US" altLang="ko-KR" sz="1400" dirty="0">
                 <a:solidFill>
-                  <a:srgbClr val="666262"/>
+                  <a:schemeClr val="bg2">
+                    <a:lumMod val="50000"/>
+                  </a:schemeClr>
                 </a:solidFill>
                 <a:latin typeface="Noto Sans CJK KR Regular"/>
                 <a:ea typeface="Noto Sans CJK KR Regular"/>
               </a:rPr>
-              <a:t>2.     </a:t>
-            </a:r>
-            <a:r>
-              <a:rPr lang="ko-KR" altLang="en-US" sz="1400" dirty="0">
-                <a:solidFill>
-                  <a:srgbClr val="666262"/>
+              <a:t> </a:t>
+            </a:r>
+            <a:r>
+              <a:rPr lang="ko-KR" altLang="en-US" dirty="0">
+                <a:solidFill>
+                  <a:schemeClr val="bg2">
+                    <a:lumMod val="50000"/>
+                  </a:schemeClr>
                 </a:solidFill>
                 <a:latin typeface="Noto Sans CJK KR Regular"/>
                 <a:ea typeface="Noto Sans CJK KR Regular"/>
               </a:rPr>
-              <a:t>자료조사</a:t>
+              <a:t>소프트웨어 개발 </a:t>
+            </a:r>
+            <a:r>
+              <a:rPr lang="en-US" altLang="ko-KR" dirty="0">
+                <a:solidFill>
+                  <a:schemeClr val="bg2">
+                    <a:lumMod val="50000"/>
+                  </a:schemeClr>
+                </a:solidFill>
+                <a:latin typeface="Noto Sans CJK KR Regular"/>
+                <a:ea typeface="Noto Sans CJK KR Regular"/>
+              </a:rPr>
+              <a:t>(Bluetooth)</a:t>
             </a:r>
           </a:p>
         </p:txBody>
@@ -10057,7 +12667,7 @@
         </p:nvSpPr>
         <p:spPr>
           <a:xfrm>
-            <a:off x="459834" y="1687906"/>
+            <a:off x="497207" y="1754135"/>
             <a:ext cx="1368966" cy="400110"/>
           </a:xfrm>
           <a:prstGeom prst="rect">
@@ -10290,7 +12900,7 @@
         </p:nvCxnSpPr>
         <p:spPr>
           <a:xfrm flipV="1">
-            <a:off x="1400008" y="1891701"/>
+            <a:off x="1400008" y="1940270"/>
             <a:ext cx="747464" cy="1"/>
           </a:xfrm>
           <a:prstGeom prst="line">
@@ -10600,6 +13210,7 @@
           </a:bodyPr>
           <a:lstStyle/>
           <a:p>
+            <a:pPr algn="ctr"/>
             <a:r>
               <a:rPr lang="ko-KR" altLang="en-US" sz="3200" dirty="0">
                 <a:solidFill>
@@ -10607,7 +13218,7 @@
                 </a:solidFill>
                 <a:latin typeface="Noto Sans CJK KR Regular"/>
               </a:rPr>
-              <a:t>알림 기능을 추가한 스마트한 시계를 만들자</a:t>
+              <a:t>알림 </a:t>
             </a:r>
             <a:r>
               <a:rPr lang="en-US" altLang="ko-KR" sz="3200" dirty="0">
@@ -10616,7 +13227,43 @@
                 </a:solidFill>
                 <a:latin typeface="Noto Sans CJK KR Regular"/>
               </a:rPr>
-              <a:t>.</a:t>
+              <a:t>+ </a:t>
+            </a:r>
+            <a:r>
+              <a:rPr lang="ko-KR" altLang="en-US" sz="3200" dirty="0">
+                <a:solidFill>
+                  <a:srgbClr val="5A56A8"/>
+                </a:solidFill>
+                <a:latin typeface="Noto Sans CJK KR Regular"/>
+              </a:rPr>
+              <a:t>일정 </a:t>
+            </a:r>
+            <a:r>
+              <a:rPr lang="en-US" altLang="ko-KR" sz="3200" dirty="0">
+                <a:solidFill>
+                  <a:srgbClr val="5A56A8"/>
+                </a:solidFill>
+                <a:latin typeface="Noto Sans CJK KR Regular"/>
+              </a:rPr>
+              <a:t>+ </a:t>
+            </a:r>
+            <a:r>
+              <a:rPr lang="ko-KR" altLang="en-US" sz="3200" dirty="0">
+                <a:solidFill>
+                  <a:srgbClr val="5A56A8"/>
+                </a:solidFill>
+                <a:latin typeface="Noto Sans CJK KR Regular"/>
+              </a:rPr>
+              <a:t>현재시간을 지닌 </a:t>
+            </a:r>
+            <a:r>
+              <a:rPr lang="en-US" altLang="ko-KR" sz="3200" dirty="0">
+                <a:solidFill>
+                  <a:srgbClr val="5A56A8"/>
+                </a:solidFill>
+                <a:latin typeface="Noto Sans CJK KR Regular"/>
+              </a:rPr>
+              <a:t>VHDL</a:t>
             </a:r>
             <a:endParaRPr lang="ko-KR" altLang="en-US" sz="3200" dirty="0">
               <a:solidFill>
@@ -11037,7 +13684,7 @@
         <p:spPr>
           <a:xfrm>
             <a:off x="1625934" y="5556722"/>
-            <a:ext cx="6853561" cy="707886"/>
+            <a:ext cx="7247054" cy="707886"/>
           </a:xfrm>
           <a:prstGeom prst="rect">
             <a:avLst/>
@@ -11396,10 +14043,10 @@
       </p:sp>
       <p:sp>
         <p:nvSpPr>
-          <p:cNvPr id="3" name="TextBox 2">
+          <p:cNvPr id="2" name="TextBox 1">
             <a:extLst>
               <a:ext uri="{FF2B5EF4-FFF2-40B4-BE49-F238E27FC236}">
-                <a16:creationId xmlns:a16="http://schemas.microsoft.com/office/drawing/2014/main" id="{00B6A382-C265-4709-92CE-A4B01C8A1FC4}"/>
+                <a16:creationId xmlns:a16="http://schemas.microsoft.com/office/drawing/2014/main" id="{3D4F1F94-84A6-4358-9A4E-563435CFE709}"/>
               </a:ext>
             </a:extLst>
           </p:cNvPr>
@@ -11408,8 +14055,8 @@
         </p:nvSpPr>
         <p:spPr>
           <a:xfrm>
-            <a:off x="922537" y="2361460"/>
-            <a:ext cx="8060925" cy="369332"/>
+            <a:off x="1477346" y="1492896"/>
+            <a:ext cx="6393024" cy="461665"/>
           </a:xfrm>
           <a:prstGeom prst="rect">
             <a:avLst/>
@@ -11423,25 +14070,466 @@
           <a:lstStyle/>
           <a:p>
             <a:r>
-              <a:rPr lang="ko-KR" altLang="en-US" dirty="0" err="1"/>
-              <a:t>카시오</a:t>
-            </a:r>
-            <a:r>
-              <a:rPr lang="ko-KR" altLang="en-US" dirty="0"/>
-              <a:t> 시계 설명</a:t>
-            </a:r>
-            <a:r>
-              <a:rPr lang="en-US" altLang="ko-KR" dirty="0"/>
+              <a:rPr lang="ko-KR" altLang="en-US" sz="2400" dirty="0">
+                <a:latin typeface="Noto Serif CJK KR Medium" panose="02020500000000000000" pitchFamily="18" charset="-127"/>
+                <a:ea typeface="Noto Serif CJK KR Medium" panose="02020500000000000000" pitchFamily="18" charset="-127"/>
+              </a:rPr>
+              <a:t>스마트 시계</a:t>
+            </a:r>
+            <a:r>
+              <a:rPr lang="en-US" altLang="ko-KR" sz="2400" dirty="0">
+                <a:latin typeface="Noto Serif CJK KR Medium" panose="02020500000000000000" pitchFamily="18" charset="-127"/>
+                <a:ea typeface="Noto Serif CJK KR Medium" panose="02020500000000000000" pitchFamily="18" charset="-127"/>
+              </a:rPr>
+              <a:t>(</a:t>
+            </a:r>
+            <a:r>
+              <a:rPr lang="ko-KR" altLang="en-US" sz="2400" dirty="0">
+                <a:latin typeface="Noto Serif CJK KR Medium" panose="02020500000000000000" pitchFamily="18" charset="-127"/>
+                <a:ea typeface="Noto Serif CJK KR Medium" panose="02020500000000000000" pitchFamily="18" charset="-127"/>
+              </a:rPr>
+              <a:t>시간</a:t>
+            </a:r>
+            <a:r>
+              <a:rPr lang="en-US" altLang="ko-KR" sz="2400" dirty="0">
+                <a:latin typeface="Noto Serif CJK KR Medium" panose="02020500000000000000" pitchFamily="18" charset="-127"/>
+                <a:ea typeface="Noto Serif CJK KR Medium" panose="02020500000000000000" pitchFamily="18" charset="-127"/>
+              </a:rPr>
+              <a:t>) - </a:t>
+            </a:r>
+            <a:r>
+              <a:rPr lang="ko-KR" altLang="en-US" sz="2400" dirty="0">
+                <a:latin typeface="Noto Serif CJK KR Medium" panose="02020500000000000000" pitchFamily="18" charset="-127"/>
+                <a:ea typeface="Noto Serif CJK KR Medium" panose="02020500000000000000" pitchFamily="18" charset="-127"/>
+              </a:rPr>
+              <a:t>인터넷 현재시간 </a:t>
+            </a:r>
+            <a:r>
+              <a:rPr lang="en-US" altLang="ko-KR" sz="2400" dirty="0">
+                <a:latin typeface="Noto Serif CJK KR Medium" panose="02020500000000000000" pitchFamily="18" charset="-127"/>
+                <a:ea typeface="Noto Serif CJK KR Medium" panose="02020500000000000000" pitchFamily="18" charset="-127"/>
+              </a:rPr>
+              <a:t>(</a:t>
+            </a:r>
+            <a:r>
+              <a:rPr lang="ko-KR" altLang="en-US" sz="2400" dirty="0">
+                <a:latin typeface="Noto Serif CJK KR Medium" panose="02020500000000000000" pitchFamily="18" charset="-127"/>
+                <a:ea typeface="Noto Serif CJK KR Medium" panose="02020500000000000000" pitchFamily="18" charset="-127"/>
+              </a:rPr>
+              <a:t>블루투스</a:t>
+            </a:r>
+            <a:r>
+              <a:rPr lang="en-US" altLang="ko-KR" sz="2400" dirty="0">
+                <a:latin typeface="Noto Serif CJK KR Medium" panose="02020500000000000000" pitchFamily="18" charset="-127"/>
+                <a:ea typeface="Noto Serif CJK KR Medium" panose="02020500000000000000" pitchFamily="18" charset="-127"/>
+              </a:rPr>
+              <a:t>)</a:t>
+            </a:r>
+          </a:p>
+        </p:txBody>
+      </p:sp>
+      <p:sp>
+        <p:nvSpPr>
+          <p:cNvPr id="8" name="직사각형 7">
+            <a:extLst>
+              <a:ext uri="{FF2B5EF4-FFF2-40B4-BE49-F238E27FC236}">
+                <a16:creationId xmlns:a16="http://schemas.microsoft.com/office/drawing/2014/main" id="{BD56E2E5-6C54-45D6-8DC1-E5E2E4D02D76}"/>
+              </a:ext>
+            </a:extLst>
+          </p:cNvPr>
+          <p:cNvSpPr/>
+          <p:nvPr/>
+        </p:nvSpPr>
+        <p:spPr>
+          <a:xfrm>
+            <a:off x="839154" y="3864144"/>
+            <a:ext cx="3561010" cy="45719"/>
+          </a:xfrm>
+          <a:prstGeom prst="rect">
+            <a:avLst/>
+          </a:prstGeom>
+          <a:solidFill>
+            <a:srgbClr val="908DC5"/>
+          </a:solidFill>
+          <a:ln>
+            <a:noFill/>
+          </a:ln>
+        </p:spPr>
+        <p:style>
+          <a:lnRef idx="2">
+            <a:schemeClr val="accent1">
+              <a:shade val="50000"/>
+            </a:schemeClr>
+          </a:lnRef>
+          <a:fillRef idx="1">
+            <a:schemeClr val="accent1"/>
+          </a:fillRef>
+          <a:effectRef idx="0">
+            <a:schemeClr val="accent1"/>
+          </a:effectRef>
+          <a:fontRef idx="minor">
+            <a:schemeClr val="lt1"/>
+          </a:fontRef>
+        </p:style>
+        <p:txBody>
+          <a:bodyPr rtlCol="0" anchor="ctr"/>
+          <a:lstStyle/>
+          <a:p>
+            <a:pPr algn="ctr"/>
+            <a:endParaRPr lang="ko-KR" altLang="en-US" dirty="0">
+              <a:solidFill>
+                <a:prstClr val="white"/>
+              </a:solidFill>
+            </a:endParaRPr>
+          </a:p>
+        </p:txBody>
+      </p:sp>
+      <p:sp>
+        <p:nvSpPr>
+          <p:cNvPr id="9" name="직사각형 8">
+            <a:extLst>
+              <a:ext uri="{FF2B5EF4-FFF2-40B4-BE49-F238E27FC236}">
+                <a16:creationId xmlns:a16="http://schemas.microsoft.com/office/drawing/2014/main" id="{CED435EA-9D6E-4DDC-B6DC-8F5D0174798E}"/>
+              </a:ext>
+            </a:extLst>
+          </p:cNvPr>
+          <p:cNvSpPr/>
+          <p:nvPr/>
+        </p:nvSpPr>
+        <p:spPr>
+          <a:xfrm>
+            <a:off x="4400164" y="3864143"/>
+            <a:ext cx="4491485" cy="45719"/>
+          </a:xfrm>
+          <a:prstGeom prst="rect">
+            <a:avLst/>
+          </a:prstGeom>
+          <a:solidFill>
+            <a:srgbClr val="908DC5"/>
+          </a:solidFill>
+          <a:ln>
+            <a:noFill/>
+          </a:ln>
+        </p:spPr>
+        <p:style>
+          <a:lnRef idx="2">
+            <a:schemeClr val="accent1">
+              <a:shade val="50000"/>
+            </a:schemeClr>
+          </a:lnRef>
+          <a:fillRef idx="1">
+            <a:schemeClr val="accent1"/>
+          </a:fillRef>
+          <a:effectRef idx="0">
+            <a:schemeClr val="accent1"/>
+          </a:effectRef>
+          <a:fontRef idx="minor">
+            <a:schemeClr val="lt1"/>
+          </a:fontRef>
+        </p:style>
+        <p:txBody>
+          <a:bodyPr rtlCol="0" anchor="ctr"/>
+          <a:lstStyle/>
+          <a:p>
+            <a:pPr algn="ctr"/>
+            <a:endParaRPr lang="ko-KR" altLang="en-US" dirty="0">
+              <a:solidFill>
+                <a:prstClr val="white"/>
+              </a:solidFill>
+            </a:endParaRPr>
+          </a:p>
+        </p:txBody>
+      </p:sp>
+      <p:sp>
+        <p:nvSpPr>
+          <p:cNvPr id="3" name="TextBox 2">
+            <a:extLst>
+              <a:ext uri="{FF2B5EF4-FFF2-40B4-BE49-F238E27FC236}">
+                <a16:creationId xmlns:a16="http://schemas.microsoft.com/office/drawing/2014/main" id="{8D6B6188-7324-472A-9FF3-5131FD52A28D}"/>
+              </a:ext>
+            </a:extLst>
+          </p:cNvPr>
+          <p:cNvSpPr txBox="1"/>
+          <p:nvPr/>
+        </p:nvSpPr>
+        <p:spPr>
+          <a:xfrm>
+            <a:off x="2736204" y="4394719"/>
+            <a:ext cx="3719805" cy="461665"/>
+          </a:xfrm>
+          <a:prstGeom prst="rect">
+            <a:avLst/>
+          </a:prstGeom>
+          <a:noFill/>
+        </p:spPr>
+        <p:txBody>
+          <a:bodyPr wrap="square" rtlCol="0">
+            <a:spAutoFit/>
+          </a:bodyPr>
+          <a:lstStyle/>
+          <a:p>
+            <a:r>
+              <a:rPr lang="en-US" altLang="ko-KR" sz="2400" dirty="0">
+                <a:latin typeface="Noto Serif CJK KR Medium" panose="02020500000000000000" pitchFamily="18" charset="-127"/>
+                <a:ea typeface="Noto Serif CJK KR Medium" panose="02020500000000000000" pitchFamily="18" charset="-127"/>
+              </a:rPr>
+              <a:t> </a:t>
+            </a:r>
+            <a:r>
+              <a:rPr lang="ko-KR" altLang="en-US" sz="2400" dirty="0">
+                <a:latin typeface="Noto Serif CJK KR Medium" panose="02020500000000000000" pitchFamily="18" charset="-127"/>
+                <a:ea typeface="Noto Serif CJK KR Medium" panose="02020500000000000000" pitchFamily="18" charset="-127"/>
+              </a:rPr>
+              <a:t>스마트 시계</a:t>
+            </a:r>
+            <a:r>
+              <a:rPr lang="en-US" altLang="ko-KR" sz="2400" dirty="0">
+                <a:latin typeface="Noto Serif CJK KR Medium" panose="02020500000000000000" pitchFamily="18" charset="-127"/>
+                <a:ea typeface="Noto Serif CJK KR Medium" panose="02020500000000000000" pitchFamily="18" charset="-127"/>
+              </a:rPr>
+              <a:t>(</a:t>
+            </a:r>
+            <a:r>
+              <a:rPr lang="ko-KR" altLang="en-US" sz="2400" dirty="0">
+                <a:latin typeface="Noto Serif CJK KR Medium" panose="02020500000000000000" pitchFamily="18" charset="-127"/>
+                <a:ea typeface="Noto Serif CJK KR Medium" panose="02020500000000000000" pitchFamily="18" charset="-127"/>
+              </a:rPr>
+              <a:t>일정 및 알람</a:t>
+            </a:r>
+            <a:r>
+              <a:rPr lang="en-US" altLang="ko-KR" sz="2400" dirty="0">
+                <a:latin typeface="Noto Serif CJK KR Medium" panose="02020500000000000000" pitchFamily="18" charset="-127"/>
+                <a:ea typeface="Noto Serif CJK KR Medium" panose="02020500000000000000" pitchFamily="18" charset="-127"/>
+              </a:rPr>
+              <a:t>) </a:t>
+            </a:r>
+            <a:endParaRPr lang="ko-KR" altLang="en-US" sz="2400" dirty="0">
+              <a:latin typeface="Noto Serif CJK KR Medium" panose="02020500000000000000" pitchFamily="18" charset="-127"/>
+              <a:ea typeface="Noto Serif CJK KR Medium" panose="02020500000000000000" pitchFamily="18" charset="-127"/>
+            </a:endParaRPr>
+          </a:p>
+        </p:txBody>
+      </p:sp>
+      <p:sp>
+        <p:nvSpPr>
+          <p:cNvPr id="5" name="화살표: 아래쪽 4">
+            <a:extLst>
+              <a:ext uri="{FF2B5EF4-FFF2-40B4-BE49-F238E27FC236}">
+                <a16:creationId xmlns:a16="http://schemas.microsoft.com/office/drawing/2014/main" id="{C428EDED-F1E4-4608-AC94-D49B7C980DE1}"/>
+              </a:ext>
+            </a:extLst>
+          </p:cNvPr>
+          <p:cNvSpPr/>
+          <p:nvPr/>
+        </p:nvSpPr>
+        <p:spPr>
+          <a:xfrm>
+            <a:off x="4400164" y="2178034"/>
+            <a:ext cx="391886" cy="461665"/>
+          </a:xfrm>
+          <a:prstGeom prst="downArrow">
+            <a:avLst/>
+          </a:prstGeom>
+          <a:solidFill>
+            <a:schemeClr val="tx1"/>
+          </a:solidFill>
+          <a:ln>
+            <a:noFill/>
+          </a:ln>
+        </p:spPr>
+        <p:style>
+          <a:lnRef idx="2">
+            <a:schemeClr val="accent1">
+              <a:shade val="50000"/>
+            </a:schemeClr>
+          </a:lnRef>
+          <a:fillRef idx="1">
+            <a:schemeClr val="accent1"/>
+          </a:fillRef>
+          <a:effectRef idx="0">
+            <a:schemeClr val="accent1"/>
+          </a:effectRef>
+          <a:fontRef idx="minor">
+            <a:schemeClr val="lt1"/>
+          </a:fontRef>
+        </p:style>
+        <p:txBody>
+          <a:bodyPr rtlCol="0" anchor="ctr"/>
+          <a:lstStyle/>
+          <a:p>
+            <a:pPr algn="ctr"/>
+            <a:endParaRPr lang="ko-KR" altLang="en-US"/>
+          </a:p>
+        </p:txBody>
+      </p:sp>
+      <p:sp>
+        <p:nvSpPr>
+          <p:cNvPr id="6" name="TextBox 5">
+            <a:extLst>
+              <a:ext uri="{FF2B5EF4-FFF2-40B4-BE49-F238E27FC236}">
+                <a16:creationId xmlns:a16="http://schemas.microsoft.com/office/drawing/2014/main" id="{38045036-EF51-465C-8ECF-ACC615501B77}"/>
+              </a:ext>
+            </a:extLst>
+          </p:cNvPr>
+          <p:cNvSpPr txBox="1"/>
+          <p:nvPr/>
+        </p:nvSpPr>
+        <p:spPr>
+          <a:xfrm>
+            <a:off x="2062846" y="3022693"/>
+            <a:ext cx="5458408" cy="461665"/>
+          </a:xfrm>
+          <a:prstGeom prst="rect">
+            <a:avLst/>
+          </a:prstGeom>
+          <a:noFill/>
+        </p:spPr>
+        <p:txBody>
+          <a:bodyPr wrap="square" rtlCol="0">
+            <a:spAutoFit/>
+          </a:bodyPr>
+          <a:lstStyle/>
+          <a:p>
+            <a:r>
+              <a:rPr lang="ko-KR" altLang="en-US" sz="2400" dirty="0">
+                <a:latin typeface="Noto Serif CJK KR Medium" panose="02020500000000000000" pitchFamily="18" charset="-127"/>
+                <a:ea typeface="Noto Serif CJK KR Medium" panose="02020500000000000000" pitchFamily="18" charset="-127"/>
+              </a:rPr>
+              <a:t>시계를 맞추는 버튼이 필요 하지 않다</a:t>
+            </a:r>
+            <a:r>
+              <a:rPr lang="en-US" altLang="ko-KR" sz="2400" dirty="0">
+                <a:latin typeface="Noto Serif CJK KR Medium" panose="02020500000000000000" pitchFamily="18" charset="-127"/>
+                <a:ea typeface="Noto Serif CJK KR Medium" panose="02020500000000000000" pitchFamily="18" charset="-127"/>
+              </a:rPr>
               <a:t>.</a:t>
             </a:r>
-            <a:endParaRPr lang="ko-KR" altLang="en-US" dirty="0"/>
+            <a:endParaRPr lang="ko-KR" altLang="en-US" sz="2400" dirty="0">
+              <a:latin typeface="Noto Serif CJK KR Medium" panose="02020500000000000000" pitchFamily="18" charset="-127"/>
+              <a:ea typeface="Noto Serif CJK KR Medium" panose="02020500000000000000" pitchFamily="18" charset="-127"/>
+            </a:endParaRPr>
+          </a:p>
+        </p:txBody>
+      </p:sp>
+      <p:sp>
+        <p:nvSpPr>
+          <p:cNvPr id="7" name="TextBox 6">
+            <a:extLst>
+              <a:ext uri="{FF2B5EF4-FFF2-40B4-BE49-F238E27FC236}">
+                <a16:creationId xmlns:a16="http://schemas.microsoft.com/office/drawing/2014/main" id="{57EA9E35-D03D-4BCC-9DE3-BA4A96ABCE76}"/>
+              </a:ext>
+            </a:extLst>
+          </p:cNvPr>
+          <p:cNvSpPr txBox="1"/>
+          <p:nvPr/>
+        </p:nvSpPr>
+        <p:spPr>
+          <a:xfrm>
+            <a:off x="2332652" y="5728996"/>
+            <a:ext cx="4627985" cy="461665"/>
+          </a:xfrm>
+          <a:prstGeom prst="rect">
+            <a:avLst/>
+          </a:prstGeom>
+          <a:noFill/>
+        </p:spPr>
+        <p:txBody>
+          <a:bodyPr wrap="square" rtlCol="0">
+            <a:spAutoFit/>
+          </a:bodyPr>
+          <a:lstStyle/>
+          <a:p>
+            <a:r>
+              <a:rPr lang="ko-KR" altLang="en-US" sz="2400" dirty="0">
+                <a:latin typeface="Noto Serif CJK KR Medium" panose="02020500000000000000" pitchFamily="18" charset="-127"/>
+                <a:ea typeface="Noto Serif CJK KR Medium" panose="02020500000000000000" pitchFamily="18" charset="-127"/>
+              </a:rPr>
+              <a:t>일정 및 알람 가져오기 </a:t>
+            </a:r>
+            <a:r>
+              <a:rPr lang="en-US" altLang="ko-KR" sz="2400" dirty="0">
+                <a:latin typeface="Noto Serif CJK KR Medium" panose="02020500000000000000" pitchFamily="18" charset="-127"/>
+                <a:ea typeface="Noto Serif CJK KR Medium" panose="02020500000000000000" pitchFamily="18" charset="-127"/>
+              </a:rPr>
+              <a:t>(</a:t>
+            </a:r>
+            <a:r>
+              <a:rPr lang="ko-KR" altLang="en-US" sz="2400" dirty="0">
+                <a:latin typeface="Noto Serif CJK KR Medium" panose="02020500000000000000" pitchFamily="18" charset="-127"/>
+                <a:ea typeface="Noto Serif CJK KR Medium" panose="02020500000000000000" pitchFamily="18" charset="-127"/>
+              </a:rPr>
+              <a:t>블루투스</a:t>
+            </a:r>
+            <a:r>
+              <a:rPr lang="en-US" altLang="ko-KR" sz="2400" dirty="0">
+                <a:latin typeface="Noto Serif CJK KR Medium" panose="02020500000000000000" pitchFamily="18" charset="-127"/>
+                <a:ea typeface="Noto Serif CJK KR Medium" panose="02020500000000000000" pitchFamily="18" charset="-127"/>
+              </a:rPr>
+              <a:t>)</a:t>
+            </a:r>
+            <a:endParaRPr lang="ko-KR" altLang="en-US" sz="2400" dirty="0">
+              <a:latin typeface="Noto Serif CJK KR Medium" panose="02020500000000000000" pitchFamily="18" charset="-127"/>
+              <a:ea typeface="Noto Serif CJK KR Medium" panose="02020500000000000000" pitchFamily="18" charset="-127"/>
+            </a:endParaRPr>
+          </a:p>
+        </p:txBody>
+      </p:sp>
+      <p:sp>
+        <p:nvSpPr>
+          <p:cNvPr id="14" name="화살표: 아래쪽 13">
+            <a:extLst>
+              <a:ext uri="{FF2B5EF4-FFF2-40B4-BE49-F238E27FC236}">
+                <a16:creationId xmlns:a16="http://schemas.microsoft.com/office/drawing/2014/main" id="{23977829-2C44-4380-A15D-72EB352F647F}"/>
+              </a:ext>
+            </a:extLst>
+          </p:cNvPr>
+          <p:cNvSpPr/>
+          <p:nvPr/>
+        </p:nvSpPr>
+        <p:spPr>
+          <a:xfrm>
+            <a:off x="4400164" y="5061857"/>
+            <a:ext cx="391886" cy="461665"/>
+          </a:xfrm>
+          <a:prstGeom prst="downArrow">
+            <a:avLst/>
+          </a:prstGeom>
+          <a:solidFill>
+            <a:schemeClr val="tx1"/>
+          </a:solidFill>
+          <a:ln>
+            <a:noFill/>
+          </a:ln>
+        </p:spPr>
+        <p:style>
+          <a:lnRef idx="2">
+            <a:schemeClr val="accent1">
+              <a:shade val="50000"/>
+            </a:schemeClr>
+          </a:lnRef>
+          <a:fillRef idx="1">
+            <a:schemeClr val="accent1"/>
+          </a:fillRef>
+          <a:effectRef idx="0">
+            <a:schemeClr val="accent1"/>
+          </a:effectRef>
+          <a:fontRef idx="minor">
+            <a:schemeClr val="lt1"/>
+          </a:fontRef>
+        </p:style>
+        <p:txBody>
+          <a:bodyPr rtlCol="0" anchor="ctr"/>
+          <a:lstStyle/>
+          <a:p>
+            <a:pPr algn="ctr"/>
+            <a:endParaRPr lang="ko-KR" altLang="en-US"/>
           </a:p>
         </p:txBody>
       </p:sp>
     </p:spTree>
     <p:extLst>
       <p:ext uri="{BB962C8B-B14F-4D97-AF65-F5344CB8AC3E}">
-        <p14:creationId xmlns:p14="http://schemas.microsoft.com/office/powerpoint/2010/main" val="1761416093"/>
+        <p14:creationId xmlns:p14="http://schemas.microsoft.com/office/powerpoint/2010/main" val="1856921253"/>
       </p:ext>
     </p:extLst>
   </p:cSld>
@@ -11685,10 +14773,10 @@
       </p:sp>
       <p:pic>
         <p:nvPicPr>
-          <p:cNvPr id="5122" name="Picture 2" descr="ìëë¡ì´ëì ëí ì´ë¯¸ì§ ê²ìê²°ê³¼">
+          <p:cNvPr id="5124" name="Picture 4" descr="ë¸ë£¨í¬ì¤ì ëí ì´ë¯¸ì§ ê²ìê²°ê³¼">
             <a:extLst>
               <a:ext uri="{FF2B5EF4-FFF2-40B4-BE49-F238E27FC236}">
-                <a16:creationId xmlns:a16="http://schemas.microsoft.com/office/drawing/2014/main" id="{2D3865A0-3637-40C3-860C-2FDED1EDE59D}"/>
+                <a16:creationId xmlns:a16="http://schemas.microsoft.com/office/drawing/2014/main" id="{0E423BB6-8C70-46F9-9A2C-36CA86B033C4}"/>
               </a:ext>
             </a:extLst>
           </p:cNvPr>
@@ -11712,8 +14800,8 @@
         </p:blipFill>
         <p:spPr bwMode="auto">
           <a:xfrm>
-            <a:off x="823092" y="1828598"/>
-            <a:ext cx="2119561" cy="1587625"/>
+            <a:off x="926891" y="1613781"/>
+            <a:ext cx="1911962" cy="1911962"/>
           </a:xfrm>
           <a:prstGeom prst="rect">
             <a:avLst/>
@@ -11730,12 +14818,141 @@
           </a:extLst>
         </p:spPr>
       </p:pic>
+      <p:sp>
+        <p:nvSpPr>
+          <p:cNvPr id="5" name="TextBox 4">
+            <a:extLst>
+              <a:ext uri="{FF2B5EF4-FFF2-40B4-BE49-F238E27FC236}">
+                <a16:creationId xmlns:a16="http://schemas.microsoft.com/office/drawing/2014/main" id="{73ABE359-FA57-4093-86E5-10064C0302DA}"/>
+              </a:ext>
+            </a:extLst>
+          </p:cNvPr>
+          <p:cNvSpPr txBox="1"/>
+          <p:nvPr/>
+        </p:nvSpPr>
+        <p:spPr>
+          <a:xfrm>
+            <a:off x="6267133" y="1994847"/>
+            <a:ext cx="1807408" cy="584775"/>
+          </a:xfrm>
+          <a:prstGeom prst="rect">
+            <a:avLst/>
+          </a:prstGeom>
+          <a:noFill/>
+        </p:spPr>
+        <p:txBody>
+          <a:bodyPr wrap="square" rtlCol="0">
+            <a:spAutoFit/>
+          </a:bodyPr>
+          <a:lstStyle/>
+          <a:p>
+            <a:r>
+              <a:rPr lang="ko-KR" altLang="en-US" sz="3200" dirty="0">
+                <a:solidFill>
+                  <a:srgbClr val="908DC5"/>
+                </a:solidFill>
+                <a:latin typeface="Noto Serif CJK KR Medium" panose="02020500000000000000" pitchFamily="18" charset="-127"/>
+                <a:ea typeface="Noto Serif CJK KR Medium" panose="02020500000000000000" pitchFamily="18" charset="-127"/>
+              </a:rPr>
+              <a:t>블루투스</a:t>
+            </a:r>
+            <a:r>
+              <a:rPr lang="ko-KR" altLang="en-US" sz="3200" dirty="0">
+                <a:latin typeface="Noto Sans CJK KR Regular"/>
+              </a:rPr>
+              <a:t> </a:t>
+            </a:r>
+          </a:p>
+        </p:txBody>
+      </p:sp>
+      <p:sp>
+        <p:nvSpPr>
+          <p:cNvPr id="6" name="TextBox 5">
+            <a:extLst>
+              <a:ext uri="{FF2B5EF4-FFF2-40B4-BE49-F238E27FC236}">
+                <a16:creationId xmlns:a16="http://schemas.microsoft.com/office/drawing/2014/main" id="{37C9CFE2-BE47-47EC-8BDA-35888569FA64}"/>
+              </a:ext>
+            </a:extLst>
+          </p:cNvPr>
+          <p:cNvSpPr txBox="1"/>
+          <p:nvPr/>
+        </p:nvSpPr>
+        <p:spPr>
+          <a:xfrm>
+            <a:off x="6137594" y="2979480"/>
+            <a:ext cx="2163693" cy="584775"/>
+          </a:xfrm>
+          <a:prstGeom prst="rect">
+            <a:avLst/>
+          </a:prstGeom>
+          <a:noFill/>
+        </p:spPr>
+        <p:txBody>
+          <a:bodyPr wrap="square" rtlCol="0">
+            <a:spAutoFit/>
+          </a:bodyPr>
+          <a:lstStyle/>
+          <a:p>
+            <a:r>
+              <a:rPr lang="ko-KR" altLang="en-US" sz="3200" dirty="0">
+                <a:solidFill>
+                  <a:srgbClr val="908DC5"/>
+                </a:solidFill>
+                <a:latin typeface="Noto Serif CJK KR Medium" panose="02020500000000000000" pitchFamily="18" charset="-127"/>
+                <a:ea typeface="Noto Serif CJK KR Medium" panose="02020500000000000000" pitchFamily="18" charset="-127"/>
+              </a:rPr>
+              <a:t>안드로이드</a:t>
+            </a:r>
+          </a:p>
+        </p:txBody>
+      </p:sp>
+      <p:sp>
+        <p:nvSpPr>
+          <p:cNvPr id="7" name="TextBox 6">
+            <a:extLst>
+              <a:ext uri="{FF2B5EF4-FFF2-40B4-BE49-F238E27FC236}">
+                <a16:creationId xmlns:a16="http://schemas.microsoft.com/office/drawing/2014/main" id="{0BF8CCEC-CB56-4805-9EB4-1AB9C3C03032}"/>
+              </a:ext>
+            </a:extLst>
+          </p:cNvPr>
+          <p:cNvSpPr txBox="1"/>
+          <p:nvPr/>
+        </p:nvSpPr>
+        <p:spPr>
+          <a:xfrm>
+            <a:off x="5556858" y="4092592"/>
+            <a:ext cx="3325164" cy="584775"/>
+          </a:xfrm>
+          <a:prstGeom prst="rect">
+            <a:avLst/>
+          </a:prstGeom>
+          <a:noFill/>
+        </p:spPr>
+        <p:txBody>
+          <a:bodyPr wrap="square" rtlCol="0">
+            <a:spAutoFit/>
+          </a:bodyPr>
+          <a:lstStyle/>
+          <a:p>
+            <a:r>
+              <a:rPr lang="ko-KR" altLang="en-US" sz="3200" dirty="0">
+                <a:solidFill>
+                  <a:srgbClr val="908DC5"/>
+                </a:solidFill>
+                <a:latin typeface="Noto Serif CJK KR Medium" panose="02020500000000000000" pitchFamily="18" charset="-127"/>
+                <a:ea typeface="Noto Serif CJK KR Medium" panose="02020500000000000000" pitchFamily="18" charset="-127"/>
+              </a:rPr>
+              <a:t>현재 시간 및 날씨</a:t>
+            </a:r>
+          </a:p>
+        </p:txBody>
+      </p:sp>
       <p:pic>
         <p:nvPicPr>
-          <p:cNvPr id="5124" name="Picture 4" descr="ë¸ë£¨í¬ì¤ì ëí ì´ë¯¸ì§ ê²ìê²°ê³¼">
+          <p:cNvPr id="5122" name="Picture 2" descr="ìëë¡ì´ëì ëí ì´ë¯¸ì§ ê²ìê²°ê³¼">
             <a:extLst>
               <a:ext uri="{FF2B5EF4-FFF2-40B4-BE49-F238E27FC236}">
-                <a16:creationId xmlns:a16="http://schemas.microsoft.com/office/drawing/2014/main" id="{0E423BB6-8C70-46F9-9A2C-36CA86B033C4}"/>
+                <a16:creationId xmlns:a16="http://schemas.microsoft.com/office/drawing/2014/main" id="{2D3865A0-3637-40C3-860C-2FDED1EDE59D}"/>
               </a:ext>
             </a:extLst>
           </p:cNvPr>
@@ -11759,8 +14976,8 @@
         </p:blipFill>
         <p:spPr bwMode="auto">
           <a:xfrm>
-            <a:off x="1547980" y="2529654"/>
-            <a:ext cx="1911962" cy="1911962"/>
+            <a:off x="1648847" y="2635187"/>
+            <a:ext cx="2119561" cy="1587625"/>
           </a:xfrm>
           <a:prstGeom prst="rect">
             <a:avLst/>
@@ -11824,135 +15041,6 @@
           </a:extLst>
         </p:spPr>
       </p:pic>
-      <p:sp>
-        <p:nvSpPr>
-          <p:cNvPr id="5" name="TextBox 4">
-            <a:extLst>
-              <a:ext uri="{FF2B5EF4-FFF2-40B4-BE49-F238E27FC236}">
-                <a16:creationId xmlns:a16="http://schemas.microsoft.com/office/drawing/2014/main" id="{73ABE359-FA57-4093-86E5-10064C0302DA}"/>
-              </a:ext>
-            </a:extLst>
-          </p:cNvPr>
-          <p:cNvSpPr txBox="1"/>
-          <p:nvPr/>
-        </p:nvSpPr>
-        <p:spPr>
-          <a:xfrm>
-            <a:off x="5983653" y="1966628"/>
-            <a:ext cx="2374367" cy="584775"/>
-          </a:xfrm>
-          <a:prstGeom prst="rect">
-            <a:avLst/>
-          </a:prstGeom>
-          <a:noFill/>
-        </p:spPr>
-        <p:txBody>
-          <a:bodyPr wrap="square" rtlCol="0">
-            <a:spAutoFit/>
-          </a:bodyPr>
-          <a:lstStyle/>
-          <a:p>
-            <a:r>
-              <a:rPr lang="ko-KR" altLang="en-US" sz="3200" dirty="0">
-                <a:solidFill>
-                  <a:srgbClr val="908DC5"/>
-                </a:solidFill>
-                <a:latin typeface="Noto Serif CJK KR Medium" panose="02020500000000000000" pitchFamily="18" charset="-127"/>
-                <a:ea typeface="Noto Serif CJK KR Medium" panose="02020500000000000000" pitchFamily="18" charset="-127"/>
-              </a:rPr>
-              <a:t>안드로이드</a:t>
-            </a:r>
-            <a:r>
-              <a:rPr lang="ko-KR" altLang="en-US" sz="3200" dirty="0">
-                <a:latin typeface="Noto Sans CJK KR Regular"/>
-              </a:rPr>
-              <a:t> </a:t>
-            </a:r>
-          </a:p>
-        </p:txBody>
-      </p:sp>
-      <p:sp>
-        <p:nvSpPr>
-          <p:cNvPr id="6" name="TextBox 5">
-            <a:extLst>
-              <a:ext uri="{FF2B5EF4-FFF2-40B4-BE49-F238E27FC236}">
-                <a16:creationId xmlns:a16="http://schemas.microsoft.com/office/drawing/2014/main" id="{37C9CFE2-BE47-47EC-8BDA-35888569FA64}"/>
-              </a:ext>
-            </a:extLst>
-          </p:cNvPr>
-          <p:cNvSpPr txBox="1"/>
-          <p:nvPr/>
-        </p:nvSpPr>
-        <p:spPr>
-          <a:xfrm>
-            <a:off x="6194327" y="2979481"/>
-            <a:ext cx="1828800" cy="584775"/>
-          </a:xfrm>
-          <a:prstGeom prst="rect">
-            <a:avLst/>
-          </a:prstGeom>
-          <a:noFill/>
-        </p:spPr>
-        <p:txBody>
-          <a:bodyPr wrap="square" rtlCol="0">
-            <a:spAutoFit/>
-          </a:bodyPr>
-          <a:lstStyle/>
-          <a:p>
-            <a:r>
-              <a:rPr lang="ko-KR" altLang="en-US" sz="3200" dirty="0">
-                <a:solidFill>
-                  <a:srgbClr val="908DC5"/>
-                </a:solidFill>
-                <a:latin typeface="Noto Serif CJK KR Medium" panose="02020500000000000000" pitchFamily="18" charset="-127"/>
-                <a:ea typeface="Noto Serif CJK KR Medium" panose="02020500000000000000" pitchFamily="18" charset="-127"/>
-              </a:rPr>
-              <a:t>블루투스</a:t>
-            </a:r>
-          </a:p>
-        </p:txBody>
-      </p:sp>
-      <p:sp>
-        <p:nvSpPr>
-          <p:cNvPr id="7" name="TextBox 6">
-            <a:extLst>
-              <a:ext uri="{FF2B5EF4-FFF2-40B4-BE49-F238E27FC236}">
-                <a16:creationId xmlns:a16="http://schemas.microsoft.com/office/drawing/2014/main" id="{0BF8CCEC-CB56-4805-9EB4-1AB9C3C03032}"/>
-              </a:ext>
-            </a:extLst>
-          </p:cNvPr>
-          <p:cNvSpPr txBox="1"/>
-          <p:nvPr/>
-        </p:nvSpPr>
-        <p:spPr>
-          <a:xfrm>
-            <a:off x="5446145" y="4092593"/>
-            <a:ext cx="3325164" cy="584775"/>
-          </a:xfrm>
-          <a:prstGeom prst="rect">
-            <a:avLst/>
-          </a:prstGeom>
-          <a:noFill/>
-        </p:spPr>
-        <p:txBody>
-          <a:bodyPr wrap="square" rtlCol="0">
-            <a:spAutoFit/>
-          </a:bodyPr>
-          <a:lstStyle/>
-          <a:p>
-            <a:r>
-              <a:rPr lang="ko-KR" altLang="en-US" sz="3200" dirty="0">
-                <a:solidFill>
-                  <a:srgbClr val="908DC5"/>
-                </a:solidFill>
-                <a:latin typeface="Noto Serif CJK KR Medium" panose="02020500000000000000" pitchFamily="18" charset="-127"/>
-                <a:ea typeface="Noto Serif CJK KR Medium" panose="02020500000000000000" pitchFamily="18" charset="-127"/>
-              </a:rPr>
-              <a:t>현재 시간 및 날씨</a:t>
-            </a:r>
-          </a:p>
-        </p:txBody>
-      </p:sp>
     </p:spTree>
     <p:extLst>
       <p:ext uri="{BB962C8B-B14F-4D97-AF65-F5344CB8AC3E}">
@@ -12024,7 +15112,7 @@
                                           </p:stCondLst>
                                         </p:cTn>
                                         <p:tgtEl>
-                                          <p:spTgt spid="6"/>
+                                          <p:spTgt spid="5"/>
                                         </p:tgtEl>
                                         <p:attrNameLst>
                                           <p:attrName>style.visibility</p:attrName>
@@ -12069,7 +15157,7 @@
                                           </p:stCondLst>
                                         </p:cTn>
                                         <p:tgtEl>
-                                          <p:spTgt spid="5126"/>
+                                          <p:spTgt spid="5122"/>
                                         </p:tgtEl>
                                         <p:attrNameLst>
                                           <p:attrName>style.visibility</p:attrName>
@@ -12091,6 +15179,78 @@
                                     <p:set>
                                       <p:cBhvr>
                                         <p:cTn id="14" dur="1" fill="hold">
+                                          <p:stCondLst>
+                                            <p:cond delay="0"/>
+                                          </p:stCondLst>
+                                        </p:cTn>
+                                        <p:tgtEl>
+                                          <p:spTgt spid="6"/>
+                                        </p:tgtEl>
+                                        <p:attrNameLst>
+                                          <p:attrName>style.visibility</p:attrName>
+                                        </p:attrNameLst>
+                                      </p:cBhvr>
+                                      <p:to>
+                                        <p:strVal val="visible"/>
+                                      </p:to>
+                                    </p:set>
+                                  </p:childTnLst>
+                                </p:cTn>
+                              </p:par>
+                            </p:childTnLst>
+                          </p:cTn>
+                        </p:par>
+                      </p:childTnLst>
+                    </p:cTn>
+                  </p:par>
+                  <p:par>
+                    <p:cTn id="15" fill="hold">
+                      <p:stCondLst>
+                        <p:cond delay="indefinite"/>
+                      </p:stCondLst>
+                      <p:childTnLst>
+                        <p:par>
+                          <p:cTn id="16" fill="hold">
+                            <p:stCondLst>
+                              <p:cond delay="0"/>
+                            </p:stCondLst>
+                            <p:childTnLst>
+                              <p:par>
+                                <p:cTn id="17" presetID="1" presetClass="entr" presetSubtype="0" fill="hold" nodeType="clickEffect">
+                                  <p:stCondLst>
+                                    <p:cond delay="0"/>
+                                  </p:stCondLst>
+                                  <p:childTnLst>
+                                    <p:set>
+                                      <p:cBhvr>
+                                        <p:cTn id="18" dur="1" fill="hold">
+                                          <p:stCondLst>
+                                            <p:cond delay="0"/>
+                                          </p:stCondLst>
+                                        </p:cTn>
+                                        <p:tgtEl>
+                                          <p:spTgt spid="5126"/>
+                                        </p:tgtEl>
+                                        <p:attrNameLst>
+                                          <p:attrName>style.visibility</p:attrName>
+                                        </p:attrNameLst>
+                                      </p:cBhvr>
+                                      <p:to>
+                                        <p:strVal val="visible"/>
+                                      </p:to>
+                                    </p:set>
+                                  </p:childTnLst>
+                                </p:cTn>
+                              </p:par>
+                              <p:par>
+                                <p:cTn id="19" presetID="1" presetClass="entr" presetSubtype="0" fill="hold" grpId="0" nodeType="withEffect">
+                                  <p:stCondLst>
+                                    <p:cond delay="0"/>
+                                  </p:stCondLst>
+                                  <p:childTnLst>
+                                    <p:set>
+                                      <p:cBhvr>
+                                        <p:cTn id="20" dur="1" fill="hold">
                                           <p:stCondLst>
                                             <p:cond delay="0"/>
                                           </p:stCondLst>
@@ -12137,6 +15297,7 @@
       </p:par>
     </p:tnLst>
     <p:bldLst>
+      <p:bldP spid="5" grpId="0"/>
       <p:bldP spid="6" grpId="0"/>
       <p:bldP spid="7" grpId="0"/>
     </p:bldLst>
@@ -12177,14 +15338,20 @@
       </p:grpSpPr>
       <p:sp>
         <p:nvSpPr>
-          <p:cNvPr id="16" name="직사각형 15"/>
-          <p:cNvSpPr/>
+          <p:cNvPr id="2" name="TextBox 1">
+            <a:extLst>
+              <a:ext uri="{FF2B5EF4-FFF2-40B4-BE49-F238E27FC236}">
+                <a16:creationId xmlns:a16="http://schemas.microsoft.com/office/drawing/2014/main" id="{FD300E20-E996-4FE1-8E95-DC09DAEFB5F4}"/>
+              </a:ext>
+            </a:extLst>
+          </p:cNvPr>
+          <p:cNvSpPr txBox="1"/>
           <p:nvPr/>
         </p:nvSpPr>
         <p:spPr>
           <a:xfrm>
-            <a:off x="296633" y="333481"/>
-            <a:ext cx="2658602" cy="523220"/>
+            <a:off x="399495" y="346230"/>
+            <a:ext cx="1953088" cy="800219"/>
           </a:xfrm>
           <a:prstGeom prst="rect">
             <a:avLst/>
@@ -12192,7 +15359,7 @@
           <a:noFill/>
         </p:spPr>
         <p:txBody>
-          <a:bodyPr vert="horz" wrap="square">
+          <a:bodyPr wrap="square" rtlCol="0">
             <a:spAutoFit/>
           </a:bodyPr>
           <a:lstStyle/>
@@ -12246,35 +15413,6 @@
               <a:cs typeface="+mn-cs"/>
             </a:endParaRPr>
           </a:p>
-        </p:txBody>
-      </p:sp>
-      <p:sp>
-        <p:nvSpPr>
-          <p:cNvPr id="3" name="TextBox 2">
-            <a:extLst>
-              <a:ext uri="{FF2B5EF4-FFF2-40B4-BE49-F238E27FC236}">
-                <a16:creationId xmlns:a16="http://schemas.microsoft.com/office/drawing/2014/main" id="{00B6A382-C265-4709-92CE-A4B01C8A1FC4}"/>
-              </a:ext>
-            </a:extLst>
-          </p:cNvPr>
-          <p:cNvSpPr txBox="1"/>
-          <p:nvPr/>
-        </p:nvSpPr>
-        <p:spPr>
-          <a:xfrm>
-            <a:off x="922537" y="2361460"/>
-            <a:ext cx="8060925" cy="369332"/>
-          </a:xfrm>
-          <a:prstGeom prst="rect">
-            <a:avLst/>
-          </a:prstGeom>
-          <a:noFill/>
-        </p:spPr>
-        <p:txBody>
-          <a:bodyPr wrap="square" rtlCol="0">
-            <a:spAutoFit/>
-          </a:bodyPr>
-          <a:lstStyle/>
           <a:p>
             <a:pPr marL="0" marR="0" lvl="0" indent="0" algn="l" defTabSz="914400" rtl="0" eaLnBrk="1" fontAlgn="auto" latinLnBrk="1" hangingPunct="1">
               <a:lnSpc>
@@ -12293,40 +15431,6 @@
               <a:tabLst/>
               <a:defRPr/>
             </a:pPr>
-            <a:r>
-              <a:rPr kumimoji="0" lang="ko-KR" altLang="en-US" sz="1800" b="0" i="0" u="none" strike="noStrike" kern="1200" cap="none" spc="0" normalizeH="0" baseline="0" noProof="0" dirty="0">
-                <a:ln>
-                  <a:noFill/>
-                </a:ln>
-                <a:solidFill>
-                  <a:prstClr val="black"/>
-                </a:solidFill>
-                <a:effectLst/>
-                <a:uLnTx/>
-                <a:uFillTx/>
-                <a:latin typeface="Calibri" panose="020F0502020204030204"/>
-                <a:ea typeface="맑은 고딕" panose="020B0503020000020004" pitchFamily="50" charset="-127"/>
-                <a:cs typeface="+mn-cs"/>
-              </a:rPr>
-              <a:t>코드를 추가하면 코드 넣을 곳</a:t>
-            </a:r>
-            <a:r>
-              <a:rPr kumimoji="0" lang="en-US" altLang="ko-KR" sz="1800" b="0" i="0" u="none" strike="noStrike" kern="1200" cap="none" spc="0" normalizeH="0" baseline="0" noProof="0" dirty="0">
-                <a:ln>
-                  <a:noFill/>
-                </a:ln>
-                <a:solidFill>
-                  <a:prstClr val="black"/>
-                </a:solidFill>
-                <a:effectLst/>
-                <a:uLnTx/>
-                <a:uFillTx/>
-                <a:latin typeface="Calibri" panose="020F0502020204030204"/>
-                <a:ea typeface="맑은 고딕" panose="020B0503020000020004" pitchFamily="50" charset="-127"/>
-                <a:cs typeface="+mn-cs"/>
-              </a:rPr>
-              <a:t>.</a:t>
-            </a:r>
             <a:endParaRPr kumimoji="0" lang="ko-KR" altLang="en-US" sz="1800" b="0" i="0" u="none" strike="noStrike" kern="1200" cap="none" spc="0" normalizeH="0" baseline="0" noProof="0" dirty="0">
               <a:ln>
                 <a:noFill/>
@@ -12344,10 +15448,239 @@
           </a:p>
         </p:txBody>
       </p:sp>
+      <p:pic>
+        <p:nvPicPr>
+          <p:cNvPr id="3" name="그림 2">
+            <a:extLst>
+              <a:ext uri="{FF2B5EF4-FFF2-40B4-BE49-F238E27FC236}">
+                <a16:creationId xmlns:a16="http://schemas.microsoft.com/office/drawing/2014/main" id="{6CCC13AE-B769-45BB-98A8-19B083E0DCCE}"/>
+              </a:ext>
+            </a:extLst>
+          </p:cNvPr>
+          <p:cNvPicPr>
+            <a:picLocks noChangeAspect="1"/>
+          </p:cNvPicPr>
+          <p:nvPr/>
+        </p:nvPicPr>
+        <p:blipFill>
+          <a:blip r:embed="rId3"/>
+          <a:stretch>
+            <a:fillRect/>
+          </a:stretch>
+        </p:blipFill>
+        <p:spPr>
+          <a:xfrm>
+            <a:off x="650718" y="1071804"/>
+            <a:ext cx="3403730" cy="4538307"/>
+          </a:xfrm>
+          <a:prstGeom prst="rect">
+            <a:avLst/>
+          </a:prstGeom>
+        </p:spPr>
+      </p:pic>
+      <p:sp>
+        <p:nvSpPr>
+          <p:cNvPr id="4" name="사각형: 둥근 모서리 3">
+            <a:extLst>
+              <a:ext uri="{FF2B5EF4-FFF2-40B4-BE49-F238E27FC236}">
+                <a16:creationId xmlns:a16="http://schemas.microsoft.com/office/drawing/2014/main" id="{86C3BA1E-7E39-4FE3-A508-D31C4DCE950A}"/>
+              </a:ext>
+            </a:extLst>
+          </p:cNvPr>
+          <p:cNvSpPr/>
+          <p:nvPr/>
+        </p:nvSpPr>
+        <p:spPr>
+          <a:xfrm>
+            <a:off x="1679510" y="2883159"/>
+            <a:ext cx="830425" cy="1222310"/>
+          </a:xfrm>
+          <a:prstGeom prst="roundRect">
+            <a:avLst/>
+          </a:prstGeom>
+          <a:noFill/>
+          <a:ln w="57150">
+            <a:solidFill>
+              <a:srgbClr val="FF0000"/>
+            </a:solidFill>
+          </a:ln>
+        </p:spPr>
+        <p:style>
+          <a:lnRef idx="2">
+            <a:schemeClr val="accent1">
+              <a:shade val="50000"/>
+            </a:schemeClr>
+          </a:lnRef>
+          <a:fillRef idx="1">
+            <a:schemeClr val="accent1"/>
+          </a:fillRef>
+          <a:effectRef idx="0">
+            <a:schemeClr val="accent1"/>
+          </a:effectRef>
+          <a:fontRef idx="minor">
+            <a:schemeClr val="lt1"/>
+          </a:fontRef>
+        </p:style>
+        <p:txBody>
+          <a:bodyPr rtlCol="0" anchor="ctr"/>
+          <a:lstStyle/>
+          <a:p>
+            <a:pPr algn="ctr"/>
+            <a:endParaRPr lang="ko-KR" altLang="en-US"/>
+          </a:p>
+        </p:txBody>
+      </p:sp>
+      <p:pic>
+        <p:nvPicPr>
+          <p:cNvPr id="1030" name="Picture 6" descr="HC-06ì ëí ì´ë¯¸ì§ ê²ìê²°ê³¼">
+            <a:extLst>
+              <a:ext uri="{FF2B5EF4-FFF2-40B4-BE49-F238E27FC236}">
+                <a16:creationId xmlns:a16="http://schemas.microsoft.com/office/drawing/2014/main" id="{682855E9-1BD1-442D-8D01-F7F2E41F8082}"/>
+              </a:ext>
+            </a:extLst>
+          </p:cNvPr>
+          <p:cNvPicPr>
+            <a:picLocks noChangeAspect="1" noChangeArrowheads="1"/>
+          </p:cNvPicPr>
+          <p:nvPr/>
+        </p:nvPicPr>
+        <p:blipFill>
+          <a:blip r:embed="rId4">
+            <a:extLst>
+              <a:ext uri="{28A0092B-C50C-407E-A947-70E740481C1C}">
+                <a14:useLocalDpi xmlns:a14="http://schemas.microsoft.com/office/drawing/2010/main" val="0"/>
+              </a:ext>
+            </a:extLst>
+          </a:blip>
+          <a:srcRect/>
+          <a:stretch>
+            <a:fillRect/>
+          </a:stretch>
+        </p:blipFill>
+        <p:spPr bwMode="auto">
+          <a:xfrm>
+            <a:off x="5461815" y="1524597"/>
+            <a:ext cx="3632719" cy="3632719"/>
+          </a:xfrm>
+          <a:prstGeom prst="rect">
+            <a:avLst/>
+          </a:prstGeom>
+          <a:noFill/>
+          <a:extLst>
+            <a:ext uri="{909E8E84-426E-40DD-AFC4-6F175D3DCCD1}">
+              <a14:hiddenFill xmlns:a14="http://schemas.microsoft.com/office/drawing/2010/main">
+                <a:solidFill>
+                  <a:srgbClr val="FFFFFF"/>
+                </a:solidFill>
+              </a14:hiddenFill>
+            </a:ext>
+          </a:extLst>
+        </p:spPr>
+      </p:pic>
+      <p:sp>
+        <p:nvSpPr>
+          <p:cNvPr id="8" name="TextBox 7">
+            <a:extLst>
+              <a:ext uri="{FF2B5EF4-FFF2-40B4-BE49-F238E27FC236}">
+                <a16:creationId xmlns:a16="http://schemas.microsoft.com/office/drawing/2014/main" id="{48813017-68CD-4046-BEC6-BD0C194C7740}"/>
+              </a:ext>
+            </a:extLst>
+          </p:cNvPr>
+          <p:cNvSpPr txBox="1"/>
+          <p:nvPr/>
+        </p:nvSpPr>
+        <p:spPr>
+          <a:xfrm>
+            <a:off x="5812971" y="5365102"/>
+            <a:ext cx="3088433" cy="369332"/>
+          </a:xfrm>
+          <a:prstGeom prst="rect">
+            <a:avLst/>
+          </a:prstGeom>
+          <a:noFill/>
+        </p:spPr>
+        <p:txBody>
+          <a:bodyPr wrap="square" rtlCol="0">
+            <a:spAutoFit/>
+          </a:bodyPr>
+          <a:lstStyle/>
+          <a:p>
+            <a:r>
+              <a:rPr lang="en-US" altLang="ko-KR" dirty="0">
+                <a:latin typeface="Noto Serif CJK KR Medium" panose="02020500000000000000" pitchFamily="18" charset="-127"/>
+                <a:ea typeface="Noto Serif CJK KR Medium" panose="02020500000000000000" pitchFamily="18" charset="-127"/>
+              </a:rPr>
+              <a:t>HC – 06 ( </a:t>
+            </a:r>
+            <a:r>
+              <a:rPr lang="ko-KR" altLang="en-US" dirty="0">
+                <a:latin typeface="Noto Serif CJK KR Medium" panose="02020500000000000000" pitchFamily="18" charset="-127"/>
+                <a:ea typeface="Noto Serif CJK KR Medium" panose="02020500000000000000" pitchFamily="18" charset="-127"/>
+              </a:rPr>
+              <a:t>블루투스 모듈 </a:t>
+            </a:r>
+            <a:r>
+              <a:rPr lang="en-US" altLang="ko-KR" dirty="0">
+                <a:latin typeface="Noto Serif CJK KR Medium" panose="02020500000000000000" pitchFamily="18" charset="-127"/>
+                <a:ea typeface="Noto Serif CJK KR Medium" panose="02020500000000000000" pitchFamily="18" charset="-127"/>
+              </a:rPr>
+              <a:t>)</a:t>
+            </a:r>
+            <a:endParaRPr lang="ko-KR" altLang="en-US" dirty="0">
+              <a:latin typeface="Noto Serif CJK KR Medium" panose="02020500000000000000" pitchFamily="18" charset="-127"/>
+              <a:ea typeface="Noto Serif CJK KR Medium" panose="02020500000000000000" pitchFamily="18" charset="-127"/>
+            </a:endParaRPr>
+          </a:p>
+        </p:txBody>
+      </p:sp>
+      <p:cxnSp>
+        <p:nvCxnSpPr>
+          <p:cNvPr id="10" name="직선 화살표 연결선 9">
+            <a:extLst>
+              <a:ext uri="{FF2B5EF4-FFF2-40B4-BE49-F238E27FC236}">
+                <a16:creationId xmlns:a16="http://schemas.microsoft.com/office/drawing/2014/main" id="{5352A497-511F-44F7-AFD3-48C2985C2BEC}"/>
+              </a:ext>
+            </a:extLst>
+          </p:cNvPr>
+          <p:cNvCxnSpPr>
+            <a:endCxn id="1030" idx="1"/>
+          </p:cNvCxnSpPr>
+          <p:nvPr/>
+        </p:nvCxnSpPr>
+        <p:spPr>
+          <a:xfrm flipV="1">
+            <a:off x="2509935" y="3340957"/>
+            <a:ext cx="2951880" cy="167353"/>
+          </a:xfrm>
+          <a:prstGeom prst="straightConnector1">
+            <a:avLst/>
+          </a:prstGeom>
+          <a:ln w="57150">
+            <a:solidFill>
+              <a:srgbClr val="FF0000"/>
+            </a:solidFill>
+            <a:tailEnd type="triangle"/>
+          </a:ln>
+        </p:spPr>
+        <p:style>
+          <a:lnRef idx="1">
+            <a:schemeClr val="accent1"/>
+          </a:lnRef>
+          <a:fillRef idx="0">
+            <a:schemeClr val="accent1"/>
+          </a:fillRef>
+          <a:effectRef idx="0">
+            <a:schemeClr val="accent1"/>
+          </a:effectRef>
+          <a:fontRef idx="minor">
+            <a:schemeClr val="tx1"/>
+          </a:fontRef>
+        </p:style>
+      </p:cxnSp>
     </p:spTree>
     <p:extLst>
       <p:ext uri="{BB962C8B-B14F-4D97-AF65-F5344CB8AC3E}">
-        <p14:creationId xmlns:p14="http://schemas.microsoft.com/office/powerpoint/2010/main" val="343321714"/>
+        <p14:creationId xmlns:p14="http://schemas.microsoft.com/office/powerpoint/2010/main" val="3321987811"/>
       </p:ext>
     </p:extLst>
   </p:cSld>
